--- a/project_presentation.pptx
+++ b/project_presentation.pptx
@@ -3591,6 +3591,43 @@
         </a:p>
       </dgm:t>
     </dgm:pt>
+    <dgm:pt modelId="{59291119-1E29-4E74-9FC0-BD5691099CD7}">
+      <dgm:prSet phldrT="[Text]"/>
+      <dgm:spPr/>
+      <dgm:t>
+        <a:bodyPr/>
+        <a:lstStyle/>
+        <a:p>
+          <a:r>
+            <a:rPr lang="en-GB" dirty="0" err="1"/>
+            <a:t>georeference</a:t>
+          </a:r>
+          <a:endParaRPr lang="en-GB" dirty="0"/>
+        </a:p>
+      </dgm:t>
+    </dgm:pt>
+    <dgm:pt modelId="{05E0A96D-6B51-4597-AD11-F2F1C14334F7}" type="parTrans" cxnId="{DEBD6535-DFD0-45DD-9F4B-C91F4DDA77BD}">
+      <dgm:prSet/>
+      <dgm:spPr/>
+      <dgm:t>
+        <a:bodyPr/>
+        <a:lstStyle/>
+        <a:p>
+          <a:endParaRPr lang="en-GB"/>
+        </a:p>
+      </dgm:t>
+    </dgm:pt>
+    <dgm:pt modelId="{E6E56088-B907-4EE3-BCD1-77743F04A082}" type="sibTrans" cxnId="{DEBD6535-DFD0-45DD-9F4B-C91F4DDA77BD}">
+      <dgm:prSet/>
+      <dgm:spPr/>
+      <dgm:t>
+        <a:bodyPr/>
+        <a:lstStyle/>
+        <a:p>
+          <a:endParaRPr lang="en-GB"/>
+        </a:p>
+      </dgm:t>
+    </dgm:pt>
     <dgm:pt modelId="{4E66BC1C-09CD-44F3-B7AE-CCC97F03051C}" type="pres">
       <dgm:prSet presAssocID="{F537E2FA-FA2B-4CEB-A5F4-0CD649D9031D}" presName="Name0" presStyleCnt="0">
         <dgm:presLayoutVars>
@@ -3857,15 +3894,18 @@
     </dgm:pt>
   </dgm:ptLst>
   <dgm:cxnLst>
+    <dgm:cxn modelId="{0E98D307-7F43-4058-A742-86684313360A}" type="presOf" srcId="{59291119-1E29-4E74-9FC0-BD5691099CD7}" destId="{878A1CC2-9BA0-4237-AEA2-6438964AAAD9}" srcOrd="0" destOrd="1" presId="urn:microsoft.com/office/officeart/2005/8/layout/hProcess4"/>
     <dgm:cxn modelId="{3F0A1109-D92D-49A2-92AE-0E3121D68A17}" type="presOf" srcId="{69AC95A5-C086-4F75-B1F5-835D5F983B9F}" destId="{3C406412-3C51-4212-BC2A-588FC6F6E550}" srcOrd="0" destOrd="0" presId="urn:microsoft.com/office/officeart/2005/8/layout/hProcess4"/>
     <dgm:cxn modelId="{82303509-1AC9-4531-B18F-02E8A9678DC8}" srcId="{A3006F2F-4F65-468C-B29D-300FB5921730}" destId="{1378F689-11D7-471C-AB0A-B0F030337C45}" srcOrd="0" destOrd="0" parTransId="{AE9D28E2-AE7A-4FE9-83C4-3FD1B2EAFDAB}" sibTransId="{6C72D1D1-F61E-4CCC-8ED9-F7F5966853BA}"/>
     <dgm:cxn modelId="{6E4C3511-1CD5-4099-A68D-E06727289458}" srcId="{F537E2FA-FA2B-4CEB-A5F4-0CD649D9031D}" destId="{C01671D1-875E-4044-BBC0-43E981A43D6B}" srcOrd="0" destOrd="0" parTransId="{FD5DD10F-53DC-4A1D-AFA7-36B251C7D0D3}" sibTransId="{B1637762-F063-44D9-BF93-3DA4A4621C02}"/>
     <dgm:cxn modelId="{953B6112-6BFA-4472-897F-155840E15A63}" type="presOf" srcId="{B7F2C1E7-C028-4E7A-A119-628AE6C6234E}" destId="{128022A0-5A06-4A64-B12F-872F5C91E62E}" srcOrd="1" destOrd="0" presId="urn:microsoft.com/office/officeart/2005/8/layout/hProcess4"/>
     <dgm:cxn modelId="{578ECA18-BE19-46F1-87CF-60A666116736}" type="presOf" srcId="{B1637762-F063-44D9-BF93-3DA4A4621C02}" destId="{D79F7A34-9AFD-488E-B1BE-10EAE6818318}" srcOrd="0" destOrd="0" presId="urn:microsoft.com/office/officeart/2005/8/layout/hProcess4"/>
+    <dgm:cxn modelId="{047EB922-4B16-478F-A23F-59E34BAF3034}" type="presOf" srcId="{59291119-1E29-4E74-9FC0-BD5691099CD7}" destId="{52AC3E3D-558C-4481-A898-004FF7E1E64A}" srcOrd="1" destOrd="1" presId="urn:microsoft.com/office/officeart/2005/8/layout/hProcess4"/>
     <dgm:cxn modelId="{D3EC2C23-21E1-4864-9E8C-C7E362FB992E}" type="presOf" srcId="{8352006D-0A17-4628-BC86-B6A5205A89E9}" destId="{86BDCF7A-8E72-4B24-9467-8CA118736A8F}" srcOrd="1" destOrd="1" presId="urn:microsoft.com/office/officeart/2005/8/layout/hProcess4"/>
     <dgm:cxn modelId="{C7C63E23-3EBE-400D-8EAD-3ECD3298E760}" type="presOf" srcId="{22542940-A22B-4C02-94F6-2BEA4D9988CA}" destId="{DAB245D2-053C-4DFC-9C1C-439CE91E4AE6}" srcOrd="0" destOrd="0" presId="urn:microsoft.com/office/officeart/2005/8/layout/hProcess4"/>
     <dgm:cxn modelId="{4758A02F-402C-4E3A-842C-68DBBC07EEA9}" type="presOf" srcId="{1378F689-11D7-471C-AB0A-B0F030337C45}" destId="{86BDCF7A-8E72-4B24-9467-8CA118736A8F}" srcOrd="1" destOrd="0" presId="urn:microsoft.com/office/officeart/2005/8/layout/hProcess4"/>
     <dgm:cxn modelId="{BE7DEB2F-7C00-4F18-8C37-6CA4C5BB97D0}" type="presOf" srcId="{204146BF-6155-40A7-A05D-0CD7AB0A81A9}" destId="{019E2575-FCA5-4588-BB5F-D7BF13E1CEE0}" srcOrd="0" destOrd="0" presId="urn:microsoft.com/office/officeart/2005/8/layout/hProcess4"/>
+    <dgm:cxn modelId="{DEBD6535-DFD0-45DD-9F4B-C91F4DDA77BD}" srcId="{0E928719-68D7-440D-9765-81EBD2F94C22}" destId="{59291119-1E29-4E74-9FC0-BD5691099CD7}" srcOrd="1" destOrd="0" parTransId="{05E0A96D-6B51-4597-AD11-F2F1C14334F7}" sibTransId="{E6E56088-B907-4EE3-BCD1-77743F04A082}"/>
     <dgm:cxn modelId="{E4FE9F39-8738-46C9-9F02-977BBD88804F}" srcId="{F537E2FA-FA2B-4CEB-A5F4-0CD649D9031D}" destId="{880CD8B0-B73F-4539-AA16-E532DAF11FF5}" srcOrd="3" destOrd="0" parTransId="{3BF59C67-3913-4BEA-9596-052A25F68DDC}" sibTransId="{75394124-C7CB-4002-9F34-25FF9AE4F320}"/>
     <dgm:cxn modelId="{59643D3D-A4DA-4762-B19D-E18A81DF1C15}" srcId="{880CD8B0-B73F-4539-AA16-E532DAF11FF5}" destId="{4E840C73-A7AA-4F25-A2E4-7A4E90E0F0E9}" srcOrd="1" destOrd="0" parTransId="{FDD9B3E4-6185-4018-A394-F7FBB7B63EDE}" sibTransId="{9CD4D325-7E0B-4670-8FED-E9F01D2F81E7}"/>
     <dgm:cxn modelId="{0EE8D03D-64BC-422B-B1B6-802DE860F525}" srcId="{F537E2FA-FA2B-4CEB-A5F4-0CD649D9031D}" destId="{A3006F2F-4F65-468C-B29D-300FB5921730}" srcOrd="2" destOrd="0" parTransId="{F0EFE99D-C4F4-4962-A2A5-4B6B1CF8DA8F}" sibTransId="{FA521859-A8AA-424F-A60B-9C48ADD96FF9}"/>
@@ -5013,6 +5053,25 @@
             <a:rPr lang="en-GB" sz="1200" kern="1200" dirty="0"/>
             <a:t>Customize the data</a:t>
           </a:r>
+        </a:p>
+        <a:p>
+          <a:pPr marL="114300" lvl="1" indent="-114300" algn="l" defTabSz="533400">
+            <a:lnSpc>
+              <a:spcPct val="90000"/>
+            </a:lnSpc>
+            <a:spcBef>
+              <a:spcPct val="0"/>
+            </a:spcBef>
+            <a:spcAft>
+              <a:spcPct val="15000"/>
+            </a:spcAft>
+            <a:buChar char="•"/>
+          </a:pPr>
+          <a:r>
+            <a:rPr lang="en-GB" sz="1200" kern="1200" dirty="0" err="1"/>
+            <a:t>georeference</a:t>
+          </a:r>
+          <a:endParaRPr lang="en-GB" sz="1200" kern="1200" dirty="0"/>
         </a:p>
       </dsp:txBody>
       <dsp:txXfrm>
@@ -10760,7 +10819,7 @@
           <a:p>
             <a:fld id="{3F706EB3-28CB-432B-BE3D-93E599BE6327}" type="datetimeFigureOut">
               <a:rPr lang="en-GB" smtClean="0"/>
-              <a:t>21/01/2022</a:t>
+              <a:t>25/01/2022</a:t>
             </a:fld>
             <a:endParaRPr lang="en-GB"/>
           </a:p>
@@ -11072,84 +11131,10 @@
           <a:bodyPr/>
           <a:lstStyle/>
           <a:p>
-            <a:pPr marL="0" indent="0">
-              <a:buFont typeface="Arial" panose="020B0604020202020204" pitchFamily="34" charset="0"/>
-              <a:buNone/>
-            </a:pPr>
             <a:r>
               <a:rPr lang="en-GB" dirty="0"/>
-              <a:t>ZIELE</a:t>
+              <a:t>Welcome to the presentation of Mel and I – we decided to work with the Flow Map plugin and created a project with its help.</a:t>
             </a:r>
-          </a:p>
-          <a:p>
-            <a:pPr marL="171450" indent="-171450">
-              <a:buFont typeface="Arial" panose="020B0604020202020204" pitchFamily="34" charset="0"/>
-              <a:buChar char="•"/>
-            </a:pPr>
-            <a:r>
-              <a:rPr lang="en-GB" dirty="0"/>
-              <a:t>Flow map um die Migration </a:t>
-            </a:r>
-            <a:r>
-              <a:rPr lang="en-GB" dirty="0" err="1"/>
-              <a:t>darzustellen</a:t>
-            </a:r>
-            <a:endParaRPr lang="en-GB" dirty="0"/>
-          </a:p>
-          <a:p>
-            <a:pPr marL="171450" indent="-171450">
-              <a:buFont typeface="Arial" panose="020B0604020202020204" pitchFamily="34" charset="0"/>
-              <a:buChar char="•"/>
-            </a:pPr>
-            <a:r>
-              <a:rPr lang="en-GB" dirty="0"/>
-              <a:t>Ein- und </a:t>
-            </a:r>
-            <a:r>
-              <a:rPr lang="en-GB" dirty="0" err="1"/>
-              <a:t>Auswanderungen</a:t>
-            </a:r>
-            <a:r>
-              <a:rPr lang="en-GB" dirty="0"/>
-              <a:t> </a:t>
-            </a:r>
-            <a:r>
-              <a:rPr lang="en-GB" dirty="0" err="1"/>
-              <a:t>im</a:t>
-            </a:r>
-            <a:r>
-              <a:rPr lang="en-GB" dirty="0"/>
-              <a:t> </a:t>
-            </a:r>
-            <a:r>
-              <a:rPr lang="en-GB" dirty="0" err="1"/>
-              <a:t>Jahr</a:t>
-            </a:r>
-            <a:r>
-              <a:rPr lang="en-GB" dirty="0"/>
-              <a:t> 2020</a:t>
-            </a:r>
-          </a:p>
-          <a:p>
-            <a:pPr marL="171450" indent="-171450">
-              <a:buFont typeface="Arial" panose="020B0604020202020204" pitchFamily="34" charset="0"/>
-              <a:buChar char="•"/>
-            </a:pPr>
-            <a:r>
-              <a:rPr lang="en-GB" dirty="0" err="1"/>
-              <a:t>Darstellungen</a:t>
-            </a:r>
-            <a:r>
-              <a:rPr lang="en-GB" dirty="0"/>
-              <a:t> in Leaflet</a:t>
-            </a:r>
-          </a:p>
-          <a:p>
-            <a:pPr marL="171450" indent="-171450">
-              <a:buFont typeface="Arial" panose="020B0604020202020204" pitchFamily="34" charset="0"/>
-              <a:buChar char="•"/>
-            </a:pPr>
-            <a:endParaRPr lang="en-GB" dirty="0"/>
           </a:p>
         </p:txBody>
       </p:sp>
@@ -11170,7 +11155,7 @@
           <a:p>
             <a:fld id="{89483034-6DAD-4439-842F-5AC941C32EE8}" type="slidenum">
               <a:rPr lang="en-GB" smtClean="0"/>
-              <a:t>2</a:t>
+              <a:t>1</a:t>
             </a:fld>
             <a:endParaRPr lang="en-GB"/>
           </a:p>
@@ -11179,7 +11164,7 @@
     </p:spTree>
     <p:extLst>
       <p:ext uri="{BB962C8B-B14F-4D97-AF65-F5344CB8AC3E}">
-        <p14:creationId xmlns:p14="http://schemas.microsoft.com/office/powerpoint/2010/main" val="3871285992"/>
+        <p14:creationId xmlns:p14="http://schemas.microsoft.com/office/powerpoint/2010/main" val="4145599824"/>
       </p:ext>
     </p:extLst>
   </p:cSld>
@@ -11232,6 +11217,141 @@
         <p:txBody>
           <a:bodyPr/>
           <a:lstStyle/>
+          <a:p>
+            <a:pPr marL="0" indent="0">
+              <a:buFont typeface="Arial" panose="020B0604020202020204" pitchFamily="34" charset="0"/>
+              <a:buNone/>
+            </a:pPr>
+            <a:r>
+              <a:rPr lang="en-GB" dirty="0"/>
+              <a:t>For our project we defined a set of goals:</a:t>
+            </a:r>
+          </a:p>
+          <a:p>
+            <a:pPr marL="171450" indent="-171450">
+              <a:buFont typeface="Arial" panose="020B0604020202020204" pitchFamily="34" charset="0"/>
+              <a:buChar char="•"/>
+            </a:pPr>
+            <a:r>
+              <a:rPr lang="en-GB" dirty="0"/>
+              <a:t>The first goal of ours was to create a flow map. One of the most interesting datasets for this kind of visualization is in our opinion migration data. This way we can showcase the movement of many people and it may also imply the relationship of people to other countries (for example: the most immigrants in 2020 were Germans)</a:t>
+            </a:r>
+          </a:p>
+          <a:p>
+            <a:pPr marL="171450" indent="-171450">
+              <a:buFont typeface="Arial" panose="020B0604020202020204" pitchFamily="34" charset="0"/>
+              <a:buChar char="•"/>
+            </a:pPr>
+            <a:r>
+              <a:rPr lang="en-GB" dirty="0"/>
+              <a:t>For the task, we decided to use data the immigrations and emigrations from and to Austria in the year of 2020. We obtained the according data from </a:t>
+            </a:r>
+            <a:r>
+              <a:rPr lang="en-GB" dirty="0" err="1"/>
+              <a:t>Statistik</a:t>
+            </a:r>
+            <a:r>
+              <a:rPr lang="en-GB" dirty="0"/>
+              <a:t> Austria.</a:t>
+            </a:r>
+          </a:p>
+          <a:p>
+            <a:pPr marL="171450" indent="-171450">
+              <a:buFont typeface="Arial" panose="020B0604020202020204" pitchFamily="34" charset="0"/>
+              <a:buChar char="•"/>
+            </a:pPr>
+            <a:r>
+              <a:rPr lang="en-GB" dirty="0"/>
+              <a:t>Mel and I have chosen to use Leaflet because we wanted to get to know the flow map plugin. Additionally, we preferred Leaflet because it is an open-source library and therefore we have the full control over our map.</a:t>
+            </a:r>
+          </a:p>
+        </p:txBody>
+      </p:sp>
+      <p:sp>
+        <p:nvSpPr>
+          <p:cNvPr id="4" name="Foliennummernplatzhalter 3"/>
+          <p:cNvSpPr>
+            <a:spLocks noGrp="1"/>
+          </p:cNvSpPr>
+          <p:nvPr>
+            <p:ph type="sldNum" sz="quarter" idx="5"/>
+          </p:nvPr>
+        </p:nvSpPr>
+        <p:spPr/>
+        <p:txBody>
+          <a:bodyPr/>
+          <a:lstStyle/>
+          <a:p>
+            <a:fld id="{89483034-6DAD-4439-842F-5AC941C32EE8}" type="slidenum">
+              <a:rPr lang="en-GB" smtClean="0"/>
+              <a:t>2</a:t>
+            </a:fld>
+            <a:endParaRPr lang="en-GB"/>
+          </a:p>
+        </p:txBody>
+      </p:sp>
+    </p:spTree>
+    <p:extLst>
+      <p:ext uri="{BB962C8B-B14F-4D97-AF65-F5344CB8AC3E}">
+        <p14:creationId xmlns:p14="http://schemas.microsoft.com/office/powerpoint/2010/main" val="3871285992"/>
+      </p:ext>
+    </p:extLst>
+  </p:cSld>
+  <p:clrMapOvr>
+    <a:masterClrMapping/>
+  </p:clrMapOvr>
+</p:notes>
+</file>
+
+<file path=ppt/notesSlides/notesSlide3.xml><?xml version="1.0" encoding="utf-8"?>
+<p:notes xmlns:a="http://schemas.openxmlformats.org/drawingml/2006/main" xmlns:r="http://schemas.openxmlformats.org/officeDocument/2006/relationships" xmlns:p="http://schemas.openxmlformats.org/presentationml/2006/main">
+  <p:cSld>
+    <p:spTree>
+      <p:nvGrpSpPr>
+        <p:cNvPr id="1" name=""/>
+        <p:cNvGrpSpPr/>
+        <p:nvPr/>
+      </p:nvGrpSpPr>
+      <p:grpSpPr>
+        <a:xfrm>
+          <a:off x="0" y="0"/>
+          <a:ext cx="0" cy="0"/>
+          <a:chOff x="0" y="0"/>
+          <a:chExt cx="0" cy="0"/>
+        </a:xfrm>
+      </p:grpSpPr>
+      <p:sp>
+        <p:nvSpPr>
+          <p:cNvPr id="2" name="Folienbildplatzhalter 1"/>
+          <p:cNvSpPr>
+            <a:spLocks noGrp="1" noRot="1" noChangeAspect="1"/>
+          </p:cNvSpPr>
+          <p:nvPr>
+            <p:ph type="sldImg"/>
+          </p:nvPr>
+        </p:nvSpPr>
+        <p:spPr/>
+      </p:sp>
+      <p:sp>
+        <p:nvSpPr>
+          <p:cNvPr id="3" name="Notizenplatzhalter 2"/>
+          <p:cNvSpPr>
+            <a:spLocks noGrp="1"/>
+          </p:cNvSpPr>
+          <p:nvPr>
+            <p:ph type="body" idx="1"/>
+          </p:nvPr>
+        </p:nvSpPr>
+        <p:spPr/>
+        <p:txBody>
+          <a:bodyPr/>
+          <a:lstStyle/>
+          <a:p>
+            <a:endParaRPr lang="en-GB" dirty="0"/>
+          </a:p>
+          <a:p>
+            <a:endParaRPr lang="en-GB" dirty="0"/>
+          </a:p>
           <a:p>
             <a:r>
               <a:rPr lang="en-GB" dirty="0"/>
@@ -11554,7 +11674,7 @@
 </p:notes>
 </file>
 
-<file path=ppt/notesSlides/notesSlide3.xml><?xml version="1.0" encoding="utf-8"?>
+<file path=ppt/notesSlides/notesSlide4.xml><?xml version="1.0" encoding="utf-8"?>
 <p:notes xmlns:a="http://schemas.openxmlformats.org/drawingml/2006/main" xmlns:r="http://schemas.openxmlformats.org/officeDocument/2006/relationships" xmlns:p="http://schemas.openxmlformats.org/presentationml/2006/main">
   <p:cSld>
     <p:spTree>
@@ -11662,7 +11782,7 @@
 </p:notes>
 </file>
 
-<file path=ppt/notesSlides/notesSlide4.xml><?xml version="1.0" encoding="utf-8"?>
+<file path=ppt/notesSlides/notesSlide5.xml><?xml version="1.0" encoding="utf-8"?>
 <p:notes xmlns:a="http://schemas.openxmlformats.org/drawingml/2006/main" xmlns:r="http://schemas.openxmlformats.org/officeDocument/2006/relationships" xmlns:p="http://schemas.openxmlformats.org/presentationml/2006/main">
   <p:cSld>
     <p:spTree>
@@ -11893,7 +12013,7 @@
           <a:p>
             <a:fld id="{76969C88-B244-455D-A017-012B25B1ACDD}" type="datetimeFigureOut">
               <a:rPr lang="en-US" smtClean="0"/>
-              <a:t>1/21/2022</a:t>
+              <a:t>1/25/2022</a:t>
             </a:fld>
             <a:endParaRPr lang="en-US"/>
           </a:p>
@@ -12091,7 +12211,7 @@
           <a:p>
             <a:fld id="{76969C88-B244-455D-A017-012B25B1ACDD}" type="datetimeFigureOut">
               <a:rPr lang="en-US" smtClean="0"/>
-              <a:t>1/21/2022</a:t>
+              <a:t>1/25/2022</a:t>
             </a:fld>
             <a:endParaRPr lang="en-US"/>
           </a:p>
@@ -12299,7 +12419,7 @@
           <a:p>
             <a:fld id="{76969C88-B244-455D-A017-012B25B1ACDD}" type="datetimeFigureOut">
               <a:rPr lang="en-US" smtClean="0"/>
-              <a:t>1/21/2022</a:t>
+              <a:t>1/25/2022</a:t>
             </a:fld>
             <a:endParaRPr lang="en-US"/>
           </a:p>
@@ -12498,7 +12618,7 @@
           <a:p>
             <a:fld id="{76969C88-B244-455D-A017-012B25B1ACDD}" type="datetimeFigureOut">
               <a:rPr lang="en-US" smtClean="0"/>
-              <a:t>1/21/2022</a:t>
+              <a:t>1/25/2022</a:t>
             </a:fld>
             <a:endParaRPr lang="en-US"/>
           </a:p>
@@ -12773,7 +12893,7 @@
           <a:p>
             <a:fld id="{76969C88-B244-455D-A017-012B25B1ACDD}" type="datetimeFigureOut">
               <a:rPr lang="en-US" smtClean="0"/>
-              <a:t>1/21/2022</a:t>
+              <a:t>1/25/2022</a:t>
             </a:fld>
             <a:endParaRPr lang="en-US"/>
           </a:p>
@@ -13038,7 +13158,7 @@
           <a:p>
             <a:fld id="{76969C88-B244-455D-A017-012B25B1ACDD}" type="datetimeFigureOut">
               <a:rPr lang="en-US" smtClean="0"/>
-              <a:t>1/21/2022</a:t>
+              <a:t>1/25/2022</a:t>
             </a:fld>
             <a:endParaRPr lang="en-US"/>
           </a:p>
@@ -13450,7 +13570,7 @@
           <a:p>
             <a:fld id="{76969C88-B244-455D-A017-012B25B1ACDD}" type="datetimeFigureOut">
               <a:rPr lang="en-US" smtClean="0"/>
-              <a:t>1/21/2022</a:t>
+              <a:t>1/25/2022</a:t>
             </a:fld>
             <a:endParaRPr lang="en-US"/>
           </a:p>
@@ -13591,7 +13711,7 @@
           <a:p>
             <a:fld id="{76969C88-B244-455D-A017-012B25B1ACDD}" type="datetimeFigureOut">
               <a:rPr lang="en-US" smtClean="0"/>
-              <a:t>1/21/2022</a:t>
+              <a:t>1/25/2022</a:t>
             </a:fld>
             <a:endParaRPr lang="en-US"/>
           </a:p>
@@ -13704,7 +13824,7 @@
           <a:p>
             <a:fld id="{76969C88-B244-455D-A017-012B25B1ACDD}" type="datetimeFigureOut">
               <a:rPr lang="en-US" smtClean="0"/>
-              <a:t>1/21/2022</a:t>
+              <a:t>1/25/2022</a:t>
             </a:fld>
             <a:endParaRPr lang="en-US"/>
           </a:p>
@@ -14016,7 +14136,7 @@
           <a:p>
             <a:fld id="{76969C88-B244-455D-A017-012B25B1ACDD}" type="datetimeFigureOut">
               <a:rPr lang="en-US" smtClean="0"/>
-              <a:t>1/21/2022</a:t>
+              <a:t>1/25/2022</a:t>
             </a:fld>
             <a:endParaRPr lang="en-US"/>
           </a:p>
@@ -14307,7 +14427,7 @@
           <a:p>
             <a:fld id="{76969C88-B244-455D-A017-012B25B1ACDD}" type="datetimeFigureOut">
               <a:rPr lang="en-US" smtClean="0"/>
-              <a:t>1/21/2022</a:t>
+              <a:t>1/25/2022</a:t>
             </a:fld>
             <a:endParaRPr lang="en-US"/>
           </a:p>
@@ -15063,7 +15183,7 @@
             <a:fld id="{76969C88-B244-455D-A017-012B25B1ACDD}" type="datetimeFigureOut">
               <a:rPr lang="en-US" smtClean="0"/>
               <a:pPr/>
-              <a:t>1/21/2022</a:t>
+              <a:t>1/25/2022</a:t>
             </a:fld>
             <a:endParaRPr lang="en-US"/>
           </a:p>
@@ -15591,7 +15711,7 @@
           <p:nvPr/>
         </p:nvPicPr>
         <p:blipFill rotWithShape="1">
-          <a:blip r:embed="rId2"/>
+          <a:blip r:embed="rId3"/>
           <a:srcRect t="3805" r="-1" b="-1"/>
           <a:stretch/>
         </p:blipFill>
@@ -16492,7 +16612,7 @@
             </a:pPr>
             <a:r>
               <a:rPr lang="en-GB" sz="2400" dirty="0"/>
-              <a:t>Use of leaflet</a:t>
+              <a:t>Use of Leaflet</a:t>
             </a:r>
           </a:p>
         </p:txBody>
@@ -16526,7 +16646,7 @@
           <a:lstStyle/>
           <a:p>
             <a:r>
-              <a:rPr lang="en-GB" sz="3600" dirty="0"/>
+              <a:rPr lang="en-GB" dirty="0"/>
               <a:t>Goals</a:t>
             </a:r>
           </a:p>
@@ -17173,8 +17293,8 @@
         </p:nvSpPr>
         <p:spPr>
           <a:xfrm>
-            <a:off x="718751" y="762000"/>
-            <a:ext cx="3598808" cy="2286000"/>
+            <a:off x="1121924" y="496111"/>
+            <a:ext cx="2600528" cy="953310"/>
           </a:xfrm>
         </p:spPr>
         <p:txBody>
@@ -17183,8 +17303,9 @@
           </a:bodyPr>
           <a:lstStyle/>
           <a:p>
+            <a:pPr algn="ctr"/>
             <a:r>
-              <a:rPr lang="en-GB" sz="3200">
+              <a:rPr lang="en-GB" dirty="0">
                 <a:solidFill>
                   <a:srgbClr val="FFFFFF"/>
                 </a:solidFill>
@@ -17299,7 +17420,7 @@
             <p:ph idx="1"/>
             <p:extLst>
               <p:ext uri="{D42A27DB-BD31-4B8C-83A1-F6EECF244321}">
-                <p14:modId xmlns:p14="http://schemas.microsoft.com/office/powerpoint/2010/main" val="2972492783"/>
+                <p14:modId xmlns:p14="http://schemas.microsoft.com/office/powerpoint/2010/main" val="1886172002"/>
               </p:ext>
             </p:extLst>
           </p:nvPr>
@@ -19530,12 +19651,18 @@
           <a:lstStyle/>
           <a:p>
             <a:r>
-              <a:rPr lang="en-GB" sz="2400"/>
+              <a:rPr lang="en-GB" sz="2400" dirty="0"/>
               <a:t>Visualize more than one year</a:t>
             </a:r>
           </a:p>
           <a:p>
-            <a:endParaRPr lang="en-GB" sz="2400"/>
+            <a:r>
+              <a:rPr lang="en-GB" sz="2400" dirty="0"/>
+              <a:t>Showcase the number of people more visually</a:t>
+            </a:r>
+          </a:p>
+          <a:p>
+            <a:endParaRPr lang="en-GB" sz="2400" dirty="0"/>
           </a:p>
         </p:txBody>
       </p:sp>

--- a/project_presentation.pptx
+++ b/project_presentation.pptx
@@ -5,7 +5,7 @@
     <p:sldMasterId id="2147483775" r:id="rId1"/>
   </p:sldMasterIdLst>
   <p:notesMasterIdLst>
-    <p:notesMasterId r:id="rId9"/>
+    <p:notesMasterId r:id="rId10"/>
   </p:notesMasterIdLst>
   <p:sldIdLst>
     <p:sldId id="256" r:id="rId2"/>
@@ -15,6 +15,7 @@
     <p:sldId id="260" r:id="rId6"/>
     <p:sldId id="261" r:id="rId7"/>
     <p:sldId id="262" r:id="rId8"/>
+    <p:sldId id="263" r:id="rId9"/>
   </p:sldIdLst>
   <p:sldSz cx="12192000" cy="6858000"/>
   <p:notesSz cx="6858000" cy="9144000"/>
@@ -1043,15 +1044,15 @@
 </file>
 
 <file path=ppt/diagrams/colors2.xml><?xml version="1.0" encoding="utf-8"?>
-<dgm:colorsDef xmlns:dgm="http://schemas.openxmlformats.org/drawingml/2006/diagram" xmlns:a="http://schemas.openxmlformats.org/drawingml/2006/main" uniqueId="urn:microsoft.com/office/officeart/2005/8/colors/accent1_2">
+<dgm:colorsDef xmlns:dgm="http://schemas.openxmlformats.org/drawingml/2006/diagram" xmlns:a="http://schemas.openxmlformats.org/drawingml/2006/main" uniqueId="urn:microsoft.com/office/officeart/2005/8/colors/accent5_2">
   <dgm:title val=""/>
   <dgm:desc val=""/>
   <dgm:catLst>
-    <dgm:cat type="accent1" pri="11200"/>
+    <dgm:cat type="accent5" pri="11200"/>
   </dgm:catLst>
   <dgm:styleLbl name="node0">
     <dgm:fillClrLst meth="repeat">
-      <a:schemeClr val="accent1"/>
+      <a:schemeClr val="accent5"/>
     </dgm:fillClrLst>
     <dgm:linClrLst meth="repeat">
       <a:schemeClr val="lt1"/>
@@ -1061,21 +1062,9 @@
     <dgm:txFillClrLst/>
     <dgm:txEffectClrLst/>
   </dgm:styleLbl>
-  <dgm:styleLbl name="alignNode1">
-    <dgm:fillClrLst meth="repeat">
-      <a:schemeClr val="accent1"/>
-    </dgm:fillClrLst>
-    <dgm:linClrLst meth="repeat">
-      <a:schemeClr val="accent1"/>
-    </dgm:linClrLst>
-    <dgm:effectClrLst/>
-    <dgm:txLinClrLst/>
-    <dgm:txFillClrLst/>
-    <dgm:txEffectClrLst/>
-  </dgm:styleLbl>
   <dgm:styleLbl name="node1">
     <dgm:fillClrLst meth="repeat">
-      <a:schemeClr val="accent1"/>
+      <a:schemeClr val="accent5"/>
     </dgm:fillClrLst>
     <dgm:linClrLst meth="repeat">
       <a:schemeClr val="lt1"/>
@@ -1085,9 +1074,21 @@
     <dgm:txFillClrLst/>
     <dgm:txEffectClrLst/>
   </dgm:styleLbl>
+  <dgm:styleLbl name="alignNode1">
+    <dgm:fillClrLst meth="repeat">
+      <a:schemeClr val="accent5"/>
+    </dgm:fillClrLst>
+    <dgm:linClrLst meth="repeat">
+      <a:schemeClr val="accent5"/>
+    </dgm:linClrLst>
+    <dgm:effectClrLst/>
+    <dgm:txLinClrLst/>
+    <dgm:txFillClrLst/>
+    <dgm:txEffectClrLst/>
+  </dgm:styleLbl>
   <dgm:styleLbl name="lnNode1">
     <dgm:fillClrLst meth="repeat">
-      <a:schemeClr val="accent1"/>
+      <a:schemeClr val="accent5"/>
     </dgm:fillClrLst>
     <dgm:linClrLst meth="repeat">
       <a:schemeClr val="lt1"/>
@@ -1099,7 +1100,7 @@
   </dgm:styleLbl>
   <dgm:styleLbl name="vennNode1">
     <dgm:fillClrLst meth="repeat">
-      <a:schemeClr val="accent1">
+      <a:schemeClr val="accent5">
         <a:alpha val="50000"/>
       </a:schemeClr>
     </dgm:fillClrLst>
@@ -1113,7 +1114,7 @@
   </dgm:styleLbl>
   <dgm:styleLbl name="node2">
     <dgm:fillClrLst meth="repeat">
-      <a:schemeClr val="accent1"/>
+      <a:schemeClr val="accent5"/>
     </dgm:fillClrLst>
     <dgm:linClrLst meth="repeat">
       <a:schemeClr val="lt1"/>
@@ -1125,7 +1126,7 @@
   </dgm:styleLbl>
   <dgm:styleLbl name="node3">
     <dgm:fillClrLst meth="repeat">
-      <a:schemeClr val="accent1"/>
+      <a:schemeClr val="accent5"/>
     </dgm:fillClrLst>
     <dgm:linClrLst meth="repeat">
       <a:schemeClr val="lt1"/>
@@ -1137,7 +1138,7 @@
   </dgm:styleLbl>
   <dgm:styleLbl name="node4">
     <dgm:fillClrLst meth="repeat">
-      <a:schemeClr val="accent1"/>
+      <a:schemeClr val="accent5"/>
     </dgm:fillClrLst>
     <dgm:linClrLst meth="repeat">
       <a:schemeClr val="lt1"/>
@@ -1149,7 +1150,7 @@
   </dgm:styleLbl>
   <dgm:styleLbl name="fgImgPlace1">
     <dgm:fillClrLst meth="repeat">
-      <a:schemeClr val="accent1">
+      <a:schemeClr val="accent5">
         <a:tint val="50000"/>
       </a:schemeClr>
     </dgm:fillClrLst>
@@ -1165,7 +1166,7 @@
   </dgm:styleLbl>
   <dgm:styleLbl name="alignImgPlace1">
     <dgm:fillClrLst meth="repeat">
-      <a:schemeClr val="accent1">
+      <a:schemeClr val="accent5">
         <a:tint val="50000"/>
       </a:schemeClr>
     </dgm:fillClrLst>
@@ -1181,7 +1182,7 @@
   </dgm:styleLbl>
   <dgm:styleLbl name="bgImgPlace1">
     <dgm:fillClrLst meth="repeat">
-      <a:schemeClr val="accent1">
+      <a:schemeClr val="accent5">
         <a:tint val="50000"/>
       </a:schemeClr>
     </dgm:fillClrLst>
@@ -1197,12 +1198,12 @@
   </dgm:styleLbl>
   <dgm:styleLbl name="sibTrans2D1">
     <dgm:fillClrLst meth="repeat">
-      <a:schemeClr val="accent1">
+      <a:schemeClr val="accent5">
         <a:tint val="60000"/>
       </a:schemeClr>
     </dgm:fillClrLst>
     <dgm:linClrLst meth="repeat">
-      <a:schemeClr val="accent1">
+      <a:schemeClr val="accent5">
         <a:tint val="60000"/>
       </a:schemeClr>
     </dgm:linClrLst>
@@ -1213,12 +1214,12 @@
   </dgm:styleLbl>
   <dgm:styleLbl name="fgSibTrans2D1">
     <dgm:fillClrLst meth="repeat">
-      <a:schemeClr val="accent1">
+      <a:schemeClr val="accent5">
         <a:tint val="60000"/>
       </a:schemeClr>
     </dgm:fillClrLst>
     <dgm:linClrLst meth="repeat">
-      <a:schemeClr val="accent1">
+      <a:schemeClr val="accent5">
         <a:tint val="60000"/>
       </a:schemeClr>
     </dgm:linClrLst>
@@ -1229,12 +1230,12 @@
   </dgm:styleLbl>
   <dgm:styleLbl name="bgSibTrans2D1">
     <dgm:fillClrLst meth="repeat">
-      <a:schemeClr val="accent1">
+      <a:schemeClr val="accent5">
         <a:tint val="60000"/>
       </a:schemeClr>
     </dgm:fillClrLst>
     <dgm:linClrLst meth="repeat">
-      <a:schemeClr val="accent1">
+      <a:schemeClr val="accent5">
         <a:tint val="60000"/>
       </a:schemeClr>
     </dgm:linClrLst>
@@ -1245,10 +1246,10 @@
   </dgm:styleLbl>
   <dgm:styleLbl name="sibTrans1D1">
     <dgm:fillClrLst meth="repeat">
-      <a:schemeClr val="accent1"/>
+      <a:schemeClr val="accent5"/>
     </dgm:fillClrLst>
     <dgm:linClrLst meth="repeat">
-      <a:schemeClr val="accent1"/>
+      <a:schemeClr val="accent5"/>
     </dgm:linClrLst>
     <dgm:effectClrLst/>
     <dgm:txLinClrLst/>
@@ -1259,10 +1260,10 @@
   </dgm:styleLbl>
   <dgm:styleLbl name="callout">
     <dgm:fillClrLst meth="repeat">
-      <a:schemeClr val="accent1"/>
+      <a:schemeClr val="accent5"/>
     </dgm:fillClrLst>
     <dgm:linClrLst meth="repeat">
-      <a:schemeClr val="accent1">
+      <a:schemeClr val="accent5">
         <a:tint val="50000"/>
       </a:schemeClr>
     </dgm:linClrLst>
@@ -1275,7 +1276,7 @@
   </dgm:styleLbl>
   <dgm:styleLbl name="asst0">
     <dgm:fillClrLst meth="repeat">
-      <a:schemeClr val="accent1"/>
+      <a:schemeClr val="accent5"/>
     </dgm:fillClrLst>
     <dgm:linClrLst meth="repeat">
       <a:schemeClr val="lt1"/>
@@ -1287,7 +1288,7 @@
   </dgm:styleLbl>
   <dgm:styleLbl name="asst1">
     <dgm:fillClrLst meth="repeat">
-      <a:schemeClr val="accent1"/>
+      <a:schemeClr val="accent5"/>
     </dgm:fillClrLst>
     <dgm:linClrLst meth="repeat">
       <a:schemeClr val="lt1"/>
@@ -1299,7 +1300,7 @@
   </dgm:styleLbl>
   <dgm:styleLbl name="asst2">
     <dgm:fillClrLst meth="repeat">
-      <a:schemeClr val="accent1"/>
+      <a:schemeClr val="accent5"/>
     </dgm:fillClrLst>
     <dgm:linClrLst meth="repeat">
       <a:schemeClr val="lt1"/>
@@ -1311,7 +1312,7 @@
   </dgm:styleLbl>
   <dgm:styleLbl name="asst3">
     <dgm:fillClrLst meth="repeat">
-      <a:schemeClr val="accent1"/>
+      <a:schemeClr val="accent5"/>
     </dgm:fillClrLst>
     <dgm:linClrLst meth="repeat">
       <a:schemeClr val="lt1"/>
@@ -1323,7 +1324,7 @@
   </dgm:styleLbl>
   <dgm:styleLbl name="asst4">
     <dgm:fillClrLst meth="repeat">
-      <a:schemeClr val="accent1"/>
+      <a:schemeClr val="accent5"/>
     </dgm:fillClrLst>
     <dgm:linClrLst meth="repeat">
       <a:schemeClr val="lt1"/>
@@ -1335,12 +1336,12 @@
   </dgm:styleLbl>
   <dgm:styleLbl name="parChTrans2D1">
     <dgm:fillClrLst meth="repeat">
-      <a:schemeClr val="accent1">
+      <a:schemeClr val="accent5">
         <a:tint val="60000"/>
       </a:schemeClr>
     </dgm:fillClrLst>
     <dgm:linClrLst meth="repeat">
-      <a:schemeClr val="accent1">
+      <a:schemeClr val="accent5">
         <a:tint val="60000"/>
       </a:schemeClr>
     </dgm:linClrLst>
@@ -1353,10 +1354,10 @@
   </dgm:styleLbl>
   <dgm:styleLbl name="parChTrans2D2">
     <dgm:fillClrLst meth="repeat">
-      <a:schemeClr val="accent1"/>
+      <a:schemeClr val="accent5"/>
     </dgm:fillClrLst>
     <dgm:linClrLst meth="repeat">
-      <a:schemeClr val="accent1"/>
+      <a:schemeClr val="accent5"/>
     </dgm:linClrLst>
     <dgm:effectClrLst/>
     <dgm:txLinClrLst/>
@@ -1367,10 +1368,10 @@
   </dgm:styleLbl>
   <dgm:styleLbl name="parChTrans2D3">
     <dgm:fillClrLst meth="repeat">
-      <a:schemeClr val="accent1"/>
+      <a:schemeClr val="accent5"/>
     </dgm:fillClrLst>
     <dgm:linClrLst meth="repeat">
-      <a:schemeClr val="accent1"/>
+      <a:schemeClr val="accent5"/>
     </dgm:linClrLst>
     <dgm:effectClrLst/>
     <dgm:txLinClrLst/>
@@ -1381,10 +1382,10 @@
   </dgm:styleLbl>
   <dgm:styleLbl name="parChTrans2D4">
     <dgm:fillClrLst meth="repeat">
-      <a:schemeClr val="accent1"/>
+      <a:schemeClr val="accent5"/>
     </dgm:fillClrLst>
     <dgm:linClrLst meth="repeat">
-      <a:schemeClr val="accent1"/>
+      <a:schemeClr val="accent5"/>
     </dgm:linClrLst>
     <dgm:effectClrLst/>
     <dgm:txLinClrLst/>
@@ -1395,10 +1396,10 @@
   </dgm:styleLbl>
   <dgm:styleLbl name="parChTrans1D1">
     <dgm:fillClrLst meth="repeat">
-      <a:schemeClr val="accent1"/>
+      <a:schemeClr val="accent5"/>
     </dgm:fillClrLst>
     <dgm:linClrLst meth="repeat">
-      <a:schemeClr val="accent1">
+      <a:schemeClr val="accent5">
         <a:shade val="60000"/>
       </a:schemeClr>
     </dgm:linClrLst>
@@ -1411,10 +1412,10 @@
   </dgm:styleLbl>
   <dgm:styleLbl name="parChTrans1D2">
     <dgm:fillClrLst meth="repeat">
-      <a:schemeClr val="accent1"/>
+      <a:schemeClr val="accent5"/>
     </dgm:fillClrLst>
     <dgm:linClrLst meth="repeat">
-      <a:schemeClr val="accent1">
+      <a:schemeClr val="accent5">
         <a:shade val="60000"/>
       </a:schemeClr>
     </dgm:linClrLst>
@@ -1427,10 +1428,10 @@
   </dgm:styleLbl>
   <dgm:styleLbl name="parChTrans1D3">
     <dgm:fillClrLst meth="repeat">
-      <a:schemeClr val="accent1"/>
+      <a:schemeClr val="accent5"/>
     </dgm:fillClrLst>
     <dgm:linClrLst meth="repeat">
-      <a:schemeClr val="accent1">
+      <a:schemeClr val="accent5">
         <a:shade val="80000"/>
       </a:schemeClr>
     </dgm:linClrLst>
@@ -1443,10 +1444,10 @@
   </dgm:styleLbl>
   <dgm:styleLbl name="parChTrans1D4">
     <dgm:fillClrLst meth="repeat">
-      <a:schemeClr val="accent1"/>
+      <a:schemeClr val="accent5"/>
     </dgm:fillClrLst>
     <dgm:linClrLst meth="repeat">
-      <a:schemeClr val="accent1">
+      <a:schemeClr val="accent5">
         <a:shade val="80000"/>
       </a:schemeClr>
     </dgm:linClrLst>
@@ -1464,7 +1465,7 @@
       </a:schemeClr>
     </dgm:fillClrLst>
     <dgm:linClrLst meth="repeat">
-      <a:schemeClr val="accent1"/>
+      <a:schemeClr val="accent5"/>
     </dgm:linClrLst>
     <dgm:effectClrLst/>
     <dgm:txLinClrLst/>
@@ -1480,7 +1481,7 @@
       </a:schemeClr>
     </dgm:fillClrLst>
     <dgm:linClrLst meth="repeat">
-      <a:schemeClr val="accent1"/>
+      <a:schemeClr val="accent5"/>
     </dgm:linClrLst>
     <dgm:effectClrLst/>
     <dgm:txLinClrLst/>
@@ -1496,7 +1497,7 @@
       </a:schemeClr>
     </dgm:fillClrLst>
     <dgm:linClrLst meth="repeat">
-      <a:schemeClr val="accent1"/>
+      <a:schemeClr val="accent5"/>
     </dgm:linClrLst>
     <dgm:effectClrLst/>
     <dgm:txLinClrLst/>
@@ -1512,7 +1513,7 @@
       </a:schemeClr>
     </dgm:fillClrLst>
     <dgm:linClrLst meth="repeat">
-      <a:schemeClr val="accent1"/>
+      <a:schemeClr val="accent5"/>
     </dgm:linClrLst>
     <dgm:effectClrLst/>
     <dgm:txLinClrLst/>
@@ -1528,7 +1529,7 @@
       </a:schemeClr>
     </dgm:fillClrLst>
     <dgm:linClrLst meth="repeat">
-      <a:schemeClr val="accent1"/>
+      <a:schemeClr val="accent5"/>
     </dgm:linClrLst>
     <dgm:effectClrLst/>
     <dgm:txLinClrLst/>
@@ -1542,7 +1543,7 @@
       <a:schemeClr val="lt1"/>
     </dgm:fillClrLst>
     <dgm:linClrLst meth="repeat">
-      <a:schemeClr val="accent1"/>
+      <a:schemeClr val="accent5"/>
     </dgm:linClrLst>
     <dgm:effectClrLst/>
     <dgm:txLinClrLst/>
@@ -1556,7 +1557,7 @@
       <a:schemeClr val="lt1"/>
     </dgm:fillClrLst>
     <dgm:linClrLst meth="repeat">
-      <a:schemeClr val="accent1"/>
+      <a:schemeClr val="accent5"/>
     </dgm:linClrLst>
     <dgm:effectClrLst/>
     <dgm:txLinClrLst/>
@@ -1570,7 +1571,7 @@
       <a:schemeClr val="lt1"/>
     </dgm:fillClrLst>
     <dgm:linClrLst meth="repeat">
-      <a:schemeClr val="accent1"/>
+      <a:schemeClr val="accent5"/>
     </dgm:linClrLst>
     <dgm:effectClrLst/>
     <dgm:txLinClrLst/>
@@ -1581,13 +1582,13 @@
   </dgm:styleLbl>
   <dgm:styleLbl name="fgAccFollowNode1">
     <dgm:fillClrLst meth="repeat">
-      <a:schemeClr val="accent1">
+      <a:schemeClr val="accent5">
         <a:alpha val="90000"/>
         <a:tint val="40000"/>
       </a:schemeClr>
     </dgm:fillClrLst>
     <dgm:linClrLst meth="repeat">
-      <a:schemeClr val="accent1">
+      <a:schemeClr val="accent5">
         <a:alpha val="90000"/>
         <a:tint val="40000"/>
       </a:schemeClr>
@@ -1601,13 +1602,13 @@
   </dgm:styleLbl>
   <dgm:styleLbl name="alignAccFollowNode1">
     <dgm:fillClrLst meth="repeat">
-      <a:schemeClr val="accent1">
+      <a:schemeClr val="accent5">
         <a:alpha val="90000"/>
         <a:tint val="40000"/>
       </a:schemeClr>
     </dgm:fillClrLst>
     <dgm:linClrLst meth="repeat">
-      <a:schemeClr val="accent1">
+      <a:schemeClr val="accent5">
         <a:alpha val="90000"/>
         <a:tint val="40000"/>
       </a:schemeClr>
@@ -1621,13 +1622,13 @@
   </dgm:styleLbl>
   <dgm:styleLbl name="bgAccFollowNode1">
     <dgm:fillClrLst meth="repeat">
-      <a:schemeClr val="accent1">
+      <a:schemeClr val="accent5">
         <a:alpha val="90000"/>
         <a:tint val="40000"/>
       </a:schemeClr>
     </dgm:fillClrLst>
     <dgm:linClrLst meth="repeat">
-      <a:schemeClr val="accent1">
+      <a:schemeClr val="accent5">
         <a:alpha val="90000"/>
         <a:tint val="40000"/>
       </a:schemeClr>
@@ -1646,7 +1647,7 @@
       </a:schemeClr>
     </dgm:fillClrLst>
     <dgm:linClrLst meth="repeat">
-      <a:schemeClr val="accent1"/>
+      <a:schemeClr val="accent5"/>
     </dgm:linClrLst>
     <dgm:effectClrLst/>
     <dgm:txLinClrLst/>
@@ -1662,7 +1663,7 @@
       </a:schemeClr>
     </dgm:fillClrLst>
     <dgm:linClrLst meth="repeat">
-      <a:schemeClr val="accent1"/>
+      <a:schemeClr val="accent5"/>
     </dgm:linClrLst>
     <dgm:effectClrLst/>
     <dgm:txLinClrLst/>
@@ -1678,7 +1679,7 @@
       </a:schemeClr>
     </dgm:fillClrLst>
     <dgm:linClrLst meth="repeat">
-      <a:schemeClr val="accent1"/>
+      <a:schemeClr val="accent5"/>
     </dgm:linClrLst>
     <dgm:effectClrLst/>
     <dgm:txLinClrLst/>
@@ -1694,7 +1695,7 @@
       </a:schemeClr>
     </dgm:fillClrLst>
     <dgm:linClrLst meth="repeat">
-      <a:schemeClr val="accent1"/>
+      <a:schemeClr val="accent5"/>
     </dgm:linClrLst>
     <dgm:effectClrLst/>
     <dgm:txLinClrLst/>
@@ -1705,12 +1706,12 @@
   </dgm:styleLbl>
   <dgm:styleLbl name="bgShp">
     <dgm:fillClrLst meth="repeat">
-      <a:schemeClr val="accent1">
+      <a:schemeClr val="accent5">
         <a:tint val="40000"/>
       </a:schemeClr>
     </dgm:fillClrLst>
     <dgm:linClrLst meth="repeat">
-      <a:schemeClr val="accent1"/>
+      <a:schemeClr val="accent5"/>
     </dgm:linClrLst>
     <dgm:effectClrLst/>
     <dgm:txLinClrLst/>
@@ -1721,12 +1722,12 @@
   </dgm:styleLbl>
   <dgm:styleLbl name="dkBgShp">
     <dgm:fillClrLst meth="repeat">
-      <a:schemeClr val="accent1">
+      <a:schemeClr val="accent5">
         <a:shade val="80000"/>
       </a:schemeClr>
     </dgm:fillClrLst>
     <dgm:linClrLst meth="repeat">
-      <a:schemeClr val="accent1"/>
+      <a:schemeClr val="accent5"/>
     </dgm:linClrLst>
     <dgm:effectClrLst/>
     <dgm:txLinClrLst/>
@@ -1737,13 +1738,13 @@
   </dgm:styleLbl>
   <dgm:styleLbl name="trBgShp">
     <dgm:fillClrLst meth="repeat">
-      <a:schemeClr val="accent1">
+      <a:schemeClr val="accent5">
         <a:tint val="50000"/>
         <a:alpha val="40000"/>
       </a:schemeClr>
     </dgm:fillClrLst>
     <dgm:linClrLst meth="repeat">
-      <a:schemeClr val="accent1"/>
+      <a:schemeClr val="accent5"/>
     </dgm:linClrLst>
     <dgm:effectClrLst/>
     <dgm:txLinClrLst/>
@@ -1754,7 +1755,7 @@
   </dgm:styleLbl>
   <dgm:styleLbl name="fgShp">
     <dgm:fillClrLst meth="repeat">
-      <a:schemeClr val="accent1">
+      <a:schemeClr val="accent5">
         <a:tint val="60000"/>
       </a:schemeClr>
     </dgm:fillClrLst>
@@ -2875,8 +2876,19 @@
         </dgm:style>
       </dgm:prSet>
       <dgm:spPr>
+        <a:solidFill>
+          <a:schemeClr val="accent2">
+            <a:lumMod val="60000"/>
+            <a:lumOff val="40000"/>
+          </a:schemeClr>
+        </a:solidFill>
         <a:ln>
-          <a:noFill/>
+          <a:solidFill>
+            <a:schemeClr val="accent2">
+              <a:lumMod val="60000"/>
+              <a:lumOff val="40000"/>
+            </a:schemeClr>
+          </a:solidFill>
         </a:ln>
       </dgm:spPr>
     </dgm:pt>
@@ -2933,7 +2945,10 @@
       <dgm:prSet presAssocID="{0C5D59E4-6106-47D7-8F23-DC407186E42D}" presName="iconBgRect" presStyleLbl="bgShp" presStyleIdx="1" presStyleCnt="3"/>
       <dgm:spPr>
         <a:solidFill>
-          <a:schemeClr val="bg2"/>
+          <a:schemeClr val="accent3">
+            <a:lumMod val="40000"/>
+            <a:lumOff val="60000"/>
+          </a:schemeClr>
         </a:solidFill>
       </dgm:spPr>
     </dgm:pt>
@@ -3072,7 +3087,7 @@
 <dgm:dataModel xmlns:dgm="http://schemas.openxmlformats.org/drawingml/2006/diagram" xmlns:a="http://schemas.openxmlformats.org/drawingml/2006/main">
   <dgm:ptLst>
     <dgm:pt modelId="{F537E2FA-FA2B-4CEB-A5F4-0CD649D9031D}" type="doc">
-      <dgm:prSet loTypeId="urn:microsoft.com/office/officeart/2005/8/layout/hProcess4" loCatId="process" qsTypeId="urn:microsoft.com/office/officeart/2005/8/quickstyle/simple4" qsCatId="simple" csTypeId="urn:microsoft.com/office/officeart/2005/8/colors/accent1_2" csCatId="accent1" phldr="1"/>
+      <dgm:prSet loTypeId="urn:microsoft.com/office/officeart/2005/8/layout/process5" loCatId="process" qsTypeId="urn:microsoft.com/office/officeart/2005/8/quickstyle/simple1" qsCatId="simple" csTypeId="urn:microsoft.com/office/officeart/2005/8/colors/accent5_2" csCatId="accent5" phldr="1"/>
       <dgm:spPr/>
       <dgm:t>
         <a:bodyPr/>
@@ -3090,8 +3105,8 @@
         <a:lstStyle/>
         <a:p>
           <a:r>
-            <a:rPr lang="en-GB" dirty="0"/>
-            <a:t>1</a:t>
+            <a:rPr lang="en-GB" b="1" dirty="0"/>
+            <a:t>Find suitable data</a:t>
           </a:r>
         </a:p>
       </dgm:t>
@@ -3118,78 +3133,6 @@
         </a:p>
       </dgm:t>
     </dgm:pt>
-    <dgm:pt modelId="{C8318DFA-7080-4D57-BCE4-B9D89F054143}">
-      <dgm:prSet phldrT="[Text]"/>
-      <dgm:spPr/>
-      <dgm:t>
-        <a:bodyPr/>
-        <a:lstStyle/>
-        <a:p>
-          <a:r>
-            <a:rPr lang="en-GB" dirty="0"/>
-            <a:t>find suitable data</a:t>
-          </a:r>
-        </a:p>
-      </dgm:t>
-    </dgm:pt>
-    <dgm:pt modelId="{68DFF1E5-2A70-4409-93FB-C038F2B51E83}" type="parTrans" cxnId="{B59F4865-D4B0-4897-8E18-372E2CEB2405}">
-      <dgm:prSet/>
-      <dgm:spPr/>
-      <dgm:t>
-        <a:bodyPr/>
-        <a:lstStyle/>
-        <a:p>
-          <a:endParaRPr lang="en-GB"/>
-        </a:p>
-      </dgm:t>
-    </dgm:pt>
-    <dgm:pt modelId="{5452EFC8-EA19-4314-BAC9-57DC556AE69A}" type="sibTrans" cxnId="{B59F4865-D4B0-4897-8E18-372E2CEB2405}">
-      <dgm:prSet/>
-      <dgm:spPr/>
-      <dgm:t>
-        <a:bodyPr/>
-        <a:lstStyle/>
-        <a:p>
-          <a:endParaRPr lang="en-GB"/>
-        </a:p>
-      </dgm:t>
-    </dgm:pt>
-    <dgm:pt modelId="{0E928719-68D7-440D-9765-81EBD2F94C22}">
-      <dgm:prSet phldrT="[Text]"/>
-      <dgm:spPr/>
-      <dgm:t>
-        <a:bodyPr/>
-        <a:lstStyle/>
-        <a:p>
-          <a:r>
-            <a:rPr lang="en-GB" dirty="0"/>
-            <a:t>2</a:t>
-          </a:r>
-        </a:p>
-      </dgm:t>
-    </dgm:pt>
-    <dgm:pt modelId="{200A18BC-1AF1-49B3-A94B-CE7D1FA1ED84}" type="parTrans" cxnId="{C0C768A4-B5A2-4182-816B-F2688CEFADDD}">
-      <dgm:prSet/>
-      <dgm:spPr/>
-      <dgm:t>
-        <a:bodyPr/>
-        <a:lstStyle/>
-        <a:p>
-          <a:endParaRPr lang="en-GB"/>
-        </a:p>
-      </dgm:t>
-    </dgm:pt>
-    <dgm:pt modelId="{69AC95A5-C086-4F75-B1F5-835D5F983B9F}" type="sibTrans" cxnId="{C0C768A4-B5A2-4182-816B-F2688CEFADDD}">
-      <dgm:prSet/>
-      <dgm:spPr/>
-      <dgm:t>
-        <a:bodyPr/>
-        <a:lstStyle/>
-        <a:p>
-          <a:endParaRPr lang="en-GB"/>
-        </a:p>
-      </dgm:t>
-    </dgm:pt>
     <dgm:pt modelId="{361E2A5A-C799-4224-8F80-37BDC480E398}">
       <dgm:prSet phldrT="[Text]"/>
       <dgm:spPr/>
@@ -3198,8 +3141,8 @@
         <a:lstStyle/>
         <a:p>
           <a:r>
-            <a:rPr lang="en-GB" dirty="0"/>
-            <a:t>Customize the data</a:t>
+            <a:rPr lang="en-GB" b="1" dirty="0"/>
+            <a:t>Geocode the data</a:t>
           </a:r>
         </a:p>
       </dgm:t>
@@ -3234,8 +3177,8 @@
         <a:lstStyle/>
         <a:p>
           <a:r>
-            <a:rPr lang="en-GB" dirty="0"/>
-            <a:t>3</a:t>
+            <a:rPr lang="en-GB" b="1" dirty="0"/>
+            <a:t>Customize the data</a:t>
           </a:r>
         </a:p>
       </dgm:t>
@@ -3262,191 +3205,6 @@
         </a:p>
       </dgm:t>
     </dgm:pt>
-    <dgm:pt modelId="{1378F689-11D7-471C-AB0A-B0F030337C45}">
-      <dgm:prSet phldrT="[Text]"/>
-      <dgm:spPr/>
-      <dgm:t>
-        <a:bodyPr/>
-        <a:lstStyle/>
-        <a:p>
-          <a:r>
-            <a:rPr lang="en-GB" dirty="0"/>
-            <a:t>coding</a:t>
-          </a:r>
-        </a:p>
-      </dgm:t>
-    </dgm:pt>
-    <dgm:pt modelId="{AE9D28E2-AE7A-4FE9-83C4-3FD1B2EAFDAB}" type="parTrans" cxnId="{82303509-1AC9-4531-B18F-02E8A9678DC8}">
-      <dgm:prSet/>
-      <dgm:spPr/>
-      <dgm:t>
-        <a:bodyPr/>
-        <a:lstStyle/>
-        <a:p>
-          <a:endParaRPr lang="en-GB"/>
-        </a:p>
-      </dgm:t>
-    </dgm:pt>
-    <dgm:pt modelId="{6C72D1D1-F61E-4CCC-8ED9-F7F5966853BA}" type="sibTrans" cxnId="{82303509-1AC9-4531-B18F-02E8A9678DC8}">
-      <dgm:prSet/>
-      <dgm:spPr/>
-      <dgm:t>
-        <a:bodyPr/>
-        <a:lstStyle/>
-        <a:p>
-          <a:endParaRPr lang="en-GB"/>
-        </a:p>
-      </dgm:t>
-    </dgm:pt>
-    <dgm:pt modelId="{880CD8B0-B73F-4539-AA16-E532DAF11FF5}">
-      <dgm:prSet phldrT="[Text]"/>
-      <dgm:spPr/>
-      <dgm:t>
-        <a:bodyPr/>
-        <a:lstStyle/>
-        <a:p>
-          <a:r>
-            <a:rPr lang="en-GB" dirty="0"/>
-            <a:t>4</a:t>
-          </a:r>
-        </a:p>
-      </dgm:t>
-    </dgm:pt>
-    <dgm:pt modelId="{3BF59C67-3913-4BEA-9596-052A25F68DDC}" type="parTrans" cxnId="{E4FE9F39-8738-46C9-9F02-977BBD88804F}">
-      <dgm:prSet/>
-      <dgm:spPr/>
-      <dgm:t>
-        <a:bodyPr/>
-        <a:lstStyle/>
-        <a:p>
-          <a:endParaRPr lang="en-GB"/>
-        </a:p>
-      </dgm:t>
-    </dgm:pt>
-    <dgm:pt modelId="{75394124-C7CB-4002-9F34-25FF9AE4F320}" type="sibTrans" cxnId="{E4FE9F39-8738-46C9-9F02-977BBD88804F}">
-      <dgm:prSet/>
-      <dgm:spPr/>
-      <dgm:t>
-        <a:bodyPr/>
-        <a:lstStyle/>
-        <a:p>
-          <a:endParaRPr lang="en-GB"/>
-        </a:p>
-      </dgm:t>
-    </dgm:pt>
-    <dgm:pt modelId="{22542940-A22B-4C02-94F6-2BEA4D9988CA}">
-      <dgm:prSet phldrT="[Text]"/>
-      <dgm:spPr/>
-      <dgm:t>
-        <a:bodyPr/>
-        <a:lstStyle/>
-        <a:p>
-          <a:r>
-            <a:rPr lang="en-GB" dirty="0"/>
-            <a:t>more coding?</a:t>
-          </a:r>
-        </a:p>
-      </dgm:t>
-    </dgm:pt>
-    <dgm:pt modelId="{CECAB021-1023-4A07-B27B-1E5841201194}" type="parTrans" cxnId="{0B523688-4A58-4947-870B-709F8053885A}">
-      <dgm:prSet/>
-      <dgm:spPr/>
-      <dgm:t>
-        <a:bodyPr/>
-        <a:lstStyle/>
-        <a:p>
-          <a:endParaRPr lang="en-GB"/>
-        </a:p>
-      </dgm:t>
-    </dgm:pt>
-    <dgm:pt modelId="{0B167E38-E5A1-4AD9-A4EE-0430CC708197}" type="sibTrans" cxnId="{0B523688-4A58-4947-870B-709F8053885A}">
-      <dgm:prSet/>
-      <dgm:spPr/>
-      <dgm:t>
-        <a:bodyPr/>
-        <a:lstStyle/>
-        <a:p>
-          <a:endParaRPr lang="en-GB"/>
-        </a:p>
-      </dgm:t>
-    </dgm:pt>
-    <dgm:pt modelId="{8352006D-0A17-4628-BC86-B6A5205A89E9}">
-      <dgm:prSet phldrT="[Text]"/>
-      <dgm:spPr/>
-      <dgm:t>
-        <a:bodyPr/>
-        <a:lstStyle/>
-        <a:p>
-          <a:r>
-            <a:rPr lang="en-GB" dirty="0"/>
-            <a:t>Ask Mel</a:t>
-          </a:r>
-        </a:p>
-      </dgm:t>
-    </dgm:pt>
-    <dgm:pt modelId="{A14723A2-EE61-4EDD-B06D-64565ABD109D}" type="parTrans" cxnId="{D6A0B4E8-E9F6-4813-A40B-65BAA439F546}">
-      <dgm:prSet/>
-      <dgm:spPr/>
-      <dgm:t>
-        <a:bodyPr/>
-        <a:lstStyle/>
-        <a:p>
-          <a:endParaRPr lang="en-GB"/>
-        </a:p>
-      </dgm:t>
-    </dgm:pt>
-    <dgm:pt modelId="{8E2608AA-2F3A-4A2E-BC34-D8FE3F3072CE}" type="sibTrans" cxnId="{D6A0B4E8-E9F6-4813-A40B-65BAA439F546}">
-      <dgm:prSet/>
-      <dgm:spPr/>
-      <dgm:t>
-        <a:bodyPr/>
-        <a:lstStyle/>
-        <a:p>
-          <a:endParaRPr lang="en-GB"/>
-        </a:p>
-      </dgm:t>
-    </dgm:pt>
-    <dgm:pt modelId="{4E840C73-A7AA-4F25-A2E4-7A4E90E0F0E9}">
-      <dgm:prSet phldrT="[Text]"/>
-      <dgm:spPr/>
-      <dgm:t>
-        <a:bodyPr/>
-        <a:lstStyle/>
-        <a:p>
-          <a:r>
-            <a:rPr lang="en-GB" dirty="0"/>
-            <a:t>Ask </a:t>
-          </a:r>
-          <a:r>
-            <a:rPr lang="en-GB" dirty="0" err="1"/>
-            <a:t>mel</a:t>
-          </a:r>
-          <a:endParaRPr lang="en-GB" dirty="0"/>
-        </a:p>
-      </dgm:t>
-    </dgm:pt>
-    <dgm:pt modelId="{FDD9B3E4-6185-4018-A394-F7FBB7B63EDE}" type="parTrans" cxnId="{59643D3D-A4DA-4762-B19D-E18A81DF1C15}">
-      <dgm:prSet/>
-      <dgm:spPr/>
-      <dgm:t>
-        <a:bodyPr/>
-        <a:lstStyle/>
-        <a:p>
-          <a:endParaRPr lang="en-GB"/>
-        </a:p>
-      </dgm:t>
-    </dgm:pt>
-    <dgm:pt modelId="{9CD4D325-7E0B-4670-8FED-E9F01D2F81E7}" type="sibTrans" cxnId="{59643D3D-A4DA-4762-B19D-E18A81DF1C15}">
-      <dgm:prSet/>
-      <dgm:spPr/>
-      <dgm:t>
-        <a:bodyPr/>
-        <a:lstStyle/>
-        <a:p>
-          <a:endParaRPr lang="en-GB"/>
-        </a:p>
-      </dgm:t>
-    </dgm:pt>
     <dgm:pt modelId="{6FE6F260-D4F5-4A0B-A434-8319F4F42D94}">
       <dgm:prSet phldrT="[Text]"/>
       <dgm:spPr/>
@@ -3455,8 +3213,8 @@
         <a:lstStyle/>
         <a:p>
           <a:r>
-            <a:rPr lang="en-GB" dirty="0"/>
-            <a:t>5</a:t>
+            <a:rPr lang="en-GB" b="1" dirty="0"/>
+            <a:t>Presentation</a:t>
           </a:r>
         </a:p>
       </dgm:t>
@@ -3483,42 +3241,6 @@
         </a:p>
       </dgm:t>
     </dgm:pt>
-    <dgm:pt modelId="{F3B5B533-4FE0-4C28-AD53-DBCF8A8BEC03}">
-      <dgm:prSet phldrT="[Text]"/>
-      <dgm:spPr/>
-      <dgm:t>
-        <a:bodyPr/>
-        <a:lstStyle/>
-        <a:p>
-          <a:r>
-            <a:rPr lang="en-GB" dirty="0"/>
-            <a:t>Presentation</a:t>
-          </a:r>
-        </a:p>
-      </dgm:t>
-    </dgm:pt>
-    <dgm:pt modelId="{97A9C8AF-74E0-44A1-B96E-8D676F1C1327}" type="parTrans" cxnId="{A7E4679E-619C-4218-9D84-B2D89F62C39D}">
-      <dgm:prSet/>
-      <dgm:spPr/>
-      <dgm:t>
-        <a:bodyPr/>
-        <a:lstStyle/>
-        <a:p>
-          <a:endParaRPr lang="en-GB"/>
-        </a:p>
-      </dgm:t>
-    </dgm:pt>
-    <dgm:pt modelId="{30336881-5230-41AF-BC15-A0CF00C16F16}" type="sibTrans" cxnId="{A7E4679E-619C-4218-9D84-B2D89F62C39D}">
-      <dgm:prSet/>
-      <dgm:spPr/>
-      <dgm:t>
-        <a:bodyPr/>
-        <a:lstStyle/>
-        <a:p>
-          <a:endParaRPr lang="en-GB"/>
-        </a:p>
-      </dgm:t>
-    </dgm:pt>
     <dgm:pt modelId="{5B46BDD8-F25B-47D0-A0DB-0FE25432A10E}">
       <dgm:prSet phldrT="[Text]"/>
       <dgm:spPr/>
@@ -3527,8 +3249,8 @@
         <a:lstStyle/>
         <a:p>
           <a:r>
-            <a:rPr lang="en-GB" dirty="0"/>
-            <a:t>6 </a:t>
+            <a:rPr lang="en-GB" b="1" dirty="0"/>
+            <a:t>Documentation</a:t>
           </a:r>
         </a:p>
       </dgm:t>
@@ -3555,7 +3277,7 @@
         </a:p>
       </dgm:t>
     </dgm:pt>
-    <dgm:pt modelId="{B7F2C1E7-C028-4E7A-A119-628AE6C6234E}">
+    <dgm:pt modelId="{DC318166-160B-49C9-AABB-EABA15AAD971}">
       <dgm:prSet phldrT="[Text]"/>
       <dgm:spPr/>
       <dgm:t>
@@ -3563,13 +3285,13 @@
         <a:lstStyle/>
         <a:p>
           <a:r>
-            <a:rPr lang="en-GB" dirty="0"/>
-            <a:t>documentation</a:t>
+            <a:rPr lang="en-GB" b="1" dirty="0"/>
+            <a:t>Integrate data in code</a:t>
           </a:r>
         </a:p>
       </dgm:t>
     </dgm:pt>
-    <dgm:pt modelId="{6F6F4998-5DC1-4579-A56A-768F85E6C231}" type="parTrans" cxnId="{1D9F4CB8-FFF4-4E2B-9802-83A9EF1F068D}">
+    <dgm:pt modelId="{AC179EE8-5647-4161-84CA-161338BA6790}" type="parTrans" cxnId="{542143BF-2D05-43F1-A2D8-1DDFA194F0F9}">
       <dgm:prSet/>
       <dgm:spPr/>
       <dgm:t>
@@ -3580,7 +3302,7 @@
         </a:p>
       </dgm:t>
     </dgm:pt>
-    <dgm:pt modelId="{A45F6FCF-DFFF-4085-B56F-E2CEEC18106E}" type="sibTrans" cxnId="{1D9F4CB8-FFF4-4E2B-9802-83A9EF1F068D}">
+    <dgm:pt modelId="{34E722E9-645D-4446-84E1-338FC722D11A}" type="sibTrans" cxnId="{542143BF-2D05-43F1-A2D8-1DDFA194F0F9}">
       <dgm:prSet/>
       <dgm:spPr/>
       <dgm:t>
@@ -3591,7 +3313,7 @@
         </a:p>
       </dgm:t>
     </dgm:pt>
-    <dgm:pt modelId="{59291119-1E29-4E74-9FC0-BD5691099CD7}">
+    <dgm:pt modelId="{6BDF2217-9BEF-4BED-83C6-F0140FA072B8}">
       <dgm:prSet phldrT="[Text]"/>
       <dgm:spPr/>
       <dgm:t>
@@ -3599,14 +3321,13 @@
         <a:lstStyle/>
         <a:p>
           <a:r>
-            <a:rPr lang="en-GB" dirty="0" err="1"/>
-            <a:t>georeference</a:t>
+            <a:rPr lang="en-GB" b="1" dirty="0"/>
+            <a:t>Customize UI</a:t>
           </a:r>
-          <a:endParaRPr lang="en-GB" dirty="0"/>
         </a:p>
       </dgm:t>
     </dgm:pt>
-    <dgm:pt modelId="{05E0A96D-6B51-4597-AD11-F2F1C14334F7}" type="parTrans" cxnId="{DEBD6535-DFD0-45DD-9F4B-C91F4DDA77BD}">
+    <dgm:pt modelId="{263B9547-0E64-4E48-9882-B137FE48522B}" type="parTrans" cxnId="{5A5A8ED0-8801-4947-88BC-8018458C6E43}">
       <dgm:prSet/>
       <dgm:spPr/>
       <dgm:t>
@@ -3617,7 +3338,7 @@
         </a:p>
       </dgm:t>
     </dgm:pt>
-    <dgm:pt modelId="{E6E56088-B907-4EE3-BCD1-77743F04A082}" type="sibTrans" cxnId="{DEBD6535-DFD0-45DD-9F4B-C91F4DDA77BD}">
+    <dgm:pt modelId="{72A6A4EF-E2ED-4B42-A7B0-C0C6C6460A43}" type="sibTrans" cxnId="{5A5A8ED0-8801-4947-88BC-8018458C6E43}">
       <dgm:prSet/>
       <dgm:spPr/>
       <dgm:t>
@@ -3628,361 +3349,226 @@
         </a:p>
       </dgm:t>
     </dgm:pt>
-    <dgm:pt modelId="{4E66BC1C-09CD-44F3-B7AE-CCC97F03051C}" type="pres">
-      <dgm:prSet presAssocID="{F537E2FA-FA2B-4CEB-A5F4-0CD649D9031D}" presName="Name0" presStyleCnt="0">
+    <dgm:pt modelId="{64F8F191-7C7A-4C3E-A591-9C75391BB634}">
+      <dgm:prSet phldrT="[Text]"/>
+      <dgm:spPr/>
+      <dgm:t>
+        <a:bodyPr/>
+        <a:lstStyle/>
+        <a:p>
+          <a:r>
+            <a:rPr lang="en-GB" b="1" dirty="0"/>
+            <a:t>Style Map</a:t>
+          </a:r>
+        </a:p>
+      </dgm:t>
+    </dgm:pt>
+    <dgm:pt modelId="{B835669E-66DB-4BDB-81B8-73C602A1DABD}" type="parTrans" cxnId="{25A10600-0F33-4E81-9DEC-B66D9CD894BF}">
+      <dgm:prSet/>
+      <dgm:spPr/>
+      <dgm:t>
+        <a:bodyPr/>
+        <a:lstStyle/>
+        <a:p>
+          <a:endParaRPr lang="en-GB"/>
+        </a:p>
+      </dgm:t>
+    </dgm:pt>
+    <dgm:pt modelId="{EEDDA5FC-1CC8-45BE-98EA-FFDD63E26F54}" type="sibTrans" cxnId="{25A10600-0F33-4E81-9DEC-B66D9CD894BF}">
+      <dgm:prSet/>
+      <dgm:spPr/>
+      <dgm:t>
+        <a:bodyPr/>
+        <a:lstStyle/>
+        <a:p>
+          <a:endParaRPr lang="en-GB"/>
+        </a:p>
+      </dgm:t>
+    </dgm:pt>
+    <dgm:pt modelId="{0E04CFEB-5C36-4638-840B-8B1537D4E48B}" type="pres">
+      <dgm:prSet presAssocID="{F537E2FA-FA2B-4CEB-A5F4-0CD649D9031D}" presName="diagram" presStyleCnt="0">
         <dgm:presLayoutVars>
           <dgm:dir/>
-          <dgm:animLvl val="lvl"/>
           <dgm:resizeHandles val="exact"/>
         </dgm:presLayoutVars>
       </dgm:prSet>
       <dgm:spPr/>
     </dgm:pt>
-    <dgm:pt modelId="{3B200E25-F7DD-4A18-BDED-D955B2C20008}" type="pres">
-      <dgm:prSet presAssocID="{F537E2FA-FA2B-4CEB-A5F4-0CD649D9031D}" presName="tSp" presStyleCnt="0"/>
-      <dgm:spPr/>
-    </dgm:pt>
-    <dgm:pt modelId="{88E25ECD-5718-4026-BA2D-F762301F0BF4}" type="pres">
-      <dgm:prSet presAssocID="{F537E2FA-FA2B-4CEB-A5F4-0CD649D9031D}" presName="bSp" presStyleCnt="0"/>
-      <dgm:spPr/>
-    </dgm:pt>
-    <dgm:pt modelId="{E2E1AEE7-8112-4B49-B578-728276BACC09}" type="pres">
-      <dgm:prSet presAssocID="{F537E2FA-FA2B-4CEB-A5F4-0CD649D9031D}" presName="process" presStyleCnt="0"/>
-      <dgm:spPr/>
-    </dgm:pt>
-    <dgm:pt modelId="{7CE0CECB-868B-4312-9711-E22680CD2202}" type="pres">
-      <dgm:prSet presAssocID="{C01671D1-875E-4044-BBC0-43E981A43D6B}" presName="composite1" presStyleCnt="0"/>
-      <dgm:spPr/>
-    </dgm:pt>
-    <dgm:pt modelId="{836F0022-D649-42BD-8F09-646EB4FA72A1}" type="pres">
-      <dgm:prSet presAssocID="{C01671D1-875E-4044-BBC0-43E981A43D6B}" presName="dummyNode1" presStyleLbl="node1" presStyleIdx="0" presStyleCnt="6"/>
-      <dgm:spPr/>
-    </dgm:pt>
-    <dgm:pt modelId="{EA318C2D-5619-43B5-B15E-7C837F49B673}" type="pres">
-      <dgm:prSet presAssocID="{C01671D1-875E-4044-BBC0-43E981A43D6B}" presName="childNode1" presStyleLbl="bgAcc1" presStyleIdx="0" presStyleCnt="6">
+    <dgm:pt modelId="{A0E0BAF7-B62A-41CD-8FF8-FE4472F6BD3B}" type="pres">
+      <dgm:prSet presAssocID="{C01671D1-875E-4044-BBC0-43E981A43D6B}" presName="node" presStyleLbl="node1" presStyleIdx="0" presStyleCnt="8">
         <dgm:presLayoutVars>
           <dgm:bulletEnabled val="1"/>
         </dgm:presLayoutVars>
       </dgm:prSet>
       <dgm:spPr/>
     </dgm:pt>
-    <dgm:pt modelId="{14564D61-BC57-42CB-89AF-E4FF68967432}" type="pres">
-      <dgm:prSet presAssocID="{C01671D1-875E-4044-BBC0-43E981A43D6B}" presName="childNode1tx" presStyleLbl="bgAcc1" presStyleIdx="0" presStyleCnt="6">
+    <dgm:pt modelId="{0EE62A16-BC2C-412C-8587-DFD4F9C9BCF6}" type="pres">
+      <dgm:prSet presAssocID="{B1637762-F063-44D9-BF93-3DA4A4621C02}" presName="sibTrans" presStyleLbl="sibTrans2D1" presStyleIdx="0" presStyleCnt="7"/>
+      <dgm:spPr/>
+    </dgm:pt>
+    <dgm:pt modelId="{08EA00C4-6F5B-4679-87FF-B76A725B347A}" type="pres">
+      <dgm:prSet presAssocID="{B1637762-F063-44D9-BF93-3DA4A4621C02}" presName="connectorText" presStyleLbl="sibTrans2D1" presStyleIdx="0" presStyleCnt="7"/>
+      <dgm:spPr/>
+    </dgm:pt>
+    <dgm:pt modelId="{E2D734D7-0991-4EAE-9001-164BDFC6A18C}" type="pres">
+      <dgm:prSet presAssocID="{361E2A5A-C799-4224-8F80-37BDC480E398}" presName="node" presStyleLbl="node1" presStyleIdx="1" presStyleCnt="8">
         <dgm:presLayoutVars>
           <dgm:bulletEnabled val="1"/>
         </dgm:presLayoutVars>
       </dgm:prSet>
       <dgm:spPr/>
     </dgm:pt>
-    <dgm:pt modelId="{F8C4BD97-2FC4-4647-A010-9D953E50F635}" type="pres">
-      <dgm:prSet presAssocID="{C01671D1-875E-4044-BBC0-43E981A43D6B}" presName="parentNode1" presStyleLbl="node1" presStyleIdx="0" presStyleCnt="6">
-        <dgm:presLayoutVars>
-          <dgm:chMax val="1"/>
-          <dgm:bulletEnabled val="1"/>
-        </dgm:presLayoutVars>
-      </dgm:prSet>
+    <dgm:pt modelId="{F4CB3D13-F034-4361-AB36-A9E76FD73E44}" type="pres">
+      <dgm:prSet presAssocID="{700F64B2-13BB-4877-A2C3-31AD671B7B70}" presName="sibTrans" presStyleLbl="sibTrans2D1" presStyleIdx="1" presStyleCnt="7"/>
       <dgm:spPr/>
     </dgm:pt>
-    <dgm:pt modelId="{B33DCCE8-205D-412A-A87F-4B9017C54DA2}" type="pres">
-      <dgm:prSet presAssocID="{C01671D1-875E-4044-BBC0-43E981A43D6B}" presName="connSite1" presStyleCnt="0"/>
+    <dgm:pt modelId="{F16164A6-0C36-47CD-9BE7-EF055FBD64D8}" type="pres">
+      <dgm:prSet presAssocID="{700F64B2-13BB-4877-A2C3-31AD671B7B70}" presName="connectorText" presStyleLbl="sibTrans2D1" presStyleIdx="1" presStyleCnt="7"/>
       <dgm:spPr/>
     </dgm:pt>
-    <dgm:pt modelId="{D79F7A34-9AFD-488E-B1BE-10EAE6818318}" type="pres">
-      <dgm:prSet presAssocID="{B1637762-F063-44D9-BF93-3DA4A4621C02}" presName="Name9" presStyleLbl="sibTrans2D1" presStyleIdx="0" presStyleCnt="5"/>
-      <dgm:spPr/>
-    </dgm:pt>
-    <dgm:pt modelId="{F0DA2438-CC56-41B3-9382-A66AF5E76B25}" type="pres">
-      <dgm:prSet presAssocID="{0E928719-68D7-440D-9765-81EBD2F94C22}" presName="composite2" presStyleCnt="0"/>
-      <dgm:spPr/>
-    </dgm:pt>
-    <dgm:pt modelId="{273074F4-1D32-44C8-A27D-B4108A93C452}" type="pres">
-      <dgm:prSet presAssocID="{0E928719-68D7-440D-9765-81EBD2F94C22}" presName="dummyNode2" presStyleLbl="node1" presStyleIdx="0" presStyleCnt="6"/>
-      <dgm:spPr/>
-    </dgm:pt>
-    <dgm:pt modelId="{878A1CC2-9BA0-4237-AEA2-6438964AAAD9}" type="pres">
-      <dgm:prSet presAssocID="{0E928719-68D7-440D-9765-81EBD2F94C22}" presName="childNode2" presStyleLbl="bgAcc1" presStyleIdx="1" presStyleCnt="6">
+    <dgm:pt modelId="{45E39FD0-983D-48A2-8B66-57F38C0D3E20}" type="pres">
+      <dgm:prSet presAssocID="{A3006F2F-4F65-468C-B29D-300FB5921730}" presName="node" presStyleLbl="node1" presStyleIdx="2" presStyleCnt="8">
         <dgm:presLayoutVars>
           <dgm:bulletEnabled val="1"/>
         </dgm:presLayoutVars>
       </dgm:prSet>
       <dgm:spPr/>
     </dgm:pt>
-    <dgm:pt modelId="{52AC3E3D-558C-4481-A898-004FF7E1E64A}" type="pres">
-      <dgm:prSet presAssocID="{0E928719-68D7-440D-9765-81EBD2F94C22}" presName="childNode2tx" presStyleLbl="bgAcc1" presStyleIdx="1" presStyleCnt="6">
+    <dgm:pt modelId="{C97F4CF1-E260-43EE-B6E3-523CEB6C8E46}" type="pres">
+      <dgm:prSet presAssocID="{FA521859-A8AA-424F-A60B-9C48ADD96FF9}" presName="sibTrans" presStyleLbl="sibTrans2D1" presStyleIdx="2" presStyleCnt="7"/>
+      <dgm:spPr/>
+    </dgm:pt>
+    <dgm:pt modelId="{1CCF4B65-2BD1-43F4-ABF9-C66BF9AC3FA0}" type="pres">
+      <dgm:prSet presAssocID="{FA521859-A8AA-424F-A60B-9C48ADD96FF9}" presName="connectorText" presStyleLbl="sibTrans2D1" presStyleIdx="2" presStyleCnt="7"/>
+      <dgm:spPr/>
+    </dgm:pt>
+    <dgm:pt modelId="{6B61D9A9-24AB-47F9-AF4A-9C655CA64581}" type="pres">
+      <dgm:prSet presAssocID="{DC318166-160B-49C9-AABB-EABA15AAD971}" presName="node" presStyleLbl="node1" presStyleIdx="3" presStyleCnt="8">
         <dgm:presLayoutVars>
           <dgm:bulletEnabled val="1"/>
         </dgm:presLayoutVars>
       </dgm:prSet>
       <dgm:spPr/>
     </dgm:pt>
-    <dgm:pt modelId="{421EA899-DAAB-4CC5-9B64-0D92149EDEA6}" type="pres">
-      <dgm:prSet presAssocID="{0E928719-68D7-440D-9765-81EBD2F94C22}" presName="parentNode2" presStyleLbl="node1" presStyleIdx="1" presStyleCnt="6">
-        <dgm:presLayoutVars>
-          <dgm:chMax val="0"/>
-          <dgm:bulletEnabled val="1"/>
-        </dgm:presLayoutVars>
-      </dgm:prSet>
+    <dgm:pt modelId="{21C03704-8F9D-4DD4-B13F-656991CCFF14}" type="pres">
+      <dgm:prSet presAssocID="{34E722E9-645D-4446-84E1-338FC722D11A}" presName="sibTrans" presStyleLbl="sibTrans2D1" presStyleIdx="3" presStyleCnt="7"/>
       <dgm:spPr/>
     </dgm:pt>
-    <dgm:pt modelId="{EF01D22C-55AB-4805-9F93-DA37FA2D8F0D}" type="pres">
-      <dgm:prSet presAssocID="{0E928719-68D7-440D-9765-81EBD2F94C22}" presName="connSite2" presStyleCnt="0"/>
+    <dgm:pt modelId="{3ECA75E3-99D2-4C70-8B7D-35655F7119D6}" type="pres">
+      <dgm:prSet presAssocID="{34E722E9-645D-4446-84E1-338FC722D11A}" presName="connectorText" presStyleLbl="sibTrans2D1" presStyleIdx="3" presStyleCnt="7"/>
       <dgm:spPr/>
     </dgm:pt>
-    <dgm:pt modelId="{3C406412-3C51-4212-BC2A-588FC6F6E550}" type="pres">
-      <dgm:prSet presAssocID="{69AC95A5-C086-4F75-B1F5-835D5F983B9F}" presName="Name18" presStyleLbl="sibTrans2D1" presStyleIdx="1" presStyleCnt="5"/>
-      <dgm:spPr/>
-    </dgm:pt>
-    <dgm:pt modelId="{19A462D1-220D-4783-80B1-3D5E02FE5EDF}" type="pres">
-      <dgm:prSet presAssocID="{A3006F2F-4F65-468C-B29D-300FB5921730}" presName="composite1" presStyleCnt="0"/>
-      <dgm:spPr/>
-    </dgm:pt>
-    <dgm:pt modelId="{9A46BB91-53A4-4AE3-8C27-31D2D6A1382B}" type="pres">
-      <dgm:prSet presAssocID="{A3006F2F-4F65-468C-B29D-300FB5921730}" presName="dummyNode1" presStyleLbl="node1" presStyleIdx="1" presStyleCnt="6"/>
-      <dgm:spPr/>
-    </dgm:pt>
-    <dgm:pt modelId="{2837F126-2C9E-4820-8C36-6562DE4C4C7F}" type="pres">
-      <dgm:prSet presAssocID="{A3006F2F-4F65-468C-B29D-300FB5921730}" presName="childNode1" presStyleLbl="bgAcc1" presStyleIdx="2" presStyleCnt="6">
+    <dgm:pt modelId="{A2257742-F918-49C3-9836-8897BA74CD6C}" type="pres">
+      <dgm:prSet presAssocID="{6BDF2217-9BEF-4BED-83C6-F0140FA072B8}" presName="node" presStyleLbl="node1" presStyleIdx="4" presStyleCnt="8">
         <dgm:presLayoutVars>
           <dgm:bulletEnabled val="1"/>
         </dgm:presLayoutVars>
       </dgm:prSet>
       <dgm:spPr/>
     </dgm:pt>
-    <dgm:pt modelId="{86BDCF7A-8E72-4B24-9467-8CA118736A8F}" type="pres">
-      <dgm:prSet presAssocID="{A3006F2F-4F65-468C-B29D-300FB5921730}" presName="childNode1tx" presStyleLbl="bgAcc1" presStyleIdx="2" presStyleCnt="6">
+    <dgm:pt modelId="{73FB8B1F-A3E9-435D-9E5C-08246B666D13}" type="pres">
+      <dgm:prSet presAssocID="{72A6A4EF-E2ED-4B42-A7B0-C0C6C6460A43}" presName="sibTrans" presStyleLbl="sibTrans2D1" presStyleIdx="4" presStyleCnt="7"/>
+      <dgm:spPr/>
+    </dgm:pt>
+    <dgm:pt modelId="{043C0E15-FBB8-478D-BA81-5FFEEBE714E2}" type="pres">
+      <dgm:prSet presAssocID="{72A6A4EF-E2ED-4B42-A7B0-C0C6C6460A43}" presName="connectorText" presStyleLbl="sibTrans2D1" presStyleIdx="4" presStyleCnt="7"/>
+      <dgm:spPr/>
+    </dgm:pt>
+    <dgm:pt modelId="{A418990B-279E-4AC3-98F0-94A0ACCF38B7}" type="pres">
+      <dgm:prSet presAssocID="{64F8F191-7C7A-4C3E-A591-9C75391BB634}" presName="node" presStyleLbl="node1" presStyleIdx="5" presStyleCnt="8">
         <dgm:presLayoutVars>
           <dgm:bulletEnabled val="1"/>
         </dgm:presLayoutVars>
       </dgm:prSet>
       <dgm:spPr/>
     </dgm:pt>
-    <dgm:pt modelId="{5B460114-0C81-421E-88F2-123EB5D6CA62}" type="pres">
-      <dgm:prSet presAssocID="{A3006F2F-4F65-468C-B29D-300FB5921730}" presName="parentNode1" presStyleLbl="node1" presStyleIdx="2" presStyleCnt="6">
-        <dgm:presLayoutVars>
-          <dgm:chMax val="1"/>
-          <dgm:bulletEnabled val="1"/>
-        </dgm:presLayoutVars>
-      </dgm:prSet>
+    <dgm:pt modelId="{35D3B8CA-3C6F-405C-BF54-341CAE8812C2}" type="pres">
+      <dgm:prSet presAssocID="{EEDDA5FC-1CC8-45BE-98EA-FFDD63E26F54}" presName="sibTrans" presStyleLbl="sibTrans2D1" presStyleIdx="5" presStyleCnt="7"/>
       <dgm:spPr/>
     </dgm:pt>
-    <dgm:pt modelId="{9BE21904-4480-4E0D-8643-92EC2B59E74A}" type="pres">
-      <dgm:prSet presAssocID="{A3006F2F-4F65-468C-B29D-300FB5921730}" presName="connSite1" presStyleCnt="0"/>
+    <dgm:pt modelId="{4BE62AF3-487E-402E-94FB-D958A3B0CEE8}" type="pres">
+      <dgm:prSet presAssocID="{EEDDA5FC-1CC8-45BE-98EA-FFDD63E26F54}" presName="connectorText" presStyleLbl="sibTrans2D1" presStyleIdx="5" presStyleCnt="7"/>
       <dgm:spPr/>
     </dgm:pt>
-    <dgm:pt modelId="{A3A91BBA-10B2-4A43-BB13-EE9FAE99A9A0}" type="pres">
-      <dgm:prSet presAssocID="{FA521859-A8AA-424F-A60B-9C48ADD96FF9}" presName="Name9" presStyleLbl="sibTrans2D1" presStyleIdx="2" presStyleCnt="5"/>
-      <dgm:spPr/>
-    </dgm:pt>
-    <dgm:pt modelId="{A1308B31-550A-4582-A4FB-4E2416B3126D}" type="pres">
-      <dgm:prSet presAssocID="{880CD8B0-B73F-4539-AA16-E532DAF11FF5}" presName="composite2" presStyleCnt="0"/>
-      <dgm:spPr/>
-    </dgm:pt>
-    <dgm:pt modelId="{F061BBB4-83B8-41B5-9B9D-FE14C8EF9042}" type="pres">
-      <dgm:prSet presAssocID="{880CD8B0-B73F-4539-AA16-E532DAF11FF5}" presName="dummyNode2" presStyleLbl="node1" presStyleIdx="2" presStyleCnt="6"/>
-      <dgm:spPr/>
-    </dgm:pt>
-    <dgm:pt modelId="{DAB245D2-053C-4DFC-9C1C-439CE91E4AE6}" type="pres">
-      <dgm:prSet presAssocID="{880CD8B0-B73F-4539-AA16-E532DAF11FF5}" presName="childNode2" presStyleLbl="bgAcc1" presStyleIdx="3" presStyleCnt="6">
+    <dgm:pt modelId="{B2D783FC-7BC6-4B5E-BA0A-902EE8586B8C}" type="pres">
+      <dgm:prSet presAssocID="{6FE6F260-D4F5-4A0B-A434-8319F4F42D94}" presName="node" presStyleLbl="node1" presStyleIdx="6" presStyleCnt="8">
         <dgm:presLayoutVars>
           <dgm:bulletEnabled val="1"/>
         </dgm:presLayoutVars>
       </dgm:prSet>
       <dgm:spPr/>
     </dgm:pt>
-    <dgm:pt modelId="{66D56254-58B0-48F6-BB02-572A32CC7CDC}" type="pres">
-      <dgm:prSet presAssocID="{880CD8B0-B73F-4539-AA16-E532DAF11FF5}" presName="childNode2tx" presStyleLbl="bgAcc1" presStyleIdx="3" presStyleCnt="6">
+    <dgm:pt modelId="{24F7BC5E-B3AC-46D2-9739-85D232A360FA}" type="pres">
+      <dgm:prSet presAssocID="{204146BF-6155-40A7-A05D-0CD7AB0A81A9}" presName="sibTrans" presStyleLbl="sibTrans2D1" presStyleIdx="6" presStyleCnt="7"/>
+      <dgm:spPr/>
+    </dgm:pt>
+    <dgm:pt modelId="{4311ACC3-D672-4369-BF16-913BF299ECBD}" type="pres">
+      <dgm:prSet presAssocID="{204146BF-6155-40A7-A05D-0CD7AB0A81A9}" presName="connectorText" presStyleLbl="sibTrans2D1" presStyleIdx="6" presStyleCnt="7"/>
+      <dgm:spPr/>
+    </dgm:pt>
+    <dgm:pt modelId="{FA9394A2-6FB9-440D-8B08-CC253A63D7CF}" type="pres">
+      <dgm:prSet presAssocID="{5B46BDD8-F25B-47D0-A0DB-0FE25432A10E}" presName="node" presStyleLbl="node1" presStyleIdx="7" presStyleCnt="8">
         <dgm:presLayoutVars>
           <dgm:bulletEnabled val="1"/>
         </dgm:presLayoutVars>
       </dgm:prSet>
       <dgm:spPr/>
     </dgm:pt>
-    <dgm:pt modelId="{76111756-439E-4CD9-964D-2CAFA668C38E}" type="pres">
-      <dgm:prSet presAssocID="{880CD8B0-B73F-4539-AA16-E532DAF11FF5}" presName="parentNode2" presStyleLbl="node1" presStyleIdx="3" presStyleCnt="6">
-        <dgm:presLayoutVars>
-          <dgm:chMax val="0"/>
-          <dgm:bulletEnabled val="1"/>
-        </dgm:presLayoutVars>
-      </dgm:prSet>
-      <dgm:spPr/>
-    </dgm:pt>
-    <dgm:pt modelId="{9910BA54-7336-4272-979E-759F29136FE2}" type="pres">
-      <dgm:prSet presAssocID="{880CD8B0-B73F-4539-AA16-E532DAF11FF5}" presName="connSite2" presStyleCnt="0"/>
-      <dgm:spPr/>
-    </dgm:pt>
-    <dgm:pt modelId="{8451E439-7DA7-460C-A8E7-176B38B2FE47}" type="pres">
-      <dgm:prSet presAssocID="{75394124-C7CB-4002-9F34-25FF9AE4F320}" presName="Name18" presStyleLbl="sibTrans2D1" presStyleIdx="3" presStyleCnt="5"/>
-      <dgm:spPr/>
-    </dgm:pt>
-    <dgm:pt modelId="{EF824471-6BCC-4FB5-A94E-14546DF63F5C}" type="pres">
-      <dgm:prSet presAssocID="{6FE6F260-D4F5-4A0B-A434-8319F4F42D94}" presName="composite1" presStyleCnt="0"/>
-      <dgm:spPr/>
-    </dgm:pt>
-    <dgm:pt modelId="{5863FB6F-7A02-43E7-840F-50DF68399AE7}" type="pres">
-      <dgm:prSet presAssocID="{6FE6F260-D4F5-4A0B-A434-8319F4F42D94}" presName="dummyNode1" presStyleLbl="node1" presStyleIdx="3" presStyleCnt="6"/>
-      <dgm:spPr/>
-    </dgm:pt>
-    <dgm:pt modelId="{5308E246-39B3-485C-8AC8-A0DAC021FA01}" type="pres">
-      <dgm:prSet presAssocID="{6FE6F260-D4F5-4A0B-A434-8319F4F42D94}" presName="childNode1" presStyleLbl="bgAcc1" presStyleIdx="4" presStyleCnt="6">
-        <dgm:presLayoutVars>
-          <dgm:bulletEnabled val="1"/>
-        </dgm:presLayoutVars>
-      </dgm:prSet>
-      <dgm:spPr/>
-    </dgm:pt>
-    <dgm:pt modelId="{DF8FBB7B-16D5-4F41-AF78-B368861F3F6C}" type="pres">
-      <dgm:prSet presAssocID="{6FE6F260-D4F5-4A0B-A434-8319F4F42D94}" presName="childNode1tx" presStyleLbl="bgAcc1" presStyleIdx="4" presStyleCnt="6">
-        <dgm:presLayoutVars>
-          <dgm:bulletEnabled val="1"/>
-        </dgm:presLayoutVars>
-      </dgm:prSet>
-      <dgm:spPr/>
-    </dgm:pt>
-    <dgm:pt modelId="{9CF0C416-AFAD-4458-A22F-45F394BB096B}" type="pres">
-      <dgm:prSet presAssocID="{6FE6F260-D4F5-4A0B-A434-8319F4F42D94}" presName="parentNode1" presStyleLbl="node1" presStyleIdx="4" presStyleCnt="6">
-        <dgm:presLayoutVars>
-          <dgm:chMax val="1"/>
-          <dgm:bulletEnabled val="1"/>
-        </dgm:presLayoutVars>
-      </dgm:prSet>
-      <dgm:spPr/>
-    </dgm:pt>
-    <dgm:pt modelId="{DEEAAA68-FE60-4A30-803D-DA72F502BDE7}" type="pres">
-      <dgm:prSet presAssocID="{6FE6F260-D4F5-4A0B-A434-8319F4F42D94}" presName="connSite1" presStyleCnt="0"/>
-      <dgm:spPr/>
-    </dgm:pt>
-    <dgm:pt modelId="{019E2575-FCA5-4588-BB5F-D7BF13E1CEE0}" type="pres">
-      <dgm:prSet presAssocID="{204146BF-6155-40A7-A05D-0CD7AB0A81A9}" presName="Name9" presStyleLbl="sibTrans2D1" presStyleIdx="4" presStyleCnt="5"/>
-      <dgm:spPr/>
-    </dgm:pt>
-    <dgm:pt modelId="{36297871-BE02-4934-922F-A85C7D92BC10}" type="pres">
-      <dgm:prSet presAssocID="{5B46BDD8-F25B-47D0-A0DB-0FE25432A10E}" presName="composite2" presStyleCnt="0"/>
-      <dgm:spPr/>
-    </dgm:pt>
-    <dgm:pt modelId="{4DCB647C-85BB-4A03-B0FB-F9ADC69B7644}" type="pres">
-      <dgm:prSet presAssocID="{5B46BDD8-F25B-47D0-A0DB-0FE25432A10E}" presName="dummyNode2" presStyleLbl="node1" presStyleIdx="4" presStyleCnt="6"/>
-      <dgm:spPr/>
-    </dgm:pt>
-    <dgm:pt modelId="{CCEDAD1A-AA6B-4459-987F-C101737CA6BD}" type="pres">
-      <dgm:prSet presAssocID="{5B46BDD8-F25B-47D0-A0DB-0FE25432A10E}" presName="childNode2" presStyleLbl="bgAcc1" presStyleIdx="5" presStyleCnt="6">
-        <dgm:presLayoutVars>
-          <dgm:bulletEnabled val="1"/>
-        </dgm:presLayoutVars>
-      </dgm:prSet>
-      <dgm:spPr/>
-    </dgm:pt>
-    <dgm:pt modelId="{128022A0-5A06-4A64-B12F-872F5C91E62E}" type="pres">
-      <dgm:prSet presAssocID="{5B46BDD8-F25B-47D0-A0DB-0FE25432A10E}" presName="childNode2tx" presStyleLbl="bgAcc1" presStyleIdx="5" presStyleCnt="6">
-        <dgm:presLayoutVars>
-          <dgm:bulletEnabled val="1"/>
-        </dgm:presLayoutVars>
-      </dgm:prSet>
-      <dgm:spPr/>
-    </dgm:pt>
-    <dgm:pt modelId="{DABC9F98-3574-4FC5-9062-DFD6562F70B4}" type="pres">
-      <dgm:prSet presAssocID="{5B46BDD8-F25B-47D0-A0DB-0FE25432A10E}" presName="parentNode2" presStyleLbl="node1" presStyleIdx="5" presStyleCnt="6">
-        <dgm:presLayoutVars>
-          <dgm:chMax val="0"/>
-          <dgm:bulletEnabled val="1"/>
-        </dgm:presLayoutVars>
-      </dgm:prSet>
-      <dgm:spPr/>
-    </dgm:pt>
-    <dgm:pt modelId="{66502447-C2CE-4C02-AEBB-E433F73A5E09}" type="pres">
-      <dgm:prSet presAssocID="{5B46BDD8-F25B-47D0-A0DB-0FE25432A10E}" presName="connSite2" presStyleCnt="0"/>
-      <dgm:spPr/>
-    </dgm:pt>
   </dgm:ptLst>
   <dgm:cxnLst>
-    <dgm:cxn modelId="{0E98D307-7F43-4058-A742-86684313360A}" type="presOf" srcId="{59291119-1E29-4E74-9FC0-BD5691099CD7}" destId="{878A1CC2-9BA0-4237-AEA2-6438964AAAD9}" srcOrd="0" destOrd="1" presId="urn:microsoft.com/office/officeart/2005/8/layout/hProcess4"/>
-    <dgm:cxn modelId="{3F0A1109-D92D-49A2-92AE-0E3121D68A17}" type="presOf" srcId="{69AC95A5-C086-4F75-B1F5-835D5F983B9F}" destId="{3C406412-3C51-4212-BC2A-588FC6F6E550}" srcOrd="0" destOrd="0" presId="urn:microsoft.com/office/officeart/2005/8/layout/hProcess4"/>
-    <dgm:cxn modelId="{82303509-1AC9-4531-B18F-02E8A9678DC8}" srcId="{A3006F2F-4F65-468C-B29D-300FB5921730}" destId="{1378F689-11D7-471C-AB0A-B0F030337C45}" srcOrd="0" destOrd="0" parTransId="{AE9D28E2-AE7A-4FE9-83C4-3FD1B2EAFDAB}" sibTransId="{6C72D1D1-F61E-4CCC-8ED9-F7F5966853BA}"/>
+    <dgm:cxn modelId="{25A10600-0F33-4E81-9DEC-B66D9CD894BF}" srcId="{F537E2FA-FA2B-4CEB-A5F4-0CD649D9031D}" destId="{64F8F191-7C7A-4C3E-A591-9C75391BB634}" srcOrd="5" destOrd="0" parTransId="{B835669E-66DB-4BDB-81B8-73C602A1DABD}" sibTransId="{EEDDA5FC-1CC8-45BE-98EA-FFDD63E26F54}"/>
+    <dgm:cxn modelId="{07824509-2541-4925-9BDA-434212596D58}" type="presOf" srcId="{72A6A4EF-E2ED-4B42-A7B0-C0C6C6460A43}" destId="{73FB8B1F-A3E9-435D-9E5C-08246B666D13}" srcOrd="0" destOrd="0" presId="urn:microsoft.com/office/officeart/2005/8/layout/process5"/>
+    <dgm:cxn modelId="{E3FCC010-360C-44C5-A449-344E85DB790D}" type="presOf" srcId="{A3006F2F-4F65-468C-B29D-300FB5921730}" destId="{45E39FD0-983D-48A2-8B66-57F38C0D3E20}" srcOrd="0" destOrd="0" presId="urn:microsoft.com/office/officeart/2005/8/layout/process5"/>
     <dgm:cxn modelId="{6E4C3511-1CD5-4099-A68D-E06727289458}" srcId="{F537E2FA-FA2B-4CEB-A5F4-0CD649D9031D}" destId="{C01671D1-875E-4044-BBC0-43E981A43D6B}" srcOrd="0" destOrd="0" parTransId="{FD5DD10F-53DC-4A1D-AFA7-36B251C7D0D3}" sibTransId="{B1637762-F063-44D9-BF93-3DA4A4621C02}"/>
-    <dgm:cxn modelId="{953B6112-6BFA-4472-897F-155840E15A63}" type="presOf" srcId="{B7F2C1E7-C028-4E7A-A119-628AE6C6234E}" destId="{128022A0-5A06-4A64-B12F-872F5C91E62E}" srcOrd="1" destOrd="0" presId="urn:microsoft.com/office/officeart/2005/8/layout/hProcess4"/>
-    <dgm:cxn modelId="{578ECA18-BE19-46F1-87CF-60A666116736}" type="presOf" srcId="{B1637762-F063-44D9-BF93-3DA4A4621C02}" destId="{D79F7A34-9AFD-488E-B1BE-10EAE6818318}" srcOrd="0" destOrd="0" presId="urn:microsoft.com/office/officeart/2005/8/layout/hProcess4"/>
-    <dgm:cxn modelId="{047EB922-4B16-478F-A23F-59E34BAF3034}" type="presOf" srcId="{59291119-1E29-4E74-9FC0-BD5691099CD7}" destId="{52AC3E3D-558C-4481-A898-004FF7E1E64A}" srcOrd="1" destOrd="1" presId="urn:microsoft.com/office/officeart/2005/8/layout/hProcess4"/>
-    <dgm:cxn modelId="{D3EC2C23-21E1-4864-9E8C-C7E362FB992E}" type="presOf" srcId="{8352006D-0A17-4628-BC86-B6A5205A89E9}" destId="{86BDCF7A-8E72-4B24-9467-8CA118736A8F}" srcOrd="1" destOrd="1" presId="urn:microsoft.com/office/officeart/2005/8/layout/hProcess4"/>
-    <dgm:cxn modelId="{C7C63E23-3EBE-400D-8EAD-3ECD3298E760}" type="presOf" srcId="{22542940-A22B-4C02-94F6-2BEA4D9988CA}" destId="{DAB245D2-053C-4DFC-9C1C-439CE91E4AE6}" srcOrd="0" destOrd="0" presId="urn:microsoft.com/office/officeart/2005/8/layout/hProcess4"/>
-    <dgm:cxn modelId="{4758A02F-402C-4E3A-842C-68DBBC07EEA9}" type="presOf" srcId="{1378F689-11D7-471C-AB0A-B0F030337C45}" destId="{86BDCF7A-8E72-4B24-9467-8CA118736A8F}" srcOrd="1" destOrd="0" presId="urn:microsoft.com/office/officeart/2005/8/layout/hProcess4"/>
-    <dgm:cxn modelId="{BE7DEB2F-7C00-4F18-8C37-6CA4C5BB97D0}" type="presOf" srcId="{204146BF-6155-40A7-A05D-0CD7AB0A81A9}" destId="{019E2575-FCA5-4588-BB5F-D7BF13E1CEE0}" srcOrd="0" destOrd="0" presId="urn:microsoft.com/office/officeart/2005/8/layout/hProcess4"/>
-    <dgm:cxn modelId="{DEBD6535-DFD0-45DD-9F4B-C91F4DDA77BD}" srcId="{0E928719-68D7-440D-9765-81EBD2F94C22}" destId="{59291119-1E29-4E74-9FC0-BD5691099CD7}" srcOrd="1" destOrd="0" parTransId="{05E0A96D-6B51-4597-AD11-F2F1C14334F7}" sibTransId="{E6E56088-B907-4EE3-BCD1-77743F04A082}"/>
-    <dgm:cxn modelId="{E4FE9F39-8738-46C9-9F02-977BBD88804F}" srcId="{F537E2FA-FA2B-4CEB-A5F4-0CD649D9031D}" destId="{880CD8B0-B73F-4539-AA16-E532DAF11FF5}" srcOrd="3" destOrd="0" parTransId="{3BF59C67-3913-4BEA-9596-052A25F68DDC}" sibTransId="{75394124-C7CB-4002-9F34-25FF9AE4F320}"/>
-    <dgm:cxn modelId="{59643D3D-A4DA-4762-B19D-E18A81DF1C15}" srcId="{880CD8B0-B73F-4539-AA16-E532DAF11FF5}" destId="{4E840C73-A7AA-4F25-A2E4-7A4E90E0F0E9}" srcOrd="1" destOrd="0" parTransId="{FDD9B3E4-6185-4018-A394-F7FBB7B63EDE}" sibTransId="{9CD4D325-7E0B-4670-8FED-E9F01D2F81E7}"/>
+    <dgm:cxn modelId="{C99A7614-84E8-421B-BF35-06C9DA0E3BA0}" type="presOf" srcId="{361E2A5A-C799-4224-8F80-37BDC480E398}" destId="{E2D734D7-0991-4EAE-9001-164BDFC6A18C}" srcOrd="0" destOrd="0" presId="urn:microsoft.com/office/officeart/2005/8/layout/process5"/>
+    <dgm:cxn modelId="{5F78D235-78F6-4F43-9157-B34FAD28F94B}" type="presOf" srcId="{204146BF-6155-40A7-A05D-0CD7AB0A81A9}" destId="{4311ACC3-D672-4369-BF16-913BF299ECBD}" srcOrd="1" destOrd="0" presId="urn:microsoft.com/office/officeart/2005/8/layout/process5"/>
     <dgm:cxn modelId="{0EE8D03D-64BC-422B-B1B6-802DE860F525}" srcId="{F537E2FA-FA2B-4CEB-A5F4-0CD649D9031D}" destId="{A3006F2F-4F65-468C-B29D-300FB5921730}" srcOrd="2" destOrd="0" parTransId="{F0EFE99D-C4F4-4962-A2A5-4B6B1CF8DA8F}" sibTransId="{FA521859-A8AA-424F-A60B-9C48ADD96FF9}"/>
-    <dgm:cxn modelId="{770FC15D-AA28-4784-8986-09649F437CC2}" type="presOf" srcId="{C8318DFA-7080-4D57-BCE4-B9D89F054143}" destId="{14564D61-BC57-42CB-89AF-E4FF68967432}" srcOrd="1" destOrd="0" presId="urn:microsoft.com/office/officeart/2005/8/layout/hProcess4"/>
-    <dgm:cxn modelId="{B59F4865-D4B0-4897-8E18-372E2CEB2405}" srcId="{C01671D1-875E-4044-BBC0-43E981A43D6B}" destId="{C8318DFA-7080-4D57-BCE4-B9D89F054143}" srcOrd="0" destOrd="0" parTransId="{68DFF1E5-2A70-4409-93FB-C038F2B51E83}" sibTransId="{5452EFC8-EA19-4314-BAC9-57DC556AE69A}"/>
-    <dgm:cxn modelId="{34FD6346-0C54-4CAA-90DB-CA2492EBBBE6}" type="presOf" srcId="{F3B5B533-4FE0-4C28-AD53-DBCF8A8BEC03}" destId="{DF8FBB7B-16D5-4F41-AF78-B368861F3F6C}" srcOrd="1" destOrd="0" presId="urn:microsoft.com/office/officeart/2005/8/layout/hProcess4"/>
-    <dgm:cxn modelId="{711D3F48-B859-4401-8BAE-5E0467F01300}" type="presOf" srcId="{B7F2C1E7-C028-4E7A-A119-628AE6C6234E}" destId="{CCEDAD1A-AA6B-4459-987F-C101737CA6BD}" srcOrd="0" destOrd="0" presId="urn:microsoft.com/office/officeart/2005/8/layout/hProcess4"/>
-    <dgm:cxn modelId="{C76DF34A-FF39-4B51-8244-EB5BBE22EC15}" type="presOf" srcId="{F537E2FA-FA2B-4CEB-A5F4-0CD649D9031D}" destId="{4E66BC1C-09CD-44F3-B7AE-CCC97F03051C}" srcOrd="0" destOrd="0" presId="urn:microsoft.com/office/officeart/2005/8/layout/hProcess4"/>
-    <dgm:cxn modelId="{D7D6296E-07E2-438B-88CC-5F4E78DFA914}" type="presOf" srcId="{361E2A5A-C799-4224-8F80-37BDC480E398}" destId="{878A1CC2-9BA0-4237-AEA2-6438964AAAD9}" srcOrd="0" destOrd="0" presId="urn:microsoft.com/office/officeart/2005/8/layout/hProcess4"/>
-    <dgm:cxn modelId="{4A80344E-7A4B-45E0-8C9B-F33508475311}" type="presOf" srcId="{880CD8B0-B73F-4539-AA16-E532DAF11FF5}" destId="{76111756-439E-4CD9-964D-2CAFA668C38E}" srcOrd="0" destOrd="0" presId="urn:microsoft.com/office/officeart/2005/8/layout/hProcess4"/>
-    <dgm:cxn modelId="{79DA6A75-C75B-4C12-AE16-E3313BA82F94}" type="presOf" srcId="{A3006F2F-4F65-468C-B29D-300FB5921730}" destId="{5B460114-0C81-421E-88F2-123EB5D6CA62}" srcOrd="0" destOrd="0" presId="urn:microsoft.com/office/officeart/2005/8/layout/hProcess4"/>
-    <dgm:cxn modelId="{7C446378-CF3A-4A6C-83E1-0F9F167435F9}" type="presOf" srcId="{4E840C73-A7AA-4F25-A2E4-7A4E90E0F0E9}" destId="{66D56254-58B0-48F6-BB02-572A32CC7CDC}" srcOrd="1" destOrd="1" presId="urn:microsoft.com/office/officeart/2005/8/layout/hProcess4"/>
-    <dgm:cxn modelId="{0E08925A-49BA-4F2D-8A23-9DCF7AD25A2D}" type="presOf" srcId="{361E2A5A-C799-4224-8F80-37BDC480E398}" destId="{52AC3E3D-558C-4481-A898-004FF7E1E64A}" srcOrd="1" destOrd="0" presId="urn:microsoft.com/office/officeart/2005/8/layout/hProcess4"/>
-    <dgm:cxn modelId="{A222267C-DCAA-49C6-B533-A8AA77B30DEA}" srcId="{F537E2FA-FA2B-4CEB-A5F4-0CD649D9031D}" destId="{5B46BDD8-F25B-47D0-A0DB-0FE25432A10E}" srcOrd="5" destOrd="0" parTransId="{ED3CB29D-8F06-4FD6-81AE-EE4EA2D3EC52}" sibTransId="{D0EE42E7-BCC3-4A81-B0B0-F56CDABA0DBC}"/>
-    <dgm:cxn modelId="{0B523688-4A58-4947-870B-709F8053885A}" srcId="{880CD8B0-B73F-4539-AA16-E532DAF11FF5}" destId="{22542940-A22B-4C02-94F6-2BEA4D9988CA}" srcOrd="0" destOrd="0" parTransId="{CECAB021-1023-4A07-B27B-1E5841201194}" sibTransId="{0B167E38-E5A1-4AD9-A4EE-0430CC708197}"/>
-    <dgm:cxn modelId="{D8E7C489-74A4-497F-A488-4C033F511F59}" type="presOf" srcId="{6FE6F260-D4F5-4A0B-A434-8319F4F42D94}" destId="{9CF0C416-AFAD-4458-A22F-45F394BB096B}" srcOrd="0" destOrd="0" presId="urn:microsoft.com/office/officeart/2005/8/layout/hProcess4"/>
-    <dgm:cxn modelId="{70D38998-4729-4F26-940F-1B22AA67306A}" type="presOf" srcId="{22542940-A22B-4C02-94F6-2BEA4D9988CA}" destId="{66D56254-58B0-48F6-BB02-572A32CC7CDC}" srcOrd="1" destOrd="0" presId="urn:microsoft.com/office/officeart/2005/8/layout/hProcess4"/>
-    <dgm:cxn modelId="{A7E4679E-619C-4218-9D84-B2D89F62C39D}" srcId="{6FE6F260-D4F5-4A0B-A434-8319F4F42D94}" destId="{F3B5B533-4FE0-4C28-AD53-DBCF8A8BEC03}" srcOrd="0" destOrd="0" parTransId="{97A9C8AF-74E0-44A1-B96E-8D676F1C1327}" sibTransId="{30336881-5230-41AF-BC15-A0CF00C16F16}"/>
-    <dgm:cxn modelId="{C0C768A4-B5A2-4182-816B-F2688CEFADDD}" srcId="{F537E2FA-FA2B-4CEB-A5F4-0CD649D9031D}" destId="{0E928719-68D7-440D-9765-81EBD2F94C22}" srcOrd="1" destOrd="0" parTransId="{200A18BC-1AF1-49B3-A94B-CE7D1FA1ED84}" sibTransId="{69AC95A5-C086-4F75-B1F5-835D5F983B9F}"/>
-    <dgm:cxn modelId="{1DA737A5-8827-4F22-B89D-D2C7F78D739A}" type="presOf" srcId="{4E840C73-A7AA-4F25-A2E4-7A4E90E0F0E9}" destId="{DAB245D2-053C-4DFC-9C1C-439CE91E4AE6}" srcOrd="0" destOrd="1" presId="urn:microsoft.com/office/officeart/2005/8/layout/hProcess4"/>
-    <dgm:cxn modelId="{B55F37A6-8FDE-4F41-862F-038D62128F73}" type="presOf" srcId="{C8318DFA-7080-4D57-BCE4-B9D89F054143}" destId="{EA318C2D-5619-43B5-B15E-7C837F49B673}" srcOrd="0" destOrd="0" presId="urn:microsoft.com/office/officeart/2005/8/layout/hProcess4"/>
-    <dgm:cxn modelId="{98229FA7-D6A5-4920-A39D-F469377A86BD}" type="presOf" srcId="{75394124-C7CB-4002-9F34-25FF9AE4F320}" destId="{8451E439-7DA7-460C-A8E7-176B38B2FE47}" srcOrd="0" destOrd="0" presId="urn:microsoft.com/office/officeart/2005/8/layout/hProcess4"/>
-    <dgm:cxn modelId="{BC9D76A9-3B39-4EF1-ABE8-DC9CD72B97E1}" type="presOf" srcId="{FA521859-A8AA-424F-A60B-9C48ADD96FF9}" destId="{A3A91BBA-10B2-4A43-BB13-EE9FAE99A9A0}" srcOrd="0" destOrd="0" presId="urn:microsoft.com/office/officeart/2005/8/layout/hProcess4"/>
-    <dgm:cxn modelId="{541856AE-E41E-4E89-9660-07F996F6F245}" type="presOf" srcId="{C01671D1-875E-4044-BBC0-43E981A43D6B}" destId="{F8C4BD97-2FC4-4647-A010-9D953E50F635}" srcOrd="0" destOrd="0" presId="urn:microsoft.com/office/officeart/2005/8/layout/hProcess4"/>
-    <dgm:cxn modelId="{340CB5B4-A264-4CCA-A595-F3F613C2E844}" type="presOf" srcId="{5B46BDD8-F25B-47D0-A0DB-0FE25432A10E}" destId="{DABC9F98-3574-4FC5-9062-DFD6562F70B4}" srcOrd="0" destOrd="0" presId="urn:microsoft.com/office/officeart/2005/8/layout/hProcess4"/>
-    <dgm:cxn modelId="{1D9F4CB8-FFF4-4E2B-9802-83A9EF1F068D}" srcId="{5B46BDD8-F25B-47D0-A0DB-0FE25432A10E}" destId="{B7F2C1E7-C028-4E7A-A119-628AE6C6234E}" srcOrd="0" destOrd="0" parTransId="{6F6F4998-5DC1-4579-A56A-768F85E6C231}" sibTransId="{A45F6FCF-DFFF-4085-B56F-E2CEEC18106E}"/>
-    <dgm:cxn modelId="{589770C6-3BFA-4A6C-A753-976167065FCE}" type="presOf" srcId="{1378F689-11D7-471C-AB0A-B0F030337C45}" destId="{2837F126-2C9E-4820-8C36-6562DE4C4C7F}" srcOrd="0" destOrd="0" presId="urn:microsoft.com/office/officeart/2005/8/layout/hProcess4"/>
-    <dgm:cxn modelId="{0DEACBC9-C5DF-4E36-BF38-81DF3F02FA34}" srcId="{0E928719-68D7-440D-9765-81EBD2F94C22}" destId="{361E2A5A-C799-4224-8F80-37BDC480E398}" srcOrd="0" destOrd="0" parTransId="{791391ED-817C-4C8D-B82D-463C84FF85E7}" sibTransId="{700F64B2-13BB-4877-A2C3-31AD671B7B70}"/>
-    <dgm:cxn modelId="{B47370D2-B5B9-4693-9F4F-9B63EB778C7E}" srcId="{F537E2FA-FA2B-4CEB-A5F4-0CD649D9031D}" destId="{6FE6F260-D4F5-4A0B-A434-8319F4F42D94}" srcOrd="4" destOrd="0" parTransId="{FB6D489F-CB22-47CA-B7DF-AE6CFBF6AFB3}" sibTransId="{204146BF-6155-40A7-A05D-0CD7AB0A81A9}"/>
-    <dgm:cxn modelId="{6222F9D8-01B4-4043-8953-2FF2D925563B}" type="presOf" srcId="{0E928719-68D7-440D-9765-81EBD2F94C22}" destId="{421EA899-DAAB-4CC5-9B64-0D92149EDEA6}" srcOrd="0" destOrd="0" presId="urn:microsoft.com/office/officeart/2005/8/layout/hProcess4"/>
-    <dgm:cxn modelId="{574612DB-ECDE-49FB-BF8A-E71FEFDC149A}" type="presOf" srcId="{8352006D-0A17-4628-BC86-B6A5205A89E9}" destId="{2837F126-2C9E-4820-8C36-6562DE4C4C7F}" srcOrd="0" destOrd="1" presId="urn:microsoft.com/office/officeart/2005/8/layout/hProcess4"/>
-    <dgm:cxn modelId="{F84B15DB-8B83-46EB-9CA5-6D7E22D5D980}" type="presOf" srcId="{F3B5B533-4FE0-4C28-AD53-DBCF8A8BEC03}" destId="{5308E246-39B3-485C-8AC8-A0DAC021FA01}" srcOrd="0" destOrd="0" presId="urn:microsoft.com/office/officeart/2005/8/layout/hProcess4"/>
-    <dgm:cxn modelId="{D6A0B4E8-E9F6-4813-A40B-65BAA439F546}" srcId="{A3006F2F-4F65-468C-B29D-300FB5921730}" destId="{8352006D-0A17-4628-BC86-B6A5205A89E9}" srcOrd="1" destOrd="0" parTransId="{A14723A2-EE61-4EDD-B06D-64565ABD109D}" sibTransId="{8E2608AA-2F3A-4A2E-BC34-D8FE3F3072CE}"/>
-    <dgm:cxn modelId="{5B4DF45B-DD9E-45F5-BFAE-CB8A29624ADE}" type="presParOf" srcId="{4E66BC1C-09CD-44F3-B7AE-CCC97F03051C}" destId="{3B200E25-F7DD-4A18-BDED-D955B2C20008}" srcOrd="0" destOrd="0" presId="urn:microsoft.com/office/officeart/2005/8/layout/hProcess4"/>
-    <dgm:cxn modelId="{82AF0E03-D161-4FB7-997C-C9BE3D5BFAF9}" type="presParOf" srcId="{4E66BC1C-09CD-44F3-B7AE-CCC97F03051C}" destId="{88E25ECD-5718-4026-BA2D-F762301F0BF4}" srcOrd="1" destOrd="0" presId="urn:microsoft.com/office/officeart/2005/8/layout/hProcess4"/>
-    <dgm:cxn modelId="{CC0F62C5-0964-4955-B573-6542A99C9E3A}" type="presParOf" srcId="{4E66BC1C-09CD-44F3-B7AE-CCC97F03051C}" destId="{E2E1AEE7-8112-4B49-B578-728276BACC09}" srcOrd="2" destOrd="0" presId="urn:microsoft.com/office/officeart/2005/8/layout/hProcess4"/>
-    <dgm:cxn modelId="{8A08C7B8-11A2-45FE-8ACB-16C2B6665DEC}" type="presParOf" srcId="{E2E1AEE7-8112-4B49-B578-728276BACC09}" destId="{7CE0CECB-868B-4312-9711-E22680CD2202}" srcOrd="0" destOrd="0" presId="urn:microsoft.com/office/officeart/2005/8/layout/hProcess4"/>
-    <dgm:cxn modelId="{06D4CE54-3B30-48F1-ABE9-D7AEBBA3431F}" type="presParOf" srcId="{7CE0CECB-868B-4312-9711-E22680CD2202}" destId="{836F0022-D649-42BD-8F09-646EB4FA72A1}" srcOrd="0" destOrd="0" presId="urn:microsoft.com/office/officeart/2005/8/layout/hProcess4"/>
-    <dgm:cxn modelId="{D45C9774-15BA-407C-819B-4AF9EFA0B7D7}" type="presParOf" srcId="{7CE0CECB-868B-4312-9711-E22680CD2202}" destId="{EA318C2D-5619-43B5-B15E-7C837F49B673}" srcOrd="1" destOrd="0" presId="urn:microsoft.com/office/officeart/2005/8/layout/hProcess4"/>
-    <dgm:cxn modelId="{C0C4F07A-EB27-4A0E-8ADC-F24A2F38469E}" type="presParOf" srcId="{7CE0CECB-868B-4312-9711-E22680CD2202}" destId="{14564D61-BC57-42CB-89AF-E4FF68967432}" srcOrd="2" destOrd="0" presId="urn:microsoft.com/office/officeart/2005/8/layout/hProcess4"/>
-    <dgm:cxn modelId="{5D691943-C6FE-46BE-BD0A-C677391AB333}" type="presParOf" srcId="{7CE0CECB-868B-4312-9711-E22680CD2202}" destId="{F8C4BD97-2FC4-4647-A010-9D953E50F635}" srcOrd="3" destOrd="0" presId="urn:microsoft.com/office/officeart/2005/8/layout/hProcess4"/>
-    <dgm:cxn modelId="{A4020709-2EB6-48C2-A00A-EE4464BC4E7D}" type="presParOf" srcId="{7CE0CECB-868B-4312-9711-E22680CD2202}" destId="{B33DCCE8-205D-412A-A87F-4B9017C54DA2}" srcOrd="4" destOrd="0" presId="urn:microsoft.com/office/officeart/2005/8/layout/hProcess4"/>
-    <dgm:cxn modelId="{590C790B-A842-4402-9244-1525C152A78F}" type="presParOf" srcId="{E2E1AEE7-8112-4B49-B578-728276BACC09}" destId="{D79F7A34-9AFD-488E-B1BE-10EAE6818318}" srcOrd="1" destOrd="0" presId="urn:microsoft.com/office/officeart/2005/8/layout/hProcess4"/>
-    <dgm:cxn modelId="{2D8B3F82-C0E1-4B48-88E1-9F07D49166A4}" type="presParOf" srcId="{E2E1AEE7-8112-4B49-B578-728276BACC09}" destId="{F0DA2438-CC56-41B3-9382-A66AF5E76B25}" srcOrd="2" destOrd="0" presId="urn:microsoft.com/office/officeart/2005/8/layout/hProcess4"/>
-    <dgm:cxn modelId="{7A9B9702-489C-4B7A-A4C2-1675758237A8}" type="presParOf" srcId="{F0DA2438-CC56-41B3-9382-A66AF5E76B25}" destId="{273074F4-1D32-44C8-A27D-B4108A93C452}" srcOrd="0" destOrd="0" presId="urn:microsoft.com/office/officeart/2005/8/layout/hProcess4"/>
-    <dgm:cxn modelId="{4FB3707E-ED48-4587-9C0E-75ACF27EC308}" type="presParOf" srcId="{F0DA2438-CC56-41B3-9382-A66AF5E76B25}" destId="{878A1CC2-9BA0-4237-AEA2-6438964AAAD9}" srcOrd="1" destOrd="0" presId="urn:microsoft.com/office/officeart/2005/8/layout/hProcess4"/>
-    <dgm:cxn modelId="{E3C29AAF-4D28-4213-B3FC-250908CB47AF}" type="presParOf" srcId="{F0DA2438-CC56-41B3-9382-A66AF5E76B25}" destId="{52AC3E3D-558C-4481-A898-004FF7E1E64A}" srcOrd="2" destOrd="0" presId="urn:microsoft.com/office/officeart/2005/8/layout/hProcess4"/>
-    <dgm:cxn modelId="{D72C6027-23AC-40B1-8E0B-94ABFDF98C93}" type="presParOf" srcId="{F0DA2438-CC56-41B3-9382-A66AF5E76B25}" destId="{421EA899-DAAB-4CC5-9B64-0D92149EDEA6}" srcOrd="3" destOrd="0" presId="urn:microsoft.com/office/officeart/2005/8/layout/hProcess4"/>
-    <dgm:cxn modelId="{F22A6941-999F-4C56-B8B0-0E4BF194533E}" type="presParOf" srcId="{F0DA2438-CC56-41B3-9382-A66AF5E76B25}" destId="{EF01D22C-55AB-4805-9F93-DA37FA2D8F0D}" srcOrd="4" destOrd="0" presId="urn:microsoft.com/office/officeart/2005/8/layout/hProcess4"/>
-    <dgm:cxn modelId="{9F67C15E-D552-4542-A108-4EF6547DF5AF}" type="presParOf" srcId="{E2E1AEE7-8112-4B49-B578-728276BACC09}" destId="{3C406412-3C51-4212-BC2A-588FC6F6E550}" srcOrd="3" destOrd="0" presId="urn:microsoft.com/office/officeart/2005/8/layout/hProcess4"/>
-    <dgm:cxn modelId="{8EB3034A-D73F-4C8D-939F-73D1A11FDDA7}" type="presParOf" srcId="{E2E1AEE7-8112-4B49-B578-728276BACC09}" destId="{19A462D1-220D-4783-80B1-3D5E02FE5EDF}" srcOrd="4" destOrd="0" presId="urn:microsoft.com/office/officeart/2005/8/layout/hProcess4"/>
-    <dgm:cxn modelId="{57D635F8-2774-4C6C-92C7-5F3B98DF8C0F}" type="presParOf" srcId="{19A462D1-220D-4783-80B1-3D5E02FE5EDF}" destId="{9A46BB91-53A4-4AE3-8C27-31D2D6A1382B}" srcOrd="0" destOrd="0" presId="urn:microsoft.com/office/officeart/2005/8/layout/hProcess4"/>
-    <dgm:cxn modelId="{79C3F225-ED96-40A4-9C3E-55AE5049C04C}" type="presParOf" srcId="{19A462D1-220D-4783-80B1-3D5E02FE5EDF}" destId="{2837F126-2C9E-4820-8C36-6562DE4C4C7F}" srcOrd="1" destOrd="0" presId="urn:microsoft.com/office/officeart/2005/8/layout/hProcess4"/>
-    <dgm:cxn modelId="{EA8039B8-E1F9-488D-88D0-F3BA7E771F02}" type="presParOf" srcId="{19A462D1-220D-4783-80B1-3D5E02FE5EDF}" destId="{86BDCF7A-8E72-4B24-9467-8CA118736A8F}" srcOrd="2" destOrd="0" presId="urn:microsoft.com/office/officeart/2005/8/layout/hProcess4"/>
-    <dgm:cxn modelId="{8EBF58FE-CE79-4E7B-A2D8-69A3D3ECF12B}" type="presParOf" srcId="{19A462D1-220D-4783-80B1-3D5E02FE5EDF}" destId="{5B460114-0C81-421E-88F2-123EB5D6CA62}" srcOrd="3" destOrd="0" presId="urn:microsoft.com/office/officeart/2005/8/layout/hProcess4"/>
-    <dgm:cxn modelId="{BEBCB50B-DAF0-4D03-9043-BE17DB022832}" type="presParOf" srcId="{19A462D1-220D-4783-80B1-3D5E02FE5EDF}" destId="{9BE21904-4480-4E0D-8643-92EC2B59E74A}" srcOrd="4" destOrd="0" presId="urn:microsoft.com/office/officeart/2005/8/layout/hProcess4"/>
-    <dgm:cxn modelId="{E1940C5E-4D30-40F9-95D0-B171E8367588}" type="presParOf" srcId="{E2E1AEE7-8112-4B49-B578-728276BACC09}" destId="{A3A91BBA-10B2-4A43-BB13-EE9FAE99A9A0}" srcOrd="5" destOrd="0" presId="urn:microsoft.com/office/officeart/2005/8/layout/hProcess4"/>
-    <dgm:cxn modelId="{994707C6-8031-4FF3-B8C8-A3C0FD454F1D}" type="presParOf" srcId="{E2E1AEE7-8112-4B49-B578-728276BACC09}" destId="{A1308B31-550A-4582-A4FB-4E2416B3126D}" srcOrd="6" destOrd="0" presId="urn:microsoft.com/office/officeart/2005/8/layout/hProcess4"/>
-    <dgm:cxn modelId="{8F4C687A-BD05-4258-8AA2-8D9DF6073788}" type="presParOf" srcId="{A1308B31-550A-4582-A4FB-4E2416B3126D}" destId="{F061BBB4-83B8-41B5-9B9D-FE14C8EF9042}" srcOrd="0" destOrd="0" presId="urn:microsoft.com/office/officeart/2005/8/layout/hProcess4"/>
-    <dgm:cxn modelId="{EB80B43C-3CA9-422F-AA6C-AA23006A91AD}" type="presParOf" srcId="{A1308B31-550A-4582-A4FB-4E2416B3126D}" destId="{DAB245D2-053C-4DFC-9C1C-439CE91E4AE6}" srcOrd="1" destOrd="0" presId="urn:microsoft.com/office/officeart/2005/8/layout/hProcess4"/>
-    <dgm:cxn modelId="{DAD80DAA-647D-4DEA-8090-E71EB1AE7A85}" type="presParOf" srcId="{A1308B31-550A-4582-A4FB-4E2416B3126D}" destId="{66D56254-58B0-48F6-BB02-572A32CC7CDC}" srcOrd="2" destOrd="0" presId="urn:microsoft.com/office/officeart/2005/8/layout/hProcess4"/>
-    <dgm:cxn modelId="{15986D43-71AC-4928-A819-A651FEB25D84}" type="presParOf" srcId="{A1308B31-550A-4582-A4FB-4E2416B3126D}" destId="{76111756-439E-4CD9-964D-2CAFA668C38E}" srcOrd="3" destOrd="0" presId="urn:microsoft.com/office/officeart/2005/8/layout/hProcess4"/>
-    <dgm:cxn modelId="{AC677C70-A4E8-4FA0-8FB9-53E1D5A7E351}" type="presParOf" srcId="{A1308B31-550A-4582-A4FB-4E2416B3126D}" destId="{9910BA54-7336-4272-979E-759F29136FE2}" srcOrd="4" destOrd="0" presId="urn:microsoft.com/office/officeart/2005/8/layout/hProcess4"/>
-    <dgm:cxn modelId="{0EAA7CA9-254F-41F7-A4D9-CA2FC38E2951}" type="presParOf" srcId="{E2E1AEE7-8112-4B49-B578-728276BACC09}" destId="{8451E439-7DA7-460C-A8E7-176B38B2FE47}" srcOrd="7" destOrd="0" presId="urn:microsoft.com/office/officeart/2005/8/layout/hProcess4"/>
-    <dgm:cxn modelId="{E92A8077-5678-41BE-8245-5D4A5963654A}" type="presParOf" srcId="{E2E1AEE7-8112-4B49-B578-728276BACC09}" destId="{EF824471-6BCC-4FB5-A94E-14546DF63F5C}" srcOrd="8" destOrd="0" presId="urn:microsoft.com/office/officeart/2005/8/layout/hProcess4"/>
-    <dgm:cxn modelId="{11043F0C-4D43-418F-AA0B-96B67063A73E}" type="presParOf" srcId="{EF824471-6BCC-4FB5-A94E-14546DF63F5C}" destId="{5863FB6F-7A02-43E7-840F-50DF68399AE7}" srcOrd="0" destOrd="0" presId="urn:microsoft.com/office/officeart/2005/8/layout/hProcess4"/>
-    <dgm:cxn modelId="{74A43B0E-E5C9-4558-A0E9-434C69456609}" type="presParOf" srcId="{EF824471-6BCC-4FB5-A94E-14546DF63F5C}" destId="{5308E246-39B3-485C-8AC8-A0DAC021FA01}" srcOrd="1" destOrd="0" presId="urn:microsoft.com/office/officeart/2005/8/layout/hProcess4"/>
-    <dgm:cxn modelId="{11E1E7B4-D14A-4DD0-ABF7-BD3EBE359C76}" type="presParOf" srcId="{EF824471-6BCC-4FB5-A94E-14546DF63F5C}" destId="{DF8FBB7B-16D5-4F41-AF78-B368861F3F6C}" srcOrd="2" destOrd="0" presId="urn:microsoft.com/office/officeart/2005/8/layout/hProcess4"/>
-    <dgm:cxn modelId="{2826A08B-DBFB-4E63-A3D0-6F837752DB1A}" type="presParOf" srcId="{EF824471-6BCC-4FB5-A94E-14546DF63F5C}" destId="{9CF0C416-AFAD-4458-A22F-45F394BB096B}" srcOrd="3" destOrd="0" presId="urn:microsoft.com/office/officeart/2005/8/layout/hProcess4"/>
-    <dgm:cxn modelId="{C20EF7F2-5309-4DC4-ACCA-7CD906A1632E}" type="presParOf" srcId="{EF824471-6BCC-4FB5-A94E-14546DF63F5C}" destId="{DEEAAA68-FE60-4A30-803D-DA72F502BDE7}" srcOrd="4" destOrd="0" presId="urn:microsoft.com/office/officeart/2005/8/layout/hProcess4"/>
-    <dgm:cxn modelId="{873C46D5-F649-4616-9F50-00173AB471BC}" type="presParOf" srcId="{E2E1AEE7-8112-4B49-B578-728276BACC09}" destId="{019E2575-FCA5-4588-BB5F-D7BF13E1CEE0}" srcOrd="9" destOrd="0" presId="urn:microsoft.com/office/officeart/2005/8/layout/hProcess4"/>
-    <dgm:cxn modelId="{B1CA1603-A268-4173-A597-263FDC46726C}" type="presParOf" srcId="{E2E1AEE7-8112-4B49-B578-728276BACC09}" destId="{36297871-BE02-4934-922F-A85C7D92BC10}" srcOrd="10" destOrd="0" presId="urn:microsoft.com/office/officeart/2005/8/layout/hProcess4"/>
-    <dgm:cxn modelId="{BEFA943F-5469-46E2-8031-638AACAE2975}" type="presParOf" srcId="{36297871-BE02-4934-922F-A85C7D92BC10}" destId="{4DCB647C-85BB-4A03-B0FB-F9ADC69B7644}" srcOrd="0" destOrd="0" presId="urn:microsoft.com/office/officeart/2005/8/layout/hProcess4"/>
-    <dgm:cxn modelId="{A1E62BA8-1F83-401C-B932-D91A397744C5}" type="presParOf" srcId="{36297871-BE02-4934-922F-A85C7D92BC10}" destId="{CCEDAD1A-AA6B-4459-987F-C101737CA6BD}" srcOrd="1" destOrd="0" presId="urn:microsoft.com/office/officeart/2005/8/layout/hProcess4"/>
-    <dgm:cxn modelId="{662984A5-05A8-4340-B4C6-BAB46256F260}" type="presParOf" srcId="{36297871-BE02-4934-922F-A85C7D92BC10}" destId="{128022A0-5A06-4A64-B12F-872F5C91E62E}" srcOrd="2" destOrd="0" presId="urn:microsoft.com/office/officeart/2005/8/layout/hProcess4"/>
-    <dgm:cxn modelId="{F3233FF3-8D73-4D4A-B75E-86D3244A9AED}" type="presParOf" srcId="{36297871-BE02-4934-922F-A85C7D92BC10}" destId="{DABC9F98-3574-4FC5-9062-DFD6562F70B4}" srcOrd="3" destOrd="0" presId="urn:microsoft.com/office/officeart/2005/8/layout/hProcess4"/>
-    <dgm:cxn modelId="{A0F0F97C-4B18-4825-BCD2-6E1B52B0B04D}" type="presParOf" srcId="{36297871-BE02-4934-922F-A85C7D92BC10}" destId="{66502447-C2CE-4C02-AEBB-E433F73A5E09}" srcOrd="4" destOrd="0" presId="urn:microsoft.com/office/officeart/2005/8/layout/hProcess4"/>
+    <dgm:cxn modelId="{2F5BD36F-CADE-4989-9A74-3ED159D1F040}" type="presOf" srcId="{6FE6F260-D4F5-4A0B-A434-8319F4F42D94}" destId="{B2D783FC-7BC6-4B5E-BA0A-902EE8586B8C}" srcOrd="0" destOrd="0" presId="urn:microsoft.com/office/officeart/2005/8/layout/process5"/>
+    <dgm:cxn modelId="{A222267C-DCAA-49C6-B533-A8AA77B30DEA}" srcId="{F537E2FA-FA2B-4CEB-A5F4-0CD649D9031D}" destId="{5B46BDD8-F25B-47D0-A0DB-0FE25432A10E}" srcOrd="7" destOrd="0" parTransId="{ED3CB29D-8F06-4FD6-81AE-EE4EA2D3EC52}" sibTransId="{D0EE42E7-BCC3-4A81-B0B0-F56CDABA0DBC}"/>
+    <dgm:cxn modelId="{C412C280-3B6C-4B6E-8AEE-0B4A6768CF54}" type="presOf" srcId="{34E722E9-645D-4446-84E1-338FC722D11A}" destId="{3ECA75E3-99D2-4C70-8B7D-35655F7119D6}" srcOrd="1" destOrd="0" presId="urn:microsoft.com/office/officeart/2005/8/layout/process5"/>
+    <dgm:cxn modelId="{94649289-4EA1-4E0D-9B06-5ABA46A423B5}" type="presOf" srcId="{DC318166-160B-49C9-AABB-EABA15AAD971}" destId="{6B61D9A9-24AB-47F9-AF4A-9C655CA64581}" srcOrd="0" destOrd="0" presId="urn:microsoft.com/office/officeart/2005/8/layout/process5"/>
+    <dgm:cxn modelId="{B8C8388F-AFE1-4816-8522-AC16F233E3D0}" type="presOf" srcId="{EEDDA5FC-1CC8-45BE-98EA-FFDD63E26F54}" destId="{35D3B8CA-3C6F-405C-BF54-341CAE8812C2}" srcOrd="0" destOrd="0" presId="urn:microsoft.com/office/officeart/2005/8/layout/process5"/>
+    <dgm:cxn modelId="{BB90069A-417E-4C5A-BBF5-60BFC08DE0BF}" type="presOf" srcId="{B1637762-F063-44D9-BF93-3DA4A4621C02}" destId="{0EE62A16-BC2C-412C-8587-DFD4F9C9BCF6}" srcOrd="0" destOrd="0" presId="urn:microsoft.com/office/officeart/2005/8/layout/process5"/>
+    <dgm:cxn modelId="{8A25299B-CE1F-485A-A233-5E0CAB38FE0A}" type="presOf" srcId="{EEDDA5FC-1CC8-45BE-98EA-FFDD63E26F54}" destId="{4BE62AF3-487E-402E-94FB-D958A3B0CEE8}" srcOrd="1" destOrd="0" presId="urn:microsoft.com/office/officeart/2005/8/layout/process5"/>
+    <dgm:cxn modelId="{D9FD48A6-A618-4664-A417-4E3167ECE767}" type="presOf" srcId="{FA521859-A8AA-424F-A60B-9C48ADD96FF9}" destId="{1CCF4B65-2BD1-43F4-ABF9-C66BF9AC3FA0}" srcOrd="1" destOrd="0" presId="urn:microsoft.com/office/officeart/2005/8/layout/process5"/>
+    <dgm:cxn modelId="{A0BADEB1-994A-4E33-A91F-9CF2A16D5ABA}" type="presOf" srcId="{34E722E9-645D-4446-84E1-338FC722D11A}" destId="{21C03704-8F9D-4DD4-B13F-656991CCFF14}" srcOrd="0" destOrd="0" presId="urn:microsoft.com/office/officeart/2005/8/layout/process5"/>
+    <dgm:cxn modelId="{D24C94B4-5437-4B66-BA82-DCF3DA55FA0E}" type="presOf" srcId="{700F64B2-13BB-4877-A2C3-31AD671B7B70}" destId="{F16164A6-0C36-47CD-9BE7-EF055FBD64D8}" srcOrd="1" destOrd="0" presId="urn:microsoft.com/office/officeart/2005/8/layout/process5"/>
+    <dgm:cxn modelId="{E72DA8BB-1E31-4099-B948-987323122874}" type="presOf" srcId="{204146BF-6155-40A7-A05D-0CD7AB0A81A9}" destId="{24F7BC5E-B3AC-46D2-9739-85D232A360FA}" srcOrd="0" destOrd="0" presId="urn:microsoft.com/office/officeart/2005/8/layout/process5"/>
+    <dgm:cxn modelId="{74B472BC-A8B7-4B98-B4BF-DF3F692C4DF6}" type="presOf" srcId="{72A6A4EF-E2ED-4B42-A7B0-C0C6C6460A43}" destId="{043C0E15-FBB8-478D-BA81-5FFEEBE714E2}" srcOrd="1" destOrd="0" presId="urn:microsoft.com/office/officeart/2005/8/layout/process5"/>
+    <dgm:cxn modelId="{542143BF-2D05-43F1-A2D8-1DDFA194F0F9}" srcId="{F537E2FA-FA2B-4CEB-A5F4-0CD649D9031D}" destId="{DC318166-160B-49C9-AABB-EABA15AAD971}" srcOrd="3" destOrd="0" parTransId="{AC179EE8-5647-4161-84CA-161338BA6790}" sibTransId="{34E722E9-645D-4446-84E1-338FC722D11A}"/>
+    <dgm:cxn modelId="{DA8520C1-EFCC-423C-BF04-363FA2702357}" type="presOf" srcId="{FA521859-A8AA-424F-A60B-9C48ADD96FF9}" destId="{C97F4CF1-E260-43EE-B6E3-523CEB6C8E46}" srcOrd="0" destOrd="0" presId="urn:microsoft.com/office/officeart/2005/8/layout/process5"/>
+    <dgm:cxn modelId="{B77148C1-BE2C-41F1-A5C2-4B23C919BD36}" type="presOf" srcId="{5B46BDD8-F25B-47D0-A0DB-0FE25432A10E}" destId="{FA9394A2-6FB9-440D-8B08-CC253A63D7CF}" srcOrd="0" destOrd="0" presId="urn:microsoft.com/office/officeart/2005/8/layout/process5"/>
+    <dgm:cxn modelId="{0DEACBC9-C5DF-4E36-BF38-81DF3F02FA34}" srcId="{F537E2FA-FA2B-4CEB-A5F4-0CD649D9031D}" destId="{361E2A5A-C799-4224-8F80-37BDC480E398}" srcOrd="1" destOrd="0" parTransId="{791391ED-817C-4C8D-B82D-463C84FF85E7}" sibTransId="{700F64B2-13BB-4877-A2C3-31AD671B7B70}"/>
+    <dgm:cxn modelId="{5A5A8ED0-8801-4947-88BC-8018458C6E43}" srcId="{F537E2FA-FA2B-4CEB-A5F4-0CD649D9031D}" destId="{6BDF2217-9BEF-4BED-83C6-F0140FA072B8}" srcOrd="4" destOrd="0" parTransId="{263B9547-0E64-4E48-9882-B137FE48522B}" sibTransId="{72A6A4EF-E2ED-4B42-A7B0-C0C6C6460A43}"/>
+    <dgm:cxn modelId="{B47370D2-B5B9-4693-9F4F-9B63EB778C7E}" srcId="{F537E2FA-FA2B-4CEB-A5F4-0CD649D9031D}" destId="{6FE6F260-D4F5-4A0B-A434-8319F4F42D94}" srcOrd="6" destOrd="0" parTransId="{FB6D489F-CB22-47CA-B7DF-AE6CFBF6AFB3}" sibTransId="{204146BF-6155-40A7-A05D-0CD7AB0A81A9}"/>
+    <dgm:cxn modelId="{B5A182DC-894B-4F48-B18C-C5F15284608E}" type="presOf" srcId="{B1637762-F063-44D9-BF93-3DA4A4621C02}" destId="{08EA00C4-6F5B-4679-87FF-B76A725B347A}" srcOrd="1" destOrd="0" presId="urn:microsoft.com/office/officeart/2005/8/layout/process5"/>
+    <dgm:cxn modelId="{5C44BDDD-35E8-405E-A15F-514F5651EF3A}" type="presOf" srcId="{700F64B2-13BB-4877-A2C3-31AD671B7B70}" destId="{F4CB3D13-F034-4361-AB36-A9E76FD73E44}" srcOrd="0" destOrd="0" presId="urn:microsoft.com/office/officeart/2005/8/layout/process5"/>
+    <dgm:cxn modelId="{EB6245ED-51EC-4BAC-8E74-D09C75E3FB4A}" type="presOf" srcId="{C01671D1-875E-4044-BBC0-43E981A43D6B}" destId="{A0E0BAF7-B62A-41CD-8FF8-FE4472F6BD3B}" srcOrd="0" destOrd="0" presId="urn:microsoft.com/office/officeart/2005/8/layout/process5"/>
+    <dgm:cxn modelId="{A35BA0ED-0464-45E6-BC6C-66B7F3DE01FF}" type="presOf" srcId="{F537E2FA-FA2B-4CEB-A5F4-0CD649D9031D}" destId="{0E04CFEB-5C36-4638-840B-8B1537D4E48B}" srcOrd="0" destOrd="0" presId="urn:microsoft.com/office/officeart/2005/8/layout/process5"/>
+    <dgm:cxn modelId="{17E07FF1-64C1-498B-9EF8-A9F93A90833C}" type="presOf" srcId="{6BDF2217-9BEF-4BED-83C6-F0140FA072B8}" destId="{A2257742-F918-49C3-9836-8897BA74CD6C}" srcOrd="0" destOrd="0" presId="urn:microsoft.com/office/officeart/2005/8/layout/process5"/>
+    <dgm:cxn modelId="{0532F6FC-C6E2-44FA-9F9D-9F12B88D45DF}" type="presOf" srcId="{64F8F191-7C7A-4C3E-A591-9C75391BB634}" destId="{A418990B-279E-4AC3-98F0-94A0ACCF38B7}" srcOrd="0" destOrd="0" presId="urn:microsoft.com/office/officeart/2005/8/layout/process5"/>
+    <dgm:cxn modelId="{426FC237-9503-4515-A7D2-733FBA920B92}" type="presParOf" srcId="{0E04CFEB-5C36-4638-840B-8B1537D4E48B}" destId="{A0E0BAF7-B62A-41CD-8FF8-FE4472F6BD3B}" srcOrd="0" destOrd="0" presId="urn:microsoft.com/office/officeart/2005/8/layout/process5"/>
+    <dgm:cxn modelId="{A64B518C-18BC-43FD-83AF-848BC3BE2EE0}" type="presParOf" srcId="{0E04CFEB-5C36-4638-840B-8B1537D4E48B}" destId="{0EE62A16-BC2C-412C-8587-DFD4F9C9BCF6}" srcOrd="1" destOrd="0" presId="urn:microsoft.com/office/officeart/2005/8/layout/process5"/>
+    <dgm:cxn modelId="{F07798E6-C9A2-42AA-A22E-F030F006BC3D}" type="presParOf" srcId="{0EE62A16-BC2C-412C-8587-DFD4F9C9BCF6}" destId="{08EA00C4-6F5B-4679-87FF-B76A725B347A}" srcOrd="0" destOrd="0" presId="urn:microsoft.com/office/officeart/2005/8/layout/process5"/>
+    <dgm:cxn modelId="{E584B20E-BFAE-4BC2-8E8C-907D6711A482}" type="presParOf" srcId="{0E04CFEB-5C36-4638-840B-8B1537D4E48B}" destId="{E2D734D7-0991-4EAE-9001-164BDFC6A18C}" srcOrd="2" destOrd="0" presId="urn:microsoft.com/office/officeart/2005/8/layout/process5"/>
+    <dgm:cxn modelId="{9DF5A66E-CB43-4858-9BD4-59349A431131}" type="presParOf" srcId="{0E04CFEB-5C36-4638-840B-8B1537D4E48B}" destId="{F4CB3D13-F034-4361-AB36-A9E76FD73E44}" srcOrd="3" destOrd="0" presId="urn:microsoft.com/office/officeart/2005/8/layout/process5"/>
+    <dgm:cxn modelId="{82674DBB-855B-49C4-9E28-6D6582AB8B84}" type="presParOf" srcId="{F4CB3D13-F034-4361-AB36-A9E76FD73E44}" destId="{F16164A6-0C36-47CD-9BE7-EF055FBD64D8}" srcOrd="0" destOrd="0" presId="urn:microsoft.com/office/officeart/2005/8/layout/process5"/>
+    <dgm:cxn modelId="{739851F9-CEE1-4991-A047-8CA752B5C762}" type="presParOf" srcId="{0E04CFEB-5C36-4638-840B-8B1537D4E48B}" destId="{45E39FD0-983D-48A2-8B66-57F38C0D3E20}" srcOrd="4" destOrd="0" presId="urn:microsoft.com/office/officeart/2005/8/layout/process5"/>
+    <dgm:cxn modelId="{1F41CEB5-1B50-4777-9F89-D1F38C54219E}" type="presParOf" srcId="{0E04CFEB-5C36-4638-840B-8B1537D4E48B}" destId="{C97F4CF1-E260-43EE-B6E3-523CEB6C8E46}" srcOrd="5" destOrd="0" presId="urn:microsoft.com/office/officeart/2005/8/layout/process5"/>
+    <dgm:cxn modelId="{923866A0-B020-4DA4-867E-174467103E10}" type="presParOf" srcId="{C97F4CF1-E260-43EE-B6E3-523CEB6C8E46}" destId="{1CCF4B65-2BD1-43F4-ABF9-C66BF9AC3FA0}" srcOrd="0" destOrd="0" presId="urn:microsoft.com/office/officeart/2005/8/layout/process5"/>
+    <dgm:cxn modelId="{79504867-07B9-4B54-B7DC-30A480570292}" type="presParOf" srcId="{0E04CFEB-5C36-4638-840B-8B1537D4E48B}" destId="{6B61D9A9-24AB-47F9-AF4A-9C655CA64581}" srcOrd="6" destOrd="0" presId="urn:microsoft.com/office/officeart/2005/8/layout/process5"/>
+    <dgm:cxn modelId="{1E370EF6-C64E-44D9-A60F-2AC3DB3B05E5}" type="presParOf" srcId="{0E04CFEB-5C36-4638-840B-8B1537D4E48B}" destId="{21C03704-8F9D-4DD4-B13F-656991CCFF14}" srcOrd="7" destOrd="0" presId="urn:microsoft.com/office/officeart/2005/8/layout/process5"/>
+    <dgm:cxn modelId="{C7659C12-096B-4F32-B786-40B3CBDAEC74}" type="presParOf" srcId="{21C03704-8F9D-4DD4-B13F-656991CCFF14}" destId="{3ECA75E3-99D2-4C70-8B7D-35655F7119D6}" srcOrd="0" destOrd="0" presId="urn:microsoft.com/office/officeart/2005/8/layout/process5"/>
+    <dgm:cxn modelId="{EF78A81A-AC5A-4963-9499-62274FBFFA1A}" type="presParOf" srcId="{0E04CFEB-5C36-4638-840B-8B1537D4E48B}" destId="{A2257742-F918-49C3-9836-8897BA74CD6C}" srcOrd="8" destOrd="0" presId="urn:microsoft.com/office/officeart/2005/8/layout/process5"/>
+    <dgm:cxn modelId="{0E14505E-EF3B-4DBF-836E-CBE0924152C8}" type="presParOf" srcId="{0E04CFEB-5C36-4638-840B-8B1537D4E48B}" destId="{73FB8B1F-A3E9-435D-9E5C-08246B666D13}" srcOrd="9" destOrd="0" presId="urn:microsoft.com/office/officeart/2005/8/layout/process5"/>
+    <dgm:cxn modelId="{A06919DD-AE67-438D-89C1-2D758A559C6F}" type="presParOf" srcId="{73FB8B1F-A3E9-435D-9E5C-08246B666D13}" destId="{043C0E15-FBB8-478D-BA81-5FFEEBE714E2}" srcOrd="0" destOrd="0" presId="urn:microsoft.com/office/officeart/2005/8/layout/process5"/>
+    <dgm:cxn modelId="{1FE2DE60-E312-479F-8166-EA62C185FD07}" type="presParOf" srcId="{0E04CFEB-5C36-4638-840B-8B1537D4E48B}" destId="{A418990B-279E-4AC3-98F0-94A0ACCF38B7}" srcOrd="10" destOrd="0" presId="urn:microsoft.com/office/officeart/2005/8/layout/process5"/>
+    <dgm:cxn modelId="{43D4627A-B0DC-4DF6-8BCF-FEA52375B224}" type="presParOf" srcId="{0E04CFEB-5C36-4638-840B-8B1537D4E48B}" destId="{35D3B8CA-3C6F-405C-BF54-341CAE8812C2}" srcOrd="11" destOrd="0" presId="urn:microsoft.com/office/officeart/2005/8/layout/process5"/>
+    <dgm:cxn modelId="{D84CBC70-5CD9-4A67-9F4E-1EC7BA6CBB2D}" type="presParOf" srcId="{35D3B8CA-3C6F-405C-BF54-341CAE8812C2}" destId="{4BE62AF3-487E-402E-94FB-D958A3B0CEE8}" srcOrd="0" destOrd="0" presId="urn:microsoft.com/office/officeart/2005/8/layout/process5"/>
+    <dgm:cxn modelId="{C4645AAB-2E58-4CAD-96CD-261E331EAA40}" type="presParOf" srcId="{0E04CFEB-5C36-4638-840B-8B1537D4E48B}" destId="{B2D783FC-7BC6-4B5E-BA0A-902EE8586B8C}" srcOrd="12" destOrd="0" presId="urn:microsoft.com/office/officeart/2005/8/layout/process5"/>
+    <dgm:cxn modelId="{3B27B12B-B95C-44D7-A346-AD01D2BDDD92}" type="presParOf" srcId="{0E04CFEB-5C36-4638-840B-8B1537D4E48B}" destId="{24F7BC5E-B3AC-46D2-9739-85D232A360FA}" srcOrd="13" destOrd="0" presId="urn:microsoft.com/office/officeart/2005/8/layout/process5"/>
+    <dgm:cxn modelId="{672B89B9-69F9-4198-8E98-6F5172D3660D}" type="presParOf" srcId="{24F7BC5E-B3AC-46D2-9739-85D232A360FA}" destId="{4311ACC3-D672-4369-BF16-913BF299ECBD}" srcOrd="0" destOrd="0" presId="urn:microsoft.com/office/officeart/2005/8/layout/process5"/>
+    <dgm:cxn modelId="{B0A2C87C-C6EA-44E7-9FFC-FFC31D40448E}" type="presParOf" srcId="{0E04CFEB-5C36-4638-840B-8B1537D4E48B}" destId="{FA9394A2-6FB9-440D-8B08-CC253A63D7CF}" srcOrd="14" destOrd="0" presId="urn:microsoft.com/office/officeart/2005/8/layout/process5"/>
   </dgm:cxnLst>
   <dgm:bg/>
   <dgm:whole/>
@@ -4021,10 +3607,10 @@
             </a:lnSpc>
           </a:pPr>
           <a:r>
-            <a:rPr lang="en-GB"/>
+            <a:rPr lang="en-GB" dirty="0"/>
             <a:t>Getting suitable data</a:t>
           </a:r>
-          <a:endParaRPr lang="en-US"/>
+          <a:endParaRPr lang="en-US" dirty="0"/>
         </a:p>
       </dgm:t>
     </dgm:pt>
@@ -4064,7 +3650,7 @@
           </a:pPr>
           <a:r>
             <a:rPr lang="en-US" dirty="0"/>
-            <a:t>Putting data into the right form</a:t>
+            <a:t>Geocoding the data</a:t>
           </a:r>
         </a:p>
       </dgm:t>
@@ -4091,6 +3677,47 @@
         </a:p>
       </dgm:t>
     </dgm:pt>
+    <dgm:pt modelId="{CA1C088B-0A99-492F-8EC2-29EB2A302844}">
+      <dgm:prSet/>
+      <dgm:spPr/>
+      <dgm:t>
+        <a:bodyPr/>
+        <a:lstStyle/>
+        <a:p>
+          <a:pPr>
+            <a:lnSpc>
+              <a:spcPct val="100000"/>
+            </a:lnSpc>
+          </a:pPr>
+          <a:r>
+            <a:rPr lang="en-US" dirty="0"/>
+            <a:t>Parser Problems</a:t>
+          </a:r>
+        </a:p>
+      </dgm:t>
+    </dgm:pt>
+    <dgm:pt modelId="{B9DEEC4F-5A00-4BA9-BF6C-C3280DF98A7C}" type="parTrans" cxnId="{29F70615-384B-4FF8-9D49-73D6AA6766DC}">
+      <dgm:prSet/>
+      <dgm:spPr/>
+      <dgm:t>
+        <a:bodyPr/>
+        <a:lstStyle/>
+        <a:p>
+          <a:endParaRPr lang="en-GB"/>
+        </a:p>
+      </dgm:t>
+    </dgm:pt>
+    <dgm:pt modelId="{F5901A9C-C37F-4CF8-BB54-9F2B61389FCA}" type="sibTrans" cxnId="{29F70615-384B-4FF8-9D49-73D6AA6766DC}">
+      <dgm:prSet/>
+      <dgm:spPr/>
+      <dgm:t>
+        <a:bodyPr/>
+        <a:lstStyle/>
+        <a:p>
+          <a:endParaRPr lang="en-GB"/>
+        </a:p>
+      </dgm:t>
+    </dgm:pt>
     <dgm:pt modelId="{0B2EB8E5-616C-41A0-B2D7-5208DA28A6AA}" type="pres">
       <dgm:prSet presAssocID="{098B1CC4-585F-4360-B0FF-0B8B2094AA0D}" presName="root" presStyleCnt="0">
         <dgm:presLayoutVars>
@@ -4105,11 +3732,11 @@
       <dgm:spPr/>
     </dgm:pt>
     <dgm:pt modelId="{AB6DA7CA-AB61-45AF-856A-14D31AEB0955}" type="pres">
-      <dgm:prSet presAssocID="{B13AC468-DD33-4179-9248-73948946E5D3}" presName="bgRect" presStyleLbl="bgShp" presStyleIdx="0" presStyleCnt="2"/>
+      <dgm:prSet presAssocID="{B13AC468-DD33-4179-9248-73948946E5D3}" presName="bgRect" presStyleLbl="bgShp" presStyleIdx="0" presStyleCnt="3"/>
       <dgm:spPr/>
     </dgm:pt>
     <dgm:pt modelId="{0CB85378-853B-438D-944D-66A28A2D66AF}" type="pres">
-      <dgm:prSet presAssocID="{B13AC468-DD33-4179-9248-73948946E5D3}" presName="iconRect" presStyleLbl="node1" presStyleIdx="0" presStyleCnt="2"/>
+      <dgm:prSet presAssocID="{B13AC468-DD33-4179-9248-73948946E5D3}" presName="iconRect" presStyleLbl="node1" presStyleIdx="0" presStyleCnt="3"/>
       <dgm:spPr>
         <a:blipFill>
           <a:blip xmlns:r="http://schemas.openxmlformats.org/officeDocument/2006/relationships" r:embed="rId1">
@@ -4141,7 +3768,7 @@
       <dgm:spPr/>
     </dgm:pt>
     <dgm:pt modelId="{4B46CF79-78C3-4202-80BB-49CB5D39E5CB}" type="pres">
-      <dgm:prSet presAssocID="{B13AC468-DD33-4179-9248-73948946E5D3}" presName="parTx" presStyleLbl="revTx" presStyleIdx="0" presStyleCnt="2">
+      <dgm:prSet presAssocID="{B13AC468-DD33-4179-9248-73948946E5D3}" presName="parTx" presStyleLbl="revTx" presStyleIdx="0" presStyleCnt="3">
         <dgm:presLayoutVars>
           <dgm:chMax val="0"/>
           <dgm:chPref val="0"/>
@@ -4158,23 +3785,21 @@
       <dgm:spPr/>
     </dgm:pt>
     <dgm:pt modelId="{A26A4F8C-2E9C-4719-9008-974FFD29EBF3}" type="pres">
-      <dgm:prSet presAssocID="{0EABCFD1-24F8-4A60-B72D-0EDF4AAFAA99}" presName="bgRect" presStyleLbl="bgShp" presStyleIdx="1" presStyleCnt="2"/>
+      <dgm:prSet presAssocID="{0EABCFD1-24F8-4A60-B72D-0EDF4AAFAA99}" presName="bgRect" presStyleLbl="bgShp" presStyleIdx="1" presStyleCnt="3"/>
       <dgm:spPr/>
     </dgm:pt>
     <dgm:pt modelId="{FAF967DE-98F2-4C9C-B493-D180831BDDE0}" type="pres">
-      <dgm:prSet presAssocID="{0EABCFD1-24F8-4A60-B72D-0EDF4AAFAA99}" presName="iconRect" presStyleLbl="node1" presStyleIdx="1" presStyleCnt="2"/>
+      <dgm:prSet presAssocID="{0EABCFD1-24F8-4A60-B72D-0EDF4AAFAA99}" presName="iconRect" presStyleLbl="node1" presStyleIdx="1" presStyleCnt="3"/>
       <dgm:spPr>
         <a:blipFill>
           <a:blip xmlns:r="http://schemas.openxmlformats.org/officeDocument/2006/relationships" r:embed="rId3">
             <a:extLst>
-              <a:ext uri="{28A0092B-C50C-407E-A947-70E740481C1C}">
-                <a14:useLocalDpi xmlns:a14="http://schemas.microsoft.com/office/drawing/2010/main" val="0"/>
-              </a:ext>
               <a:ext uri="{96DAC541-7B7A-43D3-8B79-37D633B846F1}">
                 <asvg:svgBlip xmlns:asvg="http://schemas.microsoft.com/office/drawing/2016/SVG/main" r:embed="rId4"/>
               </a:ext>
             </a:extLst>
           </a:blip>
+          <a:srcRect/>
           <a:stretch>
             <a:fillRect/>
           </a:stretch>
@@ -4185,7 +3810,7 @@
       </dgm:spPr>
       <dgm:extLst>
         <a:ext uri="{E40237B7-FDA0-4F09-8148-C483321AD2D9}">
-          <dgm14:cNvPr xmlns:dgm14="http://schemas.microsoft.com/office/drawing/2010/diagram" id="0" name="" descr="Dokument"/>
+          <dgm14:cNvPr xmlns:dgm14="http://schemas.microsoft.com/office/drawing/2010/diagram" id="0" name="" descr="Markierung mit einfarbiger Füllung"/>
         </a:ext>
       </dgm:extLst>
     </dgm:pt>
@@ -4194,7 +3819,58 @@
       <dgm:spPr/>
     </dgm:pt>
     <dgm:pt modelId="{6A88FDD3-9EFE-4FB9-9F28-6E2B65C1BA45}" type="pres">
-      <dgm:prSet presAssocID="{0EABCFD1-24F8-4A60-B72D-0EDF4AAFAA99}" presName="parTx" presStyleLbl="revTx" presStyleIdx="1" presStyleCnt="2">
+      <dgm:prSet presAssocID="{0EABCFD1-24F8-4A60-B72D-0EDF4AAFAA99}" presName="parTx" presStyleLbl="revTx" presStyleIdx="1" presStyleCnt="3">
+        <dgm:presLayoutVars>
+          <dgm:chMax val="0"/>
+          <dgm:chPref val="0"/>
+        </dgm:presLayoutVars>
+      </dgm:prSet>
+      <dgm:spPr/>
+    </dgm:pt>
+    <dgm:pt modelId="{26B16097-FBB1-4D82-B2F1-14DCC5FE6089}" type="pres">
+      <dgm:prSet presAssocID="{6BDB09EE-881C-48AA-844D-8BCA409A9F22}" presName="sibTrans" presStyleCnt="0"/>
+      <dgm:spPr/>
+    </dgm:pt>
+    <dgm:pt modelId="{48506492-740D-4FBC-8444-F70B3F2A0FAA}" type="pres">
+      <dgm:prSet presAssocID="{CA1C088B-0A99-492F-8EC2-29EB2A302844}" presName="compNode" presStyleCnt="0"/>
+      <dgm:spPr/>
+    </dgm:pt>
+    <dgm:pt modelId="{4C71DA96-8D99-401D-A465-0E4F50BF6956}" type="pres">
+      <dgm:prSet presAssocID="{CA1C088B-0A99-492F-8EC2-29EB2A302844}" presName="bgRect" presStyleLbl="bgShp" presStyleIdx="2" presStyleCnt="3"/>
+      <dgm:spPr/>
+    </dgm:pt>
+    <dgm:pt modelId="{284EE4F1-F338-445E-84D7-3D872DE8CCF0}" type="pres">
+      <dgm:prSet presAssocID="{CA1C088B-0A99-492F-8EC2-29EB2A302844}" presName="iconRect" presStyleLbl="node1" presStyleIdx="2" presStyleCnt="3" custLinFactNeighborY="6117"/>
+      <dgm:spPr>
+        <a:blipFill>
+          <a:blip xmlns:r="http://schemas.openxmlformats.org/officeDocument/2006/relationships" r:embed="rId5">
+            <a:extLst>
+              <a:ext uri="{28A0092B-C50C-407E-A947-70E740481C1C}">
+                <a14:useLocalDpi xmlns:a14="http://schemas.microsoft.com/office/drawing/2010/main" val="0"/>
+              </a:ext>
+              <a:ext uri="{96DAC541-7B7A-43D3-8B79-37D633B846F1}">
+                <asvg:svgBlip xmlns:asvg="http://schemas.microsoft.com/office/drawing/2016/SVG/main" r:embed="rId6"/>
+              </a:ext>
+            </a:extLst>
+          </a:blip>
+          <a:srcRect/>
+          <a:stretch>
+            <a:fillRect/>
+          </a:stretch>
+        </a:blipFill>
+      </dgm:spPr>
+      <dgm:extLst>
+        <a:ext uri="{E40237B7-FDA0-4F09-8148-C483321AD2D9}">
+          <dgm14:cNvPr xmlns:dgm14="http://schemas.microsoft.com/office/drawing/2010/diagram" id="0" name="" descr="Pfeil: Leichte Kurve mit einfarbiger Füllung"/>
+        </a:ext>
+      </dgm:extLst>
+    </dgm:pt>
+    <dgm:pt modelId="{8B6FEAFB-03DE-4FB3-A6BD-E1F388DC770B}" type="pres">
+      <dgm:prSet presAssocID="{CA1C088B-0A99-492F-8EC2-29EB2A302844}" presName="spaceRect" presStyleCnt="0"/>
+      <dgm:spPr/>
+    </dgm:pt>
+    <dgm:pt modelId="{53805850-ABFF-42C2-BF1C-736EA81C4A27}" type="pres">
+      <dgm:prSet presAssocID="{CA1C088B-0A99-492F-8EC2-29EB2A302844}" presName="parTx" presStyleLbl="revTx" presStyleIdx="2" presStyleCnt="3">
         <dgm:presLayoutVars>
           <dgm:chMax val="0"/>
           <dgm:chPref val="0"/>
@@ -4204,7 +3880,9 @@
     </dgm:pt>
   </dgm:ptLst>
   <dgm:cxnLst>
+    <dgm:cxn modelId="{29F70615-384B-4FF8-9D49-73D6AA6766DC}" srcId="{098B1CC4-585F-4360-B0FF-0B8B2094AA0D}" destId="{CA1C088B-0A99-492F-8EC2-29EB2A302844}" srcOrd="2" destOrd="0" parTransId="{B9DEEC4F-5A00-4BA9-BF6C-C3280DF98A7C}" sibTransId="{F5901A9C-C37F-4CF8-BB54-9F2B61389FCA}"/>
     <dgm:cxn modelId="{14E74324-CF9C-4471-AFA9-352AF37D83E1}" type="presOf" srcId="{B13AC468-DD33-4179-9248-73948946E5D3}" destId="{4B46CF79-78C3-4202-80BB-49CB5D39E5CB}" srcOrd="0" destOrd="0" presId="urn:microsoft.com/office/officeart/2018/2/layout/IconVerticalSolidList"/>
+    <dgm:cxn modelId="{E66E5734-E615-4FE0-9EF1-A2FD65ABE6FF}" type="presOf" srcId="{CA1C088B-0A99-492F-8EC2-29EB2A302844}" destId="{53805850-ABFF-42C2-BF1C-736EA81C4A27}" srcOrd="0" destOrd="0" presId="urn:microsoft.com/office/officeart/2018/2/layout/IconVerticalSolidList"/>
     <dgm:cxn modelId="{50E0F741-785E-44AA-8F23-25AEFB39B4A8}" type="presOf" srcId="{098B1CC4-585F-4360-B0FF-0B8B2094AA0D}" destId="{0B2EB8E5-616C-41A0-B2D7-5208DA28A6AA}" srcOrd="0" destOrd="0" presId="urn:microsoft.com/office/officeart/2018/2/layout/IconVerticalSolidList"/>
     <dgm:cxn modelId="{7712ABA3-91E0-460B-9DC0-95A8E9BCC522}" srcId="{098B1CC4-585F-4360-B0FF-0B8B2094AA0D}" destId="{B13AC468-DD33-4179-9248-73948946E5D3}" srcOrd="0" destOrd="0" parTransId="{D67671E4-6B96-479C-8510-49B1EFE169FF}" sibTransId="{64A558C6-82CA-4542-97C3-FA2657B21A14}"/>
     <dgm:cxn modelId="{17EB37DF-37CD-4540-A6CA-7443BEF41910}" type="presOf" srcId="{0EABCFD1-24F8-4A60-B72D-0EDF4AAFAA99}" destId="{6A88FDD3-9EFE-4FB9-9F28-6E2B65C1BA45}" srcOrd="0" destOrd="0" presId="urn:microsoft.com/office/officeart/2018/2/layout/IconVerticalSolidList"/>
@@ -4220,12 +3898,18 @@
     <dgm:cxn modelId="{6CE9AEE5-D0D1-4092-9E5F-968EA493A7B0}" type="presParOf" srcId="{1242EB3D-D96C-44EB-BDD3-C8E911001A94}" destId="{FAF967DE-98F2-4C9C-B493-D180831BDDE0}" srcOrd="1" destOrd="0" presId="urn:microsoft.com/office/officeart/2018/2/layout/IconVerticalSolidList"/>
     <dgm:cxn modelId="{D25D6561-F17D-4AAB-B3FF-D443B0DEB865}" type="presParOf" srcId="{1242EB3D-D96C-44EB-BDD3-C8E911001A94}" destId="{4271FCFF-31F2-4774-8765-74AB620C152B}" srcOrd="2" destOrd="0" presId="urn:microsoft.com/office/officeart/2018/2/layout/IconVerticalSolidList"/>
     <dgm:cxn modelId="{C98B3931-034C-41A0-BB77-986489F8D7B1}" type="presParOf" srcId="{1242EB3D-D96C-44EB-BDD3-C8E911001A94}" destId="{6A88FDD3-9EFE-4FB9-9F28-6E2B65C1BA45}" srcOrd="3" destOrd="0" presId="urn:microsoft.com/office/officeart/2018/2/layout/IconVerticalSolidList"/>
+    <dgm:cxn modelId="{D87CB00D-09AD-41C4-B741-D18182D4EABA}" type="presParOf" srcId="{0B2EB8E5-616C-41A0-B2D7-5208DA28A6AA}" destId="{26B16097-FBB1-4D82-B2F1-14DCC5FE6089}" srcOrd="3" destOrd="0" presId="urn:microsoft.com/office/officeart/2018/2/layout/IconVerticalSolidList"/>
+    <dgm:cxn modelId="{AB432A19-D3D5-4E1F-91D6-4FC6134740DE}" type="presParOf" srcId="{0B2EB8E5-616C-41A0-B2D7-5208DA28A6AA}" destId="{48506492-740D-4FBC-8444-F70B3F2A0FAA}" srcOrd="4" destOrd="0" presId="urn:microsoft.com/office/officeart/2018/2/layout/IconVerticalSolidList"/>
+    <dgm:cxn modelId="{D32066D2-5E35-42C9-87FD-5D3528522431}" type="presParOf" srcId="{48506492-740D-4FBC-8444-F70B3F2A0FAA}" destId="{4C71DA96-8D99-401D-A465-0E4F50BF6956}" srcOrd="0" destOrd="0" presId="urn:microsoft.com/office/officeart/2018/2/layout/IconVerticalSolidList"/>
+    <dgm:cxn modelId="{D75402DF-AAF1-4497-A4FC-B1F21C532515}" type="presParOf" srcId="{48506492-740D-4FBC-8444-F70B3F2A0FAA}" destId="{284EE4F1-F338-445E-84D7-3D872DE8CCF0}" srcOrd="1" destOrd="0" presId="urn:microsoft.com/office/officeart/2018/2/layout/IconVerticalSolidList"/>
+    <dgm:cxn modelId="{C34FC094-B57E-4AA5-893F-F65E7C84388F}" type="presParOf" srcId="{48506492-740D-4FBC-8444-F70B3F2A0FAA}" destId="{8B6FEAFB-03DE-4FB3-A6BD-E1F388DC770B}" srcOrd="2" destOrd="0" presId="urn:microsoft.com/office/officeart/2018/2/layout/IconVerticalSolidList"/>
+    <dgm:cxn modelId="{03198436-B6E6-4286-B940-3D060EDE41EC}" type="presParOf" srcId="{48506492-740D-4FBC-8444-F70B3F2A0FAA}" destId="{53805850-ABFF-42C2-BF1C-736EA81C4A27}" srcOrd="3" destOrd="0" presId="urn:microsoft.com/office/officeart/2018/2/layout/IconVerticalSolidList"/>
   </dgm:cxnLst>
   <dgm:bg/>
   <dgm:whole/>
   <dgm:extLst>
     <a:ext uri="http://schemas.microsoft.com/office/drawing/2008/diagram">
-      <dsp:dataModelExt xmlns:dsp="http://schemas.microsoft.com/office/drawing/2008/diagram" relId="rId6" minVer="http://schemas.openxmlformats.org/drawingml/2006/diagram"/>
+      <dsp:dataModelExt xmlns:dsp="http://schemas.microsoft.com/office/drawing/2008/diagram" relId="rId7" minVer="http://schemas.openxmlformats.org/drawingml/2006/diagram"/>
     </a:ext>
   </dgm:extLst>
 </dgm:dataModel>
@@ -4252,34 +3936,19 @@
         <a:prstGeom prst="ellipse">
           <a:avLst/>
         </a:prstGeom>
-        <a:gradFill rotWithShape="1">
-          <a:gsLst>
-            <a:gs pos="0">
-              <a:schemeClr val="accent1">
-                <a:satMod val="103000"/>
-                <a:lumMod val="102000"/>
-                <a:tint val="94000"/>
-              </a:schemeClr>
-            </a:gs>
-            <a:gs pos="50000">
-              <a:schemeClr val="accent1">
-                <a:satMod val="110000"/>
-                <a:lumMod val="100000"/>
-                <a:shade val="100000"/>
-              </a:schemeClr>
-            </a:gs>
-            <a:gs pos="100000">
-              <a:schemeClr val="accent1">
-                <a:lumMod val="99000"/>
-                <a:satMod val="120000"/>
-                <a:shade val="78000"/>
-              </a:schemeClr>
-            </a:gs>
-          </a:gsLst>
-          <a:lin ang="5400000" scaled="0"/>
-        </a:gradFill>
+        <a:solidFill>
+          <a:schemeClr val="accent2">
+            <a:lumMod val="60000"/>
+            <a:lumOff val="40000"/>
+          </a:schemeClr>
+        </a:solidFill>
         <a:ln w="6350" cap="flat" cmpd="sng" algn="ctr">
-          <a:noFill/>
+          <a:solidFill>
+            <a:schemeClr val="accent2">
+              <a:lumMod val="60000"/>
+              <a:lumOff val="40000"/>
+            </a:schemeClr>
+          </a:solidFill>
           <a:prstDash val="solid"/>
           <a:miter lim="800000"/>
         </a:ln>
@@ -4426,7 +4095,10 @@
           <a:avLst/>
         </a:prstGeom>
         <a:solidFill>
-          <a:schemeClr val="bg2"/>
+          <a:schemeClr val="accent3">
+            <a:lumMod val="40000"/>
+            <a:lumOff val="60000"/>
+          </a:schemeClr>
         </a:solidFill>
         <a:ln>
           <a:noFill/>
@@ -4721,15 +4393,15 @@
       <dsp:cNvGrpSpPr/>
     </dsp:nvGrpSpPr>
     <dsp:grpSpPr/>
-    <dsp:sp modelId="{EA318C2D-5619-43B5-B15E-7C837F49B673}">
+    <dsp:sp modelId="{A0E0BAF7-B62A-41CD-8FF8-FE4472F6BD3B}">
       <dsp:nvSpPr>
         <dsp:cNvPr id="0" name=""/>
         <dsp:cNvSpPr/>
       </dsp:nvSpPr>
       <dsp:spPr>
         <a:xfrm>
-          <a:off x="976" y="1348097"/>
-          <a:ext cx="1360033" cy="1121742"/>
+          <a:off x="88738" y="558"/>
+          <a:ext cx="1758032" cy="1054819"/>
         </a:xfrm>
         <a:prstGeom prst="roundRect">
           <a:avLst>
@@ -4737,17 +4409,16 @@
           </a:avLst>
         </a:prstGeom>
         <a:solidFill>
-          <a:schemeClr val="lt1">
-            <a:alpha val="90000"/>
+          <a:schemeClr val="accent5">
             <a:hueOff val="0"/>
             <a:satOff val="0"/>
             <a:lumOff val="0"/>
             <a:alphaOff val="0"/>
           </a:schemeClr>
         </a:solidFill>
-        <a:ln w="6350" cap="flat" cmpd="sng" algn="ctr">
+        <a:ln w="12700" cap="flat" cmpd="sng" algn="ctr">
           <a:solidFill>
-            <a:schemeClr val="accent1">
+            <a:schemeClr val="lt1">
               <a:hueOff val="0"/>
               <a:satOff val="0"/>
               <a:lumOff val="0"/>
@@ -4760,7 +4431,7 @@
         <a:effectLst/>
       </dsp:spPr>
       <dsp:style>
-        <a:lnRef idx="1">
+        <a:lnRef idx="2">
           <a:scrgbClr r="0" g="0" b="0"/>
         </a:lnRef>
         <a:fillRef idx="1">
@@ -4769,196 +4440,17 @@
         <a:effectRef idx="0">
           <a:scrgbClr r="0" g="0" b="0"/>
         </a:effectRef>
-        <a:fontRef idx="minor"/>
-      </dsp:style>
-      <dsp:txBody>
-        <a:bodyPr spcFirstLastPara="0" vert="horz" wrap="square" lIns="22860" tIns="22860" rIns="22860" bIns="22860" numCol="1" spcCol="1270" anchor="t" anchorCtr="0">
-          <a:noAutofit/>
-        </a:bodyPr>
-        <a:lstStyle/>
-        <a:p>
-          <a:pPr marL="114300" lvl="1" indent="-114300" algn="l" defTabSz="533400">
-            <a:lnSpc>
-              <a:spcPct val="90000"/>
-            </a:lnSpc>
-            <a:spcBef>
-              <a:spcPct val="0"/>
-            </a:spcBef>
-            <a:spcAft>
-              <a:spcPct val="15000"/>
-            </a:spcAft>
-            <a:buChar char="•"/>
-          </a:pPr>
-          <a:r>
-            <a:rPr lang="en-GB" sz="1200" kern="1200" dirty="0"/>
-            <a:t>find suitable data</a:t>
-          </a:r>
-        </a:p>
-      </dsp:txBody>
-      <dsp:txXfrm>
-        <a:off x="26790" y="1373911"/>
-        <a:ext cx="1308405" cy="829741"/>
-      </dsp:txXfrm>
-    </dsp:sp>
-    <dsp:sp modelId="{D79F7A34-9AFD-488E-B1BE-10EAE6818318}">
-      <dsp:nvSpPr>
-        <dsp:cNvPr id="0" name=""/>
-        <dsp:cNvSpPr/>
-      </dsp:nvSpPr>
-      <dsp:spPr>
-        <a:xfrm>
-          <a:off x="736681" y="1512548"/>
-          <a:ext cx="1651602" cy="1651602"/>
-        </a:xfrm>
-        <a:prstGeom prst="leftCircularArrow">
-          <a:avLst>
-            <a:gd name="adj1" fmla="val 4067"/>
-            <a:gd name="adj2" fmla="val 511501"/>
-            <a:gd name="adj3" fmla="val 2287012"/>
-            <a:gd name="adj4" fmla="val 9024489"/>
-            <a:gd name="adj5" fmla="val 4744"/>
-          </a:avLst>
-        </a:prstGeom>
-        <a:gradFill rotWithShape="0">
-          <a:gsLst>
-            <a:gs pos="0">
-              <a:schemeClr val="accent1">
-                <a:tint val="60000"/>
-                <a:hueOff val="0"/>
-                <a:satOff val="0"/>
-                <a:lumOff val="0"/>
-                <a:alphaOff val="0"/>
-                <a:satMod val="103000"/>
-                <a:lumMod val="102000"/>
-                <a:tint val="94000"/>
-              </a:schemeClr>
-            </a:gs>
-            <a:gs pos="50000">
-              <a:schemeClr val="accent1">
-                <a:tint val="60000"/>
-                <a:hueOff val="0"/>
-                <a:satOff val="0"/>
-                <a:lumOff val="0"/>
-                <a:alphaOff val="0"/>
-                <a:satMod val="110000"/>
-                <a:lumMod val="100000"/>
-                <a:shade val="100000"/>
-              </a:schemeClr>
-            </a:gs>
-            <a:gs pos="100000">
-              <a:schemeClr val="accent1">
-                <a:tint val="60000"/>
-                <a:hueOff val="0"/>
-                <a:satOff val="0"/>
-                <a:lumOff val="0"/>
-                <a:alphaOff val="0"/>
-                <a:lumMod val="99000"/>
-                <a:satMod val="120000"/>
-                <a:shade val="78000"/>
-              </a:schemeClr>
-            </a:gs>
-          </a:gsLst>
-          <a:lin ang="5400000" scaled="0"/>
-        </a:gradFill>
-        <a:ln>
-          <a:noFill/>
-        </a:ln>
-        <a:effectLst/>
-      </dsp:spPr>
-      <dsp:style>
-        <a:lnRef idx="0">
-          <a:scrgbClr r="0" g="0" b="0"/>
-        </a:lnRef>
-        <a:fillRef idx="3">
-          <a:scrgbClr r="0" g="0" b="0"/>
-        </a:fillRef>
-        <a:effectRef idx="2">
-          <a:scrgbClr r="0" g="0" b="0"/>
-        </a:effectRef>
-        <a:fontRef idx="minor">
-          <a:schemeClr val="lt1"/>
-        </a:fontRef>
-      </dsp:style>
-    </dsp:sp>
-    <dsp:sp modelId="{F8C4BD97-2FC4-4647-A010-9D953E50F635}">
-      <dsp:nvSpPr>
-        <dsp:cNvPr id="0" name=""/>
-        <dsp:cNvSpPr/>
-      </dsp:nvSpPr>
-      <dsp:spPr>
-        <a:xfrm>
-          <a:off x="303206" y="2229466"/>
-          <a:ext cx="1208918" cy="480746"/>
-        </a:xfrm>
-        <a:prstGeom prst="roundRect">
-          <a:avLst>
-            <a:gd name="adj" fmla="val 10000"/>
-          </a:avLst>
-        </a:prstGeom>
-        <a:gradFill rotWithShape="0">
-          <a:gsLst>
-            <a:gs pos="0">
-              <a:schemeClr val="accent1">
-                <a:hueOff val="0"/>
-                <a:satOff val="0"/>
-                <a:lumOff val="0"/>
-                <a:alphaOff val="0"/>
-                <a:satMod val="103000"/>
-                <a:lumMod val="102000"/>
-                <a:tint val="94000"/>
-              </a:schemeClr>
-            </a:gs>
-            <a:gs pos="50000">
-              <a:schemeClr val="accent1">
-                <a:hueOff val="0"/>
-                <a:satOff val="0"/>
-                <a:lumOff val="0"/>
-                <a:alphaOff val="0"/>
-                <a:satMod val="110000"/>
-                <a:lumMod val="100000"/>
-                <a:shade val="100000"/>
-              </a:schemeClr>
-            </a:gs>
-            <a:gs pos="100000">
-              <a:schemeClr val="accent1">
-                <a:hueOff val="0"/>
-                <a:satOff val="0"/>
-                <a:lumOff val="0"/>
-                <a:alphaOff val="0"/>
-                <a:lumMod val="99000"/>
-                <a:satMod val="120000"/>
-                <a:shade val="78000"/>
-              </a:schemeClr>
-            </a:gs>
-          </a:gsLst>
-          <a:lin ang="5400000" scaled="0"/>
-        </a:gradFill>
-        <a:ln>
-          <a:noFill/>
-        </a:ln>
-        <a:effectLst/>
-      </dsp:spPr>
-      <dsp:style>
-        <a:lnRef idx="0">
-          <a:scrgbClr r="0" g="0" b="0"/>
-        </a:lnRef>
-        <a:fillRef idx="3">
-          <a:scrgbClr r="0" g="0" b="0"/>
-        </a:fillRef>
-        <a:effectRef idx="2">
-          <a:scrgbClr r="0" g="0" b="0"/>
-        </a:effectRef>
         <a:fontRef idx="minor">
           <a:schemeClr val="lt1"/>
         </a:fontRef>
       </dsp:style>
       <dsp:txBody>
-        <a:bodyPr spcFirstLastPara="0" vert="horz" wrap="square" lIns="51435" tIns="34290" rIns="51435" bIns="34290" numCol="1" spcCol="1270" anchor="ctr" anchorCtr="0">
+        <a:bodyPr spcFirstLastPara="0" vert="horz" wrap="square" lIns="60960" tIns="60960" rIns="60960" bIns="60960" numCol="1" spcCol="1270" anchor="ctr" anchorCtr="0">
           <a:noAutofit/>
         </a:bodyPr>
         <a:lstStyle/>
         <a:p>
-          <a:pPr marL="0" lvl="0" indent="0" algn="ctr" defTabSz="1200150">
+          <a:pPr marL="0" lvl="0" indent="0" algn="ctr" defTabSz="711200">
             <a:lnSpc>
               <a:spcPct val="90000"/>
             </a:lnSpc>
@@ -4971,25 +4463,95 @@
             <a:buNone/>
           </a:pPr>
           <a:r>
-            <a:rPr lang="en-GB" sz="2700" kern="1200" dirty="0"/>
-            <a:t>1</a:t>
+            <a:rPr lang="en-GB" sz="1600" b="1" kern="1200" dirty="0"/>
+            <a:t>Find suitable data</a:t>
           </a:r>
         </a:p>
       </dsp:txBody>
       <dsp:txXfrm>
-        <a:off x="317287" y="2243547"/>
-        <a:ext cx="1180756" cy="452584"/>
+        <a:off x="119633" y="31453"/>
+        <a:ext cx="1696242" cy="993029"/>
       </dsp:txXfrm>
     </dsp:sp>
-    <dsp:sp modelId="{878A1CC2-9BA0-4237-AEA2-6438964AAAD9}">
+    <dsp:sp modelId="{0EE62A16-BC2C-412C-8587-DFD4F9C9BCF6}">
       <dsp:nvSpPr>
         <dsp:cNvPr id="0" name=""/>
         <dsp:cNvSpPr/>
       </dsp:nvSpPr>
       <dsp:spPr>
         <a:xfrm>
-          <a:off x="1831956" y="1348097"/>
-          <a:ext cx="1360033" cy="1121742"/>
+          <a:off x="2001477" y="309971"/>
+          <a:ext cx="372702" cy="435991"/>
+        </a:xfrm>
+        <a:prstGeom prst="rightArrow">
+          <a:avLst>
+            <a:gd name="adj1" fmla="val 60000"/>
+            <a:gd name="adj2" fmla="val 50000"/>
+          </a:avLst>
+        </a:prstGeom>
+        <a:solidFill>
+          <a:schemeClr val="accent5">
+            <a:tint val="60000"/>
+            <a:hueOff val="0"/>
+            <a:satOff val="0"/>
+            <a:lumOff val="0"/>
+            <a:alphaOff val="0"/>
+          </a:schemeClr>
+        </a:solidFill>
+        <a:ln>
+          <a:noFill/>
+        </a:ln>
+        <a:effectLst/>
+      </dsp:spPr>
+      <dsp:style>
+        <a:lnRef idx="0">
+          <a:scrgbClr r="0" g="0" b="0"/>
+        </a:lnRef>
+        <a:fillRef idx="1">
+          <a:scrgbClr r="0" g="0" b="0"/>
+        </a:fillRef>
+        <a:effectRef idx="0">
+          <a:scrgbClr r="0" g="0" b="0"/>
+        </a:effectRef>
+        <a:fontRef idx="minor">
+          <a:schemeClr val="lt1"/>
+        </a:fontRef>
+      </dsp:style>
+      <dsp:txBody>
+        <a:bodyPr spcFirstLastPara="0" vert="horz" wrap="square" lIns="0" tIns="0" rIns="0" bIns="0" numCol="1" spcCol="1270" anchor="ctr" anchorCtr="0">
+          <a:noAutofit/>
+        </a:bodyPr>
+        <a:lstStyle/>
+        <a:p>
+          <a:pPr marL="0" lvl="0" indent="0" algn="ctr" defTabSz="577850">
+            <a:lnSpc>
+              <a:spcPct val="90000"/>
+            </a:lnSpc>
+            <a:spcBef>
+              <a:spcPct val="0"/>
+            </a:spcBef>
+            <a:spcAft>
+              <a:spcPct val="35000"/>
+            </a:spcAft>
+            <a:buNone/>
+          </a:pPr>
+          <a:endParaRPr lang="en-GB" sz="1300" kern="1200"/>
+        </a:p>
+      </dsp:txBody>
+      <dsp:txXfrm>
+        <a:off x="2001477" y="397169"/>
+        <a:ext cx="260891" cy="261595"/>
+      </dsp:txXfrm>
+    </dsp:sp>
+    <dsp:sp modelId="{E2D734D7-0991-4EAE-9001-164BDFC6A18C}">
+      <dsp:nvSpPr>
+        <dsp:cNvPr id="0" name=""/>
+        <dsp:cNvSpPr/>
+      </dsp:nvSpPr>
+      <dsp:spPr>
+        <a:xfrm>
+          <a:off x="2549983" y="558"/>
+          <a:ext cx="1758032" cy="1054819"/>
         </a:xfrm>
         <a:prstGeom prst="roundRect">
           <a:avLst>
@@ -4997,17 +4559,16 @@
           </a:avLst>
         </a:prstGeom>
         <a:solidFill>
-          <a:schemeClr val="lt1">
-            <a:alpha val="90000"/>
+          <a:schemeClr val="accent5">
             <a:hueOff val="0"/>
             <a:satOff val="0"/>
             <a:lumOff val="0"/>
             <a:alphaOff val="0"/>
           </a:schemeClr>
         </a:solidFill>
-        <a:ln w="6350" cap="flat" cmpd="sng" algn="ctr">
+        <a:ln w="12700" cap="flat" cmpd="sng" algn="ctr">
           <a:solidFill>
-            <a:schemeClr val="accent1">
+            <a:schemeClr val="lt1">
               <a:hueOff val="0"/>
               <a:satOff val="0"/>
               <a:lumOff val="0"/>
@@ -5020,7 +4581,7 @@
         <a:effectLst/>
       </dsp:spPr>
       <dsp:style>
-        <a:lnRef idx="1">
+        <a:lnRef idx="2">
           <a:scrgbClr r="0" g="0" b="0"/>
         </a:lnRef>
         <a:fillRef idx="1">
@@ -5029,215 +4590,17 @@
         <a:effectRef idx="0">
           <a:scrgbClr r="0" g="0" b="0"/>
         </a:effectRef>
-        <a:fontRef idx="minor"/>
-      </dsp:style>
-      <dsp:txBody>
-        <a:bodyPr spcFirstLastPara="0" vert="horz" wrap="square" lIns="22860" tIns="22860" rIns="22860" bIns="22860" numCol="1" spcCol="1270" anchor="t" anchorCtr="0">
-          <a:noAutofit/>
-        </a:bodyPr>
-        <a:lstStyle/>
-        <a:p>
-          <a:pPr marL="114300" lvl="1" indent="-114300" algn="l" defTabSz="533400">
-            <a:lnSpc>
-              <a:spcPct val="90000"/>
-            </a:lnSpc>
-            <a:spcBef>
-              <a:spcPct val="0"/>
-            </a:spcBef>
-            <a:spcAft>
-              <a:spcPct val="15000"/>
-            </a:spcAft>
-            <a:buChar char="•"/>
-          </a:pPr>
-          <a:r>
-            <a:rPr lang="en-GB" sz="1200" kern="1200" dirty="0"/>
-            <a:t>Customize the data</a:t>
-          </a:r>
-        </a:p>
-        <a:p>
-          <a:pPr marL="114300" lvl="1" indent="-114300" algn="l" defTabSz="533400">
-            <a:lnSpc>
-              <a:spcPct val="90000"/>
-            </a:lnSpc>
-            <a:spcBef>
-              <a:spcPct val="0"/>
-            </a:spcBef>
-            <a:spcAft>
-              <a:spcPct val="15000"/>
-            </a:spcAft>
-            <a:buChar char="•"/>
-          </a:pPr>
-          <a:r>
-            <a:rPr lang="en-GB" sz="1200" kern="1200" dirty="0" err="1"/>
-            <a:t>georeference</a:t>
-          </a:r>
-          <a:endParaRPr lang="en-GB" sz="1200" kern="1200" dirty="0"/>
-        </a:p>
-      </dsp:txBody>
-      <dsp:txXfrm>
-        <a:off x="1857770" y="1614285"/>
-        <a:ext cx="1308405" cy="829741"/>
-      </dsp:txXfrm>
-    </dsp:sp>
-    <dsp:sp modelId="{3C406412-3C51-4212-BC2A-588FC6F6E550}">
-      <dsp:nvSpPr>
-        <dsp:cNvPr id="0" name=""/>
-        <dsp:cNvSpPr/>
-      </dsp:nvSpPr>
-      <dsp:spPr>
-        <a:xfrm>
-          <a:off x="2556327" y="609804"/>
-          <a:ext cx="1825384" cy="1825384"/>
-        </a:xfrm>
-        <a:prstGeom prst="circularArrow">
-          <a:avLst>
-            <a:gd name="adj1" fmla="val 3679"/>
-            <a:gd name="adj2" fmla="val 458503"/>
-            <a:gd name="adj3" fmla="val 19365986"/>
-            <a:gd name="adj4" fmla="val 12575511"/>
-            <a:gd name="adj5" fmla="val 4293"/>
-          </a:avLst>
-        </a:prstGeom>
-        <a:gradFill rotWithShape="0">
-          <a:gsLst>
-            <a:gs pos="0">
-              <a:schemeClr val="accent1">
-                <a:tint val="60000"/>
-                <a:hueOff val="0"/>
-                <a:satOff val="0"/>
-                <a:lumOff val="0"/>
-                <a:alphaOff val="0"/>
-                <a:satMod val="103000"/>
-                <a:lumMod val="102000"/>
-                <a:tint val="94000"/>
-              </a:schemeClr>
-            </a:gs>
-            <a:gs pos="50000">
-              <a:schemeClr val="accent1">
-                <a:tint val="60000"/>
-                <a:hueOff val="0"/>
-                <a:satOff val="0"/>
-                <a:lumOff val="0"/>
-                <a:alphaOff val="0"/>
-                <a:satMod val="110000"/>
-                <a:lumMod val="100000"/>
-                <a:shade val="100000"/>
-              </a:schemeClr>
-            </a:gs>
-            <a:gs pos="100000">
-              <a:schemeClr val="accent1">
-                <a:tint val="60000"/>
-                <a:hueOff val="0"/>
-                <a:satOff val="0"/>
-                <a:lumOff val="0"/>
-                <a:alphaOff val="0"/>
-                <a:lumMod val="99000"/>
-                <a:satMod val="120000"/>
-                <a:shade val="78000"/>
-              </a:schemeClr>
-            </a:gs>
-          </a:gsLst>
-          <a:lin ang="5400000" scaled="0"/>
-        </a:gradFill>
-        <a:ln>
-          <a:noFill/>
-        </a:ln>
-        <a:effectLst/>
-      </dsp:spPr>
-      <dsp:style>
-        <a:lnRef idx="0">
-          <a:scrgbClr r="0" g="0" b="0"/>
-        </a:lnRef>
-        <a:fillRef idx="3">
-          <a:scrgbClr r="0" g="0" b="0"/>
-        </a:fillRef>
-        <a:effectRef idx="2">
-          <a:scrgbClr r="0" g="0" b="0"/>
-        </a:effectRef>
-        <a:fontRef idx="minor">
-          <a:schemeClr val="lt1"/>
-        </a:fontRef>
-      </dsp:style>
-    </dsp:sp>
-    <dsp:sp modelId="{421EA899-DAAB-4CC5-9B64-0D92149EDEA6}">
-      <dsp:nvSpPr>
-        <dsp:cNvPr id="0" name=""/>
-        <dsp:cNvSpPr/>
-      </dsp:nvSpPr>
-      <dsp:spPr>
-        <a:xfrm>
-          <a:off x="2134186" y="1107724"/>
-          <a:ext cx="1208918" cy="480746"/>
-        </a:xfrm>
-        <a:prstGeom prst="roundRect">
-          <a:avLst>
-            <a:gd name="adj" fmla="val 10000"/>
-          </a:avLst>
-        </a:prstGeom>
-        <a:gradFill rotWithShape="0">
-          <a:gsLst>
-            <a:gs pos="0">
-              <a:schemeClr val="accent1">
-                <a:hueOff val="0"/>
-                <a:satOff val="0"/>
-                <a:lumOff val="0"/>
-                <a:alphaOff val="0"/>
-                <a:satMod val="103000"/>
-                <a:lumMod val="102000"/>
-                <a:tint val="94000"/>
-              </a:schemeClr>
-            </a:gs>
-            <a:gs pos="50000">
-              <a:schemeClr val="accent1">
-                <a:hueOff val="0"/>
-                <a:satOff val="0"/>
-                <a:lumOff val="0"/>
-                <a:alphaOff val="0"/>
-                <a:satMod val="110000"/>
-                <a:lumMod val="100000"/>
-                <a:shade val="100000"/>
-              </a:schemeClr>
-            </a:gs>
-            <a:gs pos="100000">
-              <a:schemeClr val="accent1">
-                <a:hueOff val="0"/>
-                <a:satOff val="0"/>
-                <a:lumOff val="0"/>
-                <a:alphaOff val="0"/>
-                <a:lumMod val="99000"/>
-                <a:satMod val="120000"/>
-                <a:shade val="78000"/>
-              </a:schemeClr>
-            </a:gs>
-          </a:gsLst>
-          <a:lin ang="5400000" scaled="0"/>
-        </a:gradFill>
-        <a:ln>
-          <a:noFill/>
-        </a:ln>
-        <a:effectLst/>
-      </dsp:spPr>
-      <dsp:style>
-        <a:lnRef idx="0">
-          <a:scrgbClr r="0" g="0" b="0"/>
-        </a:lnRef>
-        <a:fillRef idx="3">
-          <a:scrgbClr r="0" g="0" b="0"/>
-        </a:fillRef>
-        <a:effectRef idx="2">
-          <a:scrgbClr r="0" g="0" b="0"/>
-        </a:effectRef>
         <a:fontRef idx="minor">
           <a:schemeClr val="lt1"/>
         </a:fontRef>
       </dsp:style>
       <dsp:txBody>
-        <a:bodyPr spcFirstLastPara="0" vert="horz" wrap="square" lIns="51435" tIns="34290" rIns="51435" bIns="34290" numCol="1" spcCol="1270" anchor="ctr" anchorCtr="0">
+        <a:bodyPr spcFirstLastPara="0" vert="horz" wrap="square" lIns="60960" tIns="60960" rIns="60960" bIns="60960" numCol="1" spcCol="1270" anchor="ctr" anchorCtr="0">
           <a:noAutofit/>
         </a:bodyPr>
         <a:lstStyle/>
         <a:p>
-          <a:pPr marL="0" lvl="0" indent="0" algn="ctr" defTabSz="1200150">
+          <a:pPr marL="0" lvl="0" indent="0" algn="ctr" defTabSz="711200">
             <a:lnSpc>
               <a:spcPct val="90000"/>
             </a:lnSpc>
@@ -5250,25 +4613,95 @@
             <a:buNone/>
           </a:pPr>
           <a:r>
-            <a:rPr lang="en-GB" sz="2700" kern="1200" dirty="0"/>
-            <a:t>2</a:t>
+            <a:rPr lang="en-GB" sz="1600" b="1" kern="1200" dirty="0"/>
+            <a:t>Geocode the data</a:t>
           </a:r>
         </a:p>
       </dsp:txBody>
       <dsp:txXfrm>
-        <a:off x="2148267" y="1121805"/>
-        <a:ext cx="1180756" cy="452584"/>
+        <a:off x="2580878" y="31453"/>
+        <a:ext cx="1696242" cy="993029"/>
       </dsp:txXfrm>
     </dsp:sp>
-    <dsp:sp modelId="{2837F126-2C9E-4820-8C36-6562DE4C4C7F}">
+    <dsp:sp modelId="{F4CB3D13-F034-4361-AB36-A9E76FD73E44}">
       <dsp:nvSpPr>
         <dsp:cNvPr id="0" name=""/>
         <dsp:cNvSpPr/>
       </dsp:nvSpPr>
       <dsp:spPr>
         <a:xfrm>
-          <a:off x="3662936" y="1348097"/>
-          <a:ext cx="1360033" cy="1121742"/>
+          <a:off x="4462722" y="309971"/>
+          <a:ext cx="372702" cy="435991"/>
+        </a:xfrm>
+        <a:prstGeom prst="rightArrow">
+          <a:avLst>
+            <a:gd name="adj1" fmla="val 60000"/>
+            <a:gd name="adj2" fmla="val 50000"/>
+          </a:avLst>
+        </a:prstGeom>
+        <a:solidFill>
+          <a:schemeClr val="accent5">
+            <a:tint val="60000"/>
+            <a:hueOff val="0"/>
+            <a:satOff val="0"/>
+            <a:lumOff val="0"/>
+            <a:alphaOff val="0"/>
+          </a:schemeClr>
+        </a:solidFill>
+        <a:ln>
+          <a:noFill/>
+        </a:ln>
+        <a:effectLst/>
+      </dsp:spPr>
+      <dsp:style>
+        <a:lnRef idx="0">
+          <a:scrgbClr r="0" g="0" b="0"/>
+        </a:lnRef>
+        <a:fillRef idx="1">
+          <a:scrgbClr r="0" g="0" b="0"/>
+        </a:fillRef>
+        <a:effectRef idx="0">
+          <a:scrgbClr r="0" g="0" b="0"/>
+        </a:effectRef>
+        <a:fontRef idx="minor">
+          <a:schemeClr val="lt1"/>
+        </a:fontRef>
+      </dsp:style>
+      <dsp:txBody>
+        <a:bodyPr spcFirstLastPara="0" vert="horz" wrap="square" lIns="0" tIns="0" rIns="0" bIns="0" numCol="1" spcCol="1270" anchor="ctr" anchorCtr="0">
+          <a:noAutofit/>
+        </a:bodyPr>
+        <a:lstStyle/>
+        <a:p>
+          <a:pPr marL="0" lvl="0" indent="0" algn="ctr" defTabSz="577850">
+            <a:lnSpc>
+              <a:spcPct val="90000"/>
+            </a:lnSpc>
+            <a:spcBef>
+              <a:spcPct val="0"/>
+            </a:spcBef>
+            <a:spcAft>
+              <a:spcPct val="35000"/>
+            </a:spcAft>
+            <a:buNone/>
+          </a:pPr>
+          <a:endParaRPr lang="en-GB" sz="1300" kern="1200"/>
+        </a:p>
+      </dsp:txBody>
+      <dsp:txXfrm>
+        <a:off x="4462722" y="397169"/>
+        <a:ext cx="260891" cy="261595"/>
+      </dsp:txXfrm>
+    </dsp:sp>
+    <dsp:sp modelId="{45E39FD0-983D-48A2-8B66-57F38C0D3E20}">
+      <dsp:nvSpPr>
+        <dsp:cNvPr id="0" name=""/>
+        <dsp:cNvSpPr/>
+      </dsp:nvSpPr>
+      <dsp:spPr>
+        <a:xfrm>
+          <a:off x="5011229" y="558"/>
+          <a:ext cx="1758032" cy="1054819"/>
         </a:xfrm>
         <a:prstGeom prst="roundRect">
           <a:avLst>
@@ -5276,17 +4709,16 @@
           </a:avLst>
         </a:prstGeom>
         <a:solidFill>
-          <a:schemeClr val="lt1">
-            <a:alpha val="90000"/>
+          <a:schemeClr val="accent5">
             <a:hueOff val="0"/>
             <a:satOff val="0"/>
             <a:lumOff val="0"/>
             <a:alphaOff val="0"/>
           </a:schemeClr>
         </a:solidFill>
-        <a:ln w="6350" cap="flat" cmpd="sng" algn="ctr">
+        <a:ln w="12700" cap="flat" cmpd="sng" algn="ctr">
           <a:solidFill>
-            <a:schemeClr val="accent1">
+            <a:schemeClr val="lt1">
               <a:hueOff val="0"/>
               <a:satOff val="0"/>
               <a:lumOff val="0"/>
@@ -5299,7 +4731,7 @@
         <a:effectLst/>
       </dsp:spPr>
       <dsp:style>
-        <a:lnRef idx="1">
+        <a:lnRef idx="2">
           <a:scrgbClr r="0" g="0" b="0"/>
         </a:lnRef>
         <a:fillRef idx="1">
@@ -5308,214 +4740,17 @@
         <a:effectRef idx="0">
           <a:scrgbClr r="0" g="0" b="0"/>
         </a:effectRef>
-        <a:fontRef idx="minor"/>
-      </dsp:style>
-      <dsp:txBody>
-        <a:bodyPr spcFirstLastPara="0" vert="horz" wrap="square" lIns="22860" tIns="22860" rIns="22860" bIns="22860" numCol="1" spcCol="1270" anchor="t" anchorCtr="0">
-          <a:noAutofit/>
-        </a:bodyPr>
-        <a:lstStyle/>
-        <a:p>
-          <a:pPr marL="114300" lvl="1" indent="-114300" algn="l" defTabSz="533400">
-            <a:lnSpc>
-              <a:spcPct val="90000"/>
-            </a:lnSpc>
-            <a:spcBef>
-              <a:spcPct val="0"/>
-            </a:spcBef>
-            <a:spcAft>
-              <a:spcPct val="15000"/>
-            </a:spcAft>
-            <a:buChar char="•"/>
-          </a:pPr>
-          <a:r>
-            <a:rPr lang="en-GB" sz="1200" kern="1200" dirty="0"/>
-            <a:t>coding</a:t>
-          </a:r>
-        </a:p>
-        <a:p>
-          <a:pPr marL="114300" lvl="1" indent="-114300" algn="l" defTabSz="533400">
-            <a:lnSpc>
-              <a:spcPct val="90000"/>
-            </a:lnSpc>
-            <a:spcBef>
-              <a:spcPct val="0"/>
-            </a:spcBef>
-            <a:spcAft>
-              <a:spcPct val="15000"/>
-            </a:spcAft>
-            <a:buChar char="•"/>
-          </a:pPr>
-          <a:r>
-            <a:rPr lang="en-GB" sz="1200" kern="1200" dirty="0"/>
-            <a:t>Ask Mel</a:t>
-          </a:r>
-        </a:p>
-      </dsp:txBody>
-      <dsp:txXfrm>
-        <a:off x="3688750" y="1373911"/>
-        <a:ext cx="1308405" cy="829741"/>
-      </dsp:txXfrm>
-    </dsp:sp>
-    <dsp:sp modelId="{A3A91BBA-10B2-4A43-BB13-EE9FAE99A9A0}">
-      <dsp:nvSpPr>
-        <dsp:cNvPr id="0" name=""/>
-        <dsp:cNvSpPr/>
-      </dsp:nvSpPr>
-      <dsp:spPr>
-        <a:xfrm>
-          <a:off x="4398640" y="1512548"/>
-          <a:ext cx="1651602" cy="1651602"/>
-        </a:xfrm>
-        <a:prstGeom prst="leftCircularArrow">
-          <a:avLst>
-            <a:gd name="adj1" fmla="val 4067"/>
-            <a:gd name="adj2" fmla="val 511501"/>
-            <a:gd name="adj3" fmla="val 2287012"/>
-            <a:gd name="adj4" fmla="val 9024489"/>
-            <a:gd name="adj5" fmla="val 4744"/>
-          </a:avLst>
-        </a:prstGeom>
-        <a:gradFill rotWithShape="0">
-          <a:gsLst>
-            <a:gs pos="0">
-              <a:schemeClr val="accent1">
-                <a:tint val="60000"/>
-                <a:hueOff val="0"/>
-                <a:satOff val="0"/>
-                <a:lumOff val="0"/>
-                <a:alphaOff val="0"/>
-                <a:satMod val="103000"/>
-                <a:lumMod val="102000"/>
-                <a:tint val="94000"/>
-              </a:schemeClr>
-            </a:gs>
-            <a:gs pos="50000">
-              <a:schemeClr val="accent1">
-                <a:tint val="60000"/>
-                <a:hueOff val="0"/>
-                <a:satOff val="0"/>
-                <a:lumOff val="0"/>
-                <a:alphaOff val="0"/>
-                <a:satMod val="110000"/>
-                <a:lumMod val="100000"/>
-                <a:shade val="100000"/>
-              </a:schemeClr>
-            </a:gs>
-            <a:gs pos="100000">
-              <a:schemeClr val="accent1">
-                <a:tint val="60000"/>
-                <a:hueOff val="0"/>
-                <a:satOff val="0"/>
-                <a:lumOff val="0"/>
-                <a:alphaOff val="0"/>
-                <a:lumMod val="99000"/>
-                <a:satMod val="120000"/>
-                <a:shade val="78000"/>
-              </a:schemeClr>
-            </a:gs>
-          </a:gsLst>
-          <a:lin ang="5400000" scaled="0"/>
-        </a:gradFill>
-        <a:ln>
-          <a:noFill/>
-        </a:ln>
-        <a:effectLst/>
-      </dsp:spPr>
-      <dsp:style>
-        <a:lnRef idx="0">
-          <a:scrgbClr r="0" g="0" b="0"/>
-        </a:lnRef>
-        <a:fillRef idx="3">
-          <a:scrgbClr r="0" g="0" b="0"/>
-        </a:fillRef>
-        <a:effectRef idx="2">
-          <a:scrgbClr r="0" g="0" b="0"/>
-        </a:effectRef>
-        <a:fontRef idx="minor">
-          <a:schemeClr val="lt1"/>
-        </a:fontRef>
-      </dsp:style>
-    </dsp:sp>
-    <dsp:sp modelId="{5B460114-0C81-421E-88F2-123EB5D6CA62}">
-      <dsp:nvSpPr>
-        <dsp:cNvPr id="0" name=""/>
-        <dsp:cNvSpPr/>
-      </dsp:nvSpPr>
-      <dsp:spPr>
-        <a:xfrm>
-          <a:off x="3965165" y="2229466"/>
-          <a:ext cx="1208918" cy="480746"/>
-        </a:xfrm>
-        <a:prstGeom prst="roundRect">
-          <a:avLst>
-            <a:gd name="adj" fmla="val 10000"/>
-          </a:avLst>
-        </a:prstGeom>
-        <a:gradFill rotWithShape="0">
-          <a:gsLst>
-            <a:gs pos="0">
-              <a:schemeClr val="accent1">
-                <a:hueOff val="0"/>
-                <a:satOff val="0"/>
-                <a:lumOff val="0"/>
-                <a:alphaOff val="0"/>
-                <a:satMod val="103000"/>
-                <a:lumMod val="102000"/>
-                <a:tint val="94000"/>
-              </a:schemeClr>
-            </a:gs>
-            <a:gs pos="50000">
-              <a:schemeClr val="accent1">
-                <a:hueOff val="0"/>
-                <a:satOff val="0"/>
-                <a:lumOff val="0"/>
-                <a:alphaOff val="0"/>
-                <a:satMod val="110000"/>
-                <a:lumMod val="100000"/>
-                <a:shade val="100000"/>
-              </a:schemeClr>
-            </a:gs>
-            <a:gs pos="100000">
-              <a:schemeClr val="accent1">
-                <a:hueOff val="0"/>
-                <a:satOff val="0"/>
-                <a:lumOff val="0"/>
-                <a:alphaOff val="0"/>
-                <a:lumMod val="99000"/>
-                <a:satMod val="120000"/>
-                <a:shade val="78000"/>
-              </a:schemeClr>
-            </a:gs>
-          </a:gsLst>
-          <a:lin ang="5400000" scaled="0"/>
-        </a:gradFill>
-        <a:ln>
-          <a:noFill/>
-        </a:ln>
-        <a:effectLst/>
-      </dsp:spPr>
-      <dsp:style>
-        <a:lnRef idx="0">
-          <a:scrgbClr r="0" g="0" b="0"/>
-        </a:lnRef>
-        <a:fillRef idx="3">
-          <a:scrgbClr r="0" g="0" b="0"/>
-        </a:fillRef>
-        <a:effectRef idx="2">
-          <a:scrgbClr r="0" g="0" b="0"/>
-        </a:effectRef>
         <a:fontRef idx="minor">
           <a:schemeClr val="lt1"/>
         </a:fontRef>
       </dsp:style>
       <dsp:txBody>
-        <a:bodyPr spcFirstLastPara="0" vert="horz" wrap="square" lIns="51435" tIns="34290" rIns="51435" bIns="34290" numCol="1" spcCol="1270" anchor="ctr" anchorCtr="0">
+        <a:bodyPr spcFirstLastPara="0" vert="horz" wrap="square" lIns="60960" tIns="60960" rIns="60960" bIns="60960" numCol="1" spcCol="1270" anchor="ctr" anchorCtr="0">
           <a:noAutofit/>
         </a:bodyPr>
         <a:lstStyle/>
         <a:p>
-          <a:pPr marL="0" lvl="0" indent="0" algn="ctr" defTabSz="1200150">
+          <a:pPr marL="0" lvl="0" indent="0" algn="ctr" defTabSz="711200">
             <a:lnSpc>
               <a:spcPct val="90000"/>
             </a:lnSpc>
@@ -5528,25 +4763,95 @@
             <a:buNone/>
           </a:pPr>
           <a:r>
-            <a:rPr lang="en-GB" sz="2700" kern="1200" dirty="0"/>
-            <a:t>3</a:t>
+            <a:rPr lang="en-GB" sz="1600" b="1" kern="1200" dirty="0"/>
+            <a:t>Customize the data</a:t>
           </a:r>
         </a:p>
       </dsp:txBody>
       <dsp:txXfrm>
-        <a:off x="3979246" y="2243547"/>
-        <a:ext cx="1180756" cy="452584"/>
+        <a:off x="5042124" y="31453"/>
+        <a:ext cx="1696242" cy="993029"/>
       </dsp:txXfrm>
     </dsp:sp>
-    <dsp:sp modelId="{DAB245D2-053C-4DFC-9C1C-439CE91E4AE6}">
+    <dsp:sp modelId="{C97F4CF1-E260-43EE-B6E3-523CEB6C8E46}">
+      <dsp:nvSpPr>
+        <dsp:cNvPr id="0" name=""/>
+        <dsp:cNvSpPr/>
+      </dsp:nvSpPr>
+      <dsp:spPr>
+        <a:xfrm rot="5400000">
+          <a:off x="5703893" y="1178439"/>
+          <a:ext cx="372702" cy="435991"/>
+        </a:xfrm>
+        <a:prstGeom prst="rightArrow">
+          <a:avLst>
+            <a:gd name="adj1" fmla="val 60000"/>
+            <a:gd name="adj2" fmla="val 50000"/>
+          </a:avLst>
+        </a:prstGeom>
+        <a:solidFill>
+          <a:schemeClr val="accent5">
+            <a:tint val="60000"/>
+            <a:hueOff val="0"/>
+            <a:satOff val="0"/>
+            <a:lumOff val="0"/>
+            <a:alphaOff val="0"/>
+          </a:schemeClr>
+        </a:solidFill>
+        <a:ln>
+          <a:noFill/>
+        </a:ln>
+        <a:effectLst/>
+      </dsp:spPr>
+      <dsp:style>
+        <a:lnRef idx="0">
+          <a:scrgbClr r="0" g="0" b="0"/>
+        </a:lnRef>
+        <a:fillRef idx="1">
+          <a:scrgbClr r="0" g="0" b="0"/>
+        </a:fillRef>
+        <a:effectRef idx="0">
+          <a:scrgbClr r="0" g="0" b="0"/>
+        </a:effectRef>
+        <a:fontRef idx="minor">
+          <a:schemeClr val="lt1"/>
+        </a:fontRef>
+      </dsp:style>
+      <dsp:txBody>
+        <a:bodyPr spcFirstLastPara="0" vert="horz" wrap="square" lIns="0" tIns="0" rIns="0" bIns="0" numCol="1" spcCol="1270" anchor="ctr" anchorCtr="0">
+          <a:noAutofit/>
+        </a:bodyPr>
+        <a:lstStyle/>
+        <a:p>
+          <a:pPr marL="0" lvl="0" indent="0" algn="ctr" defTabSz="577850">
+            <a:lnSpc>
+              <a:spcPct val="90000"/>
+            </a:lnSpc>
+            <a:spcBef>
+              <a:spcPct val="0"/>
+            </a:spcBef>
+            <a:spcAft>
+              <a:spcPct val="35000"/>
+            </a:spcAft>
+            <a:buNone/>
+          </a:pPr>
+          <a:endParaRPr lang="en-GB" sz="1300" kern="1200"/>
+        </a:p>
+      </dsp:txBody>
+      <dsp:txXfrm rot="-5400000">
+        <a:off x="5759447" y="1210084"/>
+        <a:ext cx="261595" cy="260891"/>
+      </dsp:txXfrm>
+    </dsp:sp>
+    <dsp:sp modelId="{6B61D9A9-24AB-47F9-AF4A-9C655CA64581}">
       <dsp:nvSpPr>
         <dsp:cNvPr id="0" name=""/>
         <dsp:cNvSpPr/>
       </dsp:nvSpPr>
       <dsp:spPr>
         <a:xfrm>
-          <a:off x="5493915" y="1348097"/>
-          <a:ext cx="1360033" cy="1121742"/>
+          <a:off x="5011229" y="1758590"/>
+          <a:ext cx="1758032" cy="1054819"/>
         </a:xfrm>
         <a:prstGeom prst="roundRect">
           <a:avLst>
@@ -5554,17 +4859,16 @@
           </a:avLst>
         </a:prstGeom>
         <a:solidFill>
-          <a:schemeClr val="lt1">
-            <a:alpha val="90000"/>
+          <a:schemeClr val="accent5">
             <a:hueOff val="0"/>
             <a:satOff val="0"/>
             <a:lumOff val="0"/>
             <a:alphaOff val="0"/>
           </a:schemeClr>
         </a:solidFill>
-        <a:ln w="6350" cap="flat" cmpd="sng" algn="ctr">
+        <a:ln w="12700" cap="flat" cmpd="sng" algn="ctr">
           <a:solidFill>
-            <a:schemeClr val="accent1">
+            <a:schemeClr val="lt1">
               <a:hueOff val="0"/>
               <a:satOff val="0"/>
               <a:lumOff val="0"/>
@@ -5577,7 +4881,7 @@
         <a:effectLst/>
       </dsp:spPr>
       <dsp:style>
-        <a:lnRef idx="1">
+        <a:lnRef idx="2">
           <a:scrgbClr r="0" g="0" b="0"/>
         </a:lnRef>
         <a:fillRef idx="1">
@@ -5586,219 +4890,17 @@
         <a:effectRef idx="0">
           <a:scrgbClr r="0" g="0" b="0"/>
         </a:effectRef>
-        <a:fontRef idx="minor"/>
-      </dsp:style>
-      <dsp:txBody>
-        <a:bodyPr spcFirstLastPara="0" vert="horz" wrap="square" lIns="22860" tIns="22860" rIns="22860" bIns="22860" numCol="1" spcCol="1270" anchor="t" anchorCtr="0">
-          <a:noAutofit/>
-        </a:bodyPr>
-        <a:lstStyle/>
-        <a:p>
-          <a:pPr marL="114300" lvl="1" indent="-114300" algn="l" defTabSz="533400">
-            <a:lnSpc>
-              <a:spcPct val="90000"/>
-            </a:lnSpc>
-            <a:spcBef>
-              <a:spcPct val="0"/>
-            </a:spcBef>
-            <a:spcAft>
-              <a:spcPct val="15000"/>
-            </a:spcAft>
-            <a:buChar char="•"/>
-          </a:pPr>
-          <a:r>
-            <a:rPr lang="en-GB" sz="1200" kern="1200" dirty="0"/>
-            <a:t>more coding?</a:t>
-          </a:r>
-        </a:p>
-        <a:p>
-          <a:pPr marL="114300" lvl="1" indent="-114300" algn="l" defTabSz="533400">
-            <a:lnSpc>
-              <a:spcPct val="90000"/>
-            </a:lnSpc>
-            <a:spcBef>
-              <a:spcPct val="0"/>
-            </a:spcBef>
-            <a:spcAft>
-              <a:spcPct val="15000"/>
-            </a:spcAft>
-            <a:buChar char="•"/>
-          </a:pPr>
-          <a:r>
-            <a:rPr lang="en-GB" sz="1200" kern="1200" dirty="0"/>
-            <a:t>Ask </a:t>
-          </a:r>
-          <a:r>
-            <a:rPr lang="en-GB" sz="1200" kern="1200" dirty="0" err="1"/>
-            <a:t>mel</a:t>
-          </a:r>
-          <a:endParaRPr lang="en-GB" sz="1200" kern="1200" dirty="0"/>
-        </a:p>
-      </dsp:txBody>
-      <dsp:txXfrm>
-        <a:off x="5519729" y="1614285"/>
-        <a:ext cx="1308405" cy="829741"/>
-      </dsp:txXfrm>
-    </dsp:sp>
-    <dsp:sp modelId="{8451E439-7DA7-460C-A8E7-176B38B2FE47}">
-      <dsp:nvSpPr>
-        <dsp:cNvPr id="0" name=""/>
-        <dsp:cNvSpPr/>
-      </dsp:nvSpPr>
-      <dsp:spPr>
-        <a:xfrm>
-          <a:off x="6218286" y="609804"/>
-          <a:ext cx="1825384" cy="1825384"/>
-        </a:xfrm>
-        <a:prstGeom prst="circularArrow">
-          <a:avLst>
-            <a:gd name="adj1" fmla="val 3679"/>
-            <a:gd name="adj2" fmla="val 458503"/>
-            <a:gd name="adj3" fmla="val 19365986"/>
-            <a:gd name="adj4" fmla="val 12575511"/>
-            <a:gd name="adj5" fmla="val 4293"/>
-          </a:avLst>
-        </a:prstGeom>
-        <a:gradFill rotWithShape="0">
-          <a:gsLst>
-            <a:gs pos="0">
-              <a:schemeClr val="accent1">
-                <a:tint val="60000"/>
-                <a:hueOff val="0"/>
-                <a:satOff val="0"/>
-                <a:lumOff val="0"/>
-                <a:alphaOff val="0"/>
-                <a:satMod val="103000"/>
-                <a:lumMod val="102000"/>
-                <a:tint val="94000"/>
-              </a:schemeClr>
-            </a:gs>
-            <a:gs pos="50000">
-              <a:schemeClr val="accent1">
-                <a:tint val="60000"/>
-                <a:hueOff val="0"/>
-                <a:satOff val="0"/>
-                <a:lumOff val="0"/>
-                <a:alphaOff val="0"/>
-                <a:satMod val="110000"/>
-                <a:lumMod val="100000"/>
-                <a:shade val="100000"/>
-              </a:schemeClr>
-            </a:gs>
-            <a:gs pos="100000">
-              <a:schemeClr val="accent1">
-                <a:tint val="60000"/>
-                <a:hueOff val="0"/>
-                <a:satOff val="0"/>
-                <a:lumOff val="0"/>
-                <a:alphaOff val="0"/>
-                <a:lumMod val="99000"/>
-                <a:satMod val="120000"/>
-                <a:shade val="78000"/>
-              </a:schemeClr>
-            </a:gs>
-          </a:gsLst>
-          <a:lin ang="5400000" scaled="0"/>
-        </a:gradFill>
-        <a:ln>
-          <a:noFill/>
-        </a:ln>
-        <a:effectLst/>
-      </dsp:spPr>
-      <dsp:style>
-        <a:lnRef idx="0">
-          <a:scrgbClr r="0" g="0" b="0"/>
-        </a:lnRef>
-        <a:fillRef idx="3">
-          <a:scrgbClr r="0" g="0" b="0"/>
-        </a:fillRef>
-        <a:effectRef idx="2">
-          <a:scrgbClr r="0" g="0" b="0"/>
-        </a:effectRef>
-        <a:fontRef idx="minor">
-          <a:schemeClr val="lt1"/>
-        </a:fontRef>
-      </dsp:style>
-    </dsp:sp>
-    <dsp:sp modelId="{76111756-439E-4CD9-964D-2CAFA668C38E}">
-      <dsp:nvSpPr>
-        <dsp:cNvPr id="0" name=""/>
-        <dsp:cNvSpPr/>
-      </dsp:nvSpPr>
-      <dsp:spPr>
-        <a:xfrm>
-          <a:off x="5796145" y="1107724"/>
-          <a:ext cx="1208918" cy="480746"/>
-        </a:xfrm>
-        <a:prstGeom prst="roundRect">
-          <a:avLst>
-            <a:gd name="adj" fmla="val 10000"/>
-          </a:avLst>
-        </a:prstGeom>
-        <a:gradFill rotWithShape="0">
-          <a:gsLst>
-            <a:gs pos="0">
-              <a:schemeClr val="accent1">
-                <a:hueOff val="0"/>
-                <a:satOff val="0"/>
-                <a:lumOff val="0"/>
-                <a:alphaOff val="0"/>
-                <a:satMod val="103000"/>
-                <a:lumMod val="102000"/>
-                <a:tint val="94000"/>
-              </a:schemeClr>
-            </a:gs>
-            <a:gs pos="50000">
-              <a:schemeClr val="accent1">
-                <a:hueOff val="0"/>
-                <a:satOff val="0"/>
-                <a:lumOff val="0"/>
-                <a:alphaOff val="0"/>
-                <a:satMod val="110000"/>
-                <a:lumMod val="100000"/>
-                <a:shade val="100000"/>
-              </a:schemeClr>
-            </a:gs>
-            <a:gs pos="100000">
-              <a:schemeClr val="accent1">
-                <a:hueOff val="0"/>
-                <a:satOff val="0"/>
-                <a:lumOff val="0"/>
-                <a:alphaOff val="0"/>
-                <a:lumMod val="99000"/>
-                <a:satMod val="120000"/>
-                <a:shade val="78000"/>
-              </a:schemeClr>
-            </a:gs>
-          </a:gsLst>
-          <a:lin ang="5400000" scaled="0"/>
-        </a:gradFill>
-        <a:ln>
-          <a:noFill/>
-        </a:ln>
-        <a:effectLst/>
-      </dsp:spPr>
-      <dsp:style>
-        <a:lnRef idx="0">
-          <a:scrgbClr r="0" g="0" b="0"/>
-        </a:lnRef>
-        <a:fillRef idx="3">
-          <a:scrgbClr r="0" g="0" b="0"/>
-        </a:fillRef>
-        <a:effectRef idx="2">
-          <a:scrgbClr r="0" g="0" b="0"/>
-        </a:effectRef>
         <a:fontRef idx="minor">
           <a:schemeClr val="lt1"/>
         </a:fontRef>
       </dsp:style>
       <dsp:txBody>
-        <a:bodyPr spcFirstLastPara="0" vert="horz" wrap="square" lIns="51435" tIns="34290" rIns="51435" bIns="34290" numCol="1" spcCol="1270" anchor="ctr" anchorCtr="0">
+        <a:bodyPr spcFirstLastPara="0" vert="horz" wrap="square" lIns="60960" tIns="60960" rIns="60960" bIns="60960" numCol="1" spcCol="1270" anchor="ctr" anchorCtr="0">
           <a:noAutofit/>
         </a:bodyPr>
         <a:lstStyle/>
         <a:p>
-          <a:pPr marL="0" lvl="0" indent="0" algn="ctr" defTabSz="1200150">
+          <a:pPr marL="0" lvl="0" indent="0" algn="ctr" defTabSz="711200">
             <a:lnSpc>
               <a:spcPct val="90000"/>
             </a:lnSpc>
@@ -5811,25 +4913,95 @@
             <a:buNone/>
           </a:pPr>
           <a:r>
-            <a:rPr lang="en-GB" sz="2700" kern="1200" dirty="0"/>
-            <a:t>4</a:t>
+            <a:rPr lang="en-GB" sz="1600" b="1" kern="1200" dirty="0"/>
+            <a:t>Integrate data in code</a:t>
           </a:r>
         </a:p>
       </dsp:txBody>
       <dsp:txXfrm>
-        <a:off x="5810226" y="1121805"/>
-        <a:ext cx="1180756" cy="452584"/>
+        <a:off x="5042124" y="1789485"/>
+        <a:ext cx="1696242" cy="993029"/>
       </dsp:txXfrm>
     </dsp:sp>
-    <dsp:sp modelId="{5308E246-39B3-485C-8AC8-A0DAC021FA01}">
+    <dsp:sp modelId="{21C03704-8F9D-4DD4-B13F-656991CCFF14}">
+      <dsp:nvSpPr>
+        <dsp:cNvPr id="0" name=""/>
+        <dsp:cNvSpPr/>
+      </dsp:nvSpPr>
+      <dsp:spPr>
+        <a:xfrm rot="10800000">
+          <a:off x="4483819" y="2068004"/>
+          <a:ext cx="372702" cy="435991"/>
+        </a:xfrm>
+        <a:prstGeom prst="rightArrow">
+          <a:avLst>
+            <a:gd name="adj1" fmla="val 60000"/>
+            <a:gd name="adj2" fmla="val 50000"/>
+          </a:avLst>
+        </a:prstGeom>
+        <a:solidFill>
+          <a:schemeClr val="accent5">
+            <a:tint val="60000"/>
+            <a:hueOff val="0"/>
+            <a:satOff val="0"/>
+            <a:lumOff val="0"/>
+            <a:alphaOff val="0"/>
+          </a:schemeClr>
+        </a:solidFill>
+        <a:ln>
+          <a:noFill/>
+        </a:ln>
+        <a:effectLst/>
+      </dsp:spPr>
+      <dsp:style>
+        <a:lnRef idx="0">
+          <a:scrgbClr r="0" g="0" b="0"/>
+        </a:lnRef>
+        <a:fillRef idx="1">
+          <a:scrgbClr r="0" g="0" b="0"/>
+        </a:fillRef>
+        <a:effectRef idx="0">
+          <a:scrgbClr r="0" g="0" b="0"/>
+        </a:effectRef>
+        <a:fontRef idx="minor">
+          <a:schemeClr val="lt1"/>
+        </a:fontRef>
+      </dsp:style>
+      <dsp:txBody>
+        <a:bodyPr spcFirstLastPara="0" vert="horz" wrap="square" lIns="0" tIns="0" rIns="0" bIns="0" numCol="1" spcCol="1270" anchor="ctr" anchorCtr="0">
+          <a:noAutofit/>
+        </a:bodyPr>
+        <a:lstStyle/>
+        <a:p>
+          <a:pPr marL="0" lvl="0" indent="0" algn="ctr" defTabSz="577850">
+            <a:lnSpc>
+              <a:spcPct val="90000"/>
+            </a:lnSpc>
+            <a:spcBef>
+              <a:spcPct val="0"/>
+            </a:spcBef>
+            <a:spcAft>
+              <a:spcPct val="35000"/>
+            </a:spcAft>
+            <a:buNone/>
+          </a:pPr>
+          <a:endParaRPr lang="en-GB" sz="1300" kern="1200"/>
+        </a:p>
+      </dsp:txBody>
+      <dsp:txXfrm rot="10800000">
+        <a:off x="4595630" y="2155202"/>
+        <a:ext cx="260891" cy="261595"/>
+      </dsp:txXfrm>
+    </dsp:sp>
+    <dsp:sp modelId="{A2257742-F918-49C3-9836-8897BA74CD6C}">
       <dsp:nvSpPr>
         <dsp:cNvPr id="0" name=""/>
         <dsp:cNvSpPr/>
       </dsp:nvSpPr>
       <dsp:spPr>
         <a:xfrm>
-          <a:off x="7324895" y="1348097"/>
-          <a:ext cx="1360033" cy="1121742"/>
+          <a:off x="2549983" y="1758590"/>
+          <a:ext cx="1758032" cy="1054819"/>
         </a:xfrm>
         <a:prstGeom prst="roundRect">
           <a:avLst>
@@ -5837,17 +5009,16 @@
           </a:avLst>
         </a:prstGeom>
         <a:solidFill>
-          <a:schemeClr val="lt1">
-            <a:alpha val="90000"/>
+          <a:schemeClr val="accent5">
             <a:hueOff val="0"/>
             <a:satOff val="0"/>
             <a:lumOff val="0"/>
             <a:alphaOff val="0"/>
           </a:schemeClr>
         </a:solidFill>
-        <a:ln w="6350" cap="flat" cmpd="sng" algn="ctr">
+        <a:ln w="12700" cap="flat" cmpd="sng" algn="ctr">
           <a:solidFill>
-            <a:schemeClr val="accent1">
+            <a:schemeClr val="lt1">
               <a:hueOff val="0"/>
               <a:satOff val="0"/>
               <a:lumOff val="0"/>
@@ -5860,7 +5031,7 @@
         <a:effectLst/>
       </dsp:spPr>
       <dsp:style>
-        <a:lnRef idx="1">
+        <a:lnRef idx="2">
           <a:scrgbClr r="0" g="0" b="0"/>
         </a:lnRef>
         <a:fillRef idx="1">
@@ -5869,196 +5040,17 @@
         <a:effectRef idx="0">
           <a:scrgbClr r="0" g="0" b="0"/>
         </a:effectRef>
-        <a:fontRef idx="minor"/>
-      </dsp:style>
-      <dsp:txBody>
-        <a:bodyPr spcFirstLastPara="0" vert="horz" wrap="square" lIns="22860" tIns="22860" rIns="22860" bIns="22860" numCol="1" spcCol="1270" anchor="t" anchorCtr="0">
-          <a:noAutofit/>
-        </a:bodyPr>
-        <a:lstStyle/>
-        <a:p>
-          <a:pPr marL="114300" lvl="1" indent="-114300" algn="l" defTabSz="533400">
-            <a:lnSpc>
-              <a:spcPct val="90000"/>
-            </a:lnSpc>
-            <a:spcBef>
-              <a:spcPct val="0"/>
-            </a:spcBef>
-            <a:spcAft>
-              <a:spcPct val="15000"/>
-            </a:spcAft>
-            <a:buChar char="•"/>
-          </a:pPr>
-          <a:r>
-            <a:rPr lang="en-GB" sz="1200" kern="1200" dirty="0"/>
-            <a:t>Presentation</a:t>
-          </a:r>
-        </a:p>
-      </dsp:txBody>
-      <dsp:txXfrm>
-        <a:off x="7350709" y="1373911"/>
-        <a:ext cx="1308405" cy="829741"/>
-      </dsp:txXfrm>
-    </dsp:sp>
-    <dsp:sp modelId="{019E2575-FCA5-4588-BB5F-D7BF13E1CEE0}">
-      <dsp:nvSpPr>
-        <dsp:cNvPr id="0" name=""/>
-        <dsp:cNvSpPr/>
-      </dsp:nvSpPr>
-      <dsp:spPr>
-        <a:xfrm>
-          <a:off x="8060600" y="1512548"/>
-          <a:ext cx="1651602" cy="1651602"/>
-        </a:xfrm>
-        <a:prstGeom prst="leftCircularArrow">
-          <a:avLst>
-            <a:gd name="adj1" fmla="val 4067"/>
-            <a:gd name="adj2" fmla="val 511501"/>
-            <a:gd name="adj3" fmla="val 2287012"/>
-            <a:gd name="adj4" fmla="val 9024489"/>
-            <a:gd name="adj5" fmla="val 4744"/>
-          </a:avLst>
-        </a:prstGeom>
-        <a:gradFill rotWithShape="0">
-          <a:gsLst>
-            <a:gs pos="0">
-              <a:schemeClr val="accent1">
-                <a:tint val="60000"/>
-                <a:hueOff val="0"/>
-                <a:satOff val="0"/>
-                <a:lumOff val="0"/>
-                <a:alphaOff val="0"/>
-                <a:satMod val="103000"/>
-                <a:lumMod val="102000"/>
-                <a:tint val="94000"/>
-              </a:schemeClr>
-            </a:gs>
-            <a:gs pos="50000">
-              <a:schemeClr val="accent1">
-                <a:tint val="60000"/>
-                <a:hueOff val="0"/>
-                <a:satOff val="0"/>
-                <a:lumOff val="0"/>
-                <a:alphaOff val="0"/>
-                <a:satMod val="110000"/>
-                <a:lumMod val="100000"/>
-                <a:shade val="100000"/>
-              </a:schemeClr>
-            </a:gs>
-            <a:gs pos="100000">
-              <a:schemeClr val="accent1">
-                <a:tint val="60000"/>
-                <a:hueOff val="0"/>
-                <a:satOff val="0"/>
-                <a:lumOff val="0"/>
-                <a:alphaOff val="0"/>
-                <a:lumMod val="99000"/>
-                <a:satMod val="120000"/>
-                <a:shade val="78000"/>
-              </a:schemeClr>
-            </a:gs>
-          </a:gsLst>
-          <a:lin ang="5400000" scaled="0"/>
-        </a:gradFill>
-        <a:ln>
-          <a:noFill/>
-        </a:ln>
-        <a:effectLst/>
-      </dsp:spPr>
-      <dsp:style>
-        <a:lnRef idx="0">
-          <a:scrgbClr r="0" g="0" b="0"/>
-        </a:lnRef>
-        <a:fillRef idx="3">
-          <a:scrgbClr r="0" g="0" b="0"/>
-        </a:fillRef>
-        <a:effectRef idx="2">
-          <a:scrgbClr r="0" g="0" b="0"/>
-        </a:effectRef>
-        <a:fontRef idx="minor">
-          <a:schemeClr val="lt1"/>
-        </a:fontRef>
-      </dsp:style>
-    </dsp:sp>
-    <dsp:sp modelId="{9CF0C416-AFAD-4458-A22F-45F394BB096B}">
-      <dsp:nvSpPr>
-        <dsp:cNvPr id="0" name=""/>
-        <dsp:cNvSpPr/>
-      </dsp:nvSpPr>
-      <dsp:spPr>
-        <a:xfrm>
-          <a:off x="7627125" y="2229466"/>
-          <a:ext cx="1208918" cy="480746"/>
-        </a:xfrm>
-        <a:prstGeom prst="roundRect">
-          <a:avLst>
-            <a:gd name="adj" fmla="val 10000"/>
-          </a:avLst>
-        </a:prstGeom>
-        <a:gradFill rotWithShape="0">
-          <a:gsLst>
-            <a:gs pos="0">
-              <a:schemeClr val="accent1">
-                <a:hueOff val="0"/>
-                <a:satOff val="0"/>
-                <a:lumOff val="0"/>
-                <a:alphaOff val="0"/>
-                <a:satMod val="103000"/>
-                <a:lumMod val="102000"/>
-                <a:tint val="94000"/>
-              </a:schemeClr>
-            </a:gs>
-            <a:gs pos="50000">
-              <a:schemeClr val="accent1">
-                <a:hueOff val="0"/>
-                <a:satOff val="0"/>
-                <a:lumOff val="0"/>
-                <a:alphaOff val="0"/>
-                <a:satMod val="110000"/>
-                <a:lumMod val="100000"/>
-                <a:shade val="100000"/>
-              </a:schemeClr>
-            </a:gs>
-            <a:gs pos="100000">
-              <a:schemeClr val="accent1">
-                <a:hueOff val="0"/>
-                <a:satOff val="0"/>
-                <a:lumOff val="0"/>
-                <a:alphaOff val="0"/>
-                <a:lumMod val="99000"/>
-                <a:satMod val="120000"/>
-                <a:shade val="78000"/>
-              </a:schemeClr>
-            </a:gs>
-          </a:gsLst>
-          <a:lin ang="5400000" scaled="0"/>
-        </a:gradFill>
-        <a:ln>
-          <a:noFill/>
-        </a:ln>
-        <a:effectLst/>
-      </dsp:spPr>
-      <dsp:style>
-        <a:lnRef idx="0">
-          <a:scrgbClr r="0" g="0" b="0"/>
-        </a:lnRef>
-        <a:fillRef idx="3">
-          <a:scrgbClr r="0" g="0" b="0"/>
-        </a:fillRef>
-        <a:effectRef idx="2">
-          <a:scrgbClr r="0" g="0" b="0"/>
-        </a:effectRef>
         <a:fontRef idx="minor">
           <a:schemeClr val="lt1"/>
         </a:fontRef>
       </dsp:style>
       <dsp:txBody>
-        <a:bodyPr spcFirstLastPara="0" vert="horz" wrap="square" lIns="51435" tIns="34290" rIns="51435" bIns="34290" numCol="1" spcCol="1270" anchor="ctr" anchorCtr="0">
+        <a:bodyPr spcFirstLastPara="0" vert="horz" wrap="square" lIns="60960" tIns="60960" rIns="60960" bIns="60960" numCol="1" spcCol="1270" anchor="ctr" anchorCtr="0">
           <a:noAutofit/>
         </a:bodyPr>
         <a:lstStyle/>
         <a:p>
-          <a:pPr marL="0" lvl="0" indent="0" algn="ctr" defTabSz="1200150">
+          <a:pPr marL="0" lvl="0" indent="0" algn="ctr" defTabSz="711200">
             <a:lnSpc>
               <a:spcPct val="90000"/>
             </a:lnSpc>
@@ -6071,25 +5063,95 @@
             <a:buNone/>
           </a:pPr>
           <a:r>
-            <a:rPr lang="en-GB" sz="2700" kern="1200" dirty="0"/>
-            <a:t>5</a:t>
+            <a:rPr lang="en-GB" sz="1600" b="1" kern="1200" dirty="0"/>
+            <a:t>Customize UI</a:t>
           </a:r>
         </a:p>
       </dsp:txBody>
       <dsp:txXfrm>
-        <a:off x="7641206" y="2243547"/>
-        <a:ext cx="1180756" cy="452584"/>
+        <a:off x="2580878" y="1789485"/>
+        <a:ext cx="1696242" cy="993029"/>
       </dsp:txXfrm>
     </dsp:sp>
-    <dsp:sp modelId="{CCEDAD1A-AA6B-4459-987F-C101737CA6BD}">
+    <dsp:sp modelId="{73FB8B1F-A3E9-435D-9E5C-08246B666D13}">
+      <dsp:nvSpPr>
+        <dsp:cNvPr id="0" name=""/>
+        <dsp:cNvSpPr/>
+      </dsp:nvSpPr>
+      <dsp:spPr>
+        <a:xfrm rot="10800000">
+          <a:off x="2022574" y="2068004"/>
+          <a:ext cx="372702" cy="435991"/>
+        </a:xfrm>
+        <a:prstGeom prst="rightArrow">
+          <a:avLst>
+            <a:gd name="adj1" fmla="val 60000"/>
+            <a:gd name="adj2" fmla="val 50000"/>
+          </a:avLst>
+        </a:prstGeom>
+        <a:solidFill>
+          <a:schemeClr val="accent5">
+            <a:tint val="60000"/>
+            <a:hueOff val="0"/>
+            <a:satOff val="0"/>
+            <a:lumOff val="0"/>
+            <a:alphaOff val="0"/>
+          </a:schemeClr>
+        </a:solidFill>
+        <a:ln>
+          <a:noFill/>
+        </a:ln>
+        <a:effectLst/>
+      </dsp:spPr>
+      <dsp:style>
+        <a:lnRef idx="0">
+          <a:scrgbClr r="0" g="0" b="0"/>
+        </a:lnRef>
+        <a:fillRef idx="1">
+          <a:scrgbClr r="0" g="0" b="0"/>
+        </a:fillRef>
+        <a:effectRef idx="0">
+          <a:scrgbClr r="0" g="0" b="0"/>
+        </a:effectRef>
+        <a:fontRef idx="minor">
+          <a:schemeClr val="lt1"/>
+        </a:fontRef>
+      </dsp:style>
+      <dsp:txBody>
+        <a:bodyPr spcFirstLastPara="0" vert="horz" wrap="square" lIns="0" tIns="0" rIns="0" bIns="0" numCol="1" spcCol="1270" anchor="ctr" anchorCtr="0">
+          <a:noAutofit/>
+        </a:bodyPr>
+        <a:lstStyle/>
+        <a:p>
+          <a:pPr marL="0" lvl="0" indent="0" algn="ctr" defTabSz="577850">
+            <a:lnSpc>
+              <a:spcPct val="90000"/>
+            </a:lnSpc>
+            <a:spcBef>
+              <a:spcPct val="0"/>
+            </a:spcBef>
+            <a:spcAft>
+              <a:spcPct val="35000"/>
+            </a:spcAft>
+            <a:buNone/>
+          </a:pPr>
+          <a:endParaRPr lang="en-GB" sz="1300" kern="1200"/>
+        </a:p>
+      </dsp:txBody>
+      <dsp:txXfrm rot="10800000">
+        <a:off x="2134385" y="2155202"/>
+        <a:ext cx="260891" cy="261595"/>
+      </dsp:txXfrm>
+    </dsp:sp>
+    <dsp:sp modelId="{A418990B-279E-4AC3-98F0-94A0ACCF38B7}">
       <dsp:nvSpPr>
         <dsp:cNvPr id="0" name=""/>
         <dsp:cNvSpPr/>
       </dsp:nvSpPr>
       <dsp:spPr>
         <a:xfrm>
-          <a:off x="9155875" y="1348097"/>
-          <a:ext cx="1360033" cy="1121742"/>
+          <a:off x="88738" y="1758590"/>
+          <a:ext cx="1758032" cy="1054819"/>
         </a:xfrm>
         <a:prstGeom prst="roundRect">
           <a:avLst>
@@ -6097,17 +5159,16 @@
           </a:avLst>
         </a:prstGeom>
         <a:solidFill>
-          <a:schemeClr val="lt1">
-            <a:alpha val="90000"/>
+          <a:schemeClr val="accent5">
             <a:hueOff val="0"/>
             <a:satOff val="0"/>
             <a:lumOff val="0"/>
             <a:alphaOff val="0"/>
           </a:schemeClr>
         </a:solidFill>
-        <a:ln w="6350" cap="flat" cmpd="sng" algn="ctr">
+        <a:ln w="12700" cap="flat" cmpd="sng" algn="ctr">
           <a:solidFill>
-            <a:schemeClr val="accent1">
+            <a:schemeClr val="lt1">
               <a:hueOff val="0"/>
               <a:satOff val="0"/>
               <a:lumOff val="0"/>
@@ -6120,7 +5181,7 @@
         <a:effectLst/>
       </dsp:spPr>
       <dsp:style>
-        <a:lnRef idx="1">
+        <a:lnRef idx="2">
           <a:scrgbClr r="0" g="0" b="0"/>
         </a:lnRef>
         <a:fillRef idx="1">
@@ -6129,116 +5190,17 @@
         <a:effectRef idx="0">
           <a:scrgbClr r="0" g="0" b="0"/>
         </a:effectRef>
-        <a:fontRef idx="minor"/>
-      </dsp:style>
-      <dsp:txBody>
-        <a:bodyPr spcFirstLastPara="0" vert="horz" wrap="square" lIns="22860" tIns="22860" rIns="22860" bIns="22860" numCol="1" spcCol="1270" anchor="t" anchorCtr="0">
-          <a:noAutofit/>
-        </a:bodyPr>
-        <a:lstStyle/>
-        <a:p>
-          <a:pPr marL="114300" lvl="1" indent="-114300" algn="l" defTabSz="533400">
-            <a:lnSpc>
-              <a:spcPct val="90000"/>
-            </a:lnSpc>
-            <a:spcBef>
-              <a:spcPct val="0"/>
-            </a:spcBef>
-            <a:spcAft>
-              <a:spcPct val="15000"/>
-            </a:spcAft>
-            <a:buChar char="•"/>
-          </a:pPr>
-          <a:r>
-            <a:rPr lang="en-GB" sz="1200" kern="1200" dirty="0"/>
-            <a:t>documentation</a:t>
-          </a:r>
-        </a:p>
-      </dsp:txBody>
-      <dsp:txXfrm>
-        <a:off x="9181689" y="1614285"/>
-        <a:ext cx="1308405" cy="829741"/>
-      </dsp:txXfrm>
-    </dsp:sp>
-    <dsp:sp modelId="{DABC9F98-3574-4FC5-9062-DFD6562F70B4}">
-      <dsp:nvSpPr>
-        <dsp:cNvPr id="0" name=""/>
-        <dsp:cNvSpPr/>
-      </dsp:nvSpPr>
-      <dsp:spPr>
-        <a:xfrm>
-          <a:off x="9458104" y="1107724"/>
-          <a:ext cx="1208918" cy="480746"/>
-        </a:xfrm>
-        <a:prstGeom prst="roundRect">
-          <a:avLst>
-            <a:gd name="adj" fmla="val 10000"/>
-          </a:avLst>
-        </a:prstGeom>
-        <a:gradFill rotWithShape="0">
-          <a:gsLst>
-            <a:gs pos="0">
-              <a:schemeClr val="accent1">
-                <a:hueOff val="0"/>
-                <a:satOff val="0"/>
-                <a:lumOff val="0"/>
-                <a:alphaOff val="0"/>
-                <a:satMod val="103000"/>
-                <a:lumMod val="102000"/>
-                <a:tint val="94000"/>
-              </a:schemeClr>
-            </a:gs>
-            <a:gs pos="50000">
-              <a:schemeClr val="accent1">
-                <a:hueOff val="0"/>
-                <a:satOff val="0"/>
-                <a:lumOff val="0"/>
-                <a:alphaOff val="0"/>
-                <a:satMod val="110000"/>
-                <a:lumMod val="100000"/>
-                <a:shade val="100000"/>
-              </a:schemeClr>
-            </a:gs>
-            <a:gs pos="100000">
-              <a:schemeClr val="accent1">
-                <a:hueOff val="0"/>
-                <a:satOff val="0"/>
-                <a:lumOff val="0"/>
-                <a:alphaOff val="0"/>
-                <a:lumMod val="99000"/>
-                <a:satMod val="120000"/>
-                <a:shade val="78000"/>
-              </a:schemeClr>
-            </a:gs>
-          </a:gsLst>
-          <a:lin ang="5400000" scaled="0"/>
-        </a:gradFill>
-        <a:ln>
-          <a:noFill/>
-        </a:ln>
-        <a:effectLst/>
-      </dsp:spPr>
-      <dsp:style>
-        <a:lnRef idx="0">
-          <a:scrgbClr r="0" g="0" b="0"/>
-        </a:lnRef>
-        <a:fillRef idx="3">
-          <a:scrgbClr r="0" g="0" b="0"/>
-        </a:fillRef>
-        <a:effectRef idx="2">
-          <a:scrgbClr r="0" g="0" b="0"/>
-        </a:effectRef>
         <a:fontRef idx="minor">
           <a:schemeClr val="lt1"/>
         </a:fontRef>
       </dsp:style>
       <dsp:txBody>
-        <a:bodyPr spcFirstLastPara="0" vert="horz" wrap="square" lIns="51435" tIns="34290" rIns="51435" bIns="34290" numCol="1" spcCol="1270" anchor="ctr" anchorCtr="0">
+        <a:bodyPr spcFirstLastPara="0" vert="horz" wrap="square" lIns="60960" tIns="60960" rIns="60960" bIns="60960" numCol="1" spcCol="1270" anchor="ctr" anchorCtr="0">
           <a:noAutofit/>
         </a:bodyPr>
         <a:lstStyle/>
         <a:p>
-          <a:pPr marL="0" lvl="0" indent="0" algn="ctr" defTabSz="1200150">
+          <a:pPr marL="0" lvl="0" indent="0" algn="ctr" defTabSz="711200">
             <a:lnSpc>
               <a:spcPct val="90000"/>
             </a:lnSpc>
@@ -6251,14 +5213,314 @@
             <a:buNone/>
           </a:pPr>
           <a:r>
-            <a:rPr lang="en-GB" sz="2700" kern="1200" dirty="0"/>
-            <a:t>6 </a:t>
+            <a:rPr lang="en-GB" sz="1600" b="1" kern="1200" dirty="0"/>
+            <a:t>Style Map</a:t>
           </a:r>
         </a:p>
       </dsp:txBody>
       <dsp:txXfrm>
-        <a:off x="9472185" y="1121805"/>
-        <a:ext cx="1180756" cy="452584"/>
+        <a:off x="119633" y="1789485"/>
+        <a:ext cx="1696242" cy="993029"/>
+      </dsp:txXfrm>
+    </dsp:sp>
+    <dsp:sp modelId="{35D3B8CA-3C6F-405C-BF54-341CAE8812C2}">
+      <dsp:nvSpPr>
+        <dsp:cNvPr id="0" name=""/>
+        <dsp:cNvSpPr/>
+      </dsp:nvSpPr>
+      <dsp:spPr>
+        <a:xfrm rot="5400000">
+          <a:off x="781403" y="2936471"/>
+          <a:ext cx="372702" cy="435991"/>
+        </a:xfrm>
+        <a:prstGeom prst="rightArrow">
+          <a:avLst>
+            <a:gd name="adj1" fmla="val 60000"/>
+            <a:gd name="adj2" fmla="val 50000"/>
+          </a:avLst>
+        </a:prstGeom>
+        <a:solidFill>
+          <a:schemeClr val="accent5">
+            <a:tint val="60000"/>
+            <a:hueOff val="0"/>
+            <a:satOff val="0"/>
+            <a:lumOff val="0"/>
+            <a:alphaOff val="0"/>
+          </a:schemeClr>
+        </a:solidFill>
+        <a:ln>
+          <a:noFill/>
+        </a:ln>
+        <a:effectLst/>
+      </dsp:spPr>
+      <dsp:style>
+        <a:lnRef idx="0">
+          <a:scrgbClr r="0" g="0" b="0"/>
+        </a:lnRef>
+        <a:fillRef idx="1">
+          <a:scrgbClr r="0" g="0" b="0"/>
+        </a:fillRef>
+        <a:effectRef idx="0">
+          <a:scrgbClr r="0" g="0" b="0"/>
+        </a:effectRef>
+        <a:fontRef idx="minor">
+          <a:schemeClr val="lt1"/>
+        </a:fontRef>
+      </dsp:style>
+      <dsp:txBody>
+        <a:bodyPr spcFirstLastPara="0" vert="horz" wrap="square" lIns="0" tIns="0" rIns="0" bIns="0" numCol="1" spcCol="1270" anchor="ctr" anchorCtr="0">
+          <a:noAutofit/>
+        </a:bodyPr>
+        <a:lstStyle/>
+        <a:p>
+          <a:pPr marL="0" lvl="0" indent="0" algn="ctr" defTabSz="577850">
+            <a:lnSpc>
+              <a:spcPct val="90000"/>
+            </a:lnSpc>
+            <a:spcBef>
+              <a:spcPct val="0"/>
+            </a:spcBef>
+            <a:spcAft>
+              <a:spcPct val="35000"/>
+            </a:spcAft>
+            <a:buNone/>
+          </a:pPr>
+          <a:endParaRPr lang="en-GB" sz="1300" kern="1200"/>
+        </a:p>
+      </dsp:txBody>
+      <dsp:txXfrm rot="-5400000">
+        <a:off x="836957" y="2968116"/>
+        <a:ext cx="261595" cy="260891"/>
+      </dsp:txXfrm>
+    </dsp:sp>
+    <dsp:sp modelId="{B2D783FC-7BC6-4B5E-BA0A-902EE8586B8C}">
+      <dsp:nvSpPr>
+        <dsp:cNvPr id="0" name=""/>
+        <dsp:cNvSpPr/>
+      </dsp:nvSpPr>
+      <dsp:spPr>
+        <a:xfrm>
+          <a:off x="88738" y="3516622"/>
+          <a:ext cx="1758032" cy="1054819"/>
+        </a:xfrm>
+        <a:prstGeom prst="roundRect">
+          <a:avLst>
+            <a:gd name="adj" fmla="val 10000"/>
+          </a:avLst>
+        </a:prstGeom>
+        <a:solidFill>
+          <a:schemeClr val="accent5">
+            <a:hueOff val="0"/>
+            <a:satOff val="0"/>
+            <a:lumOff val="0"/>
+            <a:alphaOff val="0"/>
+          </a:schemeClr>
+        </a:solidFill>
+        <a:ln w="12700" cap="flat" cmpd="sng" algn="ctr">
+          <a:solidFill>
+            <a:schemeClr val="lt1">
+              <a:hueOff val="0"/>
+              <a:satOff val="0"/>
+              <a:lumOff val="0"/>
+              <a:alphaOff val="0"/>
+            </a:schemeClr>
+          </a:solidFill>
+          <a:prstDash val="solid"/>
+          <a:miter lim="800000"/>
+        </a:ln>
+        <a:effectLst/>
+      </dsp:spPr>
+      <dsp:style>
+        <a:lnRef idx="2">
+          <a:scrgbClr r="0" g="0" b="0"/>
+        </a:lnRef>
+        <a:fillRef idx="1">
+          <a:scrgbClr r="0" g="0" b="0"/>
+        </a:fillRef>
+        <a:effectRef idx="0">
+          <a:scrgbClr r="0" g="0" b="0"/>
+        </a:effectRef>
+        <a:fontRef idx="minor">
+          <a:schemeClr val="lt1"/>
+        </a:fontRef>
+      </dsp:style>
+      <dsp:txBody>
+        <a:bodyPr spcFirstLastPara="0" vert="horz" wrap="square" lIns="60960" tIns="60960" rIns="60960" bIns="60960" numCol="1" spcCol="1270" anchor="ctr" anchorCtr="0">
+          <a:noAutofit/>
+        </a:bodyPr>
+        <a:lstStyle/>
+        <a:p>
+          <a:pPr marL="0" lvl="0" indent="0" algn="ctr" defTabSz="711200">
+            <a:lnSpc>
+              <a:spcPct val="90000"/>
+            </a:lnSpc>
+            <a:spcBef>
+              <a:spcPct val="0"/>
+            </a:spcBef>
+            <a:spcAft>
+              <a:spcPct val="35000"/>
+            </a:spcAft>
+            <a:buNone/>
+          </a:pPr>
+          <a:r>
+            <a:rPr lang="en-GB" sz="1600" b="1" kern="1200" dirty="0"/>
+            <a:t>Presentation</a:t>
+          </a:r>
+        </a:p>
+      </dsp:txBody>
+      <dsp:txXfrm>
+        <a:off x="119633" y="3547517"/>
+        <a:ext cx="1696242" cy="993029"/>
+      </dsp:txXfrm>
+    </dsp:sp>
+    <dsp:sp modelId="{24F7BC5E-B3AC-46D2-9739-85D232A360FA}">
+      <dsp:nvSpPr>
+        <dsp:cNvPr id="0" name=""/>
+        <dsp:cNvSpPr/>
+      </dsp:nvSpPr>
+      <dsp:spPr>
+        <a:xfrm>
+          <a:off x="2001477" y="3826036"/>
+          <a:ext cx="372702" cy="435991"/>
+        </a:xfrm>
+        <a:prstGeom prst="rightArrow">
+          <a:avLst>
+            <a:gd name="adj1" fmla="val 60000"/>
+            <a:gd name="adj2" fmla="val 50000"/>
+          </a:avLst>
+        </a:prstGeom>
+        <a:solidFill>
+          <a:schemeClr val="accent5">
+            <a:tint val="60000"/>
+            <a:hueOff val="0"/>
+            <a:satOff val="0"/>
+            <a:lumOff val="0"/>
+            <a:alphaOff val="0"/>
+          </a:schemeClr>
+        </a:solidFill>
+        <a:ln>
+          <a:noFill/>
+        </a:ln>
+        <a:effectLst/>
+      </dsp:spPr>
+      <dsp:style>
+        <a:lnRef idx="0">
+          <a:scrgbClr r="0" g="0" b="0"/>
+        </a:lnRef>
+        <a:fillRef idx="1">
+          <a:scrgbClr r="0" g="0" b="0"/>
+        </a:fillRef>
+        <a:effectRef idx="0">
+          <a:scrgbClr r="0" g="0" b="0"/>
+        </a:effectRef>
+        <a:fontRef idx="minor">
+          <a:schemeClr val="lt1"/>
+        </a:fontRef>
+      </dsp:style>
+      <dsp:txBody>
+        <a:bodyPr spcFirstLastPara="0" vert="horz" wrap="square" lIns="0" tIns="0" rIns="0" bIns="0" numCol="1" spcCol="1270" anchor="ctr" anchorCtr="0">
+          <a:noAutofit/>
+        </a:bodyPr>
+        <a:lstStyle/>
+        <a:p>
+          <a:pPr marL="0" lvl="0" indent="0" algn="ctr" defTabSz="577850">
+            <a:lnSpc>
+              <a:spcPct val="90000"/>
+            </a:lnSpc>
+            <a:spcBef>
+              <a:spcPct val="0"/>
+            </a:spcBef>
+            <a:spcAft>
+              <a:spcPct val="35000"/>
+            </a:spcAft>
+            <a:buNone/>
+          </a:pPr>
+          <a:endParaRPr lang="en-GB" sz="1300" kern="1200"/>
+        </a:p>
+      </dsp:txBody>
+      <dsp:txXfrm>
+        <a:off x="2001477" y="3913234"/>
+        <a:ext cx="260891" cy="261595"/>
+      </dsp:txXfrm>
+    </dsp:sp>
+    <dsp:sp modelId="{FA9394A2-6FB9-440D-8B08-CC253A63D7CF}">
+      <dsp:nvSpPr>
+        <dsp:cNvPr id="0" name=""/>
+        <dsp:cNvSpPr/>
+      </dsp:nvSpPr>
+      <dsp:spPr>
+        <a:xfrm>
+          <a:off x="2549983" y="3516622"/>
+          <a:ext cx="1758032" cy="1054819"/>
+        </a:xfrm>
+        <a:prstGeom prst="roundRect">
+          <a:avLst>
+            <a:gd name="adj" fmla="val 10000"/>
+          </a:avLst>
+        </a:prstGeom>
+        <a:solidFill>
+          <a:schemeClr val="accent5">
+            <a:hueOff val="0"/>
+            <a:satOff val="0"/>
+            <a:lumOff val="0"/>
+            <a:alphaOff val="0"/>
+          </a:schemeClr>
+        </a:solidFill>
+        <a:ln w="12700" cap="flat" cmpd="sng" algn="ctr">
+          <a:solidFill>
+            <a:schemeClr val="lt1">
+              <a:hueOff val="0"/>
+              <a:satOff val="0"/>
+              <a:lumOff val="0"/>
+              <a:alphaOff val="0"/>
+            </a:schemeClr>
+          </a:solidFill>
+          <a:prstDash val="solid"/>
+          <a:miter lim="800000"/>
+        </a:ln>
+        <a:effectLst/>
+      </dsp:spPr>
+      <dsp:style>
+        <a:lnRef idx="2">
+          <a:scrgbClr r="0" g="0" b="0"/>
+        </a:lnRef>
+        <a:fillRef idx="1">
+          <a:scrgbClr r="0" g="0" b="0"/>
+        </a:fillRef>
+        <a:effectRef idx="0">
+          <a:scrgbClr r="0" g="0" b="0"/>
+        </a:effectRef>
+        <a:fontRef idx="minor">
+          <a:schemeClr val="lt1"/>
+        </a:fontRef>
+      </dsp:style>
+      <dsp:txBody>
+        <a:bodyPr spcFirstLastPara="0" vert="horz" wrap="square" lIns="60960" tIns="60960" rIns="60960" bIns="60960" numCol="1" spcCol="1270" anchor="ctr" anchorCtr="0">
+          <a:noAutofit/>
+        </a:bodyPr>
+        <a:lstStyle/>
+        <a:p>
+          <a:pPr marL="0" lvl="0" indent="0" algn="ctr" defTabSz="711200">
+            <a:lnSpc>
+              <a:spcPct val="90000"/>
+            </a:lnSpc>
+            <a:spcBef>
+              <a:spcPct val="0"/>
+            </a:spcBef>
+            <a:spcAft>
+              <a:spcPct val="35000"/>
+            </a:spcAft>
+            <a:buNone/>
+          </a:pPr>
+          <a:r>
+            <a:rPr lang="en-GB" sz="1600" b="1" kern="1200" dirty="0"/>
+            <a:t>Documentation</a:t>
+          </a:r>
+        </a:p>
+      </dsp:txBody>
+      <dsp:txXfrm>
+        <a:off x="2580878" y="3547517"/>
+        <a:ext cx="1696242" cy="993029"/>
       </dsp:txXfrm>
     </dsp:sp>
   </dsp:spTree>
@@ -6280,8 +5542,8 @@
       </dsp:nvSpPr>
       <dsp:spPr>
         <a:xfrm>
-          <a:off x="0" y="741369"/>
-          <a:ext cx="6858000" cy="1368682"/>
+          <a:off x="0" y="556"/>
+          <a:ext cx="6858000" cy="1303188"/>
         </a:xfrm>
         <a:prstGeom prst="roundRect">
           <a:avLst>
@@ -6322,8 +5584,8 @@
       </dsp:nvSpPr>
       <dsp:spPr>
         <a:xfrm>
-          <a:off x="414026" y="1049323"/>
-          <a:ext cx="752775" cy="752775"/>
+          <a:off x="394214" y="293774"/>
+          <a:ext cx="716753" cy="716753"/>
         </a:xfrm>
         <a:prstGeom prst="rect">
           <a:avLst/>
@@ -6372,8 +5634,8 @@
       </dsp:nvSpPr>
       <dsp:spPr>
         <a:xfrm>
-          <a:off x="1580827" y="741369"/>
-          <a:ext cx="5277172" cy="1368682"/>
+          <a:off x="1505182" y="556"/>
+          <a:ext cx="5352817" cy="1303188"/>
         </a:xfrm>
         <a:prstGeom prst="rect">
           <a:avLst/>
@@ -6397,7 +5659,7 @@
         <a:fontRef idx="minor"/>
       </dsp:style>
       <dsp:txBody>
-        <a:bodyPr spcFirstLastPara="0" vert="horz" wrap="square" lIns="144852" tIns="144852" rIns="144852" bIns="144852" numCol="1" spcCol="1270" anchor="ctr" anchorCtr="0">
+        <a:bodyPr spcFirstLastPara="0" vert="horz" wrap="square" lIns="137921" tIns="137921" rIns="137921" bIns="137921" numCol="1" spcCol="1270" anchor="ctr" anchorCtr="0">
           <a:noAutofit/>
         </a:bodyPr>
         <a:lstStyle/>
@@ -6415,15 +5677,15 @@
             <a:buNone/>
           </a:pPr>
           <a:r>
-            <a:rPr lang="en-GB" sz="2500" kern="1200"/>
+            <a:rPr lang="en-GB" sz="2500" kern="1200" dirty="0"/>
             <a:t>Getting suitable data</a:t>
           </a:r>
-          <a:endParaRPr lang="en-US" sz="2500" kern="1200"/>
+          <a:endParaRPr lang="en-US" sz="2500" kern="1200" dirty="0"/>
         </a:p>
       </dsp:txBody>
       <dsp:txXfrm>
-        <a:off x="1580827" y="741369"/>
-        <a:ext cx="5277172" cy="1368682"/>
+        <a:off x="1505182" y="556"/>
+        <a:ext cx="5352817" cy="1303188"/>
       </dsp:txXfrm>
     </dsp:sp>
     <dsp:sp modelId="{A26A4F8C-2E9C-4719-9008-974FFD29EBF3}">
@@ -6433,8 +5695,8 @@
       </dsp:nvSpPr>
       <dsp:spPr>
         <a:xfrm>
-          <a:off x="0" y="2452222"/>
-          <a:ext cx="6858000" cy="1368682"/>
+          <a:off x="0" y="1629542"/>
+          <a:ext cx="6858000" cy="1303188"/>
         </a:xfrm>
         <a:prstGeom prst="roundRect">
           <a:avLst>
@@ -6475,8 +5737,8 @@
       </dsp:nvSpPr>
       <dsp:spPr>
         <a:xfrm>
-          <a:off x="414026" y="2760175"/>
-          <a:ext cx="752775" cy="752775"/>
+          <a:off x="394214" y="1922760"/>
+          <a:ext cx="716753" cy="716753"/>
         </a:xfrm>
         <a:prstGeom prst="rect">
           <a:avLst/>
@@ -6484,14 +5746,12 @@
         <a:blipFill>
           <a:blip xmlns:r="http://schemas.openxmlformats.org/officeDocument/2006/relationships" r:embed="rId3">
             <a:extLst>
-              <a:ext uri="{28A0092B-C50C-407E-A947-70E740481C1C}">
-                <a14:useLocalDpi xmlns:a14="http://schemas.microsoft.com/office/drawing/2010/main" val="0"/>
-              </a:ext>
               <a:ext uri="{96DAC541-7B7A-43D3-8B79-37D633B846F1}">
                 <asvg:svgBlip xmlns:asvg="http://schemas.microsoft.com/office/drawing/2016/SVG/main" r:embed="rId4"/>
               </a:ext>
             </a:extLst>
           </a:blip>
+          <a:srcRect/>
           <a:stretch>
             <a:fillRect/>
           </a:stretch>
@@ -6525,8 +5785,8 @@
       </dsp:nvSpPr>
       <dsp:spPr>
         <a:xfrm>
-          <a:off x="1580827" y="2452222"/>
-          <a:ext cx="5277172" cy="1368682"/>
+          <a:off x="1505182" y="1629542"/>
+          <a:ext cx="5352817" cy="1303188"/>
         </a:xfrm>
         <a:prstGeom prst="rect">
           <a:avLst/>
@@ -6550,7 +5810,7 @@
         <a:fontRef idx="minor"/>
       </dsp:style>
       <dsp:txBody>
-        <a:bodyPr spcFirstLastPara="0" vert="horz" wrap="square" lIns="144852" tIns="144852" rIns="144852" bIns="144852" numCol="1" spcCol="1270" anchor="ctr" anchorCtr="0">
+        <a:bodyPr spcFirstLastPara="0" vert="horz" wrap="square" lIns="137921" tIns="137921" rIns="137921" bIns="137921" numCol="1" spcCol="1270" anchor="ctr" anchorCtr="0">
           <a:noAutofit/>
         </a:bodyPr>
         <a:lstStyle/>
@@ -6569,13 +5829,174 @@
           </a:pPr>
           <a:r>
             <a:rPr lang="en-US" sz="2500" kern="1200" dirty="0"/>
-            <a:t>Putting data into the right form</a:t>
+            <a:t>Geocoding the data</a:t>
           </a:r>
         </a:p>
       </dsp:txBody>
       <dsp:txXfrm>
-        <a:off x="1580827" y="2452222"/>
-        <a:ext cx="5277172" cy="1368682"/>
+        <a:off x="1505182" y="1629542"/>
+        <a:ext cx="5352817" cy="1303188"/>
+      </dsp:txXfrm>
+    </dsp:sp>
+    <dsp:sp modelId="{4C71DA96-8D99-401D-A465-0E4F50BF6956}">
+      <dsp:nvSpPr>
+        <dsp:cNvPr id="0" name=""/>
+        <dsp:cNvSpPr/>
+      </dsp:nvSpPr>
+      <dsp:spPr>
+        <a:xfrm>
+          <a:off x="0" y="3258528"/>
+          <a:ext cx="6858000" cy="1303188"/>
+        </a:xfrm>
+        <a:prstGeom prst="roundRect">
+          <a:avLst>
+            <a:gd name="adj" fmla="val 10000"/>
+          </a:avLst>
+        </a:prstGeom>
+        <a:solidFill>
+          <a:schemeClr val="bg1">
+            <a:lumMod val="95000"/>
+            <a:hueOff val="0"/>
+            <a:satOff val="0"/>
+            <a:lumOff val="0"/>
+            <a:alphaOff val="0"/>
+          </a:schemeClr>
+        </a:solidFill>
+        <a:ln>
+          <a:noFill/>
+        </a:ln>
+        <a:effectLst/>
+      </dsp:spPr>
+      <dsp:style>
+        <a:lnRef idx="0">
+          <a:scrgbClr r="0" g="0" b="0"/>
+        </a:lnRef>
+        <a:fillRef idx="1">
+          <a:scrgbClr r="0" g="0" b="0"/>
+        </a:fillRef>
+        <a:effectRef idx="0">
+          <a:scrgbClr r="0" g="0" b="0"/>
+        </a:effectRef>
+        <a:fontRef idx="minor"/>
+      </dsp:style>
+    </dsp:sp>
+    <dsp:sp modelId="{284EE4F1-F338-445E-84D7-3D872DE8CCF0}">
+      <dsp:nvSpPr>
+        <dsp:cNvPr id="0" name=""/>
+        <dsp:cNvSpPr/>
+      </dsp:nvSpPr>
+      <dsp:spPr>
+        <a:xfrm>
+          <a:off x="394214" y="3595589"/>
+          <a:ext cx="716753" cy="716753"/>
+        </a:xfrm>
+        <a:prstGeom prst="rect">
+          <a:avLst/>
+        </a:prstGeom>
+        <a:blipFill>
+          <a:blip xmlns:r="http://schemas.openxmlformats.org/officeDocument/2006/relationships" r:embed="rId5">
+            <a:extLst>
+              <a:ext uri="{28A0092B-C50C-407E-A947-70E740481C1C}">
+                <a14:useLocalDpi xmlns:a14="http://schemas.microsoft.com/office/drawing/2010/main" val="0"/>
+              </a:ext>
+              <a:ext uri="{96DAC541-7B7A-43D3-8B79-37D633B846F1}">
+                <asvg:svgBlip xmlns:asvg="http://schemas.microsoft.com/office/drawing/2016/SVG/main" r:embed="rId6"/>
+              </a:ext>
+            </a:extLst>
+          </a:blip>
+          <a:srcRect/>
+          <a:stretch>
+            <a:fillRect/>
+          </a:stretch>
+        </a:blipFill>
+        <a:ln w="12700" cap="flat" cmpd="sng" algn="ctr">
+          <a:solidFill>
+            <a:schemeClr val="lt1">
+              <a:alpha val="0"/>
+              <a:hueOff val="0"/>
+              <a:satOff val="0"/>
+              <a:lumOff val="0"/>
+              <a:alphaOff val="0"/>
+            </a:schemeClr>
+          </a:solidFill>
+          <a:prstDash val="solid"/>
+          <a:miter lim="800000"/>
+        </a:ln>
+        <a:effectLst/>
+      </dsp:spPr>
+      <dsp:style>
+        <a:lnRef idx="2">
+          <a:scrgbClr r="0" g="0" b="0"/>
+        </a:lnRef>
+        <a:fillRef idx="1">
+          <a:scrgbClr r="0" g="0" b="0"/>
+        </a:fillRef>
+        <a:effectRef idx="0">
+          <a:scrgbClr r="0" g="0" b="0"/>
+        </a:effectRef>
+        <a:fontRef idx="minor">
+          <a:schemeClr val="lt1"/>
+        </a:fontRef>
+      </dsp:style>
+    </dsp:sp>
+    <dsp:sp modelId="{53805850-ABFF-42C2-BF1C-736EA81C4A27}">
+      <dsp:nvSpPr>
+        <dsp:cNvPr id="0" name=""/>
+        <dsp:cNvSpPr/>
+      </dsp:nvSpPr>
+      <dsp:spPr>
+        <a:xfrm>
+          <a:off x="1505182" y="3258528"/>
+          <a:ext cx="5352817" cy="1303188"/>
+        </a:xfrm>
+        <a:prstGeom prst="rect">
+          <a:avLst/>
+        </a:prstGeom>
+        <a:noFill/>
+        <a:ln>
+          <a:noFill/>
+        </a:ln>
+        <a:effectLst/>
+      </dsp:spPr>
+      <dsp:style>
+        <a:lnRef idx="0">
+          <a:scrgbClr r="0" g="0" b="0"/>
+        </a:lnRef>
+        <a:fillRef idx="0">
+          <a:scrgbClr r="0" g="0" b="0"/>
+        </a:fillRef>
+        <a:effectRef idx="0">
+          <a:scrgbClr r="0" g="0" b="0"/>
+        </a:effectRef>
+        <a:fontRef idx="minor"/>
+      </dsp:style>
+      <dsp:txBody>
+        <a:bodyPr spcFirstLastPara="0" vert="horz" wrap="square" lIns="137921" tIns="137921" rIns="137921" bIns="137921" numCol="1" spcCol="1270" anchor="ctr" anchorCtr="0">
+          <a:noAutofit/>
+        </a:bodyPr>
+        <a:lstStyle/>
+        <a:p>
+          <a:pPr marL="0" lvl="0" indent="0" algn="l" defTabSz="1111250">
+            <a:lnSpc>
+              <a:spcPct val="100000"/>
+            </a:lnSpc>
+            <a:spcBef>
+              <a:spcPct val="0"/>
+            </a:spcBef>
+            <a:spcAft>
+              <a:spcPct val="35000"/>
+            </a:spcAft>
+            <a:buNone/>
+          </a:pPr>
+          <a:r>
+            <a:rPr lang="en-US" sz="2500" kern="1200" dirty="0"/>
+            <a:t>Parser Problems</a:t>
+          </a:r>
+        </a:p>
+      </dsp:txBody>
+      <dsp:txXfrm>
+        <a:off x="1505182" y="3258528"/>
+        <a:ext cx="5352817" cy="1303188"/>
       </dsp:txXfrm>
     </dsp:sp>
   </dsp:spTree>
@@ -6798,11 +6219,11 @@
 </file>
 
 <file path=ppt/diagrams/layout2.xml><?xml version="1.0" encoding="utf-8"?>
-<dgm:layoutDef xmlns:dgm="http://schemas.openxmlformats.org/drawingml/2006/diagram" xmlns:a="http://schemas.openxmlformats.org/drawingml/2006/main" uniqueId="urn:microsoft.com/office/officeart/2005/8/layout/hProcess4">
+<dgm:layoutDef xmlns:dgm="http://schemas.openxmlformats.org/drawingml/2006/diagram" xmlns:a="http://schemas.openxmlformats.org/drawingml/2006/main" uniqueId="urn:microsoft.com/office/officeart/2005/8/layout/process5">
   <dgm:title val=""/>
   <dgm:desc val=""/>
   <dgm:catLst>
-    <dgm:cat type="process" pri="4000"/>
+    <dgm:cat type="process" pri="17000"/>
   </dgm:catLst>
   <dgm:sampData>
     <dgm:dataModel>
@@ -6811,41 +6232,25 @@
         <dgm:pt modelId="1">
           <dgm:prSet phldr="1"/>
         </dgm:pt>
-        <dgm:pt modelId="11">
-          <dgm:prSet phldr="1"/>
-        </dgm:pt>
-        <dgm:pt modelId="12">
-          <dgm:prSet phldr="1"/>
-        </dgm:pt>
         <dgm:pt modelId="2">
-          <dgm:prSet phldr="1"/>
-        </dgm:pt>
-        <dgm:pt modelId="21">
-          <dgm:prSet phldr="1"/>
-        </dgm:pt>
-        <dgm:pt modelId="22">
           <dgm:prSet phldr="1"/>
         </dgm:pt>
         <dgm:pt modelId="3">
           <dgm:prSet phldr="1"/>
         </dgm:pt>
-        <dgm:pt modelId="31">
+        <dgm:pt modelId="4">
           <dgm:prSet phldr="1"/>
         </dgm:pt>
-        <dgm:pt modelId="32">
+        <dgm:pt modelId="5">
           <dgm:prSet phldr="1"/>
         </dgm:pt>
       </dgm:ptLst>
       <dgm:cxnLst>
-        <dgm:cxn modelId="4" srcId="0" destId="1" srcOrd="0" destOrd="0"/>
-        <dgm:cxn modelId="5" srcId="0" destId="2" srcOrd="1" destOrd="0"/>
-        <dgm:cxn modelId="6" srcId="0" destId="3" srcOrd="2" destOrd="0"/>
-        <dgm:cxn modelId="13" srcId="1" destId="11" srcOrd="0" destOrd="0"/>
-        <dgm:cxn modelId="14" srcId="1" destId="12" srcOrd="1" destOrd="0"/>
-        <dgm:cxn modelId="23" srcId="2" destId="21" srcOrd="0" destOrd="0"/>
-        <dgm:cxn modelId="24" srcId="2" destId="22" srcOrd="1" destOrd="0"/>
-        <dgm:cxn modelId="33" srcId="3" destId="31" srcOrd="0" destOrd="0"/>
-        <dgm:cxn modelId="34" srcId="3" destId="32" srcOrd="1" destOrd="0"/>
+        <dgm:cxn modelId="7" srcId="0" destId="1" srcOrd="0" destOrd="0"/>
+        <dgm:cxn modelId="8" srcId="0" destId="2" srcOrd="1" destOrd="0"/>
+        <dgm:cxn modelId="9" srcId="0" destId="3" srcOrd="2" destOrd="0"/>
+        <dgm:cxn modelId="10" srcId="0" destId="4" srcOrd="3" destOrd="0"/>
+        <dgm:cxn modelId="11" srcId="0" destId="5" srcOrd="4" destOrd="0"/>
       </dgm:cxnLst>
       <dgm:bg/>
       <dgm:whole/>
@@ -6856,15 +6261,11 @@
       <dgm:ptLst>
         <dgm:pt modelId="0" type="doc"/>
         <dgm:pt modelId="1"/>
-        <dgm:pt modelId="11"/>
         <dgm:pt modelId="2"/>
-        <dgm:pt modelId="21"/>
       </dgm:ptLst>
       <dgm:cxnLst>
-        <dgm:cxn modelId="4" srcId="0" destId="1" srcOrd="0" destOrd="0"/>
-        <dgm:cxn modelId="5" srcId="0" destId="2" srcOrd="1" destOrd="0"/>
-        <dgm:cxn modelId="13" srcId="1" destId="11" srcOrd="0" destOrd="0"/>
-        <dgm:cxn modelId="23" srcId="2" destId="21" srcOrd="0" destOrd="0"/>
+        <dgm:cxn modelId="3" srcId="0" destId="1" srcOrd="0" destOrd="0"/>
+        <dgm:cxn modelId="4" srcId="0" destId="2" srcOrd="1" destOrd="0"/>
       </dgm:cxnLst>
       <dgm:bg/>
       <dgm:whole/>
@@ -6875,468 +6276,115 @@
       <dgm:ptLst>
         <dgm:pt modelId="0" type="doc"/>
         <dgm:pt modelId="1"/>
-        <dgm:pt modelId="11"/>
         <dgm:pt modelId="2"/>
-        <dgm:pt modelId="21"/>
         <dgm:pt modelId="3"/>
-        <dgm:pt modelId="31"/>
         <dgm:pt modelId="4"/>
-        <dgm:pt modelId="41"/>
       </dgm:ptLst>
       <dgm:cxnLst>
         <dgm:cxn modelId="5" srcId="0" destId="1" srcOrd="0" destOrd="0"/>
         <dgm:cxn modelId="6" srcId="0" destId="2" srcOrd="1" destOrd="0"/>
         <dgm:cxn modelId="7" srcId="0" destId="3" srcOrd="2" destOrd="0"/>
         <dgm:cxn modelId="8" srcId="0" destId="4" srcOrd="3" destOrd="0"/>
-        <dgm:cxn modelId="13" srcId="1" destId="11" srcOrd="0" destOrd="0"/>
-        <dgm:cxn modelId="23" srcId="2" destId="21" srcOrd="0" destOrd="0"/>
-        <dgm:cxn modelId="33" srcId="3" destId="31" srcOrd="0" destOrd="0"/>
-        <dgm:cxn modelId="43" srcId="4" destId="41" srcOrd="0" destOrd="0"/>
       </dgm:cxnLst>
       <dgm:bg/>
       <dgm:whole/>
     </dgm:dataModel>
   </dgm:clrData>
-  <dgm:layoutNode name="Name0">
+  <dgm:layoutNode name="diagram">
     <dgm:varLst>
       <dgm:dir/>
-      <dgm:animLvl val="lvl"/>
       <dgm:resizeHandles val="exact"/>
     </dgm:varLst>
-    <dgm:alg type="composite"/>
+    <dgm:choose name="Name0">
+      <dgm:if name="Name1" axis="self" func="var" arg="dir" op="equ" val="norm">
+        <dgm:alg type="snake">
+          <dgm:param type="grDir" val="tL"/>
+          <dgm:param type="flowDir" val="row"/>
+          <dgm:param type="contDir" val="revDir"/>
+          <dgm:param type="bkpt" val="endCnv"/>
+        </dgm:alg>
+      </dgm:if>
+      <dgm:else name="Name2">
+        <dgm:alg type="snake">
+          <dgm:param type="grDir" val="tR"/>
+          <dgm:param type="flowDir" val="row"/>
+          <dgm:param type="contDir" val="revDir"/>
+          <dgm:param type="bkpt" val="endCnv"/>
+        </dgm:alg>
+      </dgm:else>
+    </dgm:choose>
     <dgm:shape xmlns:r="http://schemas.openxmlformats.org/officeDocument/2006/relationships" r:blip="">
       <dgm:adjLst/>
     </dgm:shape>
     <dgm:presOf/>
     <dgm:constrLst>
-      <dgm:constr type="w" for="ch" forName="tSp" refType="w"/>
-      <dgm:constr type="h" for="ch" forName="tSp" refType="h" fact="0.15"/>
-      <dgm:constr type="l" for="ch" forName="tSp"/>
-      <dgm:constr type="t" for="ch" forName="tSp"/>
-      <dgm:constr type="w" for="ch" forName="bSp" refType="w"/>
-      <dgm:constr type="h" for="ch" forName="bSp" refType="h" fact="0.15"/>
-      <dgm:constr type="l" for="ch" forName="bSp"/>
-      <dgm:constr type="t" for="ch" forName="bSp" refType="h" fact="0.85"/>
-      <dgm:constr type="w" for="ch" forName="process" refType="w"/>
-      <dgm:constr type="h" for="ch" forName="process" refType="h" fact="0.7"/>
-      <dgm:constr type="l" for="ch" forName="process"/>
-      <dgm:constr type="t" for="ch" forName="process" refType="h" fact="0.15"/>
+      <dgm:constr type="w" for="ch" ptType="node" refType="w"/>
+      <dgm:constr type="w" for="ch" forName="sibTrans" refType="w" refFor="ch" refPtType="node" op="equ" fact="0.4"/>
+      <dgm:constr type="sp" refType="w" refFor="ch" refForName="sibTrans" op="equ"/>
+      <dgm:constr type="primFontSz" for="ch" ptType="node" op="equ" val="65"/>
+      <dgm:constr type="primFontSz" for="des" forName="connectorText" op="equ" val="55"/>
+      <dgm:constr type="primFontSz" for="des" forName="connectorText" refType="primFontSz" refFor="ch" refPtType="node" op="lte" fact="0.8"/>
     </dgm:constrLst>
     <dgm:ruleLst/>
-    <dgm:layoutNode name="tSp">
-      <dgm:alg type="sp"/>
-      <dgm:shape xmlns:r="http://schemas.openxmlformats.org/officeDocument/2006/relationships" r:blip="">
-        <dgm:adjLst/>
-      </dgm:shape>
-      <dgm:presOf/>
-      <dgm:constrLst/>
-      <dgm:ruleLst/>
-    </dgm:layoutNode>
-    <dgm:layoutNode name="bSp">
-      <dgm:alg type="sp"/>
-      <dgm:shape xmlns:r="http://schemas.openxmlformats.org/officeDocument/2006/relationships" r:blip="">
-        <dgm:adjLst/>
-      </dgm:shape>
-      <dgm:presOf/>
-      <dgm:constrLst/>
-      <dgm:ruleLst/>
-    </dgm:layoutNode>
-    <dgm:layoutNode name="process">
-      <dgm:choose name="Name1">
-        <dgm:if name="Name2" func="var" arg="dir" op="equ" val="norm">
-          <dgm:alg type="lin">
-            <dgm:param type="linDir" val="fromL"/>
+    <dgm:forEach name="nodesForEach" axis="ch" ptType="node">
+      <dgm:layoutNode name="node">
+        <dgm:varLst>
+          <dgm:bulletEnabled val="1"/>
+        </dgm:varLst>
+        <dgm:alg type="tx"/>
+        <dgm:shape xmlns:r="http://schemas.openxmlformats.org/officeDocument/2006/relationships" type="roundRect" r:blip="">
+          <dgm:adjLst>
+            <dgm:adj idx="1" val="0.1"/>
+          </dgm:adjLst>
+        </dgm:shape>
+        <dgm:presOf axis="desOrSelf" ptType="node"/>
+        <dgm:constrLst>
+          <dgm:constr type="h" refType="w" fact="0.6"/>
+          <dgm:constr type="tMarg" refType="primFontSz" fact="0.3"/>
+          <dgm:constr type="bMarg" refType="primFontSz" fact="0.3"/>
+          <dgm:constr type="lMarg" refType="primFontSz" fact="0.3"/>
+          <dgm:constr type="rMarg" refType="primFontSz" fact="0.3"/>
+        </dgm:constrLst>
+        <dgm:ruleLst>
+          <dgm:rule type="primFontSz" val="5" fact="NaN" max="NaN"/>
+        </dgm:ruleLst>
+      </dgm:layoutNode>
+      <dgm:forEach name="sibTransForEach" axis="followSib" ptType="sibTrans" cnt="1">
+        <dgm:layoutNode name="sibTrans">
+          <dgm:alg type="conn">
+            <dgm:param type="begPts" val="auto"/>
+            <dgm:param type="endPts" val="auto"/>
           </dgm:alg>
-        </dgm:if>
-        <dgm:else name="Name3">
-          <dgm:alg type="lin">
-            <dgm:param type="linDir" val="fromR"/>
-          </dgm:alg>
-        </dgm:else>
-      </dgm:choose>
-      <dgm:shape xmlns:r="http://schemas.openxmlformats.org/officeDocument/2006/relationships" r:blip="">
-        <dgm:adjLst/>
-      </dgm:shape>
-      <dgm:presOf/>
-      <dgm:constrLst>
-        <dgm:constr type="w" for="ch" forName="composite1" refType="w"/>
-        <dgm:constr type="w" for="ch" forName="composite2" refType="w" refFor="ch" refForName="composite1" op="equ"/>
-        <dgm:constr type="h" for="ch" forName="composite1" refType="h"/>
-        <dgm:constr type="h" for="ch" forName="composite2" refType="h" refFor="ch" refForName="composite1" op="equ"/>
-        <dgm:constr type="primFontSz" for="des" forName="parentNode1" val="65"/>
-        <dgm:constr type="primFontSz" for="des" forName="parentNode2" refType="primFontSz" refFor="des" refForName="parentNode1" op="equ"/>
-        <dgm:constr type="secFontSz" for="des" forName="childNode1tx" val="65"/>
-        <dgm:constr type="secFontSz" for="des" forName="childNode2tx" refType="secFontSz" refFor="des" refForName="childNode1tx" op="equ"/>
-        <dgm:constr type="w" for="des" ptType="sibTrans" refType="w" refFor="ch" refForName="composite1" op="equ" fact="0.05"/>
-      </dgm:constrLst>
-      <dgm:ruleLst/>
-      <dgm:forEach name="Name4" axis="ch" ptType="node" step="2">
-        <dgm:layoutNode name="composite1">
-          <dgm:alg type="composite">
-            <dgm:param type="ar" val="0.943"/>
-          </dgm:alg>
-          <dgm:shape xmlns:r="http://schemas.openxmlformats.org/officeDocument/2006/relationships" r:blip="">
+          <dgm:shape xmlns:r="http://schemas.openxmlformats.org/officeDocument/2006/relationships" type="conn" r:blip="">
             <dgm:adjLst/>
           </dgm:shape>
-          <dgm:presOf/>
-          <dgm:choose name="Name5">
-            <dgm:if name="Name6" func="var" arg="dir" op="equ" val="norm">
-              <dgm:constrLst>
-                <dgm:constr type="h" refType="w" fact="1.06"/>
-                <dgm:constr type="w" for="ch" forName="dummyNode1" refType="w"/>
-                <dgm:constr type="h" for="ch" forName="dummyNode1" refType="h"/>
-                <dgm:constr type="t" for="ch" forName="dummyNode1"/>
-                <dgm:constr type="l" for="ch" forName="dummyNode1"/>
-                <dgm:constr type="w" for="ch" forName="childNode1" refType="w" fact="0.9"/>
-                <dgm:constr type="h" for="ch" forName="childNode1" refType="h" fact="0.7"/>
-                <dgm:constr type="t" for="ch" forName="childNode1" refType="h" fact="0.15"/>
-                <dgm:constr type="l" for="ch" forName="childNode1"/>
-                <dgm:constr type="w" for="ch" forName="childNode1tx" refType="w" fact="0.9"/>
-                <dgm:constr type="h" for="ch" forName="childNode1tx" refType="h" fact="0.55"/>
-                <dgm:constr type="t" for="ch" forName="childNode1tx" refType="h" fact="0.15"/>
-                <dgm:constr type="l" for="ch" forName="childNode1tx"/>
-                <dgm:constr type="w" for="ch" forName="parentNode1" refType="w" fact="0.8"/>
-                <dgm:constr type="h" for="ch" forName="parentNode1" refType="h" fact="0.3"/>
-                <dgm:constr type="t" for="ch" forName="parentNode1" refType="h" fact="0.7"/>
-                <dgm:constr type="l" for="ch" forName="parentNode1" refType="w" fact="0.2"/>
-                <dgm:constr type="w" for="ch" forName="connSite1" refType="w" fact="0.01"/>
-                <dgm:constr type="h" for="ch" forName="connSite1" refType="h" fact="0.01"/>
-                <dgm:constr type="t" for="ch" forName="connSite1"/>
-                <dgm:constr type="l" for="ch" forName="connSite1" refType="w" fact="0.35"/>
-              </dgm:constrLst>
-            </dgm:if>
-            <dgm:else name="Name7">
-              <dgm:constrLst>
-                <dgm:constr type="h" refType="w" fact="1.06"/>
-                <dgm:constr type="w" for="ch" forName="dummyNode1" refType="w"/>
-                <dgm:constr type="h" for="ch" forName="dummyNode1" refType="h"/>
-                <dgm:constr type="t" for="ch" forName="dummyNode1"/>
-                <dgm:constr type="l" for="ch" forName="dummyNode1"/>
-                <dgm:constr type="w" for="ch" forName="childNode1" refType="w" fact="0.9"/>
-                <dgm:constr type="h" for="ch" forName="childNode1" refType="h" fact="0.7"/>
-                <dgm:constr type="t" for="ch" forName="childNode1" refType="h" fact="0.15"/>
-                <dgm:constr type="l" for="ch" forName="childNode1" refType="w" fact="0.1"/>
-                <dgm:constr type="w" for="ch" forName="childNode1tx" refType="w" fact="0.9"/>
-                <dgm:constr type="h" for="ch" forName="childNode1tx" refType="h" fact="0.55"/>
-                <dgm:constr type="t" for="ch" forName="childNode1tx" refType="h" fact="0.15"/>
-                <dgm:constr type="l" for="ch" forName="childNode1tx" refType="w" fact="0.1"/>
-                <dgm:constr type="w" for="ch" forName="parentNode1" refType="w" fact="0.8"/>
-                <dgm:constr type="h" for="ch" forName="parentNode1" refType="h" fact="0.3"/>
-                <dgm:constr type="t" for="ch" forName="parentNode1" refType="h" fact="0.7"/>
-                <dgm:constr type="l" for="ch" forName="parentNode1"/>
-                <dgm:constr type="w" for="ch" forName="connSite1" refType="w" fact="0.01"/>
-                <dgm:constr type="h" for="ch" forName="connSite1" refType="h" fact="0.01"/>
-                <dgm:constr type="t" for="ch" forName="connSite1"/>
-                <dgm:constr type="l" for="ch" forName="connSite1" refType="w" fact="0.65"/>
-              </dgm:constrLst>
-            </dgm:else>
-          </dgm:choose>
+          <dgm:presOf axis="self"/>
+          <dgm:constrLst>
+            <dgm:constr type="h" refType="w" fact="0.62"/>
+            <dgm:constr type="connDist"/>
+          </dgm:constrLst>
           <dgm:ruleLst/>
-          <dgm:layoutNode name="dummyNode1">
-            <dgm:alg type="sp"/>
-            <dgm:shape xmlns:r="http://schemas.openxmlformats.org/officeDocument/2006/relationships" type="rect" r:blip="" hideGeom="1">
+          <dgm:layoutNode name="connectorText">
+            <dgm:alg type="tx">
+              <dgm:param type="autoTxRot" val="upr"/>
+            </dgm:alg>
+            <dgm:shape xmlns:r="http://schemas.openxmlformats.org/officeDocument/2006/relationships" type="conn" r:blip="" hideGeom="1">
               <dgm:adjLst/>
-            </dgm:shape>
-            <dgm:presOf/>
-            <dgm:constrLst/>
-            <dgm:ruleLst/>
-          </dgm:layoutNode>
-          <dgm:layoutNode name="childNode1" styleLbl="bgAcc1">
-            <dgm:varLst>
-              <dgm:bulletEnabled val="1"/>
-            </dgm:varLst>
-            <dgm:alg type="sp"/>
-            <dgm:shape xmlns:r="http://schemas.openxmlformats.org/officeDocument/2006/relationships" type="roundRect" r:blip="">
-              <dgm:adjLst>
-                <dgm:adj idx="1" val="0.1"/>
-              </dgm:adjLst>
-            </dgm:shape>
-            <dgm:presOf axis="des" ptType="node"/>
-            <dgm:constrLst/>
-            <dgm:ruleLst/>
-          </dgm:layoutNode>
-          <dgm:layoutNode name="childNode1tx" styleLbl="bgAcc1">
-            <dgm:varLst>
-              <dgm:bulletEnabled val="1"/>
-            </dgm:varLst>
-            <dgm:alg type="tx">
-              <dgm:param type="stBulletLvl" val="1"/>
-            </dgm:alg>
-            <dgm:shape xmlns:r="http://schemas.openxmlformats.org/officeDocument/2006/relationships" type="roundRect" r:blip="" hideGeom="1">
-              <dgm:adjLst>
-                <dgm:adj idx="1" val="0.1"/>
-              </dgm:adjLst>
-            </dgm:shape>
-            <dgm:presOf axis="des" ptType="node"/>
-            <dgm:constrLst>
-              <dgm:constr type="secFontSz" val="65"/>
-              <dgm:constr type="primFontSz" refType="secFontSz"/>
-              <dgm:constr type="tMarg" refType="secFontSz" fact="0.15"/>
-              <dgm:constr type="bMarg" refType="secFontSz" fact="0.15"/>
-              <dgm:constr type="lMarg" refType="secFontSz" fact="0.15"/>
-              <dgm:constr type="rMarg" refType="secFontSz" fact="0.15"/>
-            </dgm:constrLst>
-            <dgm:ruleLst>
-              <dgm:rule type="secFontSz" val="5" fact="NaN" max="NaN"/>
-            </dgm:ruleLst>
-          </dgm:layoutNode>
-          <dgm:layoutNode name="parentNode1" styleLbl="node1">
-            <dgm:varLst>
-              <dgm:chMax val="1"/>
-              <dgm:bulletEnabled val="1"/>
-            </dgm:varLst>
-            <dgm:alg type="tx"/>
-            <dgm:shape xmlns:r="http://schemas.openxmlformats.org/officeDocument/2006/relationships" type="roundRect" r:blip="">
-              <dgm:adjLst>
-                <dgm:adj idx="1" val="0.1"/>
-              </dgm:adjLst>
             </dgm:shape>
             <dgm:presOf axis="self"/>
             <dgm:constrLst>
-              <dgm:constr type="tMarg" refType="primFontSz" fact="0.1"/>
-              <dgm:constr type="bMarg" refType="primFontSz" fact="0.1"/>
-              <dgm:constr type="lMarg" refType="primFontSz" fact="0.15"/>
-              <dgm:constr type="rMarg" refType="primFontSz" fact="0.15"/>
+              <dgm:constr type="lMarg"/>
+              <dgm:constr type="rMarg"/>
+              <dgm:constr type="tMarg"/>
+              <dgm:constr type="bMarg"/>
             </dgm:constrLst>
             <dgm:ruleLst>
               <dgm:rule type="primFontSz" val="5" fact="NaN" max="NaN"/>
             </dgm:ruleLst>
           </dgm:layoutNode>
-          <dgm:layoutNode name="connSite1" moveWith="childNode1">
-            <dgm:alg type="sp"/>
-            <dgm:shape xmlns:r="http://schemas.openxmlformats.org/officeDocument/2006/relationships" r:blip="">
-              <dgm:adjLst/>
-            </dgm:shape>
-            <dgm:presOf/>
-            <dgm:constrLst/>
-            <dgm:ruleLst/>
-          </dgm:layoutNode>
         </dgm:layoutNode>
-        <dgm:forEach name="Name8" axis="followSib" ptType="sibTrans" cnt="1">
-          <dgm:layoutNode name="Name9">
-            <dgm:alg type="conn">
-              <dgm:param type="connRout" val="curve"/>
-              <dgm:param type="srcNode" val="parentNode1"/>
-              <dgm:param type="dstNode" val="connSite2"/>
-              <dgm:param type="begPts" val="bCtr"/>
-              <dgm:param type="endPts" val="bCtr"/>
-            </dgm:alg>
-            <dgm:shape xmlns:r="http://schemas.openxmlformats.org/officeDocument/2006/relationships" type="conn" r:blip="" zOrderOff="-2">
-              <dgm:adjLst/>
-            </dgm:shape>
-            <dgm:presOf axis="self"/>
-            <dgm:choose name="Name10">
-              <dgm:if name="Name11" func="var" arg="dir" op="equ" val="norm">
-                <dgm:constrLst>
-                  <dgm:constr type="h" refType="w" fact="0.35"/>
-                  <dgm:constr type="wArH" refType="h"/>
-                  <dgm:constr type="hArH" refType="h"/>
-                  <dgm:constr type="connDist"/>
-                  <dgm:constr type="diam" refType="connDist" fact="-1.15"/>
-                  <dgm:constr type="begPad"/>
-                  <dgm:constr type="endPad"/>
-                </dgm:constrLst>
-              </dgm:if>
-              <dgm:else name="Name12">
-                <dgm:constrLst>
-                  <dgm:constr type="h" refType="w" fact="0.35"/>
-                  <dgm:constr type="wArH" refType="h"/>
-                  <dgm:constr type="hArH" refType="h"/>
-                  <dgm:constr type="connDist"/>
-                  <dgm:constr type="diam" refType="connDist" fact="1.15"/>
-                  <dgm:constr type="begPad"/>
-                  <dgm:constr type="endPad"/>
-                </dgm:constrLst>
-              </dgm:else>
-            </dgm:choose>
-            <dgm:ruleLst/>
-          </dgm:layoutNode>
-        </dgm:forEach>
-        <dgm:forEach name="Name13" axis="followSib" ptType="node" cnt="1">
-          <dgm:layoutNode name="composite2">
-            <dgm:alg type="composite">
-              <dgm:param type="ar" val="0.943"/>
-            </dgm:alg>
-            <dgm:shape xmlns:r="http://schemas.openxmlformats.org/officeDocument/2006/relationships" r:blip="">
-              <dgm:adjLst/>
-            </dgm:shape>
-            <dgm:presOf/>
-            <dgm:choose name="Name14">
-              <dgm:if name="Name15" func="var" arg="dir" op="equ" val="norm">
-                <dgm:constrLst>
-                  <dgm:constr type="h" refType="w" fact="1.06"/>
-                  <dgm:constr type="w" for="ch" forName="dummyNode2" refType="w"/>
-                  <dgm:constr type="h" for="ch" forName="dummyNode2" refType="h"/>
-                  <dgm:constr type="t" for="ch" forName="dummyNode2"/>
-                  <dgm:constr type="l" for="ch" forName="dummyNode2"/>
-                  <dgm:constr type="w" for="ch" forName="childNode2" refType="w" fact="0.9"/>
-                  <dgm:constr type="h" for="ch" forName="childNode2" refType="h" fact="0.7"/>
-                  <dgm:constr type="t" for="ch" forName="childNode2" refType="h" fact="0.15"/>
-                  <dgm:constr type="l" for="ch" forName="childNode2"/>
-                  <dgm:constr type="w" for="ch" forName="childNode2tx" refType="w" fact="0.9"/>
-                  <dgm:constr type="h" for="ch" forName="childNode2tx" refType="h" fact="0.55"/>
-                  <dgm:constr type="t" for="ch" forName="childNode2tx" refType="h" fact="0.3"/>
-                  <dgm:constr type="l" for="ch" forName="childNode2tx"/>
-                  <dgm:constr type="w" for="ch" forName="parentNode2" refType="w" fact="0.8"/>
-                  <dgm:constr type="h" for="ch" forName="parentNode2" refType="h" fact="0.3"/>
-                  <dgm:constr type="t" for="ch" forName="parentNode2"/>
-                  <dgm:constr type="l" for="ch" forName="parentNode2" refType="w" fact="0.2"/>
-                  <dgm:constr type="w" for="ch" forName="connSite2" refType="w" fact="0.01"/>
-                  <dgm:constr type="h" for="ch" forName="connSite2" refType="h" fact="0.01"/>
-                  <dgm:constr type="t" for="ch" forName="connSite2" refType="h" fact="0.99"/>
-                  <dgm:constr type="l" for="ch" forName="connSite2" refType="w" fact="0.25"/>
-                </dgm:constrLst>
-              </dgm:if>
-              <dgm:else name="Name16">
-                <dgm:constrLst>
-                  <dgm:constr type="h" refType="w" fact="1.06"/>
-                  <dgm:constr type="w" for="ch" forName="dummyNode2" refType="w"/>
-                  <dgm:constr type="h" for="ch" forName="dummyNode2" refType="h"/>
-                  <dgm:constr type="t" for="ch" forName="dummyNode2"/>
-                  <dgm:constr type="l" for="ch" forName="dummyNode2"/>
-                  <dgm:constr type="w" for="ch" forName="childNode2" refType="w" fact="0.9"/>
-                  <dgm:constr type="h" for="ch" forName="childNode2" refType="h" fact="0.7"/>
-                  <dgm:constr type="t" for="ch" forName="childNode2" refType="h" fact="0.15"/>
-                  <dgm:constr type="l" for="ch" forName="childNode2" refType="w" fact="0.1"/>
-                  <dgm:constr type="w" for="ch" forName="childNode2tx" refType="w" fact="0.9"/>
-                  <dgm:constr type="h" for="ch" forName="childNode2tx" refType="h" fact="0.55"/>
-                  <dgm:constr type="t" for="ch" forName="childNode2tx" refType="h" fact="0.3"/>
-                  <dgm:constr type="l" for="ch" forName="childNode2tx" refType="w" fact="0.1"/>
-                  <dgm:constr type="w" for="ch" forName="parentNode2" refType="w" fact="0.8"/>
-                  <dgm:constr type="h" for="ch" forName="parentNode2" refType="h" fact="0.3"/>
-                  <dgm:constr type="t" for="ch" forName="parentNode2"/>
-                  <dgm:constr type="l" for="ch" forName="parentNode2"/>
-                  <dgm:constr type="w" for="ch" forName="connSite2" refType="w" fact="0.01"/>
-                  <dgm:constr type="h" for="ch" forName="connSite2" refType="h" fact="0.01"/>
-                  <dgm:constr type="t" for="ch" forName="connSite2" refType="h" fact="0.99"/>
-                  <dgm:constr type="l" for="ch" forName="connSite2" refType="w" fact="0.85"/>
-                </dgm:constrLst>
-              </dgm:else>
-            </dgm:choose>
-            <dgm:ruleLst/>
-            <dgm:layoutNode name="dummyNode2">
-              <dgm:alg type="sp"/>
-              <dgm:shape xmlns:r="http://schemas.openxmlformats.org/officeDocument/2006/relationships" type="rect" r:blip="" hideGeom="1">
-                <dgm:adjLst/>
-              </dgm:shape>
-              <dgm:presOf/>
-              <dgm:constrLst/>
-              <dgm:ruleLst/>
-            </dgm:layoutNode>
-            <dgm:layoutNode name="childNode2" styleLbl="bgAcc1">
-              <dgm:varLst>
-                <dgm:bulletEnabled val="1"/>
-              </dgm:varLst>
-              <dgm:alg type="sp"/>
-              <dgm:shape xmlns:r="http://schemas.openxmlformats.org/officeDocument/2006/relationships" type="roundRect" r:blip="">
-                <dgm:adjLst>
-                  <dgm:adj idx="1" val="0.1"/>
-                </dgm:adjLst>
-              </dgm:shape>
-              <dgm:presOf axis="des" ptType="node"/>
-              <dgm:constrLst/>
-              <dgm:ruleLst/>
-            </dgm:layoutNode>
-            <dgm:layoutNode name="childNode2tx" styleLbl="bgAcc1">
-              <dgm:varLst>
-                <dgm:bulletEnabled val="1"/>
-              </dgm:varLst>
-              <dgm:alg type="tx">
-                <dgm:param type="stBulletLvl" val="1"/>
-              </dgm:alg>
-              <dgm:shape xmlns:r="http://schemas.openxmlformats.org/officeDocument/2006/relationships" type="roundRect" r:blip="" hideGeom="1">
-                <dgm:adjLst>
-                  <dgm:adj idx="1" val="0.1"/>
-                </dgm:adjLst>
-              </dgm:shape>
-              <dgm:presOf axis="des" ptType="node"/>
-              <dgm:constrLst>
-                <dgm:constr type="secFontSz" val="65"/>
-                <dgm:constr type="primFontSz" refType="secFontSz"/>
-                <dgm:constr type="tMarg" refType="secFontSz" fact="0.15"/>
-                <dgm:constr type="bMarg" refType="secFontSz" fact="0.15"/>
-                <dgm:constr type="lMarg" refType="secFontSz" fact="0.15"/>
-                <dgm:constr type="rMarg" refType="secFontSz" fact="0.15"/>
-              </dgm:constrLst>
-              <dgm:ruleLst>
-                <dgm:rule type="secFontSz" val="5" fact="NaN" max="NaN"/>
-              </dgm:ruleLst>
-            </dgm:layoutNode>
-            <dgm:layoutNode name="parentNode2" styleLbl="node1">
-              <dgm:varLst>
-                <dgm:chMax val="0"/>
-                <dgm:bulletEnabled val="1"/>
-              </dgm:varLst>
-              <dgm:alg type="tx"/>
-              <dgm:shape xmlns:r="http://schemas.openxmlformats.org/officeDocument/2006/relationships" type="roundRect" r:blip="">
-                <dgm:adjLst>
-                  <dgm:adj idx="1" val="0.1"/>
-                </dgm:adjLst>
-              </dgm:shape>
-              <dgm:presOf axis="self"/>
-              <dgm:constrLst>
-                <dgm:constr type="tMarg" refType="primFontSz" fact="0.1"/>
-                <dgm:constr type="bMarg" refType="primFontSz" fact="0.1"/>
-                <dgm:constr type="lMarg" refType="primFontSz" fact="0.15"/>
-                <dgm:constr type="rMarg" refType="primFontSz" fact="0.15"/>
-              </dgm:constrLst>
-              <dgm:ruleLst>
-                <dgm:rule type="primFontSz" val="5" fact="NaN" max="NaN"/>
-              </dgm:ruleLst>
-            </dgm:layoutNode>
-            <dgm:layoutNode name="connSite2" moveWith="childNode2">
-              <dgm:alg type="sp"/>
-              <dgm:shape xmlns:r="http://schemas.openxmlformats.org/officeDocument/2006/relationships" r:blip="">
-                <dgm:adjLst/>
-              </dgm:shape>
-              <dgm:presOf/>
-              <dgm:constrLst/>
-              <dgm:ruleLst/>
-            </dgm:layoutNode>
-          </dgm:layoutNode>
-          <dgm:forEach name="Name17" axis="followSib" ptType="sibTrans" cnt="1">
-            <dgm:layoutNode name="Name18">
-              <dgm:alg type="conn">
-                <dgm:param type="connRout" val="curve"/>
-                <dgm:param type="srcNode" val="parentNode2"/>
-                <dgm:param type="dstNode" val="connSite1"/>
-                <dgm:param type="begPts" val="tCtr"/>
-                <dgm:param type="endPts" val="tCtr"/>
-              </dgm:alg>
-              <dgm:shape xmlns:r="http://schemas.openxmlformats.org/officeDocument/2006/relationships" type="conn" r:blip="" zOrderOff="-2">
-                <dgm:adjLst/>
-              </dgm:shape>
-              <dgm:presOf axis="self"/>
-              <dgm:choose name="Name19">
-                <dgm:if name="Name20" func="var" arg="dir" op="equ" val="norm">
-                  <dgm:constrLst>
-                    <dgm:constr type="h" refType="w" fact="0.35"/>
-                    <dgm:constr type="wArH" refType="h"/>
-                    <dgm:constr type="hArH" refType="h"/>
-                    <dgm:constr type="connDist"/>
-                    <dgm:constr type="diam" refType="connDist" fact="1.15"/>
-                    <dgm:constr type="begPad"/>
-                    <dgm:constr type="endPad"/>
-                  </dgm:constrLst>
-                </dgm:if>
-                <dgm:else name="Name21">
-                  <dgm:constrLst>
-                    <dgm:constr type="h" refType="w" fact="0.35"/>
-                    <dgm:constr type="wArH" refType="h"/>
-                    <dgm:constr type="hArH" refType="h"/>
-                    <dgm:constr type="connDist"/>
-                    <dgm:constr type="diam" refType="connDist" fact="-1.15"/>
-                    <dgm:constr type="begPad"/>
-                    <dgm:constr type="endPad"/>
-                  </dgm:constrLst>
-                </dgm:else>
-              </dgm:choose>
-              <dgm:ruleLst/>
-            </dgm:layoutNode>
-          </dgm:forEach>
-        </dgm:forEach>
       </dgm:forEach>
-    </dgm:layoutNode>
+    </dgm:forEach>
   </dgm:layoutNode>
 </dgm:layoutDef>
 </file>
@@ -8670,11 +7718,11 @@
 </file>
 
 <file path=ppt/diagrams/quickStyle2.xml><?xml version="1.0" encoding="utf-8"?>
-<dgm:styleDef xmlns:dgm="http://schemas.openxmlformats.org/drawingml/2006/diagram" xmlns:a="http://schemas.openxmlformats.org/drawingml/2006/main" uniqueId="urn:microsoft.com/office/officeart/2005/8/quickstyle/simple4">
+<dgm:styleDef xmlns:dgm="http://schemas.openxmlformats.org/drawingml/2006/diagram" xmlns:a="http://schemas.openxmlformats.org/drawingml/2006/main" uniqueId="urn:microsoft.com/office/officeart/2005/8/quickstyle/simple1">
   <dgm:title val=""/>
   <dgm:desc val=""/>
   <dgm:catLst>
-    <dgm:cat type="simple" pri="10400"/>
+    <dgm:cat type="simple" pri="10100"/>
   </dgm:catLst>
   <dgm:scene3d>
     <a:camera prst="orthographicFront"/>
@@ -8688,13 +7736,13 @@
     <dgm:sp3d/>
     <dgm:txPr/>
     <dgm:style>
-      <a:lnRef idx="0">
+      <a:lnRef idx="2">
         <a:scrgbClr r="0" g="0" b="0"/>
       </a:lnRef>
-      <a:fillRef idx="3">
+      <a:fillRef idx="1">
         <a:scrgbClr r="0" g="0" b="0"/>
       </a:fillRef>
-      <a:effectRef idx="2">
+      <a:effectRef idx="0">
         <a:scrgbClr r="0" g="0" b="0"/>
       </a:effectRef>
       <a:fontRef idx="minor">
@@ -8710,13 +7758,13 @@
     <dgm:sp3d/>
     <dgm:txPr/>
     <dgm:style>
-      <a:lnRef idx="1">
+      <a:lnRef idx="2">
         <a:scrgbClr r="0" g="0" b="0"/>
       </a:lnRef>
-      <a:fillRef idx="3">
+      <a:fillRef idx="1">
         <a:scrgbClr r="0" g="0" b="0"/>
       </a:fillRef>
-      <a:effectRef idx="2">
+      <a:effectRef idx="0">
         <a:scrgbClr r="0" g="0" b="0"/>
       </a:effectRef>
       <a:fontRef idx="minor">
@@ -8732,10 +7780,10 @@
     <dgm:sp3d/>
     <dgm:txPr/>
     <dgm:style>
-      <a:lnRef idx="0">
+      <a:lnRef idx="2">
         <a:scrgbClr r="0" g="0" b="0"/>
       </a:lnRef>
-      <a:fillRef idx="3">
+      <a:fillRef idx="1">
         <a:scrgbClr r="0" g="0" b="0"/>
       </a:fillRef>
       <a:effectRef idx="0">
@@ -8754,13 +7802,13 @@
     <dgm:sp3d/>
     <dgm:txPr/>
     <dgm:style>
-      <a:lnRef idx="1">
+      <a:lnRef idx="2">
         <a:scrgbClr r="0" g="0" b="0"/>
       </a:lnRef>
-      <a:fillRef idx="3">
+      <a:fillRef idx="1">
         <a:scrgbClr r="0" g="0" b="0"/>
       </a:fillRef>
-      <a:effectRef idx="2">
+      <a:effectRef idx="0">
         <a:scrgbClr r="0" g="0" b="0"/>
       </a:effectRef>
       <a:fontRef idx="minor">
@@ -8776,13 +7824,13 @@
     <dgm:sp3d/>
     <dgm:txPr/>
     <dgm:style>
-      <a:lnRef idx="0">
+      <a:lnRef idx="2">
         <a:scrgbClr r="0" g="0" b="0"/>
       </a:lnRef>
-      <a:fillRef idx="3">
+      <a:fillRef idx="1">
         <a:scrgbClr r="0" g="0" b="0"/>
       </a:fillRef>
-      <a:effectRef idx="2">
+      <a:effectRef idx="0">
         <a:scrgbClr r="0" g="0" b="0"/>
       </a:effectRef>
       <a:fontRef idx="minor">
@@ -8798,13 +7846,13 @@
     <dgm:sp3d/>
     <dgm:txPr/>
     <dgm:style>
-      <a:lnRef idx="0">
+      <a:lnRef idx="2">
         <a:scrgbClr r="0" g="0" b="0"/>
       </a:lnRef>
-      <a:fillRef idx="3">
+      <a:fillRef idx="1">
         <a:scrgbClr r="0" g="0" b="0"/>
       </a:fillRef>
-      <a:effectRef idx="2">
+      <a:effectRef idx="0">
         <a:scrgbClr r="0" g="0" b="0"/>
       </a:effectRef>
       <a:fontRef idx="minor">
@@ -8820,13 +7868,13 @@
     <dgm:sp3d/>
     <dgm:txPr/>
     <dgm:style>
-      <a:lnRef idx="0">
+      <a:lnRef idx="2">
         <a:scrgbClr r="0" g="0" b="0"/>
       </a:lnRef>
-      <a:fillRef idx="3">
+      <a:fillRef idx="1">
         <a:scrgbClr r="0" g="0" b="0"/>
       </a:fillRef>
-      <a:effectRef idx="2">
+      <a:effectRef idx="0">
         <a:scrgbClr r="0" g="0" b="0"/>
       </a:effectRef>
       <a:fontRef idx="minor">
@@ -8842,13 +7890,13 @@
     <dgm:sp3d/>
     <dgm:txPr/>
     <dgm:style>
-      <a:lnRef idx="0">
+      <a:lnRef idx="2">
         <a:scrgbClr r="0" g="0" b="0"/>
       </a:lnRef>
-      <a:fillRef idx="3">
+      <a:fillRef idx="1">
         <a:scrgbClr r="0" g="0" b="0"/>
       </a:fillRef>
-      <a:effectRef idx="2">
+      <a:effectRef idx="0">
         <a:scrgbClr r="0" g="0" b="0"/>
       </a:effectRef>
       <a:fontRef idx="minor">
@@ -8864,13 +7912,13 @@
     <dgm:sp3d/>
     <dgm:txPr/>
     <dgm:style>
-      <a:lnRef idx="0">
+      <a:lnRef idx="2">
         <a:scrgbClr r="0" g="0" b="0"/>
       </a:lnRef>
       <a:fillRef idx="1">
         <a:scrgbClr r="0" g="0" b="0"/>
       </a:fillRef>
-      <a:effectRef idx="2">
+      <a:effectRef idx="0">
         <a:scrgbClr r="0" g="0" b="0"/>
       </a:effectRef>
       <a:fontRef idx="minor"/>
@@ -8884,13 +7932,13 @@
     <dgm:sp3d/>
     <dgm:txPr/>
     <dgm:style>
-      <a:lnRef idx="0">
+      <a:lnRef idx="2">
         <a:scrgbClr r="0" g="0" b="0"/>
       </a:lnRef>
       <a:fillRef idx="1">
         <a:scrgbClr r="0" g="0" b="0"/>
       </a:fillRef>
-      <a:effectRef idx="2">
+      <a:effectRef idx="0">
         <a:scrgbClr r="0" g="0" b="0"/>
       </a:effectRef>
       <a:fontRef idx="minor"/>
@@ -8904,13 +7952,13 @@
     <dgm:sp3d/>
     <dgm:txPr/>
     <dgm:style>
-      <a:lnRef idx="0">
+      <a:lnRef idx="2">
         <a:scrgbClr r="0" g="0" b="0"/>
       </a:lnRef>
       <a:fillRef idx="1">
         <a:scrgbClr r="0" g="0" b="0"/>
       </a:fillRef>
-      <a:effectRef idx="2">
+      <a:effectRef idx="0">
         <a:scrgbClr r="0" g="0" b="0"/>
       </a:effectRef>
       <a:fontRef idx="minor"/>
@@ -8927,10 +7975,10 @@
       <a:lnRef idx="0">
         <a:scrgbClr r="0" g="0" b="0"/>
       </a:lnRef>
-      <a:fillRef idx="3">
+      <a:fillRef idx="1">
         <a:scrgbClr r="0" g="0" b="0"/>
       </a:fillRef>
-      <a:effectRef idx="2">
+      <a:effectRef idx="0">
         <a:scrgbClr r="0" g="0" b="0"/>
       </a:effectRef>
       <a:fontRef idx="minor">
@@ -8949,10 +7997,10 @@
       <a:lnRef idx="0">
         <a:scrgbClr r="0" g="0" b="0"/>
       </a:lnRef>
-      <a:fillRef idx="3">
+      <a:fillRef idx="1">
         <a:scrgbClr r="0" g="0" b="0"/>
       </a:fillRef>
-      <a:effectRef idx="2">
+      <a:effectRef idx="0">
         <a:scrgbClr r="0" g="0" b="0"/>
       </a:effectRef>
       <a:fontRef idx="minor">
@@ -8971,10 +8019,10 @@
       <a:lnRef idx="0">
         <a:scrgbClr r="0" g="0" b="0"/>
       </a:lnRef>
-      <a:fillRef idx="3">
+      <a:fillRef idx="1">
         <a:scrgbClr r="0" g="0" b="0"/>
       </a:fillRef>
-      <a:effectRef idx="2">
+      <a:effectRef idx="0">
         <a:scrgbClr r="0" g="0" b="0"/>
       </a:effectRef>
       <a:fontRef idx="minor">
@@ -9016,7 +8064,7 @@
       <a:fillRef idx="1">
         <a:scrgbClr r="0" g="0" b="0"/>
       </a:fillRef>
-      <a:effectRef idx="1">
+      <a:effectRef idx="0">
         <a:scrgbClr r="0" g="0" b="0"/>
       </a:effectRef>
       <a:fontRef idx="minor"/>
@@ -9030,13 +8078,13 @@
     <dgm:sp3d/>
     <dgm:txPr/>
     <dgm:style>
-      <a:lnRef idx="0">
+      <a:lnRef idx="2">
         <a:scrgbClr r="0" g="0" b="0"/>
       </a:lnRef>
-      <a:fillRef idx="3">
+      <a:fillRef idx="1">
         <a:scrgbClr r="0" g="0" b="0"/>
       </a:fillRef>
-      <a:effectRef idx="2">
+      <a:effectRef idx="0">
         <a:scrgbClr r="0" g="0" b="0"/>
       </a:effectRef>
       <a:fontRef idx="minor">
@@ -9052,13 +8100,13 @@
     <dgm:sp3d/>
     <dgm:txPr/>
     <dgm:style>
-      <a:lnRef idx="0">
+      <a:lnRef idx="2">
         <a:scrgbClr r="0" g="0" b="0"/>
       </a:lnRef>
-      <a:fillRef idx="3">
+      <a:fillRef idx="1">
         <a:scrgbClr r="0" g="0" b="0"/>
       </a:fillRef>
-      <a:effectRef idx="2">
+      <a:effectRef idx="0">
         <a:scrgbClr r="0" g="0" b="0"/>
       </a:effectRef>
       <a:fontRef idx="minor">
@@ -9074,13 +8122,13 @@
     <dgm:sp3d/>
     <dgm:txPr/>
     <dgm:style>
-      <a:lnRef idx="0">
+      <a:lnRef idx="2">
         <a:scrgbClr r="0" g="0" b="0"/>
       </a:lnRef>
-      <a:fillRef idx="3">
+      <a:fillRef idx="1">
         <a:scrgbClr r="0" g="0" b="0"/>
       </a:fillRef>
-      <a:effectRef idx="2">
+      <a:effectRef idx="0">
         <a:scrgbClr r="0" g="0" b="0"/>
       </a:effectRef>
       <a:fontRef idx="minor">
@@ -9096,13 +8144,13 @@
     <dgm:sp3d/>
     <dgm:txPr/>
     <dgm:style>
-      <a:lnRef idx="0">
+      <a:lnRef idx="2">
         <a:scrgbClr r="0" g="0" b="0"/>
       </a:lnRef>
-      <a:fillRef idx="3">
+      <a:fillRef idx="1">
         <a:scrgbClr r="0" g="0" b="0"/>
       </a:fillRef>
-      <a:effectRef idx="2">
+      <a:effectRef idx="0">
         <a:scrgbClr r="0" g="0" b="0"/>
       </a:effectRef>
       <a:fontRef idx="minor">
@@ -9118,13 +8166,13 @@
     <dgm:sp3d/>
     <dgm:txPr/>
     <dgm:style>
-      <a:lnRef idx="0">
+      <a:lnRef idx="2">
         <a:scrgbClr r="0" g="0" b="0"/>
       </a:lnRef>
-      <a:fillRef idx="3">
+      <a:fillRef idx="1">
         <a:scrgbClr r="0" g="0" b="0"/>
       </a:fillRef>
-      <a:effectRef idx="2">
+      <a:effectRef idx="0">
         <a:scrgbClr r="0" g="0" b="0"/>
       </a:effectRef>
       <a:fontRef idx="minor">
@@ -9140,13 +8188,13 @@
     <dgm:sp3d/>
     <dgm:txPr/>
     <dgm:style>
-      <a:lnRef idx="0">
+      <a:lnRef idx="2">
         <a:scrgbClr r="0" g="0" b="0"/>
       </a:lnRef>
-      <a:fillRef idx="3">
+      <a:fillRef idx="1">
         <a:scrgbClr r="0" g="0" b="0"/>
       </a:fillRef>
-      <a:effectRef idx="2">
+      <a:effectRef idx="0">
         <a:scrgbClr r="0" g="0" b="0"/>
       </a:effectRef>
       <a:fontRef idx="minor">
@@ -9162,13 +8210,13 @@
     <dgm:sp3d/>
     <dgm:txPr/>
     <dgm:style>
-      <a:lnRef idx="0">
+      <a:lnRef idx="2">
         <a:scrgbClr r="0" g="0" b="0"/>
       </a:lnRef>
-      <a:fillRef idx="3">
+      <a:fillRef idx="1">
         <a:scrgbClr r="0" g="0" b="0"/>
       </a:fillRef>
-      <a:effectRef idx="2">
+      <a:effectRef idx="0">
         <a:scrgbClr r="0" g="0" b="0"/>
       </a:effectRef>
       <a:fontRef idx="minor">
@@ -9184,13 +8232,13 @@
     <dgm:sp3d/>
     <dgm:txPr/>
     <dgm:style>
-      <a:lnRef idx="1">
+      <a:lnRef idx="2">
         <a:scrgbClr r="0" g="0" b="0"/>
       </a:lnRef>
-      <a:fillRef idx="3">
+      <a:fillRef idx="1">
         <a:scrgbClr r="0" g="0" b="0"/>
       </a:fillRef>
-      <a:effectRef idx="2">
+      <a:effectRef idx="0">
         <a:scrgbClr r="0" g="0" b="0"/>
       </a:effectRef>
       <a:fontRef idx="minor">
@@ -9206,13 +8254,13 @@
     <dgm:sp3d/>
     <dgm:txPr/>
     <dgm:style>
-      <a:lnRef idx="1">
+      <a:lnRef idx="2">
         <a:scrgbClr r="0" g="0" b="0"/>
       </a:lnRef>
-      <a:fillRef idx="3">
+      <a:fillRef idx="1">
         <a:scrgbClr r="0" g="0" b="0"/>
       </a:fillRef>
-      <a:effectRef idx="2">
+      <a:effectRef idx="0">
         <a:scrgbClr r="0" g="0" b="0"/>
       </a:effectRef>
       <a:fontRef idx="minor">
@@ -9228,7 +8276,7 @@
     <dgm:sp3d/>
     <dgm:txPr/>
     <dgm:style>
-      <a:lnRef idx="1">
+      <a:lnRef idx="2">
         <a:scrgbClr r="0" g="0" b="0"/>
       </a:lnRef>
       <a:fillRef idx="0">
@@ -9248,7 +8296,7 @@
     <dgm:sp3d/>
     <dgm:txPr/>
     <dgm:style>
-      <a:lnRef idx="1">
+      <a:lnRef idx="2">
         <a:scrgbClr r="0" g="0" b="0"/>
       </a:lnRef>
       <a:fillRef idx="0">
@@ -9268,7 +8316,7 @@
     <dgm:sp3d/>
     <dgm:txPr/>
     <dgm:style>
-      <a:lnRef idx="1">
+      <a:lnRef idx="2">
         <a:scrgbClr r="0" g="0" b="0"/>
       </a:lnRef>
       <a:fillRef idx="0">
@@ -9288,7 +8336,7 @@
     <dgm:sp3d/>
     <dgm:txPr/>
     <dgm:style>
-      <a:lnRef idx="1">
+      <a:lnRef idx="2">
         <a:scrgbClr r="0" g="0" b="0"/>
       </a:lnRef>
       <a:fillRef idx="0">
@@ -9308,7 +8356,7 @@
     <dgm:sp3d/>
     <dgm:txPr/>
     <dgm:style>
-      <a:lnRef idx="1">
+      <a:lnRef idx="2">
         <a:scrgbClr r="0" g="0" b="0"/>
       </a:lnRef>
       <a:fillRef idx="1">
@@ -9328,7 +8376,7 @@
     <dgm:sp3d/>
     <dgm:txPr/>
     <dgm:style>
-      <a:lnRef idx="1">
+      <a:lnRef idx="2">
         <a:scrgbClr r="0" g="0" b="0"/>
       </a:lnRef>
       <a:fillRef idx="1">
@@ -9348,7 +8396,7 @@
     <dgm:sp3d/>
     <dgm:txPr/>
     <dgm:style>
-      <a:lnRef idx="1">
+      <a:lnRef idx="2">
         <a:scrgbClr r="0" g="0" b="0"/>
       </a:lnRef>
       <a:fillRef idx="1">
@@ -9388,7 +8436,7 @@
     <dgm:sp3d/>
     <dgm:txPr/>
     <dgm:style>
-      <a:lnRef idx="1">
+      <a:lnRef idx="2">
         <a:scrgbClr r="0" g="0" b="0"/>
       </a:lnRef>
       <a:fillRef idx="1">
@@ -9408,7 +8456,7 @@
     <dgm:sp3d/>
     <dgm:txPr/>
     <dgm:style>
-      <a:lnRef idx="1">
+      <a:lnRef idx="2">
         <a:scrgbClr r="0" g="0" b="0"/>
       </a:lnRef>
       <a:fillRef idx="1">
@@ -9428,7 +8476,7 @@
     <dgm:sp3d/>
     <dgm:txPr/>
     <dgm:style>
-      <a:lnRef idx="1">
+      <a:lnRef idx="2">
         <a:scrgbClr r="0" g="0" b="0"/>
       </a:lnRef>
       <a:fillRef idx="1">
@@ -9448,7 +8496,7 @@
     <dgm:sp3d/>
     <dgm:txPr/>
     <dgm:style>
-      <a:lnRef idx="1">
+      <a:lnRef idx="2">
         <a:scrgbClr r="0" g="0" b="0"/>
       </a:lnRef>
       <a:fillRef idx="1">
@@ -9468,7 +8516,7 @@
     <dgm:sp3d/>
     <dgm:txPr/>
     <dgm:style>
-      <a:lnRef idx="1">
+      <a:lnRef idx="2">
         <a:scrgbClr r="0" g="0" b="0"/>
       </a:lnRef>
       <a:fillRef idx="1">
@@ -9488,7 +8536,7 @@
     <dgm:sp3d/>
     <dgm:txPr/>
     <dgm:style>
-      <a:lnRef idx="1">
+      <a:lnRef idx="2">
         <a:scrgbClr r="0" g="0" b="0"/>
       </a:lnRef>
       <a:fillRef idx="1">
@@ -9508,7 +8556,7 @@
     <dgm:sp3d/>
     <dgm:txPr/>
     <dgm:style>
-      <a:lnRef idx="1">
+      <a:lnRef idx="2">
         <a:scrgbClr r="0" g="0" b="0"/>
       </a:lnRef>
       <a:fillRef idx="1">
@@ -9528,7 +8576,7 @@
     <dgm:sp3d/>
     <dgm:txPr/>
     <dgm:style>
-      <a:lnRef idx="1">
+      <a:lnRef idx="2">
         <a:scrgbClr r="0" g="0" b="0"/>
       </a:lnRef>
       <a:fillRef idx="1">
@@ -9548,7 +8596,7 @@
     <dgm:sp3d/>
     <dgm:txPr/>
     <dgm:style>
-      <a:lnRef idx="1">
+      <a:lnRef idx="2">
         <a:scrgbClr r="0" g="0" b="0"/>
       </a:lnRef>
       <a:fillRef idx="1">
@@ -9568,7 +8616,7 @@
     <dgm:sp3d/>
     <dgm:txPr/>
     <dgm:style>
-      <a:lnRef idx="1">
+      <a:lnRef idx="2">
         <a:scrgbClr r="0" g="0" b="0"/>
       </a:lnRef>
       <a:fillRef idx="1">
@@ -9588,7 +8636,7 @@
     <dgm:sp3d/>
     <dgm:txPr/>
     <dgm:style>
-      <a:lnRef idx="1">
+      <a:lnRef idx="2">
         <a:scrgbClr r="0" g="0" b="0"/>
       </a:lnRef>
       <a:fillRef idx="1">
@@ -9614,7 +8662,7 @@
       <a:fillRef idx="1">
         <a:scrgbClr r="0" g="0" b="0"/>
       </a:fillRef>
-      <a:effectRef idx="2">
+      <a:effectRef idx="0">
         <a:scrgbClr r="0" g="0" b="0"/>
       </a:effectRef>
       <a:fontRef idx="minor"/>
@@ -9634,7 +8682,7 @@
       <a:fillRef idx="1">
         <a:scrgbClr r="0" g="0" b="0"/>
       </a:fillRef>
-      <a:effectRef idx="2">
+      <a:effectRef idx="0">
         <a:scrgbClr r="0" g="0" b="0"/>
       </a:effectRef>
       <a:fontRef idx="minor"/>
@@ -9668,13 +8716,13 @@
     <dgm:sp3d/>
     <dgm:txPr/>
     <dgm:style>
-      <a:lnRef idx="0">
+      <a:lnRef idx="2">
         <a:scrgbClr r="0" g="0" b="0"/>
       </a:lnRef>
-      <a:fillRef idx="3">
+      <a:fillRef idx="1">
         <a:scrgbClr r="0" g="0" b="0"/>
       </a:fillRef>
-      <a:effectRef idx="2">
+      <a:effectRef idx="0">
         <a:scrgbClr r="0" g="0" b="0"/>
       </a:effectRef>
       <a:fontRef idx="minor"/>
@@ -11265,6 +10313,16 @@
               <a:t>Mel and I have chosen to use Leaflet because we wanted to get to know the flow map plugin. Additionally, we preferred Leaflet because it is an open-source library and therefore we have the full control over our map.</a:t>
             </a:r>
           </a:p>
+          <a:p>
+            <a:pPr marL="171450" indent="-171450">
+              <a:buFont typeface="Arial" panose="020B0604020202020204" pitchFamily="34" charset="0"/>
+              <a:buChar char="•"/>
+            </a:pPr>
+            <a:r>
+              <a:rPr lang="en-GB" dirty="0"/>
+              <a:t>Generally, we wanted to only work with open-source products so our project is reproducible</a:t>
+            </a:r>
+          </a:p>
         </p:txBody>
       </p:sp>
       <p:sp>
@@ -11347,7 +10405,20 @@
           <a:bodyPr/>
           <a:lstStyle/>
           <a:p>
-            <a:endParaRPr lang="en-GB" dirty="0"/>
+            <a:r>
+              <a:rPr lang="en-GB" dirty="0"/>
+              <a:t>The reasons, WHY we decided to do this project are the following:</a:t>
+            </a:r>
+          </a:p>
+          <a:p>
+            <a:pPr marL="171450" indent="-171450">
+              <a:buFont typeface="Arial" panose="020B0604020202020204" pitchFamily="34" charset="0"/>
+              <a:buChar char="•"/>
+            </a:pPr>
+            <a:r>
+              <a:rPr lang="en-GB" dirty="0"/>
+              <a:t>First of all, we wanted to work with a real-world dataset that showcases  </a:t>
+            </a:r>
           </a:p>
           <a:p>
             <a:endParaRPr lang="en-GB" dirty="0"/>
@@ -11724,7 +10795,15 @@
             </a:pPr>
             <a:r>
               <a:rPr lang="en-GB" dirty="0"/>
-              <a:t>Find suitable data</a:t>
+              <a:t>First </a:t>
+            </a:r>
+            <a:r>
+              <a:rPr lang="en-GB" dirty="0" err="1"/>
+              <a:t>workpackage</a:t>
+            </a:r>
+            <a:r>
+              <a:rPr lang="en-GB" dirty="0"/>
+              <a:t>: Find suitable data. The challenge was that most of the migration data only tells about the nationality of the migrating people – but not where they came from or went to</a:t>
             </a:r>
           </a:p>
           <a:p>
@@ -11733,8 +10812,8 @@
               <a:buChar char="•"/>
             </a:pPr>
             <a:r>
-              <a:rPr lang="en-US" dirty="0"/>
-              <a:t>Customize the data so that it has all the properties that the flowchart plugin needs</a:t>
+              <a:rPr lang="en-GB" dirty="0"/>
+              <a:t>Second step: the data we found is in a CSV – and without any geometric information aside from the country name. Therefore we used a QGIS plugin to geocode our data</a:t>
             </a:r>
           </a:p>
           <a:p>
@@ -11742,7 +10821,89 @@
               <a:buFont typeface="Arial" panose="020B0604020202020204" pitchFamily="34" charset="0"/>
               <a:buChar char="•"/>
             </a:pPr>
+            <a:r>
+              <a:rPr lang="en-GB" dirty="0"/>
+              <a:t>Third step: customize our data – the Flow Map Plugin needs special columns to be able to work. To get all these goals, we used PostGIS as I like work with it and it helped me organize the data.</a:t>
+            </a:r>
+          </a:p>
+          <a:p>
+            <a:pPr marL="171450" indent="-171450">
+              <a:buFont typeface="Arial" panose="020B0604020202020204" pitchFamily="34" charset="0"/>
+              <a:buChar char="•"/>
+            </a:pPr>
+            <a:r>
+              <a:rPr lang="en-GB" dirty="0"/>
+              <a:t>Fourth step: integrate data in code -  the library </a:t>
+            </a:r>
+            <a:r>
+              <a:rPr lang="en-GB" dirty="0" err="1"/>
+              <a:t>papaparse</a:t>
+            </a:r>
+            <a:r>
+              <a:rPr lang="en-GB" dirty="0"/>
+              <a:t> parses the CSV data to the needed GeoJSON format</a:t>
+            </a:r>
+          </a:p>
+          <a:p>
+            <a:pPr marL="171450" indent="-171450">
+              <a:buFont typeface="Arial" panose="020B0604020202020204" pitchFamily="34" charset="0"/>
+              <a:buChar char="•"/>
+            </a:pPr>
+            <a:r>
+              <a:rPr lang="en-GB" dirty="0"/>
+              <a:t>Fifth step: customize UI – we worked with the code example in </a:t>
+            </a:r>
+            <a:r>
+              <a:rPr lang="en-GB" dirty="0" err="1"/>
+              <a:t>Github</a:t>
+            </a:r>
+            <a:r>
+              <a:rPr lang="en-GB" dirty="0"/>
+              <a:t> and changed it so it satisfies our needs, for example the buttons</a:t>
+            </a:r>
+          </a:p>
+          <a:p>
+            <a:pPr marL="171450" indent="-171450">
+              <a:buFont typeface="Arial" panose="020B0604020202020204" pitchFamily="34" charset="0"/>
+              <a:buChar char="•"/>
+            </a:pPr>
+            <a:r>
+              <a:rPr lang="en-GB" dirty="0"/>
+              <a:t>Sixth step: style map – adjust the </a:t>
+            </a:r>
+            <a:r>
+              <a:rPr lang="en-GB" dirty="0" err="1"/>
+              <a:t>colors</a:t>
+            </a:r>
+            <a:r>
+              <a:rPr lang="en-GB" dirty="0"/>
+              <a:t> so they symbolize the number of people migrating, as well as the line thickness, added a legend, changed the </a:t>
+            </a:r>
+            <a:r>
+              <a:rPr lang="en-GB" dirty="0" err="1"/>
+              <a:t>basemap</a:t>
+            </a:r>
             <a:endParaRPr lang="en-GB" dirty="0"/>
+          </a:p>
+          <a:p>
+            <a:pPr marL="171450" indent="-171450">
+              <a:buFont typeface="Arial" panose="020B0604020202020204" pitchFamily="34" charset="0"/>
+              <a:buChar char="•"/>
+            </a:pPr>
+            <a:r>
+              <a:rPr lang="en-GB" dirty="0"/>
+              <a:t>Seventh step: presentation – you can see the result right here</a:t>
+            </a:r>
+          </a:p>
+          <a:p>
+            <a:pPr marL="171450" indent="-171450">
+              <a:buFont typeface="Arial" panose="020B0604020202020204" pitchFamily="34" charset="0"/>
+              <a:buChar char="•"/>
+            </a:pPr>
+            <a:r>
+              <a:rPr lang="en-GB" dirty="0"/>
+              <a:t>Eighth step: write documentation in the future</a:t>
+            </a:r>
           </a:p>
         </p:txBody>
       </p:sp>
@@ -11826,6 +10987,125 @@
           <a:bodyPr/>
           <a:lstStyle/>
           <a:p>
+            <a:pPr marL="171450" indent="-171450">
+              <a:buFont typeface="Arial" panose="020B0604020202020204" pitchFamily="34" charset="0"/>
+              <a:buChar char="•"/>
+            </a:pPr>
+            <a:r>
+              <a:rPr lang="en-GB" dirty="0"/>
+              <a:t>It was quite the effort to get the suitable data, as most data sets document the nationality of the migrants</a:t>
+            </a:r>
+          </a:p>
+          <a:p>
+            <a:pPr marL="171450" indent="-171450">
+              <a:buFont typeface="Arial" panose="020B0604020202020204" pitchFamily="34" charset="0"/>
+              <a:buChar char="•"/>
+            </a:pPr>
+            <a:r>
+              <a:rPr lang="en-GB" dirty="0"/>
+              <a:t>Geocoding was quite the effort, as many plugins in QGIS only work with one single location and not a whole csv file. And ArcGIS did not produce satisfying results and is not Open-Source </a:t>
+            </a:r>
+          </a:p>
+          <a:p>
+            <a:pPr marL="171450" indent="-171450">
+              <a:buFont typeface="Arial" panose="020B0604020202020204" pitchFamily="34" charset="0"/>
+              <a:buChar char="•"/>
+            </a:pPr>
+            <a:r>
+              <a:rPr lang="en-GB" dirty="0"/>
+              <a:t>The parser we use, needs the data from a file, that starts with ‘http’ – therefore we had to upload our data to </a:t>
+            </a:r>
+            <a:r>
+              <a:rPr lang="en-GB" dirty="0" err="1"/>
+              <a:t>Github</a:t>
+            </a:r>
+            <a:r>
+              <a:rPr lang="en-GB" dirty="0"/>
+              <a:t> and publish our project</a:t>
+            </a:r>
+          </a:p>
+        </p:txBody>
+      </p:sp>
+      <p:sp>
+        <p:nvSpPr>
+          <p:cNvPr id="4" name="Foliennummernplatzhalter 3"/>
+          <p:cNvSpPr>
+            <a:spLocks noGrp="1"/>
+          </p:cNvSpPr>
+          <p:nvPr>
+            <p:ph type="sldNum" sz="quarter" idx="5"/>
+          </p:nvPr>
+        </p:nvSpPr>
+        <p:spPr/>
+        <p:txBody>
+          <a:bodyPr/>
+          <a:lstStyle/>
+          <a:p>
+            <a:fld id="{89483034-6DAD-4439-842F-5AC941C32EE8}" type="slidenum">
+              <a:rPr lang="en-GB" smtClean="0"/>
+              <a:t>6</a:t>
+            </a:fld>
+            <a:endParaRPr lang="en-GB"/>
+          </a:p>
+        </p:txBody>
+      </p:sp>
+    </p:spTree>
+    <p:extLst>
+      <p:ext uri="{BB962C8B-B14F-4D97-AF65-F5344CB8AC3E}">
+        <p14:creationId xmlns:p14="http://schemas.microsoft.com/office/powerpoint/2010/main" val="166904970"/>
+      </p:ext>
+    </p:extLst>
+  </p:cSld>
+  <p:clrMapOvr>
+    <a:masterClrMapping/>
+  </p:clrMapOvr>
+</p:notes>
+</file>
+
+<file path=ppt/notesSlides/notesSlide6.xml><?xml version="1.0" encoding="utf-8"?>
+<p:notes xmlns:a="http://schemas.openxmlformats.org/drawingml/2006/main" xmlns:r="http://schemas.openxmlformats.org/officeDocument/2006/relationships" xmlns:p="http://schemas.openxmlformats.org/presentationml/2006/main">
+  <p:cSld>
+    <p:spTree>
+      <p:nvGrpSpPr>
+        <p:cNvPr id="1" name=""/>
+        <p:cNvGrpSpPr/>
+        <p:nvPr/>
+      </p:nvGrpSpPr>
+      <p:grpSpPr>
+        <a:xfrm>
+          <a:off x="0" y="0"/>
+          <a:ext cx="0" cy="0"/>
+          <a:chOff x="0" y="0"/>
+          <a:chExt cx="0" cy="0"/>
+        </a:xfrm>
+      </p:grpSpPr>
+      <p:sp>
+        <p:nvSpPr>
+          <p:cNvPr id="2" name="Folienbildplatzhalter 1"/>
+          <p:cNvSpPr>
+            <a:spLocks noGrp="1" noRot="1" noChangeAspect="1"/>
+          </p:cNvSpPr>
+          <p:nvPr>
+            <p:ph type="sldImg"/>
+          </p:nvPr>
+        </p:nvSpPr>
+        <p:spPr/>
+      </p:sp>
+      <p:sp>
+        <p:nvSpPr>
+          <p:cNvPr id="3" name="Notizenplatzhalter 2"/>
+          <p:cNvSpPr>
+            <a:spLocks noGrp="1"/>
+          </p:cNvSpPr>
+          <p:nvPr>
+            <p:ph type="body" idx="1"/>
+          </p:nvPr>
+        </p:nvSpPr>
+        <p:spPr/>
+        <p:txBody>
+          <a:bodyPr/>
+          <a:lstStyle/>
+          <a:p>
             <a:endParaRPr lang="en-GB" dirty="0"/>
           </a:p>
         </p:txBody>
@@ -11857,6 +11137,90 @@
     <p:extLst>
       <p:ext uri="{BB962C8B-B14F-4D97-AF65-F5344CB8AC3E}">
         <p14:creationId xmlns:p14="http://schemas.microsoft.com/office/powerpoint/2010/main" val="2854272161"/>
+      </p:ext>
+    </p:extLst>
+  </p:cSld>
+  <p:clrMapOvr>
+    <a:masterClrMapping/>
+  </p:clrMapOvr>
+</p:notes>
+</file>
+
+<file path=ppt/notesSlides/notesSlide7.xml><?xml version="1.0" encoding="utf-8"?>
+<p:notes xmlns:a="http://schemas.openxmlformats.org/drawingml/2006/main" xmlns:r="http://schemas.openxmlformats.org/officeDocument/2006/relationships" xmlns:p="http://schemas.openxmlformats.org/presentationml/2006/main">
+  <p:cSld>
+    <p:spTree>
+      <p:nvGrpSpPr>
+        <p:cNvPr id="1" name=""/>
+        <p:cNvGrpSpPr/>
+        <p:nvPr/>
+      </p:nvGrpSpPr>
+      <p:grpSpPr>
+        <a:xfrm>
+          <a:off x="0" y="0"/>
+          <a:ext cx="0" cy="0"/>
+          <a:chOff x="0" y="0"/>
+          <a:chExt cx="0" cy="0"/>
+        </a:xfrm>
+      </p:grpSpPr>
+      <p:sp>
+        <p:nvSpPr>
+          <p:cNvPr id="2" name="Folienbildplatzhalter 1"/>
+          <p:cNvSpPr>
+            <a:spLocks noGrp="1" noRot="1" noChangeAspect="1"/>
+          </p:cNvSpPr>
+          <p:nvPr>
+            <p:ph type="sldImg"/>
+          </p:nvPr>
+        </p:nvSpPr>
+        <p:spPr/>
+      </p:sp>
+      <p:sp>
+        <p:nvSpPr>
+          <p:cNvPr id="3" name="Notizenplatzhalter 2"/>
+          <p:cNvSpPr>
+            <a:spLocks noGrp="1"/>
+          </p:cNvSpPr>
+          <p:nvPr>
+            <p:ph type="body" idx="1"/>
+          </p:nvPr>
+        </p:nvSpPr>
+        <p:spPr/>
+        <p:txBody>
+          <a:bodyPr/>
+          <a:lstStyle/>
+          <a:p>
+            <a:endParaRPr lang="en-GB" dirty="0"/>
+          </a:p>
+        </p:txBody>
+      </p:sp>
+      <p:sp>
+        <p:nvSpPr>
+          <p:cNvPr id="4" name="Foliennummernplatzhalter 3"/>
+          <p:cNvSpPr>
+            <a:spLocks noGrp="1"/>
+          </p:cNvSpPr>
+          <p:nvPr>
+            <p:ph type="sldNum" sz="quarter" idx="5"/>
+          </p:nvPr>
+        </p:nvSpPr>
+        <p:spPr/>
+        <p:txBody>
+          <a:bodyPr/>
+          <a:lstStyle/>
+          <a:p>
+            <a:fld id="{89483034-6DAD-4439-842F-5AC941C32EE8}" type="slidenum">
+              <a:rPr lang="en-GB" smtClean="0"/>
+              <a:t>8</a:t>
+            </a:fld>
+            <a:endParaRPr lang="en-GB"/>
+          </a:p>
+        </p:txBody>
+      </p:sp>
+    </p:spTree>
+    <p:extLst>
+      <p:ext uri="{BB962C8B-B14F-4D97-AF65-F5344CB8AC3E}">
+        <p14:creationId xmlns:p14="http://schemas.microsoft.com/office/powerpoint/2010/main" val="1921402038"/>
       </p:ext>
     </p:extLst>
   </p:cSld>
@@ -16567,8 +15931,8 @@
         </p:nvSpPr>
         <p:spPr>
           <a:xfrm>
-            <a:off x="6669456" y="2286000"/>
-            <a:ext cx="5152427" cy="3810001"/>
+            <a:off x="6723424" y="1555528"/>
+            <a:ext cx="5152427" cy="5176012"/>
           </a:xfrm>
         </p:spPr>
         <p:txBody>
@@ -16615,6 +15979,21 @@
               <a:t>Use of Leaflet</a:t>
             </a:r>
           </a:p>
+          <a:p>
+            <a:pPr marL="0" indent="0">
+              <a:buNone/>
+            </a:pPr>
+            <a:endParaRPr lang="en-GB" sz="2400" dirty="0"/>
+          </a:p>
+          <a:p>
+            <a:pPr marL="0" indent="0">
+              <a:buNone/>
+            </a:pPr>
+            <a:r>
+              <a:rPr lang="en-GB" sz="2400" dirty="0"/>
+              <a:t>Open-Source Products</a:t>
+            </a:r>
+          </a:p>
         </p:txBody>
       </p:sp>
       <p:sp>
@@ -16635,7 +16014,7 @@
         </p:nvSpPr>
         <p:spPr>
           <a:xfrm>
-            <a:off x="6096000" y="762000"/>
+            <a:off x="6225703" y="278860"/>
             <a:ext cx="5334000" cy="1524000"/>
           </a:xfrm>
         </p:spPr>
@@ -16683,7 +16062,7 @@
         </p:blipFill>
         <p:spPr>
           <a:xfrm>
-            <a:off x="5698778" y="5365529"/>
+            <a:off x="5711748" y="4541920"/>
             <a:ext cx="914400" cy="914400"/>
           </a:xfrm>
           <a:prstGeom prst="rect">
@@ -16722,7 +16101,7 @@
         </p:blipFill>
         <p:spPr>
           <a:xfrm>
-            <a:off x="5698778" y="3967989"/>
+            <a:off x="5711748" y="3144380"/>
             <a:ext cx="914400" cy="914400"/>
           </a:xfrm>
           <a:prstGeom prst="rect">
@@ -16761,7 +16140,46 @@
         </p:blipFill>
         <p:spPr>
           <a:xfrm>
-            <a:off x="5635103" y="2286000"/>
+            <a:off x="5643211" y="1467980"/>
+            <a:ext cx="914400" cy="914400"/>
+          </a:xfrm>
+          <a:prstGeom prst="rect">
+            <a:avLst/>
+          </a:prstGeom>
+        </p:spPr>
+      </p:pic>
+      <p:pic>
+        <p:nvPicPr>
+          <p:cNvPr id="6" name="Grafik 5" descr="Geöffnetes Buch Silhouette">
+            <a:extLst>
+              <a:ext uri="{FF2B5EF4-FFF2-40B4-BE49-F238E27FC236}">
+                <a16:creationId xmlns:a16="http://schemas.microsoft.com/office/drawing/2014/main" id="{AE8CC873-BFAA-4216-A032-C542714CB834}"/>
+              </a:ext>
+            </a:extLst>
+          </p:cNvPr>
+          <p:cNvPicPr>
+            <a:picLocks noChangeAspect="1"/>
+          </p:cNvPicPr>
+          <p:nvPr/>
+        </p:nvPicPr>
+        <p:blipFill>
+          <a:blip r:embed="rId9">
+            <a:extLst>
+              <a:ext uri="{28A0092B-C50C-407E-A947-70E740481C1C}">
+                <a14:useLocalDpi xmlns:a14="http://schemas.microsoft.com/office/drawing/2010/main" val="0"/>
+              </a:ext>
+              <a:ext uri="{96DAC541-7B7A-43D3-8B79-37D633B846F1}">
+                <asvg:svgBlip xmlns:asvg="http://schemas.microsoft.com/office/drawing/2016/SVG/main" r:embed="rId10"/>
+              </a:ext>
+            </a:extLst>
+          </a:blip>
+          <a:stretch>
+            <a:fillRect/>
+          </a:stretch>
+        </p:blipFill>
+        <p:spPr>
+          <a:xfrm>
+            <a:off x="5711748" y="5852808"/>
             <a:ext cx="914400" cy="914400"/>
           </a:xfrm>
           <a:prstGeom prst="rect">
@@ -17331,7 +16749,7 @@
             <p:ph idx="1"/>
             <p:extLst>
               <p:ext uri="{D42A27DB-BD31-4B8C-83A1-F6EECF244321}">
-                <p14:modId xmlns:p14="http://schemas.microsoft.com/office/powerpoint/2010/main" val="1475508612"/>
+                <p14:modId xmlns:p14="http://schemas.microsoft.com/office/powerpoint/2010/main" val="2437612389"/>
               </p:ext>
             </p:extLst>
           </p:nvPr>
@@ -17362,6 +16780,14 @@
 <file path=ppt/slides/slide4.xml><?xml version="1.0" encoding="utf-8"?>
 <p:sld xmlns:a="http://schemas.openxmlformats.org/drawingml/2006/main" xmlns:r="http://schemas.openxmlformats.org/officeDocument/2006/relationships" xmlns:p="http://schemas.openxmlformats.org/presentationml/2006/main">
   <p:cSld>
+    <p:bg>
+      <p:bgPr>
+        <a:solidFill>
+          <a:schemeClr val="bg2"/>
+        </a:solidFill>
+        <a:effectLst/>
+      </p:bgPr>
+    </p:bg>
     <p:spTree>
       <p:nvGrpSpPr>
         <p:cNvPr id="1" name=""/>
@@ -17376,6 +16802,549 @@
           <a:chExt cx="0" cy="0"/>
         </a:xfrm>
       </p:grpSpPr>
+      <p:sp useBgFill="1">
+        <p:nvSpPr>
+          <p:cNvPr id="9" name="Rectangle 8">
+            <a:extLst>
+              <a:ext uri="{FF2B5EF4-FFF2-40B4-BE49-F238E27FC236}">
+                <a16:creationId xmlns:a16="http://schemas.microsoft.com/office/drawing/2014/main" id="{987A0FBA-CC04-4256-A8EB-BB3C543E989C}"/>
+              </a:ext>
+              <a:ext uri="{C183D7F6-B498-43B3-948B-1728B52AA6E4}">
+                <adec:decorative xmlns:adec="http://schemas.microsoft.com/office/drawing/2017/decorative" val="1"/>
+              </a:ext>
+            </a:extLst>
+          </p:cNvPr>
+          <p:cNvSpPr>
+            <a:spLocks noGrp="1" noRot="1" noChangeAspect="1" noMove="1" noResize="1" noEditPoints="1" noAdjustHandles="1" noChangeArrowheads="1" noChangeShapeType="1" noTextEdit="1"/>
+          </p:cNvSpPr>
+          <p:nvPr>
+            <p:extLst>
+              <p:ext uri="{386F3935-93C4-4BCD-93E2-E3B085C9AB24}">
+                <p16:designElem xmlns:p16="http://schemas.microsoft.com/office/powerpoint/2015/main" val="1"/>
+              </p:ext>
+            </p:extLst>
+          </p:nvPr>
+        </p:nvSpPr>
+        <p:spPr>
+          <a:xfrm>
+            <a:off x="0" y="0"/>
+            <a:ext cx="12192000" cy="6858000"/>
+          </a:xfrm>
+          <a:prstGeom prst="rect">
+            <a:avLst/>
+          </a:prstGeom>
+          <a:ln w="12700" cap="flat" cmpd="sng" algn="ctr">
+            <a:noFill/>
+            <a:prstDash val="solid"/>
+            <a:miter lim="800000"/>
+          </a:ln>
+          <a:effectLst/>
+          <a:extLst>
+            <a:ext uri="{91240B29-F687-4F45-9708-019B960494DF}">
+              <a14:hiddenLine xmlns:a14="http://schemas.microsoft.com/office/drawing/2010/main" w="12700" cap="flat" cmpd="sng" algn="ctr">
+                <a:solidFill>
+                  <a:schemeClr val="accent1">
+                    <a:shade val="50000"/>
+                  </a:schemeClr>
+                </a:solidFill>
+                <a:prstDash val="solid"/>
+                <a:miter lim="800000"/>
+              </a14:hiddenLine>
+            </a:ext>
+          </a:extLst>
+        </p:spPr>
+        <p:style>
+          <a:lnRef idx="2">
+            <a:schemeClr val="accent1">
+              <a:shade val="50000"/>
+            </a:schemeClr>
+          </a:lnRef>
+          <a:fillRef idx="1">
+            <a:schemeClr val="accent1"/>
+          </a:fillRef>
+          <a:effectRef idx="0">
+            <a:schemeClr val="accent1"/>
+          </a:effectRef>
+          <a:fontRef idx="minor">
+            <a:schemeClr val="lt1"/>
+          </a:fontRef>
+        </p:style>
+        <p:txBody>
+          <a:bodyPr rtlCol="0" anchor="ctr"/>
+          <a:lstStyle/>
+          <a:p>
+            <a:pPr algn="ctr"/>
+            <a:endParaRPr lang="en-US"/>
+          </a:p>
+        </p:txBody>
+      </p:sp>
+      <p:sp>
+        <p:nvSpPr>
+          <p:cNvPr id="11" name="Freeform: Shape 10">
+            <a:extLst>
+              <a:ext uri="{FF2B5EF4-FFF2-40B4-BE49-F238E27FC236}">
+                <a16:creationId xmlns:a16="http://schemas.microsoft.com/office/drawing/2014/main" id="{7699B66A-3779-48B9-9963-C9339B22B0AA}"/>
+              </a:ext>
+              <a:ext uri="{C183D7F6-B498-43B3-948B-1728B52AA6E4}">
+                <adec:decorative xmlns:adec="http://schemas.microsoft.com/office/drawing/2017/decorative" val="1"/>
+              </a:ext>
+            </a:extLst>
+          </p:cNvPr>
+          <p:cNvSpPr>
+            <a:spLocks noGrp="1" noRot="1" noChangeAspect="1" noMove="1" noResize="1" noEditPoints="1" noAdjustHandles="1" noChangeArrowheads="1" noChangeShapeType="1" noTextEdit="1"/>
+          </p:cNvSpPr>
+          <p:nvPr>
+            <p:extLst>
+              <p:ext uri="{386F3935-93C4-4BCD-93E2-E3B085C9AB24}">
+                <p16:designElem xmlns:p16="http://schemas.microsoft.com/office/powerpoint/2015/main" val="1"/>
+              </p:ext>
+            </p:extLst>
+          </p:nvPr>
+        </p:nvSpPr>
+        <p:spPr>
+          <a:xfrm>
+            <a:off x="0" y="0"/>
+            <a:ext cx="12192000" cy="6858000"/>
+          </a:xfrm>
+          <a:custGeom>
+            <a:avLst/>
+            <a:gdLst>
+              <a:gd name="connsiteX0" fmla="*/ 8122584 w 12192000"/>
+              <a:gd name="connsiteY0" fmla="*/ 0 h 6858000"/>
+              <a:gd name="connsiteX1" fmla="*/ 12192000 w 12192000"/>
+              <a:gd name="connsiteY1" fmla="*/ 0 h 6858000"/>
+              <a:gd name="connsiteX2" fmla="*/ 12192000 w 12192000"/>
+              <a:gd name="connsiteY2" fmla="*/ 4873590 h 6858000"/>
+              <a:gd name="connsiteX3" fmla="*/ 10378112 w 12192000"/>
+              <a:gd name="connsiteY3" fmla="*/ 6858000 h 6858000"/>
+              <a:gd name="connsiteX4" fmla="*/ 0 w 12192000"/>
+              <a:gd name="connsiteY4" fmla="*/ 6858000 h 6858000"/>
+              <a:gd name="connsiteX5" fmla="*/ 0 w 12192000"/>
+              <a:gd name="connsiteY5" fmla="*/ 6089634 h 6858000"/>
+              <a:gd name="connsiteX6" fmla="*/ 3284 w 12192000"/>
+              <a:gd name="connsiteY6" fmla="*/ 6081001 h 6858000"/>
+              <a:gd name="connsiteX7" fmla="*/ 208318 w 12192000"/>
+              <a:gd name="connsiteY7" fmla="*/ 5663571 h 6858000"/>
+              <a:gd name="connsiteX8" fmla="*/ 2466868 w 12192000"/>
+              <a:gd name="connsiteY8" fmla="*/ 3280365 h 6858000"/>
+              <a:gd name="connsiteX9" fmla="*/ 5859655 w 12192000"/>
+              <a:gd name="connsiteY9" fmla="*/ 1043504 h 6858000"/>
+              <a:gd name="connsiteX10" fmla="*/ 8002287 w 12192000"/>
+              <a:gd name="connsiteY10" fmla="*/ 37397 h 6858000"/>
+            </a:gdLst>
+            <a:ahLst/>
+            <a:cxnLst>
+              <a:cxn ang="0">
+                <a:pos x="connsiteX0" y="connsiteY0"/>
+              </a:cxn>
+              <a:cxn ang="0">
+                <a:pos x="connsiteX1" y="connsiteY1"/>
+              </a:cxn>
+              <a:cxn ang="0">
+                <a:pos x="connsiteX2" y="connsiteY2"/>
+              </a:cxn>
+              <a:cxn ang="0">
+                <a:pos x="connsiteX3" y="connsiteY3"/>
+              </a:cxn>
+              <a:cxn ang="0">
+                <a:pos x="connsiteX4" y="connsiteY4"/>
+              </a:cxn>
+              <a:cxn ang="0">
+                <a:pos x="connsiteX5" y="connsiteY5"/>
+              </a:cxn>
+              <a:cxn ang="0">
+                <a:pos x="connsiteX6" y="connsiteY6"/>
+              </a:cxn>
+              <a:cxn ang="0">
+                <a:pos x="connsiteX7" y="connsiteY7"/>
+              </a:cxn>
+              <a:cxn ang="0">
+                <a:pos x="connsiteX8" y="connsiteY8"/>
+              </a:cxn>
+              <a:cxn ang="0">
+                <a:pos x="connsiteX9" y="connsiteY9"/>
+              </a:cxn>
+              <a:cxn ang="0">
+                <a:pos x="connsiteX10" y="connsiteY10"/>
+              </a:cxn>
+            </a:cxnLst>
+            <a:rect l="l" t="t" r="r" b="b"/>
+            <a:pathLst>
+              <a:path w="12192000" h="6858000">
+                <a:moveTo>
+                  <a:pt x="8122584" y="0"/>
+                </a:moveTo>
+                <a:lnTo>
+                  <a:pt x="12192000" y="0"/>
+                </a:lnTo>
+                <a:lnTo>
+                  <a:pt x="12192000" y="4873590"/>
+                </a:lnTo>
+                <a:lnTo>
+                  <a:pt x="10378112" y="6858000"/>
+                </a:lnTo>
+                <a:lnTo>
+                  <a:pt x="0" y="6858000"/>
+                </a:lnTo>
+                <a:lnTo>
+                  <a:pt x="0" y="6089634"/>
+                </a:lnTo>
+                <a:lnTo>
+                  <a:pt x="3284" y="6081001"/>
+                </a:lnTo>
+                <a:cubicBezTo>
+                  <a:pt x="61888" y="5940761"/>
+                  <a:pt x="130457" y="5801643"/>
+                  <a:pt x="208318" y="5663571"/>
+                </a:cubicBezTo>
+                <a:cubicBezTo>
+                  <a:pt x="675237" y="4835483"/>
+                  <a:pt x="1476533" y="4045730"/>
+                  <a:pt x="2466868" y="3280365"/>
+                </a:cubicBezTo>
+                <a:cubicBezTo>
+                  <a:pt x="3457206" y="2515002"/>
+                  <a:pt x="4636583" y="1774030"/>
+                  <a:pt x="5859655" y="1043504"/>
+                </a:cubicBezTo>
+                <a:cubicBezTo>
+                  <a:pt x="6636899" y="579200"/>
+                  <a:pt x="7344556" y="254766"/>
+                  <a:pt x="8002287" y="37397"/>
+                </a:cubicBezTo>
+                <a:close/>
+              </a:path>
+            </a:pathLst>
+          </a:custGeom>
+          <a:solidFill>
+            <a:schemeClr val="accent6"/>
+          </a:solidFill>
+          <a:ln>
+            <a:noFill/>
+          </a:ln>
+        </p:spPr>
+        <p:style>
+          <a:lnRef idx="2">
+            <a:schemeClr val="accent1">
+              <a:shade val="50000"/>
+            </a:schemeClr>
+          </a:lnRef>
+          <a:fillRef idx="1">
+            <a:schemeClr val="accent1"/>
+          </a:fillRef>
+          <a:effectRef idx="0">
+            <a:schemeClr val="accent1"/>
+          </a:effectRef>
+          <a:fontRef idx="minor">
+            <a:schemeClr val="lt1"/>
+          </a:fontRef>
+        </p:style>
+        <p:txBody>
+          <a:bodyPr wrap="square" rtlCol="0" anchor="ctr">
+            <a:noAutofit/>
+          </a:bodyPr>
+          <a:lstStyle/>
+          <a:p>
+            <a:pPr algn="ctr"/>
+            <a:endParaRPr lang="en-US"/>
+          </a:p>
+        </p:txBody>
+      </p:sp>
+      <p:sp>
+        <p:nvSpPr>
+          <p:cNvPr id="13" name="Freeform: Shape 12">
+            <a:extLst>
+              <a:ext uri="{FF2B5EF4-FFF2-40B4-BE49-F238E27FC236}">
+                <a16:creationId xmlns:a16="http://schemas.microsoft.com/office/drawing/2014/main" id="{5D2088EB-F82A-4CF7-A658-5EB0B344D7F6}"/>
+              </a:ext>
+              <a:ext uri="{C183D7F6-B498-43B3-948B-1728B52AA6E4}">
+                <adec:decorative xmlns:adec="http://schemas.microsoft.com/office/drawing/2017/decorative" val="1"/>
+              </a:ext>
+            </a:extLst>
+          </p:cNvPr>
+          <p:cNvSpPr>
+            <a:spLocks noGrp="1" noRot="1" noChangeAspect="1" noMove="1" noResize="1" noEditPoints="1" noAdjustHandles="1" noChangeArrowheads="1" noChangeShapeType="1" noTextEdit="1"/>
+          </p:cNvSpPr>
+          <p:nvPr>
+            <p:extLst>
+              <p:ext uri="{386F3935-93C4-4BCD-93E2-E3B085C9AB24}">
+                <p16:designElem xmlns:p16="http://schemas.microsoft.com/office/powerpoint/2015/main" val="1"/>
+              </p:ext>
+            </p:extLst>
+          </p:nvPr>
+        </p:nvSpPr>
+        <p:spPr>
+          <a:xfrm>
+            <a:off x="373371" y="0"/>
+            <a:ext cx="7017182" cy="6858000"/>
+          </a:xfrm>
+          <a:custGeom>
+            <a:avLst/>
+            <a:gdLst>
+              <a:gd name="connsiteX0" fmla="*/ 7017182 w 11818630"/>
+              <a:gd name="connsiteY0" fmla="*/ 0 h 6858000"/>
+              <a:gd name="connsiteX1" fmla="*/ 11818630 w 11818630"/>
+              <a:gd name="connsiteY1" fmla="*/ 0 h 6858000"/>
+              <a:gd name="connsiteX2" fmla="*/ 11818630 w 11818630"/>
+              <a:gd name="connsiteY2" fmla="*/ 4489505 h 6858000"/>
+              <a:gd name="connsiteX3" fmla="*/ 11816460 w 11818630"/>
+              <a:gd name="connsiteY3" fmla="*/ 4492187 h 6858000"/>
+              <a:gd name="connsiteX4" fmla="*/ 10354815 w 11818630"/>
+              <a:gd name="connsiteY4" fmla="*/ 6321870 h 6858000"/>
+              <a:gd name="connsiteX5" fmla="*/ 9928370 w 11818630"/>
+              <a:gd name="connsiteY5" fmla="*/ 6858000 h 6858000"/>
+              <a:gd name="connsiteX6" fmla="*/ 0 w 11818630"/>
+              <a:gd name="connsiteY6" fmla="*/ 6858000 h 6858000"/>
+              <a:gd name="connsiteX7" fmla="*/ 15548 w 11818630"/>
+              <a:gd name="connsiteY7" fmla="*/ 6741317 h 6858000"/>
+              <a:gd name="connsiteX8" fmla="*/ 387858 w 11818630"/>
+              <a:gd name="connsiteY8" fmla="*/ 5632555 h 6858000"/>
+              <a:gd name="connsiteX9" fmla="*/ 2494163 w 11818630"/>
+              <a:gd name="connsiteY9" fmla="*/ 3131046 h 6858000"/>
+              <a:gd name="connsiteX10" fmla="*/ 5658249 w 11818630"/>
+              <a:gd name="connsiteY10" fmla="*/ 783147 h 6858000"/>
+              <a:gd name="connsiteX11" fmla="*/ 6840702 w 11818630"/>
+              <a:gd name="connsiteY11" fmla="*/ 85078 h 6858000"/>
+              <a:gd name="connsiteX0" fmla="*/ 0 w 11818630"/>
+              <a:gd name="connsiteY0" fmla="*/ 6858000 h 6949440"/>
+              <a:gd name="connsiteX1" fmla="*/ 15548 w 11818630"/>
+              <a:gd name="connsiteY1" fmla="*/ 6741317 h 6949440"/>
+              <a:gd name="connsiteX2" fmla="*/ 387858 w 11818630"/>
+              <a:gd name="connsiteY2" fmla="*/ 5632555 h 6949440"/>
+              <a:gd name="connsiteX3" fmla="*/ 2494163 w 11818630"/>
+              <a:gd name="connsiteY3" fmla="*/ 3131046 h 6949440"/>
+              <a:gd name="connsiteX4" fmla="*/ 5658249 w 11818630"/>
+              <a:gd name="connsiteY4" fmla="*/ 783147 h 6949440"/>
+              <a:gd name="connsiteX5" fmla="*/ 6840702 w 11818630"/>
+              <a:gd name="connsiteY5" fmla="*/ 85078 h 6949440"/>
+              <a:gd name="connsiteX6" fmla="*/ 7017182 w 11818630"/>
+              <a:gd name="connsiteY6" fmla="*/ 0 h 6949440"/>
+              <a:gd name="connsiteX7" fmla="*/ 11818630 w 11818630"/>
+              <a:gd name="connsiteY7" fmla="*/ 0 h 6949440"/>
+              <a:gd name="connsiteX8" fmla="*/ 11818630 w 11818630"/>
+              <a:gd name="connsiteY8" fmla="*/ 4489505 h 6949440"/>
+              <a:gd name="connsiteX9" fmla="*/ 11816460 w 11818630"/>
+              <a:gd name="connsiteY9" fmla="*/ 4492187 h 6949440"/>
+              <a:gd name="connsiteX10" fmla="*/ 10354815 w 11818630"/>
+              <a:gd name="connsiteY10" fmla="*/ 6321870 h 6949440"/>
+              <a:gd name="connsiteX11" fmla="*/ 10019810 w 11818630"/>
+              <a:gd name="connsiteY11" fmla="*/ 6949440 h 6949440"/>
+              <a:gd name="connsiteX0" fmla="*/ 0 w 11818630"/>
+              <a:gd name="connsiteY0" fmla="*/ 6858000 h 6886066"/>
+              <a:gd name="connsiteX1" fmla="*/ 15548 w 11818630"/>
+              <a:gd name="connsiteY1" fmla="*/ 6741317 h 6886066"/>
+              <a:gd name="connsiteX2" fmla="*/ 387858 w 11818630"/>
+              <a:gd name="connsiteY2" fmla="*/ 5632555 h 6886066"/>
+              <a:gd name="connsiteX3" fmla="*/ 2494163 w 11818630"/>
+              <a:gd name="connsiteY3" fmla="*/ 3131046 h 6886066"/>
+              <a:gd name="connsiteX4" fmla="*/ 5658249 w 11818630"/>
+              <a:gd name="connsiteY4" fmla="*/ 783147 h 6886066"/>
+              <a:gd name="connsiteX5" fmla="*/ 6840702 w 11818630"/>
+              <a:gd name="connsiteY5" fmla="*/ 85078 h 6886066"/>
+              <a:gd name="connsiteX6" fmla="*/ 7017182 w 11818630"/>
+              <a:gd name="connsiteY6" fmla="*/ 0 h 6886066"/>
+              <a:gd name="connsiteX7" fmla="*/ 11818630 w 11818630"/>
+              <a:gd name="connsiteY7" fmla="*/ 0 h 6886066"/>
+              <a:gd name="connsiteX8" fmla="*/ 11818630 w 11818630"/>
+              <a:gd name="connsiteY8" fmla="*/ 4489505 h 6886066"/>
+              <a:gd name="connsiteX9" fmla="*/ 11816460 w 11818630"/>
+              <a:gd name="connsiteY9" fmla="*/ 4492187 h 6886066"/>
+              <a:gd name="connsiteX10" fmla="*/ 10354815 w 11818630"/>
+              <a:gd name="connsiteY10" fmla="*/ 6321870 h 6886066"/>
+              <a:gd name="connsiteX11" fmla="*/ 9902115 w 11818630"/>
+              <a:gd name="connsiteY11" fmla="*/ 6886066 h 6886066"/>
+              <a:gd name="connsiteX0" fmla="*/ 0 w 11818630"/>
+              <a:gd name="connsiteY0" fmla="*/ 6858000 h 6858000"/>
+              <a:gd name="connsiteX1" fmla="*/ 15548 w 11818630"/>
+              <a:gd name="connsiteY1" fmla="*/ 6741317 h 6858000"/>
+              <a:gd name="connsiteX2" fmla="*/ 387858 w 11818630"/>
+              <a:gd name="connsiteY2" fmla="*/ 5632555 h 6858000"/>
+              <a:gd name="connsiteX3" fmla="*/ 2494163 w 11818630"/>
+              <a:gd name="connsiteY3" fmla="*/ 3131046 h 6858000"/>
+              <a:gd name="connsiteX4" fmla="*/ 5658249 w 11818630"/>
+              <a:gd name="connsiteY4" fmla="*/ 783147 h 6858000"/>
+              <a:gd name="connsiteX5" fmla="*/ 6840702 w 11818630"/>
+              <a:gd name="connsiteY5" fmla="*/ 85078 h 6858000"/>
+              <a:gd name="connsiteX6" fmla="*/ 7017182 w 11818630"/>
+              <a:gd name="connsiteY6" fmla="*/ 0 h 6858000"/>
+              <a:gd name="connsiteX7" fmla="*/ 11818630 w 11818630"/>
+              <a:gd name="connsiteY7" fmla="*/ 0 h 6858000"/>
+              <a:gd name="connsiteX8" fmla="*/ 11818630 w 11818630"/>
+              <a:gd name="connsiteY8" fmla="*/ 4489505 h 6858000"/>
+              <a:gd name="connsiteX9" fmla="*/ 11816460 w 11818630"/>
+              <a:gd name="connsiteY9" fmla="*/ 4492187 h 6858000"/>
+              <a:gd name="connsiteX10" fmla="*/ 10354815 w 11818630"/>
+              <a:gd name="connsiteY10" fmla="*/ 6321870 h 6858000"/>
+              <a:gd name="connsiteX0" fmla="*/ 0 w 11818630"/>
+              <a:gd name="connsiteY0" fmla="*/ 6858000 h 6858000"/>
+              <a:gd name="connsiteX1" fmla="*/ 15548 w 11818630"/>
+              <a:gd name="connsiteY1" fmla="*/ 6741317 h 6858000"/>
+              <a:gd name="connsiteX2" fmla="*/ 387858 w 11818630"/>
+              <a:gd name="connsiteY2" fmla="*/ 5632555 h 6858000"/>
+              <a:gd name="connsiteX3" fmla="*/ 2494163 w 11818630"/>
+              <a:gd name="connsiteY3" fmla="*/ 3131046 h 6858000"/>
+              <a:gd name="connsiteX4" fmla="*/ 5658249 w 11818630"/>
+              <a:gd name="connsiteY4" fmla="*/ 783147 h 6858000"/>
+              <a:gd name="connsiteX5" fmla="*/ 6840702 w 11818630"/>
+              <a:gd name="connsiteY5" fmla="*/ 85078 h 6858000"/>
+              <a:gd name="connsiteX6" fmla="*/ 7017182 w 11818630"/>
+              <a:gd name="connsiteY6" fmla="*/ 0 h 6858000"/>
+              <a:gd name="connsiteX7" fmla="*/ 11818630 w 11818630"/>
+              <a:gd name="connsiteY7" fmla="*/ 0 h 6858000"/>
+              <a:gd name="connsiteX8" fmla="*/ 11818630 w 11818630"/>
+              <a:gd name="connsiteY8" fmla="*/ 4489505 h 6858000"/>
+              <a:gd name="connsiteX9" fmla="*/ 11816460 w 11818630"/>
+              <a:gd name="connsiteY9" fmla="*/ 4492187 h 6858000"/>
+              <a:gd name="connsiteX0" fmla="*/ 0 w 11818630"/>
+              <a:gd name="connsiteY0" fmla="*/ 6858000 h 6858000"/>
+              <a:gd name="connsiteX1" fmla="*/ 15548 w 11818630"/>
+              <a:gd name="connsiteY1" fmla="*/ 6741317 h 6858000"/>
+              <a:gd name="connsiteX2" fmla="*/ 387858 w 11818630"/>
+              <a:gd name="connsiteY2" fmla="*/ 5632555 h 6858000"/>
+              <a:gd name="connsiteX3" fmla="*/ 2494163 w 11818630"/>
+              <a:gd name="connsiteY3" fmla="*/ 3131046 h 6858000"/>
+              <a:gd name="connsiteX4" fmla="*/ 5658249 w 11818630"/>
+              <a:gd name="connsiteY4" fmla="*/ 783147 h 6858000"/>
+              <a:gd name="connsiteX5" fmla="*/ 6840702 w 11818630"/>
+              <a:gd name="connsiteY5" fmla="*/ 85078 h 6858000"/>
+              <a:gd name="connsiteX6" fmla="*/ 7017182 w 11818630"/>
+              <a:gd name="connsiteY6" fmla="*/ 0 h 6858000"/>
+              <a:gd name="connsiteX7" fmla="*/ 11818630 w 11818630"/>
+              <a:gd name="connsiteY7" fmla="*/ 0 h 6858000"/>
+              <a:gd name="connsiteX8" fmla="*/ 11818630 w 11818630"/>
+              <a:gd name="connsiteY8" fmla="*/ 4489505 h 6858000"/>
+              <a:gd name="connsiteX0" fmla="*/ 0 w 11818630"/>
+              <a:gd name="connsiteY0" fmla="*/ 6858000 h 6858000"/>
+              <a:gd name="connsiteX1" fmla="*/ 15548 w 11818630"/>
+              <a:gd name="connsiteY1" fmla="*/ 6741317 h 6858000"/>
+              <a:gd name="connsiteX2" fmla="*/ 387858 w 11818630"/>
+              <a:gd name="connsiteY2" fmla="*/ 5632555 h 6858000"/>
+              <a:gd name="connsiteX3" fmla="*/ 2494163 w 11818630"/>
+              <a:gd name="connsiteY3" fmla="*/ 3131046 h 6858000"/>
+              <a:gd name="connsiteX4" fmla="*/ 5658249 w 11818630"/>
+              <a:gd name="connsiteY4" fmla="*/ 783147 h 6858000"/>
+              <a:gd name="connsiteX5" fmla="*/ 6840702 w 11818630"/>
+              <a:gd name="connsiteY5" fmla="*/ 85078 h 6858000"/>
+              <a:gd name="connsiteX6" fmla="*/ 7017182 w 11818630"/>
+              <a:gd name="connsiteY6" fmla="*/ 0 h 6858000"/>
+              <a:gd name="connsiteX7" fmla="*/ 11818630 w 11818630"/>
+              <a:gd name="connsiteY7" fmla="*/ 4489505 h 6858000"/>
+              <a:gd name="connsiteX0" fmla="*/ 0 w 7017182"/>
+              <a:gd name="connsiteY0" fmla="*/ 6858000 h 6858000"/>
+              <a:gd name="connsiteX1" fmla="*/ 15548 w 7017182"/>
+              <a:gd name="connsiteY1" fmla="*/ 6741317 h 6858000"/>
+              <a:gd name="connsiteX2" fmla="*/ 387858 w 7017182"/>
+              <a:gd name="connsiteY2" fmla="*/ 5632555 h 6858000"/>
+              <a:gd name="connsiteX3" fmla="*/ 2494163 w 7017182"/>
+              <a:gd name="connsiteY3" fmla="*/ 3131046 h 6858000"/>
+              <a:gd name="connsiteX4" fmla="*/ 5658249 w 7017182"/>
+              <a:gd name="connsiteY4" fmla="*/ 783147 h 6858000"/>
+              <a:gd name="connsiteX5" fmla="*/ 6840702 w 7017182"/>
+              <a:gd name="connsiteY5" fmla="*/ 85078 h 6858000"/>
+              <a:gd name="connsiteX6" fmla="*/ 7017182 w 7017182"/>
+              <a:gd name="connsiteY6" fmla="*/ 0 h 6858000"/>
+            </a:gdLst>
+            <a:ahLst/>
+            <a:cxnLst>
+              <a:cxn ang="0">
+                <a:pos x="connsiteX0" y="connsiteY0"/>
+              </a:cxn>
+              <a:cxn ang="0">
+                <a:pos x="connsiteX1" y="connsiteY1"/>
+              </a:cxn>
+              <a:cxn ang="0">
+                <a:pos x="connsiteX2" y="connsiteY2"/>
+              </a:cxn>
+              <a:cxn ang="0">
+                <a:pos x="connsiteX3" y="connsiteY3"/>
+              </a:cxn>
+              <a:cxn ang="0">
+                <a:pos x="connsiteX4" y="connsiteY4"/>
+              </a:cxn>
+              <a:cxn ang="0">
+                <a:pos x="connsiteX5" y="connsiteY5"/>
+              </a:cxn>
+              <a:cxn ang="0">
+                <a:pos x="connsiteX6" y="connsiteY6"/>
+              </a:cxn>
+            </a:cxnLst>
+            <a:rect l="l" t="t" r="r" b="b"/>
+            <a:pathLst>
+              <a:path w="7017182" h="6858000">
+                <a:moveTo>
+                  <a:pt x="0" y="6858000"/>
+                </a:moveTo>
+                <a:lnTo>
+                  <a:pt x="15548" y="6741317"/>
+                </a:lnTo>
+                <a:cubicBezTo>
+                  <a:pt x="78957" y="6364051"/>
+                  <a:pt x="206325" y="5994870"/>
+                  <a:pt x="387858" y="5632555"/>
+                </a:cubicBezTo>
+                <a:cubicBezTo>
+                  <a:pt x="823302" y="4763361"/>
+                  <a:pt x="1570584" y="3934404"/>
+                  <a:pt x="2494163" y="3131046"/>
+                </a:cubicBezTo>
+                <a:cubicBezTo>
+                  <a:pt x="3417744" y="2327690"/>
+                  <a:pt x="4517622" y="1549936"/>
+                  <a:pt x="5658249" y="783147"/>
+                </a:cubicBezTo>
+                <a:cubicBezTo>
+                  <a:pt x="6072451" y="504660"/>
+                  <a:pt x="6465461" y="274112"/>
+                  <a:pt x="6840702" y="85078"/>
+                </a:cubicBezTo>
+                <a:lnTo>
+                  <a:pt x="7017182" y="0"/>
+                </a:lnTo>
+              </a:path>
+            </a:pathLst>
+          </a:custGeom>
+          <a:noFill/>
+          <a:ln w="19050">
+            <a:solidFill>
+              <a:schemeClr val="accent2">
+                <a:lumMod val="60000"/>
+                <a:lumOff val="40000"/>
+              </a:schemeClr>
+            </a:solidFill>
+          </a:ln>
+        </p:spPr>
+        <p:style>
+          <a:lnRef idx="2">
+            <a:schemeClr val="accent1">
+              <a:shade val="50000"/>
+            </a:schemeClr>
+          </a:lnRef>
+          <a:fillRef idx="1">
+            <a:schemeClr val="accent1"/>
+          </a:fillRef>
+          <a:effectRef idx="0">
+            <a:schemeClr val="accent1"/>
+          </a:effectRef>
+          <a:fontRef idx="minor">
+            <a:schemeClr val="lt1"/>
+          </a:fontRef>
+        </p:style>
+        <p:txBody>
+          <a:bodyPr wrap="square" rtlCol="0" anchor="ctr">
+            <a:noAutofit/>
+          </a:bodyPr>
+          <a:lstStyle/>
+          <a:p>
+            <a:pPr algn="ctr"/>
+            <a:endParaRPr lang="en-US">
+              <a:solidFill>
+                <a:prstClr val="white"/>
+              </a:solidFill>
+              <a:latin typeface="Avenir Next LT Pro Light"/>
+            </a:endParaRPr>
+          </a:p>
+        </p:txBody>
+      </p:sp>
       <p:sp>
         <p:nvSpPr>
           <p:cNvPr id="2" name="Titel 1">
@@ -17392,15 +17361,332 @@
             <p:ph type="title"/>
           </p:nvPr>
         </p:nvSpPr>
-        <p:spPr/>
+        <p:spPr>
+          <a:xfrm>
+            <a:off x="718750" y="762000"/>
+            <a:ext cx="3048001" cy="2286000"/>
+          </a:xfrm>
+        </p:spPr>
         <p:txBody>
-          <a:bodyPr/>
+          <a:bodyPr anchor="t">
+            <a:normAutofit/>
+          </a:bodyPr>
           <a:lstStyle/>
           <a:p>
             <a:r>
               <a:rPr lang="en-GB" dirty="0"/>
-              <a:t>Work steps</a:t>
+              <a:t>Project’s </a:t>
             </a:r>
+            <a:br>
+              <a:rPr lang="en-GB" dirty="0"/>
+            </a:br>
+            <a:r>
+              <a:rPr lang="en-GB" dirty="0"/>
+              <a:t>work steps</a:t>
+            </a:r>
+          </a:p>
+        </p:txBody>
+      </p:sp>
+      <p:sp>
+        <p:nvSpPr>
+          <p:cNvPr id="15" name="Freeform: Shape 14">
+            <a:extLst>
+              <a:ext uri="{FF2B5EF4-FFF2-40B4-BE49-F238E27FC236}">
+                <a16:creationId xmlns:a16="http://schemas.microsoft.com/office/drawing/2014/main" id="{EDA32667-BAAD-4252-B7F6-CDABAD11DAEF}"/>
+              </a:ext>
+              <a:ext uri="{C183D7F6-B498-43B3-948B-1728B52AA6E4}">
+                <adec:decorative xmlns:adec="http://schemas.microsoft.com/office/drawing/2017/decorative" val="1"/>
+              </a:ext>
+            </a:extLst>
+          </p:cNvPr>
+          <p:cNvSpPr>
+            <a:spLocks noGrp="1" noRot="1" noChangeAspect="1" noMove="1" noResize="1" noEditPoints="1" noAdjustHandles="1" noChangeArrowheads="1" noChangeShapeType="1" noTextEdit="1"/>
+          </p:cNvSpPr>
+          <p:nvPr>
+            <p:extLst>
+              <p:ext uri="{386F3935-93C4-4BCD-93E2-E3B085C9AB24}">
+                <p16:designElem xmlns:p16="http://schemas.microsoft.com/office/powerpoint/2015/main" val="1"/>
+              </p:ext>
+            </p:extLst>
+          </p:nvPr>
+        </p:nvSpPr>
+        <p:spPr>
+          <a:xfrm>
+            <a:off x="10275486" y="4489505"/>
+            <a:ext cx="1916515" cy="2396561"/>
+          </a:xfrm>
+          <a:custGeom>
+            <a:avLst/>
+            <a:gdLst>
+              <a:gd name="connsiteX0" fmla="*/ 7017182 w 11818630"/>
+              <a:gd name="connsiteY0" fmla="*/ 0 h 6858000"/>
+              <a:gd name="connsiteX1" fmla="*/ 11818630 w 11818630"/>
+              <a:gd name="connsiteY1" fmla="*/ 0 h 6858000"/>
+              <a:gd name="connsiteX2" fmla="*/ 11818630 w 11818630"/>
+              <a:gd name="connsiteY2" fmla="*/ 4489505 h 6858000"/>
+              <a:gd name="connsiteX3" fmla="*/ 11816460 w 11818630"/>
+              <a:gd name="connsiteY3" fmla="*/ 4492187 h 6858000"/>
+              <a:gd name="connsiteX4" fmla="*/ 10354815 w 11818630"/>
+              <a:gd name="connsiteY4" fmla="*/ 6321870 h 6858000"/>
+              <a:gd name="connsiteX5" fmla="*/ 9928370 w 11818630"/>
+              <a:gd name="connsiteY5" fmla="*/ 6858000 h 6858000"/>
+              <a:gd name="connsiteX6" fmla="*/ 0 w 11818630"/>
+              <a:gd name="connsiteY6" fmla="*/ 6858000 h 6858000"/>
+              <a:gd name="connsiteX7" fmla="*/ 15548 w 11818630"/>
+              <a:gd name="connsiteY7" fmla="*/ 6741317 h 6858000"/>
+              <a:gd name="connsiteX8" fmla="*/ 387858 w 11818630"/>
+              <a:gd name="connsiteY8" fmla="*/ 5632555 h 6858000"/>
+              <a:gd name="connsiteX9" fmla="*/ 2494163 w 11818630"/>
+              <a:gd name="connsiteY9" fmla="*/ 3131046 h 6858000"/>
+              <a:gd name="connsiteX10" fmla="*/ 5658249 w 11818630"/>
+              <a:gd name="connsiteY10" fmla="*/ 783147 h 6858000"/>
+              <a:gd name="connsiteX11" fmla="*/ 6840702 w 11818630"/>
+              <a:gd name="connsiteY11" fmla="*/ 85078 h 6858000"/>
+              <a:gd name="connsiteX0" fmla="*/ 0 w 11818630"/>
+              <a:gd name="connsiteY0" fmla="*/ 6858000 h 6949440"/>
+              <a:gd name="connsiteX1" fmla="*/ 15548 w 11818630"/>
+              <a:gd name="connsiteY1" fmla="*/ 6741317 h 6949440"/>
+              <a:gd name="connsiteX2" fmla="*/ 387858 w 11818630"/>
+              <a:gd name="connsiteY2" fmla="*/ 5632555 h 6949440"/>
+              <a:gd name="connsiteX3" fmla="*/ 2494163 w 11818630"/>
+              <a:gd name="connsiteY3" fmla="*/ 3131046 h 6949440"/>
+              <a:gd name="connsiteX4" fmla="*/ 5658249 w 11818630"/>
+              <a:gd name="connsiteY4" fmla="*/ 783147 h 6949440"/>
+              <a:gd name="connsiteX5" fmla="*/ 6840702 w 11818630"/>
+              <a:gd name="connsiteY5" fmla="*/ 85078 h 6949440"/>
+              <a:gd name="connsiteX6" fmla="*/ 7017182 w 11818630"/>
+              <a:gd name="connsiteY6" fmla="*/ 0 h 6949440"/>
+              <a:gd name="connsiteX7" fmla="*/ 11818630 w 11818630"/>
+              <a:gd name="connsiteY7" fmla="*/ 0 h 6949440"/>
+              <a:gd name="connsiteX8" fmla="*/ 11818630 w 11818630"/>
+              <a:gd name="connsiteY8" fmla="*/ 4489505 h 6949440"/>
+              <a:gd name="connsiteX9" fmla="*/ 11816460 w 11818630"/>
+              <a:gd name="connsiteY9" fmla="*/ 4492187 h 6949440"/>
+              <a:gd name="connsiteX10" fmla="*/ 10354815 w 11818630"/>
+              <a:gd name="connsiteY10" fmla="*/ 6321870 h 6949440"/>
+              <a:gd name="connsiteX11" fmla="*/ 10019810 w 11818630"/>
+              <a:gd name="connsiteY11" fmla="*/ 6949440 h 6949440"/>
+              <a:gd name="connsiteX0" fmla="*/ 0 w 11818630"/>
+              <a:gd name="connsiteY0" fmla="*/ 6858000 h 6886066"/>
+              <a:gd name="connsiteX1" fmla="*/ 15548 w 11818630"/>
+              <a:gd name="connsiteY1" fmla="*/ 6741317 h 6886066"/>
+              <a:gd name="connsiteX2" fmla="*/ 387858 w 11818630"/>
+              <a:gd name="connsiteY2" fmla="*/ 5632555 h 6886066"/>
+              <a:gd name="connsiteX3" fmla="*/ 2494163 w 11818630"/>
+              <a:gd name="connsiteY3" fmla="*/ 3131046 h 6886066"/>
+              <a:gd name="connsiteX4" fmla="*/ 5658249 w 11818630"/>
+              <a:gd name="connsiteY4" fmla="*/ 783147 h 6886066"/>
+              <a:gd name="connsiteX5" fmla="*/ 6840702 w 11818630"/>
+              <a:gd name="connsiteY5" fmla="*/ 85078 h 6886066"/>
+              <a:gd name="connsiteX6" fmla="*/ 7017182 w 11818630"/>
+              <a:gd name="connsiteY6" fmla="*/ 0 h 6886066"/>
+              <a:gd name="connsiteX7" fmla="*/ 11818630 w 11818630"/>
+              <a:gd name="connsiteY7" fmla="*/ 0 h 6886066"/>
+              <a:gd name="connsiteX8" fmla="*/ 11818630 w 11818630"/>
+              <a:gd name="connsiteY8" fmla="*/ 4489505 h 6886066"/>
+              <a:gd name="connsiteX9" fmla="*/ 11816460 w 11818630"/>
+              <a:gd name="connsiteY9" fmla="*/ 4492187 h 6886066"/>
+              <a:gd name="connsiteX10" fmla="*/ 10354815 w 11818630"/>
+              <a:gd name="connsiteY10" fmla="*/ 6321870 h 6886066"/>
+              <a:gd name="connsiteX11" fmla="*/ 9902115 w 11818630"/>
+              <a:gd name="connsiteY11" fmla="*/ 6886066 h 6886066"/>
+              <a:gd name="connsiteX0" fmla="*/ 0 w 11818630"/>
+              <a:gd name="connsiteY0" fmla="*/ 6858000 h 6886066"/>
+              <a:gd name="connsiteX1" fmla="*/ 15548 w 11818630"/>
+              <a:gd name="connsiteY1" fmla="*/ 6741317 h 6886066"/>
+              <a:gd name="connsiteX2" fmla="*/ 387858 w 11818630"/>
+              <a:gd name="connsiteY2" fmla="*/ 5632555 h 6886066"/>
+              <a:gd name="connsiteX3" fmla="*/ 2494163 w 11818630"/>
+              <a:gd name="connsiteY3" fmla="*/ 3131046 h 6886066"/>
+              <a:gd name="connsiteX4" fmla="*/ 5658249 w 11818630"/>
+              <a:gd name="connsiteY4" fmla="*/ 783147 h 6886066"/>
+              <a:gd name="connsiteX5" fmla="*/ 6840702 w 11818630"/>
+              <a:gd name="connsiteY5" fmla="*/ 85078 h 6886066"/>
+              <a:gd name="connsiteX6" fmla="*/ 11818630 w 11818630"/>
+              <a:gd name="connsiteY6" fmla="*/ 0 h 6886066"/>
+              <a:gd name="connsiteX7" fmla="*/ 11818630 w 11818630"/>
+              <a:gd name="connsiteY7" fmla="*/ 4489505 h 6886066"/>
+              <a:gd name="connsiteX8" fmla="*/ 11816460 w 11818630"/>
+              <a:gd name="connsiteY8" fmla="*/ 4492187 h 6886066"/>
+              <a:gd name="connsiteX9" fmla="*/ 10354815 w 11818630"/>
+              <a:gd name="connsiteY9" fmla="*/ 6321870 h 6886066"/>
+              <a:gd name="connsiteX10" fmla="*/ 9902115 w 11818630"/>
+              <a:gd name="connsiteY10" fmla="*/ 6886066 h 6886066"/>
+              <a:gd name="connsiteX0" fmla="*/ 0 w 11818630"/>
+              <a:gd name="connsiteY0" fmla="*/ 7069778 h 7097844"/>
+              <a:gd name="connsiteX1" fmla="*/ 15548 w 11818630"/>
+              <a:gd name="connsiteY1" fmla="*/ 6953095 h 7097844"/>
+              <a:gd name="connsiteX2" fmla="*/ 387858 w 11818630"/>
+              <a:gd name="connsiteY2" fmla="*/ 5844333 h 7097844"/>
+              <a:gd name="connsiteX3" fmla="*/ 2494163 w 11818630"/>
+              <a:gd name="connsiteY3" fmla="*/ 3342824 h 7097844"/>
+              <a:gd name="connsiteX4" fmla="*/ 5658249 w 11818630"/>
+              <a:gd name="connsiteY4" fmla="*/ 994925 h 7097844"/>
+              <a:gd name="connsiteX5" fmla="*/ 11818630 w 11818630"/>
+              <a:gd name="connsiteY5" fmla="*/ 211778 h 7097844"/>
+              <a:gd name="connsiteX6" fmla="*/ 11818630 w 11818630"/>
+              <a:gd name="connsiteY6" fmla="*/ 4701283 h 7097844"/>
+              <a:gd name="connsiteX7" fmla="*/ 11816460 w 11818630"/>
+              <a:gd name="connsiteY7" fmla="*/ 4703965 h 7097844"/>
+              <a:gd name="connsiteX8" fmla="*/ 10354815 w 11818630"/>
+              <a:gd name="connsiteY8" fmla="*/ 6533648 h 7097844"/>
+              <a:gd name="connsiteX9" fmla="*/ 9902115 w 11818630"/>
+              <a:gd name="connsiteY9" fmla="*/ 7097844 h 7097844"/>
+              <a:gd name="connsiteX0" fmla="*/ 0 w 11818630"/>
+              <a:gd name="connsiteY0" fmla="*/ 6872876 h 6900942"/>
+              <a:gd name="connsiteX1" fmla="*/ 15548 w 11818630"/>
+              <a:gd name="connsiteY1" fmla="*/ 6756193 h 6900942"/>
+              <a:gd name="connsiteX2" fmla="*/ 387858 w 11818630"/>
+              <a:gd name="connsiteY2" fmla="*/ 5647431 h 6900942"/>
+              <a:gd name="connsiteX3" fmla="*/ 2494163 w 11818630"/>
+              <a:gd name="connsiteY3" fmla="*/ 3145922 h 6900942"/>
+              <a:gd name="connsiteX4" fmla="*/ 11818630 w 11818630"/>
+              <a:gd name="connsiteY4" fmla="*/ 14876 h 6900942"/>
+              <a:gd name="connsiteX5" fmla="*/ 11818630 w 11818630"/>
+              <a:gd name="connsiteY5" fmla="*/ 4504381 h 6900942"/>
+              <a:gd name="connsiteX6" fmla="*/ 11816460 w 11818630"/>
+              <a:gd name="connsiteY6" fmla="*/ 4507063 h 6900942"/>
+              <a:gd name="connsiteX7" fmla="*/ 10354815 w 11818630"/>
+              <a:gd name="connsiteY7" fmla="*/ 6336746 h 6900942"/>
+              <a:gd name="connsiteX8" fmla="*/ 9902115 w 11818630"/>
+              <a:gd name="connsiteY8" fmla="*/ 6900942 h 6900942"/>
+              <a:gd name="connsiteX0" fmla="*/ 577707 w 12396337"/>
+              <a:gd name="connsiteY0" fmla="*/ 6858000 h 6886066"/>
+              <a:gd name="connsiteX1" fmla="*/ 593255 w 12396337"/>
+              <a:gd name="connsiteY1" fmla="*/ 6741317 h 6886066"/>
+              <a:gd name="connsiteX2" fmla="*/ 965565 w 12396337"/>
+              <a:gd name="connsiteY2" fmla="*/ 5632555 h 6886066"/>
+              <a:gd name="connsiteX3" fmla="*/ 12396337 w 12396337"/>
+              <a:gd name="connsiteY3" fmla="*/ 0 h 6886066"/>
+              <a:gd name="connsiteX4" fmla="*/ 12396337 w 12396337"/>
+              <a:gd name="connsiteY4" fmla="*/ 4489505 h 6886066"/>
+              <a:gd name="connsiteX5" fmla="*/ 12394167 w 12396337"/>
+              <a:gd name="connsiteY5" fmla="*/ 4492187 h 6886066"/>
+              <a:gd name="connsiteX6" fmla="*/ 10932522 w 12396337"/>
+              <a:gd name="connsiteY6" fmla="*/ 6321870 h 6886066"/>
+              <a:gd name="connsiteX7" fmla="*/ 10479822 w 12396337"/>
+              <a:gd name="connsiteY7" fmla="*/ 6886066 h 6886066"/>
+              <a:gd name="connsiteX0" fmla="*/ 0 w 11818630"/>
+              <a:gd name="connsiteY0" fmla="*/ 6858000 h 6886066"/>
+              <a:gd name="connsiteX1" fmla="*/ 387858 w 11818630"/>
+              <a:gd name="connsiteY1" fmla="*/ 5632555 h 6886066"/>
+              <a:gd name="connsiteX2" fmla="*/ 11818630 w 11818630"/>
+              <a:gd name="connsiteY2" fmla="*/ 0 h 6886066"/>
+              <a:gd name="connsiteX3" fmla="*/ 11818630 w 11818630"/>
+              <a:gd name="connsiteY3" fmla="*/ 4489505 h 6886066"/>
+              <a:gd name="connsiteX4" fmla="*/ 11816460 w 11818630"/>
+              <a:gd name="connsiteY4" fmla="*/ 4492187 h 6886066"/>
+              <a:gd name="connsiteX5" fmla="*/ 10354815 w 11818630"/>
+              <a:gd name="connsiteY5" fmla="*/ 6321870 h 6886066"/>
+              <a:gd name="connsiteX6" fmla="*/ 9902115 w 11818630"/>
+              <a:gd name="connsiteY6" fmla="*/ 6886066 h 6886066"/>
+              <a:gd name="connsiteX0" fmla="*/ 0 w 11818630"/>
+              <a:gd name="connsiteY0" fmla="*/ 6858000 h 6886066"/>
+              <a:gd name="connsiteX1" fmla="*/ 11818630 w 11818630"/>
+              <a:gd name="connsiteY1" fmla="*/ 0 h 6886066"/>
+              <a:gd name="connsiteX2" fmla="*/ 11818630 w 11818630"/>
+              <a:gd name="connsiteY2" fmla="*/ 4489505 h 6886066"/>
+              <a:gd name="connsiteX3" fmla="*/ 11816460 w 11818630"/>
+              <a:gd name="connsiteY3" fmla="*/ 4492187 h 6886066"/>
+              <a:gd name="connsiteX4" fmla="*/ 10354815 w 11818630"/>
+              <a:gd name="connsiteY4" fmla="*/ 6321870 h 6886066"/>
+              <a:gd name="connsiteX5" fmla="*/ 9902115 w 11818630"/>
+              <a:gd name="connsiteY5" fmla="*/ 6886066 h 6886066"/>
+              <a:gd name="connsiteX0" fmla="*/ 1916515 w 1916515"/>
+              <a:gd name="connsiteY0" fmla="*/ 0 h 6886066"/>
+              <a:gd name="connsiteX1" fmla="*/ 1916515 w 1916515"/>
+              <a:gd name="connsiteY1" fmla="*/ 4489505 h 6886066"/>
+              <a:gd name="connsiteX2" fmla="*/ 1914345 w 1916515"/>
+              <a:gd name="connsiteY2" fmla="*/ 4492187 h 6886066"/>
+              <a:gd name="connsiteX3" fmla="*/ 452700 w 1916515"/>
+              <a:gd name="connsiteY3" fmla="*/ 6321870 h 6886066"/>
+              <a:gd name="connsiteX4" fmla="*/ 0 w 1916515"/>
+              <a:gd name="connsiteY4" fmla="*/ 6886066 h 6886066"/>
+              <a:gd name="connsiteX0" fmla="*/ 1916515 w 1916515"/>
+              <a:gd name="connsiteY0" fmla="*/ 0 h 2396561"/>
+              <a:gd name="connsiteX1" fmla="*/ 1914345 w 1916515"/>
+              <a:gd name="connsiteY1" fmla="*/ 2682 h 2396561"/>
+              <a:gd name="connsiteX2" fmla="*/ 452700 w 1916515"/>
+              <a:gd name="connsiteY2" fmla="*/ 1832365 h 2396561"/>
+              <a:gd name="connsiteX3" fmla="*/ 0 w 1916515"/>
+              <a:gd name="connsiteY3" fmla="*/ 2396561 h 2396561"/>
+            </a:gdLst>
+            <a:ahLst/>
+            <a:cxnLst>
+              <a:cxn ang="0">
+                <a:pos x="connsiteX0" y="connsiteY0"/>
+              </a:cxn>
+              <a:cxn ang="0">
+                <a:pos x="connsiteX1" y="connsiteY1"/>
+              </a:cxn>
+              <a:cxn ang="0">
+                <a:pos x="connsiteX2" y="connsiteY2"/>
+              </a:cxn>
+              <a:cxn ang="0">
+                <a:pos x="connsiteX3" y="connsiteY3"/>
+              </a:cxn>
+            </a:cxnLst>
+            <a:rect l="l" t="t" r="r" b="b"/>
+            <a:pathLst>
+              <a:path w="1916515" h="2396561">
+                <a:moveTo>
+                  <a:pt x="1916515" y="0"/>
+                </a:moveTo>
+                <a:lnTo>
+                  <a:pt x="1914345" y="2682"/>
+                </a:lnTo>
+                <a:cubicBezTo>
+                  <a:pt x="1430582" y="598348"/>
+                  <a:pt x="941296" y="1216779"/>
+                  <a:pt x="452700" y="1832365"/>
+                </a:cubicBezTo>
+                <a:cubicBezTo>
+                  <a:pt x="310552" y="2011075"/>
+                  <a:pt x="0" y="2396561"/>
+                  <a:pt x="0" y="2396561"/>
+                </a:cubicBezTo>
+              </a:path>
+            </a:pathLst>
+          </a:custGeom>
+          <a:noFill/>
+          <a:ln w="19050">
+            <a:solidFill>
+              <a:schemeClr val="accent2">
+                <a:lumMod val="60000"/>
+                <a:lumOff val="40000"/>
+              </a:schemeClr>
+            </a:solidFill>
+          </a:ln>
+        </p:spPr>
+        <p:style>
+          <a:lnRef idx="2">
+            <a:schemeClr val="accent1">
+              <a:shade val="50000"/>
+            </a:schemeClr>
+          </a:lnRef>
+          <a:fillRef idx="1">
+            <a:schemeClr val="accent1"/>
+          </a:fillRef>
+          <a:effectRef idx="0">
+            <a:schemeClr val="accent1"/>
+          </a:effectRef>
+          <a:fontRef idx="minor">
+            <a:schemeClr val="lt1"/>
+          </a:fontRef>
+        </p:style>
+        <p:txBody>
+          <a:bodyPr wrap="square" rtlCol="0" anchor="ctr">
+            <a:noAutofit/>
+          </a:bodyPr>
+          <a:lstStyle/>
+          <a:p>
+            <a:pPr algn="ctr"/>
+            <a:endParaRPr lang="en-US">
+              <a:solidFill>
+                <a:prstClr val="white"/>
+              </a:solidFill>
+              <a:latin typeface="Avenir Next LT Pro Light"/>
+            </a:endParaRPr>
           </a:p>
         </p:txBody>
       </p:sp>
@@ -17420,14 +17706,14 @@
             <p:ph idx="1"/>
             <p:extLst>
               <p:ext uri="{D42A27DB-BD31-4B8C-83A1-F6EECF244321}">
-                <p14:modId xmlns:p14="http://schemas.microsoft.com/office/powerpoint/2010/main" val="1886172002"/>
+                <p14:modId xmlns:p14="http://schemas.microsoft.com/office/powerpoint/2010/main" val="423511495"/>
               </p:ext>
             </p:extLst>
           </p:nvPr>
         </p:nvGraphicFramePr>
         <p:xfrm>
-          <a:off x="762000" y="2286000"/>
-          <a:ext cx="10668000" cy="3817938"/>
+          <a:off x="4572000" y="1524000"/>
+          <a:ext cx="6858000" cy="4572000"/>
         </p:xfrm>
         <a:graphic>
           <a:graphicData uri="http://schemas.openxmlformats.org/drawingml/2006/diagram">
@@ -19069,7 +19355,7 @@
         </p:nvSpPr>
         <p:spPr>
           <a:xfrm>
-            <a:off x="718751" y="762000"/>
+            <a:off x="407466" y="2415703"/>
             <a:ext cx="3598808" cy="2286000"/>
           </a:xfrm>
         </p:spPr>
@@ -19080,12 +19366,12 @@
           <a:lstStyle/>
           <a:p>
             <a:r>
-              <a:rPr lang="en-GB" sz="3200">
+              <a:rPr lang="en-GB" dirty="0">
                 <a:solidFill>
                   <a:srgbClr val="FFFFFF"/>
                 </a:solidFill>
               </a:rPr>
-              <a:t>Problems we had</a:t>
+              <a:t>Encountered problems</a:t>
             </a:r>
           </a:p>
         </p:txBody>
@@ -19106,7 +19392,7 @@
             <p:ph idx="1"/>
             <p:extLst>
               <p:ext uri="{D42A27DB-BD31-4B8C-83A1-F6EECF244321}">
-                <p14:modId xmlns:p14="http://schemas.microsoft.com/office/powerpoint/2010/main" val="3598430684"/>
+                <p14:modId xmlns:p14="http://schemas.microsoft.com/office/powerpoint/2010/main" val="1760521117"/>
               </p:ext>
             </p:extLst>
           </p:nvPr>
@@ -19117,7 +19403,7 @@
         </p:xfrm>
         <a:graphic>
           <a:graphicData uri="http://schemas.openxmlformats.org/drawingml/2006/diagram">
-            <dgm:relIds xmlns:dgm="http://schemas.openxmlformats.org/drawingml/2006/diagram" xmlns:r="http://schemas.openxmlformats.org/officeDocument/2006/relationships" r:dm="rId2" r:lo="rId3" r:qs="rId4" r:cs="rId5"/>
+            <dgm:relIds xmlns:dgm="http://schemas.openxmlformats.org/drawingml/2006/diagram" xmlns:r="http://schemas.openxmlformats.org/officeDocument/2006/relationships" r:dm="rId3" r:lo="rId4" r:qs="rId5" r:cs="rId6"/>
           </a:graphicData>
         </a:graphic>
       </p:graphicFrame>
@@ -19250,7 +19536,15 @@
           <p:nvPr/>
         </p:nvPicPr>
         <p:blipFill rotWithShape="1">
-          <a:blip r:embed="rId3"/>
+          <a:blip r:embed="rId3">
+            <a:duotone>
+              <a:prstClr val="black"/>
+              <a:srgbClr val="D9C3A5">
+                <a:tint val="50000"/>
+                <a:satMod val="180000"/>
+              </a:srgbClr>
+            </a:duotone>
+          </a:blip>
           <a:srcRect l="23699" r="20931"/>
           <a:stretch/>
         </p:blipFill>
@@ -19652,14 +19946,23 @@
           <a:p>
             <a:r>
               <a:rPr lang="en-GB" sz="2400" dirty="0"/>
-              <a:t>Visualize more than one year</a:t>
+              <a:t>Visualize multiple years</a:t>
             </a:r>
           </a:p>
           <a:p>
             <a:r>
               <a:rPr lang="en-GB" sz="2400" dirty="0"/>
-              <a:t>Showcase the number of people more visually</a:t>
+              <a:t>Drop-down menu / search function</a:t>
             </a:r>
+          </a:p>
+          <a:p>
+            <a:r>
+              <a:rPr lang="en-GB" sz="2400" dirty="0"/>
+              <a:t>Integrate larger data set</a:t>
+            </a:r>
+          </a:p>
+          <a:p>
+            <a:endParaRPr lang="en-GB" sz="2400" dirty="0"/>
           </a:p>
           <a:p>
             <a:endParaRPr lang="en-GB" sz="2400" dirty="0"/>
@@ -19695,8 +19998,8 @@
           <a:lstStyle/>
           <a:p>
             <a:r>
-              <a:rPr lang="en-GB" sz="3200"/>
-              <a:t>Possible improvements / Future Steps</a:t>
+              <a:rPr lang="en-GB" dirty="0"/>
+              <a:t>Possible improvements</a:t>
             </a:r>
           </a:p>
         </p:txBody>
@@ -19714,45 +20017,248 @@
 </p:sld>
 </file>
 
+<file path=ppt/slides/slide8.xml><?xml version="1.0" encoding="utf-8"?>
+<p:sld xmlns:a="http://schemas.openxmlformats.org/drawingml/2006/main" xmlns:r="http://schemas.openxmlformats.org/officeDocument/2006/relationships" xmlns:p="http://schemas.openxmlformats.org/presentationml/2006/main">
+  <p:cSld>
+    <p:spTree>
+      <p:nvGrpSpPr>
+        <p:cNvPr id="1" name=""/>
+        <p:cNvGrpSpPr/>
+        <p:nvPr/>
+      </p:nvGrpSpPr>
+      <p:grpSpPr>
+        <a:xfrm>
+          <a:off x="0" y="0"/>
+          <a:ext cx="0" cy="0"/>
+          <a:chOff x="0" y="0"/>
+          <a:chExt cx="0" cy="0"/>
+        </a:xfrm>
+      </p:grpSpPr>
+      <p:pic>
+        <p:nvPicPr>
+          <p:cNvPr id="4" name="Picture 3" descr="Ein Bild, das Himmel, Karte, Text enthält.&#10;&#10;Automatisch generierte Beschreibung">
+            <a:extLst>
+              <a:ext uri="{FF2B5EF4-FFF2-40B4-BE49-F238E27FC236}">
+                <a16:creationId xmlns:a16="http://schemas.microsoft.com/office/drawing/2014/main" id="{F55C2697-4088-4C7B-8447-AEE62F2519D8}"/>
+              </a:ext>
+            </a:extLst>
+          </p:cNvPr>
+          <p:cNvPicPr>
+            <a:picLocks noChangeAspect="1"/>
+          </p:cNvPicPr>
+          <p:nvPr/>
+        </p:nvPicPr>
+        <p:blipFill rotWithShape="1">
+          <a:blip r:embed="rId3"/>
+          <a:srcRect t="3805" r="-1" b="-1"/>
+          <a:stretch/>
+        </p:blipFill>
+        <p:spPr>
+          <a:xfrm>
+            <a:off x="5264728" y="2"/>
+            <a:ext cx="6927272" cy="5330949"/>
+          </a:xfrm>
+          <a:custGeom>
+            <a:avLst/>
+            <a:gdLst/>
+            <a:ahLst/>
+            <a:cxnLst/>
+            <a:rect l="l" t="t" r="r" b="b"/>
+            <a:pathLst>
+              <a:path w="6927272" h="5330949">
+                <a:moveTo>
+                  <a:pt x="0" y="0"/>
+                </a:moveTo>
+                <a:lnTo>
+                  <a:pt x="6927272" y="0"/>
+                </a:lnTo>
+                <a:lnTo>
+                  <a:pt x="6927272" y="3912793"/>
+                </a:lnTo>
+                <a:lnTo>
+                  <a:pt x="6884989" y="4002742"/>
+                </a:lnTo>
+                <a:cubicBezTo>
+                  <a:pt x="6799406" y="4174873"/>
+                  <a:pt x="6702812" y="4339578"/>
+                  <a:pt x="6592028" y="4494163"/>
+                </a:cubicBezTo>
+                <a:cubicBezTo>
+                  <a:pt x="5802121" y="5596640"/>
+                  <a:pt x="4821632" y="5380883"/>
+                  <a:pt x="3742808" y="5122218"/>
+                </a:cubicBezTo>
+                <a:cubicBezTo>
+                  <a:pt x="2131653" y="4735722"/>
+                  <a:pt x="759367" y="4191689"/>
+                  <a:pt x="326623" y="2148182"/>
+                </a:cubicBezTo>
+                <a:cubicBezTo>
+                  <a:pt x="186907" y="1488770"/>
+                  <a:pt x="67840" y="834043"/>
+                  <a:pt x="13721" y="201231"/>
+                </a:cubicBezTo>
+                <a:close/>
+              </a:path>
+            </a:pathLst>
+          </a:custGeom>
+        </p:spPr>
+      </p:pic>
+      <p:sp>
+        <p:nvSpPr>
+          <p:cNvPr id="2" name="Titel 1">
+            <a:extLst>
+              <a:ext uri="{FF2B5EF4-FFF2-40B4-BE49-F238E27FC236}">
+                <a16:creationId xmlns:a16="http://schemas.microsoft.com/office/drawing/2014/main" id="{3DF7F1FE-0CC1-4B98-8928-D6A052404A1A}"/>
+              </a:ext>
+            </a:extLst>
+          </p:cNvPr>
+          <p:cNvSpPr>
+            <a:spLocks noGrp="1"/>
+          </p:cNvSpPr>
+          <p:nvPr>
+            <p:ph type="ctrTitle"/>
+          </p:nvPr>
+        </p:nvSpPr>
+        <p:spPr>
+          <a:xfrm>
+            <a:off x="761999" y="1523999"/>
+            <a:ext cx="4974609" cy="3612107"/>
+          </a:xfrm>
+        </p:spPr>
+        <p:txBody>
+          <a:bodyPr>
+            <a:noAutofit/>
+          </a:bodyPr>
+          <a:lstStyle/>
+          <a:p>
+            <a:pPr algn="l"/>
+            <a:r>
+              <a:rPr lang="de-DE" sz="4400" dirty="0"/>
+              <a:t>Assignment 3 – Flow </a:t>
+            </a:r>
+            <a:r>
+              <a:rPr lang="de-DE" sz="4400" dirty="0" err="1"/>
+              <a:t>Map</a:t>
+            </a:r>
+            <a:endParaRPr lang="en-GB" sz="4400" dirty="0"/>
+          </a:p>
+        </p:txBody>
+      </p:sp>
+      <p:sp>
+        <p:nvSpPr>
+          <p:cNvPr id="3" name="Untertitel 2">
+            <a:extLst>
+              <a:ext uri="{FF2B5EF4-FFF2-40B4-BE49-F238E27FC236}">
+                <a16:creationId xmlns:a16="http://schemas.microsoft.com/office/drawing/2014/main" id="{CF2C2193-D521-46E4-A989-B9CA3072BCB6}"/>
+              </a:ext>
+            </a:extLst>
+          </p:cNvPr>
+          <p:cNvSpPr>
+            <a:spLocks noGrp="1"/>
+          </p:cNvSpPr>
+          <p:nvPr>
+            <p:ph type="subTitle" idx="1"/>
+          </p:nvPr>
+        </p:nvSpPr>
+        <p:spPr>
+          <a:xfrm>
+            <a:off x="5424985" y="5268401"/>
+            <a:ext cx="4572000" cy="1524000"/>
+          </a:xfrm>
+        </p:spPr>
+        <p:txBody>
+          <a:bodyPr>
+            <a:normAutofit/>
+          </a:bodyPr>
+          <a:lstStyle/>
+          <a:p>
+            <a:pPr algn="l">
+              <a:lnSpc>
+                <a:spcPct val="100000"/>
+              </a:lnSpc>
+              <a:spcBef>
+                <a:spcPts val="600"/>
+              </a:spcBef>
+            </a:pPr>
+            <a:r>
+              <a:rPr lang="en-GB" dirty="0"/>
+              <a:t>by Elena Gaus </a:t>
+            </a:r>
+          </a:p>
+          <a:p>
+            <a:pPr algn="l">
+              <a:lnSpc>
+                <a:spcPct val="100000"/>
+              </a:lnSpc>
+              <a:spcBef>
+                <a:spcPts val="600"/>
+              </a:spcBef>
+            </a:pPr>
+            <a:r>
+              <a:rPr lang="en-GB" dirty="0"/>
+              <a:t>and Madeleine </a:t>
+            </a:r>
+            <a:r>
+              <a:rPr lang="en-GB" dirty="0" err="1"/>
+              <a:t>Pinkelnig</a:t>
+            </a:r>
+            <a:endParaRPr lang="en-GB" dirty="0"/>
+          </a:p>
+        </p:txBody>
+      </p:sp>
+    </p:spTree>
+    <p:extLst>
+      <p:ext uri="{BB962C8B-B14F-4D97-AF65-F5344CB8AC3E}">
+        <p14:creationId xmlns:p14="http://schemas.microsoft.com/office/powerpoint/2010/main" val="2078666369"/>
+      </p:ext>
+    </p:extLst>
+  </p:cSld>
+  <p:clrMapOvr>
+    <a:masterClrMapping/>
+  </p:clrMapOvr>
+</p:sld>
+</file>
+
 <file path=ppt/theme/theme1.xml><?xml version="1.0" encoding="utf-8"?>
 <a:theme xmlns:a="http://schemas.openxmlformats.org/drawingml/2006/main" name="PebbleVTI">
   <a:themeElements>
-    <a:clrScheme name="Blush 3">
+    <a:clrScheme name="Orange">
       <a:dk1>
-        <a:sysClr val="windowText" lastClr="000000"/>
+        <a:srgbClr val="000000"/>
       </a:dk1>
       <a:lt1>
         <a:sysClr val="window" lastClr="FFFFFF"/>
       </a:lt1>
       <a:dk2>
-        <a:srgbClr val="B15E4E"/>
+        <a:srgbClr val="637052"/>
       </a:dk2>
       <a:lt2>
-        <a:srgbClr val="FFFFFF"/>
+        <a:srgbClr val="CCDDEA"/>
       </a:lt2>
       <a:accent1>
-        <a:srgbClr val="C5B096"/>
+        <a:srgbClr val="E48312"/>
       </a:accent1>
       <a:accent2>
-        <a:srgbClr val="ECA855"/>
+        <a:srgbClr val="BD582C"/>
       </a:accent2>
       <a:accent3>
-        <a:srgbClr val="9BBFB0"/>
+        <a:srgbClr val="865640"/>
       </a:accent3>
       <a:accent4>
-        <a:srgbClr val="A9AEA7"/>
+        <a:srgbClr val="9B8357"/>
       </a:accent4>
       <a:accent5>
-        <a:srgbClr val="6A787C"/>
+        <a:srgbClr val="C2BC80"/>
       </a:accent5>
       <a:accent6>
-        <a:srgbClr val="3B4345"/>
+        <a:srgbClr val="94A088"/>
       </a:accent6>
       <a:hlink>
-        <a:srgbClr val="ECA855"/>
+        <a:srgbClr val="2998E3"/>
       </a:hlink>
       <a:folHlink>
-        <a:srgbClr val="6A392F"/>
+        <a:srgbClr val="8C8C8C"/>
       </a:folHlink>
     </a:clrScheme>
     <a:fontScheme name="Custom 4">
